--- a/PPTs/04_dependencies_and_modules.pptx
+++ b/PPTs/04_dependencies_and_modules.pptx
@@ -5,10 +5,10 @@
     <p:sldMasterId id="2147484229" r:id="rId4"/>
   </p:sldMasterIdLst>
   <p:notesMasterIdLst>
-    <p:notesMasterId r:id="rId19"/>
+    <p:notesMasterId r:id="rId22"/>
   </p:notesMasterIdLst>
   <p:handoutMasterIdLst>
-    <p:handoutMasterId r:id="rId20"/>
+    <p:handoutMasterId r:id="rId23"/>
   </p:handoutMasterIdLst>
   <p:sldIdLst>
     <p:sldId id="1663" r:id="rId5"/>
@@ -18,13 +18,16 @@
     <p:sldId id="2067" r:id="rId9"/>
     <p:sldId id="2065" r:id="rId10"/>
     <p:sldId id="2068" r:id="rId11"/>
-    <p:sldId id="2069" r:id="rId12"/>
-    <p:sldId id="2070" r:id="rId13"/>
-    <p:sldId id="2071" r:id="rId14"/>
-    <p:sldId id="2072" r:id="rId15"/>
-    <p:sldId id="2073" r:id="rId16"/>
-    <p:sldId id="1893" r:id="rId17"/>
-    <p:sldId id="1532" r:id="rId18"/>
+    <p:sldId id="2076" r:id="rId12"/>
+    <p:sldId id="2069" r:id="rId13"/>
+    <p:sldId id="2070" r:id="rId14"/>
+    <p:sldId id="2071" r:id="rId15"/>
+    <p:sldId id="2074" r:id="rId16"/>
+    <p:sldId id="2072" r:id="rId17"/>
+    <p:sldId id="2075" r:id="rId18"/>
+    <p:sldId id="2073" r:id="rId19"/>
+    <p:sldId id="1893" r:id="rId20"/>
+    <p:sldId id="1532" r:id="rId21"/>
   </p:sldIdLst>
   <p:sldSz cx="12192000" cy="6858000"/>
   <p:notesSz cx="6858000" cy="9144000"/>
@@ -143,10 +146,13 @@
         <p14:section name="Modules" id="{EA80008B-50FC-4C21-9B70-D81B8101714E}">
           <p14:sldIdLst>
             <p14:sldId id="2068"/>
+            <p14:sldId id="2076"/>
             <p14:sldId id="2069"/>
             <p14:sldId id="2070"/>
             <p14:sldId id="2071"/>
+            <p14:sldId id="2074"/>
             <p14:sldId id="2072"/>
+            <p14:sldId id="2075"/>
             <p14:sldId id="2073"/>
           </p14:sldIdLst>
         </p14:section>
@@ -5697,7 +5703,7 @@
               <a:rPr lang="en-US" smtClean="0">
                 <a:latin typeface="Segoe UI" pitchFamily="34" charset="0"/>
               </a:rPr>
-              <a:t>6/9/2020 9:37 PM</a:t>
+              <a:t>1/4/2023 9:00 AM</a:t>
             </a:fld>
             <a:endParaRPr lang="en-US" dirty="0">
               <a:latin typeface="Segoe UI" pitchFamily="34" charset="0"/>
@@ -5975,7 +5981,7 @@
           <a:p>
             <a:fld id="{386CE63F-9E7F-4C04-9D0D-FCA25A8E9E86}" type="datetime8">
               <a:rPr lang="en-US" smtClean="0"/>
-              <a:t>6/9/2020 9:37 PM</a:t>
+              <a:t>1/4/2023 8:45 AM</a:t>
             </a:fld>
             <a:endParaRPr lang="en-US" dirty="0"/>
           </a:p>
@@ -6342,7 +6348,7 @@
           <a:p>
             <a:fld id="{321E5A7B-BB8D-4368-A182-109669521632}" type="datetime8">
               <a:rPr lang="en-US" smtClean="0"/>
-              <a:t>6/9/2020 9:37 PM</a:t>
+              <a:t>1/4/2023 8:45 AM</a:t>
             </a:fld>
             <a:endParaRPr lang="en-US" dirty="0"/>
           </a:p>
@@ -6431,16 +6437,7 @@
           <a:p>
             <a:r>
               <a:rPr lang="en-GB" dirty="0"/>
-              <a:t>Don’t mutate the modules from official registry. If planning to do so, then make it custom and manage it separately in your own module source because version upgrades to original module will break changes if you accidentally update them. </a:t>
-            </a:r>
-          </a:p>
-          <a:p>
-            <a:endParaRPr lang="en-GB" dirty="0"/>
-          </a:p>
-          <a:p>
-            <a:r>
-              <a:rPr lang="en-GB" dirty="0"/>
-              <a:t>It’s best not to mutate community maintained / official modules.</a:t>
+              <a:t>Module sources can be remote git repos, private registries, etc.</a:t>
             </a:r>
           </a:p>
         </p:txBody>
@@ -6535,7 +6532,7 @@
           <a:p>
             <a:fld id="{386CE63F-9E7F-4C04-9D0D-FCA25A8E9E86}" type="datetime8">
               <a:rPr lang="en-US" smtClean="0"/>
-              <a:t>6/9/2020 11:36 PM</a:t>
+              <a:t>1/4/2023 8:45 AM</a:t>
             </a:fld>
             <a:endParaRPr lang="en-US" dirty="0"/>
           </a:p>
@@ -6568,7 +6565,7 @@
     </p:spTree>
     <p:extLst>
       <p:ext uri="{BB962C8B-B14F-4D97-AF65-F5344CB8AC3E}">
-        <p14:creationId xmlns:p14="http://schemas.microsoft.com/office/powerpoint/2010/main" val="4268719133"/>
+        <p14:creationId xmlns:p14="http://schemas.microsoft.com/office/powerpoint/2010/main" val="1647369797"/>
       </p:ext>
     </p:extLst>
   </p:cSld>
@@ -6624,21 +6621,17 @@
           <a:p>
             <a:r>
               <a:rPr lang="en-GB" dirty="0"/>
-              <a:t>Show both local and remote flow. (re </a:t>
-            </a:r>
-            <a:r>
-              <a:rPr lang="en-GB" dirty="0" err="1"/>
-              <a:t>init</a:t>
-            </a:r>
+              <a:t>Don’t mutate the modules from official registry. If planning to do so, then make it custom and manage it separately in your own module source because version upgrades to original module will break changes if you accidentally update them. </a:t>
+            </a:r>
+          </a:p>
+          <a:p>
+            <a:endParaRPr lang="en-GB" dirty="0"/>
+          </a:p>
+          <a:p>
             <a:r>
               <a:rPr lang="en-GB" dirty="0"/>
-              <a:t> </a:t>
-            </a:r>
-            <a:r>
-              <a:rPr lang="en-GB"/>
-              <a:t>as needed)</a:t>
-            </a:r>
-            <a:endParaRPr lang="en-GB" dirty="0"/>
+              <a:t>It’s best not to mutate community maintained / official modules.</a:t>
+            </a:r>
           </a:p>
         </p:txBody>
       </p:sp>
@@ -6732,7 +6725,7 @@
           <a:p>
             <a:fld id="{386CE63F-9E7F-4C04-9D0D-FCA25A8E9E86}" type="datetime8">
               <a:rPr lang="en-US" smtClean="0"/>
-              <a:t>6/9/2020 11:39 PM</a:t>
+              <a:t>1/4/2023 8:45 AM</a:t>
             </a:fld>
             <a:endParaRPr lang="en-US" dirty="0"/>
           </a:p>
@@ -6756,7 +6749,7 @@
             <a:fld id="{B4008EB6-D09E-4580-8CD6-DDB14511944F}" type="slidenum">
               <a:rPr lang="en-US" smtClean="0"/>
               <a:pPr/>
-              <a:t>12</a:t>
+              <a:t>13</a:t>
             </a:fld>
             <a:endParaRPr lang="en-US" dirty="0"/>
           </a:p>
@@ -6765,7 +6758,7 @@
     </p:spTree>
     <p:extLst>
       <p:ext uri="{BB962C8B-B14F-4D97-AF65-F5344CB8AC3E}">
-        <p14:creationId xmlns:p14="http://schemas.microsoft.com/office/powerpoint/2010/main" val="3228614431"/>
+        <p14:creationId xmlns:p14="http://schemas.microsoft.com/office/powerpoint/2010/main" val="4268719133"/>
       </p:ext>
     </p:extLst>
   </p:cSld>
@@ -6819,6 +6812,203 @@
           <a:bodyPr/>
           <a:lstStyle/>
           <a:p>
+            <a:r>
+              <a:rPr lang="en-GB" dirty="0"/>
+              <a:t>Show both local and remote flow. (re </a:t>
+            </a:r>
+            <a:r>
+              <a:rPr lang="en-GB" dirty="0" err="1"/>
+              <a:t>init</a:t>
+            </a:r>
+            <a:r>
+              <a:rPr lang="en-GB" dirty="0"/>
+              <a:t> </a:t>
+            </a:r>
+            <a:r>
+              <a:rPr lang="en-GB"/>
+              <a:t>as needed)</a:t>
+            </a:r>
+            <a:endParaRPr lang="en-GB" dirty="0"/>
+          </a:p>
+        </p:txBody>
+      </p:sp>
+      <p:sp>
+        <p:nvSpPr>
+          <p:cNvPr id="4" name="Header Placeholder 3"/>
+          <p:cNvSpPr>
+            <a:spLocks noGrp="1"/>
+          </p:cNvSpPr>
+          <p:nvPr>
+            <p:ph type="hdr" sz="quarter"/>
+          </p:nvPr>
+        </p:nvSpPr>
+        <p:spPr/>
+        <p:txBody>
+          <a:bodyPr/>
+          <a:lstStyle/>
+          <a:p>
+            <a:endParaRPr lang="en-US" dirty="0"/>
+          </a:p>
+        </p:txBody>
+      </p:sp>
+      <p:sp>
+        <p:nvSpPr>
+          <p:cNvPr id="5" name="Footer Placeholder 4"/>
+          <p:cNvSpPr>
+            <a:spLocks noGrp="1"/>
+          </p:cNvSpPr>
+          <p:nvPr>
+            <p:ph type="ftr" sz="quarter" idx="4"/>
+          </p:nvPr>
+        </p:nvSpPr>
+        <p:spPr/>
+        <p:txBody>
+          <a:bodyPr/>
+          <a:lstStyle/>
+          <a:p>
+            <a:pPr defTabSz="914099" eaLnBrk="0" hangingPunct="0"/>
+            <a:r>
+              <a:rPr lang="en-US" sz="400">
+                <a:gradFill>
+                  <a:gsLst>
+                    <a:gs pos="0">
+                      <a:prstClr val="black"/>
+                    </a:gs>
+                    <a:gs pos="100000">
+                      <a:prstClr val="black"/>
+                    </a:gs>
+                  </a:gsLst>
+                  <a:lin ang="5400000" scaled="0"/>
+                </a:gradFill>
+                <a:latin typeface="Segoe UI" pitchFamily="34" charset="0"/>
+                <a:ea typeface="Segoe UI" pitchFamily="34" charset="0"/>
+                <a:cs typeface="Segoe UI" pitchFamily="34" charset="0"/>
+              </a:rPr>
+              <a:t>© Microsoft Corporation. All rights reserved. MICROSOFT MAKES NO WARRANTIES, EXPRESS, IMPLIED OR STATUTORY, AS TO THE INFORMATION IN THIS PRESENTATION.</a:t>
+            </a:r>
+            <a:endParaRPr lang="en-US" sz="400" dirty="0">
+              <a:gradFill>
+                <a:gsLst>
+                  <a:gs pos="0">
+                    <a:prstClr val="black"/>
+                  </a:gs>
+                  <a:gs pos="100000">
+                    <a:prstClr val="black"/>
+                  </a:gs>
+                </a:gsLst>
+                <a:lin ang="5400000" scaled="0"/>
+              </a:gradFill>
+              <a:latin typeface="Segoe UI" pitchFamily="34" charset="0"/>
+              <a:ea typeface="Segoe UI" pitchFamily="34" charset="0"/>
+              <a:cs typeface="Segoe UI" pitchFamily="34" charset="0"/>
+            </a:endParaRPr>
+          </a:p>
+        </p:txBody>
+      </p:sp>
+      <p:sp>
+        <p:nvSpPr>
+          <p:cNvPr id="6" name="Date Placeholder 5"/>
+          <p:cNvSpPr>
+            <a:spLocks noGrp="1"/>
+          </p:cNvSpPr>
+          <p:nvPr>
+            <p:ph type="dt" idx="1"/>
+          </p:nvPr>
+        </p:nvSpPr>
+        <p:spPr/>
+        <p:txBody>
+          <a:bodyPr/>
+          <a:lstStyle/>
+          <a:p>
+            <a:fld id="{386CE63F-9E7F-4C04-9D0D-FCA25A8E9E86}" type="datetime8">
+              <a:rPr lang="en-US" smtClean="0"/>
+              <a:t>1/4/2023 8:45 AM</a:t>
+            </a:fld>
+            <a:endParaRPr lang="en-US" dirty="0"/>
+          </a:p>
+        </p:txBody>
+      </p:sp>
+      <p:sp>
+        <p:nvSpPr>
+          <p:cNvPr id="7" name="Slide Number Placeholder 6"/>
+          <p:cNvSpPr>
+            <a:spLocks noGrp="1"/>
+          </p:cNvSpPr>
+          <p:nvPr>
+            <p:ph type="sldNum" sz="quarter" idx="5"/>
+          </p:nvPr>
+        </p:nvSpPr>
+        <p:spPr/>
+        <p:txBody>
+          <a:bodyPr/>
+          <a:lstStyle/>
+          <a:p>
+            <a:fld id="{B4008EB6-D09E-4580-8CD6-DDB14511944F}" type="slidenum">
+              <a:rPr lang="en-US" smtClean="0"/>
+              <a:pPr/>
+              <a:t>15</a:t>
+            </a:fld>
+            <a:endParaRPr lang="en-US" dirty="0"/>
+          </a:p>
+        </p:txBody>
+      </p:sp>
+    </p:spTree>
+    <p:extLst>
+      <p:ext uri="{BB962C8B-B14F-4D97-AF65-F5344CB8AC3E}">
+        <p14:creationId xmlns:p14="http://schemas.microsoft.com/office/powerpoint/2010/main" val="3228614431"/>
+      </p:ext>
+    </p:extLst>
+  </p:cSld>
+  <p:clrMapOvr>
+    <a:masterClrMapping/>
+  </p:clrMapOvr>
+</p:notes>
+</file>
+
+<file path=ppt/notesSlides/notesSlide13.xml><?xml version="1.0" encoding="utf-8"?>
+<p:notes xmlns:a="http://schemas.openxmlformats.org/drawingml/2006/main" xmlns:r="http://schemas.openxmlformats.org/officeDocument/2006/relationships" xmlns:p="http://schemas.openxmlformats.org/presentationml/2006/main">
+  <p:cSld>
+    <p:spTree>
+      <p:nvGrpSpPr>
+        <p:cNvPr id="1" name=""/>
+        <p:cNvGrpSpPr/>
+        <p:nvPr/>
+      </p:nvGrpSpPr>
+      <p:grpSpPr>
+        <a:xfrm>
+          <a:off x="0" y="0"/>
+          <a:ext cx="0" cy="0"/>
+          <a:chOff x="0" y="0"/>
+          <a:chExt cx="0" cy="0"/>
+        </a:xfrm>
+      </p:grpSpPr>
+      <p:sp>
+        <p:nvSpPr>
+          <p:cNvPr id="2" name="Slide Image Placeholder 1"/>
+          <p:cNvSpPr>
+            <a:spLocks noGrp="1" noRot="1" noChangeAspect="1"/>
+          </p:cNvSpPr>
+          <p:nvPr>
+            <p:ph type="sldImg"/>
+          </p:nvPr>
+        </p:nvSpPr>
+        <p:spPr/>
+      </p:sp>
+      <p:sp>
+        <p:nvSpPr>
+          <p:cNvPr id="3" name="Notes Placeholder 2"/>
+          <p:cNvSpPr>
+            <a:spLocks noGrp="1"/>
+          </p:cNvSpPr>
+          <p:nvPr>
+            <p:ph type="body" idx="1"/>
+          </p:nvPr>
+        </p:nvSpPr>
+        <p:spPr/>
+        <p:txBody>
+          <a:bodyPr/>
+          <a:lstStyle/>
+          <a:p>
             <a:endParaRPr lang="en-US" dirty="0"/>
           </a:p>
         </p:txBody>
@@ -6897,7 +7087,7 @@
           <a:p>
             <a:fld id="{9427A7F7-BB1E-479D-AFAA-B52F4D0C99F2}" type="datetime8">
               <a:rPr lang="en-US" smtClean="0"/>
-              <a:t>6/9/2020 9:37 PM</a:t>
+              <a:t>1/4/2023 8:45 AM</a:t>
             </a:fld>
             <a:endParaRPr lang="en-US" dirty="0"/>
           </a:p>
@@ -6921,7 +7111,7 @@
             <a:fld id="{B4008EB6-D09E-4580-8CD6-DDB14511944F}" type="slidenum">
               <a:rPr lang="en-US" smtClean="0"/>
               <a:pPr/>
-              <a:t>13</a:t>
+              <a:t>16</a:t>
             </a:fld>
             <a:endParaRPr lang="en-US" dirty="0"/>
           </a:p>
@@ -6940,7 +7130,7 @@
 </p:notes>
 </file>
 
-<file path=ppt/notesSlides/notesSlide13.xml><?xml version="1.0" encoding="utf-8"?>
+<file path=ppt/notesSlides/notesSlide14.xml><?xml version="1.0" encoding="utf-8"?>
 <p:notes xmlns:a="http://schemas.openxmlformats.org/drawingml/2006/main" xmlns:r="http://schemas.openxmlformats.org/officeDocument/2006/relationships" xmlns:p="http://schemas.openxmlformats.org/presentationml/2006/main">
   <p:cSld>
     <p:spTree>
@@ -7047,7 +7237,7 @@
                   <a:prstClr val="black"/>
                 </a:solidFill>
               </a:rPr>
-              <a:t>6/9/2020 9:37 PM</a:t>
+              <a:t>1/4/2023 8:45 AM</a:t>
             </a:fld>
             <a:endParaRPr lang="en-US" dirty="0">
               <a:solidFill>
@@ -7079,7 +7269,7 @@
                 </a:solidFill>
               </a:rPr>
               <a:pPr/>
-              <a:t>14</a:t>
+              <a:t>17</a:t>
             </a:fld>
             <a:endParaRPr lang="en-US" dirty="0">
               <a:solidFill>
@@ -7339,7 +7529,7 @@
           <a:p>
             <a:fld id="{386CE63F-9E7F-4C04-9D0D-FCA25A8E9E86}" type="datetime8">
               <a:rPr lang="en-US" smtClean="0"/>
-              <a:t>6/9/2020 9:37 PM</a:t>
+              <a:t>1/4/2023 8:45 AM</a:t>
             </a:fld>
             <a:endParaRPr lang="en-US" dirty="0"/>
           </a:p>
@@ -7541,7 +7731,7 @@
           <a:p>
             <a:fld id="{386CE63F-9E7F-4C04-9D0D-FCA25A8E9E86}" type="datetime8">
               <a:rPr lang="en-US" smtClean="0"/>
-              <a:t>6/9/2020 10:35 PM</a:t>
+              <a:t>1/4/2023 8:45 AM</a:t>
             </a:fld>
             <a:endParaRPr lang="en-US" dirty="0"/>
           </a:p>
@@ -7737,7 +7927,7 @@
           <a:p>
             <a:fld id="{386CE63F-9E7F-4C04-9D0D-FCA25A8E9E86}" type="datetime8">
               <a:rPr lang="en-US" smtClean="0"/>
-              <a:t>6/9/2020 10:35 PM</a:t>
+              <a:t>1/4/2023 8:45 AM</a:t>
             </a:fld>
             <a:endParaRPr lang="en-US" dirty="0"/>
           </a:p>
@@ -7921,7 +8111,7 @@
           <a:p>
             <a:fld id="{386CE63F-9E7F-4C04-9D0D-FCA25A8E9E86}" type="datetime8">
               <a:rPr lang="en-US" smtClean="0"/>
-              <a:t>6/9/2020 10:37 PM</a:t>
+              <a:t>1/4/2023 8:45 AM</a:t>
             </a:fld>
             <a:endParaRPr lang="en-US" dirty="0"/>
           </a:p>
@@ -8009,62 +8199,9 @@
           <a:lstStyle/>
           <a:p>
             <a:r>
-              <a:rPr lang="en-GB" dirty="0">
-                <a:hlinkClick r:id="rId3"/>
-              </a:rPr>
-              <a:t>https://www.terraform.io/docs/modules/composition.html</a:t>
-            </a:r>
-            <a:endParaRPr lang="en-GB" dirty="0"/>
-          </a:p>
-          <a:p>
-            <a:endParaRPr lang="en-GB" dirty="0"/>
-          </a:p>
-          <a:p>
-            <a:r>
               <a:rPr lang="en-GB" dirty="0"/>
-              <a:t>Composition over deep-nesting</a:t>
-            </a:r>
-          </a:p>
-          <a:p>
-            <a:pPr marL="0" marR="0" lvl="0" indent="0" algn="l" defTabSz="914367" rtl="0" eaLnBrk="1" fontAlgn="auto" latinLnBrk="0" hangingPunct="1">
-              <a:lnSpc>
-                <a:spcPct val="90000"/>
-              </a:lnSpc>
-              <a:spcBef>
-                <a:spcPts val="0"/>
-              </a:spcBef>
-              <a:spcAft>
-                <a:spcPts val="333"/>
-              </a:spcAft>
-              <a:buClrTx/>
-              <a:buSzTx/>
-              <a:buFontTx/>
-              <a:buNone/>
-              <a:tabLst/>
-              <a:defRPr/>
-            </a:pPr>
-            <a:r>
-              <a:rPr lang="en-GB" dirty="0"/>
-              <a:t>Similar to a library or a package</a:t>
-            </a:r>
-          </a:p>
-          <a:p>
-            <a:endParaRPr lang="en-GB" dirty="0"/>
-          </a:p>
-          <a:p>
-            <a:r>
-              <a:rPr lang="en-GB" sz="882" b="0" i="0" kern="1200" dirty="0">
-                <a:solidFill>
-                  <a:schemeClr val="tx1"/>
-                </a:solidFill>
-                <a:effectLst/>
-                <a:latin typeface="Segoe UI" panose="020B0502040204020203" pitchFamily="34" charset="0"/>
-                <a:ea typeface="+mn-ea"/>
-                <a:cs typeface="+mn-cs"/>
-              </a:rPr>
-              <a:t>other benefit of using modules is to encapsulate configuration into distinct logical components</a:t>
-            </a:r>
-            <a:endParaRPr lang="en-GB" dirty="0"/>
+              <a:t>Explain the difference between a root module and a sub module for clarity moving forward.</a:t>
+            </a:r>
           </a:p>
         </p:txBody>
       </p:sp>
@@ -8158,7 +8295,7 @@
           <a:p>
             <a:fld id="{386CE63F-9E7F-4C04-9D0D-FCA25A8E9E86}" type="datetime8">
               <a:rPr lang="en-US" smtClean="0"/>
-              <a:t>6/9/2020 10:49 PM</a:t>
+              <a:t>1/4/2023 9:01 AM</a:t>
             </a:fld>
             <a:endParaRPr lang="en-US" dirty="0"/>
           </a:p>
@@ -8191,7 +8328,7 @@
     </p:spTree>
     <p:extLst>
       <p:ext uri="{BB962C8B-B14F-4D97-AF65-F5344CB8AC3E}">
-        <p14:creationId xmlns:p14="http://schemas.microsoft.com/office/powerpoint/2010/main" val="1518864970"/>
+        <p14:creationId xmlns:p14="http://schemas.microsoft.com/office/powerpoint/2010/main" val="1658776564"/>
       </p:ext>
     </p:extLst>
   </p:cSld>
@@ -8249,7 +8386,7 @@
               <a:rPr lang="en-GB" dirty="0">
                 <a:hlinkClick r:id="rId3"/>
               </a:rPr>
-              <a:t>https://learn.hashicorp.com/terraform/modules/creating-modules</a:t>
+              <a:t>https://www.terraform.io/docs/modules/composition.html</a:t>
             </a:r>
             <a:endParaRPr lang="en-GB" dirty="0"/>
           </a:p>
@@ -8257,13 +8394,51 @@
             <a:endParaRPr lang="en-GB" dirty="0"/>
           </a:p>
           <a:p>
+            <a:r>
+              <a:rPr lang="en-GB" dirty="0"/>
+              <a:t>Composition over deep-nesting</a:t>
+            </a:r>
+          </a:p>
+          <a:p>
+            <a:pPr marL="0" marR="0" lvl="0" indent="0" algn="l" defTabSz="914367" rtl="0" eaLnBrk="1" fontAlgn="auto" latinLnBrk="0" hangingPunct="1">
+              <a:lnSpc>
+                <a:spcPct val="90000"/>
+              </a:lnSpc>
+              <a:spcBef>
+                <a:spcPts val="0"/>
+              </a:spcBef>
+              <a:spcAft>
+                <a:spcPts val="333"/>
+              </a:spcAft>
+              <a:buClrTx/>
+              <a:buSzTx/>
+              <a:buFontTx/>
+              <a:buNone/>
+              <a:tabLst/>
+              <a:defRPr/>
+            </a:pPr>
+            <a:r>
+              <a:rPr lang="en-GB" dirty="0"/>
+              <a:t>Similar to a library or a package</a:t>
+            </a:r>
+          </a:p>
+          <a:p>
             <a:endParaRPr lang="en-GB" dirty="0"/>
           </a:p>
           <a:p>
             <a:r>
-              <a:rPr lang="en-GB" dirty="0"/>
-              <a:t>There aren’t any .tfvars because we will be passing in the values. Placing data inside makes modules less reusable.</a:t>
-            </a:r>
+              <a:rPr lang="en-GB" sz="882" b="0" i="0" kern="1200" dirty="0">
+                <a:solidFill>
+                  <a:schemeClr val="tx1"/>
+                </a:solidFill>
+                <a:effectLst/>
+                <a:latin typeface="Segoe UI" panose="020B0502040204020203" pitchFamily="34" charset="0"/>
+                <a:ea typeface="+mn-ea"/>
+                <a:cs typeface="+mn-cs"/>
+              </a:rPr>
+              <a:t>other benefit of using modules is to encapsulate configuration into distinct logical components</a:t>
+            </a:r>
+            <a:endParaRPr lang="en-GB" dirty="0"/>
           </a:p>
         </p:txBody>
       </p:sp>
@@ -8357,7 +8532,7 @@
           <a:p>
             <a:fld id="{386CE63F-9E7F-4C04-9D0D-FCA25A8E9E86}" type="datetime8">
               <a:rPr lang="en-US" smtClean="0"/>
-              <a:t>6/9/2020 11:05 PM</a:t>
+              <a:t>1/4/2023 8:45 AM</a:t>
             </a:fld>
             <a:endParaRPr lang="en-US" dirty="0"/>
           </a:p>
@@ -8390,7 +8565,7 @@
     </p:spTree>
     <p:extLst>
       <p:ext uri="{BB962C8B-B14F-4D97-AF65-F5344CB8AC3E}">
-        <p14:creationId xmlns:p14="http://schemas.microsoft.com/office/powerpoint/2010/main" val="2244993832"/>
+        <p14:creationId xmlns:p14="http://schemas.microsoft.com/office/powerpoint/2010/main" val="1518864970"/>
       </p:ext>
     </p:extLst>
   </p:cSld>
@@ -8445,8 +8620,23 @@
           <a:lstStyle/>
           <a:p>
             <a:r>
+              <a:rPr lang="en-GB" dirty="0">
+                <a:hlinkClick r:id="rId3"/>
+              </a:rPr>
+              <a:t>https://learn.hashicorp.com/terraform/modules/creating-modules</a:t>
+            </a:r>
+            <a:endParaRPr lang="en-GB" dirty="0"/>
+          </a:p>
+          <a:p>
+            <a:endParaRPr lang="en-GB" dirty="0"/>
+          </a:p>
+          <a:p>
+            <a:endParaRPr lang="en-GB" dirty="0"/>
+          </a:p>
+          <a:p>
+            <a:r>
               <a:rPr lang="en-GB" dirty="0"/>
-              <a:t>Module sources can be remote git repos, private registries, etc.</a:t>
+              <a:t>There aren’t any .tfvars because we will be passing in the values. Placing data inside makes modules less reusable.</a:t>
             </a:r>
           </a:p>
         </p:txBody>
@@ -8541,7 +8731,7 @@
           <a:p>
             <a:fld id="{386CE63F-9E7F-4C04-9D0D-FCA25A8E9E86}" type="datetime8">
               <a:rPr lang="en-US" smtClean="0"/>
-              <a:t>6/9/2020 11:34 PM</a:t>
+              <a:t>1/4/2023 8:45 AM</a:t>
             </a:fld>
             <a:endParaRPr lang="en-US" dirty="0"/>
           </a:p>
@@ -8574,7 +8764,7 @@
     </p:spTree>
     <p:extLst>
       <p:ext uri="{BB962C8B-B14F-4D97-AF65-F5344CB8AC3E}">
-        <p14:creationId xmlns:p14="http://schemas.microsoft.com/office/powerpoint/2010/main" val="1647369797"/>
+        <p14:creationId xmlns:p14="http://schemas.microsoft.com/office/powerpoint/2010/main" val="2244993832"/>
       </p:ext>
     </p:extLst>
   </p:cSld>
@@ -18575,14 +18765,6 @@
           <a:bodyPr/>
           <a:lstStyle/>
           <a:p>
-            <a:r>
-              <a:rPr lang="en-US" dirty="0"/>
-              <a:t>Subtitle or </a:t>
-            </a:r>
-            <a:r>
-              <a:rPr lang="en-US"/>
-              <a:t>speaker name</a:t>
-            </a:r>
             <a:endParaRPr lang="en-US" dirty="0"/>
           </a:p>
         </p:txBody>
@@ -18604,6 +18786,214 @@
 </file>
 
 <file path=ppt/slides/slide10.xml><?xml version="1.0" encoding="utf-8"?>
+<p:sld xmlns:a="http://schemas.openxmlformats.org/drawingml/2006/main" xmlns:r="http://schemas.openxmlformats.org/officeDocument/2006/relationships" xmlns:p="http://schemas.openxmlformats.org/presentationml/2006/main">
+  <p:cSld>
+    <p:spTree>
+      <p:nvGrpSpPr>
+        <p:cNvPr id="1" name=""/>
+        <p:cNvGrpSpPr/>
+        <p:nvPr/>
+      </p:nvGrpSpPr>
+      <p:grpSpPr>
+        <a:xfrm>
+          <a:off x="0" y="0"/>
+          <a:ext cx="0" cy="0"/>
+          <a:chOff x="0" y="0"/>
+          <a:chExt cx="0" cy="0"/>
+        </a:xfrm>
+      </p:grpSpPr>
+      <p:sp>
+        <p:nvSpPr>
+          <p:cNvPr id="2" name="Title 1">
+            <a:extLst>
+              <a:ext uri="{FF2B5EF4-FFF2-40B4-BE49-F238E27FC236}">
+                <a16:creationId xmlns:a16="http://schemas.microsoft.com/office/drawing/2014/main" id="{5302E113-2A91-47A0-9451-B30E7E8D4327}"/>
+              </a:ext>
+            </a:extLst>
+          </p:cNvPr>
+          <p:cNvSpPr>
+            <a:spLocks noGrp="1"/>
+          </p:cNvSpPr>
+          <p:nvPr>
+            <p:ph type="title"/>
+          </p:nvPr>
+        </p:nvSpPr>
+        <p:spPr>
+          <a:xfrm>
+            <a:off x="408522" y="6415621"/>
+            <a:ext cx="11018520" cy="738664"/>
+          </a:xfrm>
+        </p:spPr>
+        <p:txBody>
+          <a:bodyPr/>
+          <a:lstStyle/>
+          <a:p>
+            <a:r>
+              <a:rPr lang="en-GB" sz="2400" dirty="0">
+                <a:latin typeface="+mn-lt"/>
+              </a:rPr>
+              <a:t>Root Module is the only requirement and acts as the entry point.</a:t>
+            </a:r>
+            <a:br>
+              <a:rPr lang="en-GB" sz="2400" dirty="0">
+                <a:latin typeface="+mn-lt"/>
+              </a:rPr>
+            </a:br>
+            <a:endParaRPr lang="en-GB" sz="2400" dirty="0">
+              <a:latin typeface="+mn-lt"/>
+            </a:endParaRPr>
+          </a:p>
+        </p:txBody>
+      </p:sp>
+      <p:sp>
+        <p:nvSpPr>
+          <p:cNvPr id="7" name="Content Placeholder 6">
+            <a:extLst>
+              <a:ext uri="{FF2B5EF4-FFF2-40B4-BE49-F238E27FC236}">
+                <a16:creationId xmlns:a16="http://schemas.microsoft.com/office/drawing/2014/main" id="{8C9A2590-8421-4FF2-BF61-96B9174066DC}"/>
+              </a:ext>
+            </a:extLst>
+          </p:cNvPr>
+          <p:cNvSpPr>
+            <a:spLocks noGrp="1"/>
+          </p:cNvSpPr>
+          <p:nvPr>
+            <p:ph sz="quarter" idx="12"/>
+          </p:nvPr>
+        </p:nvSpPr>
+        <p:spPr>
+          <a:xfrm>
+            <a:off x="706019" y="328574"/>
+            <a:ext cx="5211763" cy="430887"/>
+          </a:xfrm>
+        </p:spPr>
+        <p:txBody>
+          <a:bodyPr/>
+          <a:lstStyle/>
+          <a:p>
+            <a:pPr marL="0" indent="0">
+              <a:buNone/>
+            </a:pPr>
+            <a:r>
+              <a:rPr lang="en-GB" dirty="0"/>
+              <a:t>Minimal Structure</a:t>
+            </a:r>
+          </a:p>
+        </p:txBody>
+      </p:sp>
+      <p:sp>
+        <p:nvSpPr>
+          <p:cNvPr id="8" name="Content Placeholder 7">
+            <a:extLst>
+              <a:ext uri="{FF2B5EF4-FFF2-40B4-BE49-F238E27FC236}">
+                <a16:creationId xmlns:a16="http://schemas.microsoft.com/office/drawing/2014/main" id="{302E91E7-4DA5-4C85-A46F-96FFE5031843}"/>
+              </a:ext>
+            </a:extLst>
+          </p:cNvPr>
+          <p:cNvSpPr>
+            <a:spLocks noGrp="1"/>
+          </p:cNvSpPr>
+          <p:nvPr>
+            <p:ph sz="quarter" idx="13"/>
+          </p:nvPr>
+        </p:nvSpPr>
+        <p:spPr>
+          <a:xfrm>
+            <a:off x="6274220" y="328574"/>
+            <a:ext cx="5219700" cy="430887"/>
+          </a:xfrm>
+        </p:spPr>
+        <p:txBody>
+          <a:bodyPr/>
+          <a:lstStyle/>
+          <a:p>
+            <a:pPr marL="0" indent="0">
+              <a:buNone/>
+            </a:pPr>
+            <a:r>
+              <a:rPr lang="en-GB" dirty="0"/>
+              <a:t>Nested Example</a:t>
+            </a:r>
+          </a:p>
+        </p:txBody>
+      </p:sp>
+      <p:pic>
+        <p:nvPicPr>
+          <p:cNvPr id="12" name="Picture 11">
+            <a:extLst>
+              <a:ext uri="{FF2B5EF4-FFF2-40B4-BE49-F238E27FC236}">
+                <a16:creationId xmlns:a16="http://schemas.microsoft.com/office/drawing/2014/main" id="{8FB7E95F-0A63-4B12-8368-53C56AE8D08E}"/>
+              </a:ext>
+            </a:extLst>
+          </p:cNvPr>
+          <p:cNvPicPr>
+            <a:picLocks noChangeAspect="1"/>
+          </p:cNvPicPr>
+          <p:nvPr/>
+        </p:nvPicPr>
+        <p:blipFill>
+          <a:blip r:embed="rId3"/>
+          <a:stretch>
+            <a:fillRect/>
+          </a:stretch>
+        </p:blipFill>
+        <p:spPr>
+          <a:xfrm>
+            <a:off x="706019" y="1009712"/>
+            <a:ext cx="3431264" cy="2487898"/>
+          </a:xfrm>
+          <a:prstGeom prst="rect">
+            <a:avLst/>
+          </a:prstGeom>
+        </p:spPr>
+      </p:pic>
+      <p:pic>
+        <p:nvPicPr>
+          <p:cNvPr id="13" name="Picture 12">
+            <a:extLst>
+              <a:ext uri="{FF2B5EF4-FFF2-40B4-BE49-F238E27FC236}">
+                <a16:creationId xmlns:a16="http://schemas.microsoft.com/office/drawing/2014/main" id="{AC51D5CB-01D3-4B53-AEE9-414886756381}"/>
+              </a:ext>
+            </a:extLst>
+          </p:cNvPr>
+          <p:cNvPicPr>
+            <a:picLocks noChangeAspect="1"/>
+          </p:cNvPicPr>
+          <p:nvPr/>
+        </p:nvPicPr>
+        <p:blipFill>
+          <a:blip r:embed="rId4"/>
+          <a:stretch>
+            <a:fillRect/>
+          </a:stretch>
+        </p:blipFill>
+        <p:spPr>
+          <a:xfrm>
+            <a:off x="6274220" y="1009712"/>
+            <a:ext cx="3320195" cy="5191872"/>
+          </a:xfrm>
+          <a:prstGeom prst="rect">
+            <a:avLst/>
+          </a:prstGeom>
+        </p:spPr>
+      </p:pic>
+    </p:spTree>
+    <p:extLst>
+      <p:ext uri="{BB962C8B-B14F-4D97-AF65-F5344CB8AC3E}">
+        <p14:creationId xmlns:p14="http://schemas.microsoft.com/office/powerpoint/2010/main" val="2016378426"/>
+      </p:ext>
+    </p:extLst>
+  </p:cSld>
+  <p:clrMapOvr>
+    <a:masterClrMapping/>
+  </p:clrMapOvr>
+  <p:transition>
+    <p:fade/>
+  </p:transition>
+</p:sld>
+</file>
+
+<file path=ppt/slides/slide11.xml><?xml version="1.0" encoding="utf-8"?>
 <p:sld xmlns:a="http://schemas.openxmlformats.org/drawingml/2006/main" xmlns:r="http://schemas.openxmlformats.org/officeDocument/2006/relationships" xmlns:p="http://schemas.openxmlformats.org/presentationml/2006/main">
   <p:cSld>
     <p:spTree>
@@ -19374,7 +19764,1190 @@
 </p:sld>
 </file>
 
-<file path=ppt/slides/slide11.xml><?xml version="1.0" encoding="utf-8"?>
+<file path=ppt/slides/slide12.xml><?xml version="1.0" encoding="utf-8"?>
+<p:sld xmlns:a="http://schemas.openxmlformats.org/drawingml/2006/main" xmlns:r="http://schemas.openxmlformats.org/officeDocument/2006/relationships" xmlns:p="http://schemas.openxmlformats.org/presentationml/2006/main">
+  <p:cSld>
+    <p:spTree>
+      <p:nvGrpSpPr>
+        <p:cNvPr id="1" name=""/>
+        <p:cNvGrpSpPr/>
+        <p:nvPr/>
+      </p:nvGrpSpPr>
+      <p:grpSpPr>
+        <a:xfrm>
+          <a:off x="0" y="0"/>
+          <a:ext cx="0" cy="0"/>
+          <a:chOff x="0" y="0"/>
+          <a:chExt cx="0" cy="0"/>
+        </a:xfrm>
+      </p:grpSpPr>
+      <p:sp>
+        <p:nvSpPr>
+          <p:cNvPr id="2" name="Title 1">
+            <a:extLst>
+              <a:ext uri="{FF2B5EF4-FFF2-40B4-BE49-F238E27FC236}">
+                <a16:creationId xmlns:a16="http://schemas.microsoft.com/office/drawing/2014/main" id="{4FF1B022-1F41-27D5-B46A-9C9C21D15632}"/>
+              </a:ext>
+            </a:extLst>
+          </p:cNvPr>
+          <p:cNvSpPr>
+            <a:spLocks noGrp="1"/>
+          </p:cNvSpPr>
+          <p:nvPr>
+            <p:ph type="title"/>
+          </p:nvPr>
+        </p:nvSpPr>
+        <p:spPr/>
+        <p:txBody>
+          <a:bodyPr/>
+          <a:lstStyle/>
+          <a:p>
+            <a:r>
+              <a:rPr lang="en-GB" dirty="0"/>
+              <a:t>Module structuring – Common pattern </a:t>
+            </a:r>
+          </a:p>
+        </p:txBody>
+      </p:sp>
+      <p:sp>
+        <p:nvSpPr>
+          <p:cNvPr id="6" name="Rectangle: Rounded Corners 5">
+            <a:extLst>
+              <a:ext uri="{FF2B5EF4-FFF2-40B4-BE49-F238E27FC236}">
+                <a16:creationId xmlns:a16="http://schemas.microsoft.com/office/drawing/2014/main" id="{A3504D68-7D59-E34F-1979-0FCA422FFED0}"/>
+              </a:ext>
+            </a:extLst>
+          </p:cNvPr>
+          <p:cNvSpPr/>
+          <p:nvPr/>
+        </p:nvSpPr>
+        <p:spPr bwMode="auto">
+          <a:xfrm>
+            <a:off x="1457661" y="2325396"/>
+            <a:ext cx="1764254" cy="553998"/>
+          </a:xfrm>
+          <a:prstGeom prst="roundRect">
+            <a:avLst/>
+          </a:prstGeom>
+          <a:solidFill>
+            <a:schemeClr val="accent1"/>
+          </a:solidFill>
+          <a:ln>
+            <a:noFill/>
+            <a:headEnd type="none" w="med" len="med"/>
+            <a:tailEnd type="none" w="med" len="med"/>
+          </a:ln>
+          <a:effectLst/>
+        </p:spPr>
+        <p:style>
+          <a:lnRef idx="1">
+            <a:schemeClr val="accent2"/>
+          </a:lnRef>
+          <a:fillRef idx="3">
+            <a:schemeClr val="accent2"/>
+          </a:fillRef>
+          <a:effectRef idx="2">
+            <a:schemeClr val="accent2"/>
+          </a:effectRef>
+          <a:fontRef idx="minor">
+            <a:schemeClr val="lt1"/>
+          </a:fontRef>
+        </p:style>
+        <p:txBody>
+          <a:bodyPr rot="0" spcFirstLastPara="0" vertOverflow="overflow" horzOverflow="overflow" vert="horz" wrap="square" lIns="182880" tIns="146304" rIns="182880" bIns="146304" numCol="1" spcCol="0" rtlCol="0" fromWordArt="0" anchor="ctr" anchorCtr="0" forceAA="0" compatLnSpc="1">
+            <a:prstTxWarp prst="textNoShape">
+              <a:avLst/>
+            </a:prstTxWarp>
+            <a:noAutofit/>
+          </a:bodyPr>
+          <a:lstStyle/>
+          <a:p>
+            <a:pPr algn="ctr" defTabSz="932472" fontAlgn="base">
+              <a:spcBef>
+                <a:spcPct val="0"/>
+              </a:spcBef>
+              <a:spcAft>
+                <a:spcPct val="0"/>
+              </a:spcAft>
+            </a:pPr>
+            <a:r>
+              <a:rPr lang="en-GB" sz="1200" dirty="0">
+                <a:solidFill>
+                  <a:srgbClr val="FFFFFF"/>
+                </a:solidFill>
+                <a:ea typeface="Segoe UI" pitchFamily="34" charset="0"/>
+                <a:cs typeface="Segoe UI" pitchFamily="34" charset="0"/>
+              </a:rPr>
+              <a:t>VNET</a:t>
+            </a:r>
+          </a:p>
+        </p:txBody>
+      </p:sp>
+      <p:sp>
+        <p:nvSpPr>
+          <p:cNvPr id="7" name="TextBox 6">
+            <a:extLst>
+              <a:ext uri="{FF2B5EF4-FFF2-40B4-BE49-F238E27FC236}">
+                <a16:creationId xmlns:a16="http://schemas.microsoft.com/office/drawing/2014/main" id="{04584C2A-0212-E057-57F1-6C598AC360A8}"/>
+              </a:ext>
+            </a:extLst>
+          </p:cNvPr>
+          <p:cNvSpPr txBox="1"/>
+          <p:nvPr/>
+        </p:nvSpPr>
+        <p:spPr>
+          <a:xfrm>
+            <a:off x="1145689" y="1220391"/>
+            <a:ext cx="2963732" cy="954107"/>
+          </a:xfrm>
+          <a:prstGeom prst="rect">
+            <a:avLst/>
+          </a:prstGeom>
+          <a:noFill/>
+        </p:spPr>
+        <p:txBody>
+          <a:bodyPr wrap="square" lIns="0" tIns="0" rIns="0" bIns="0" rtlCol="0">
+            <a:spAutoFit/>
+          </a:bodyPr>
+          <a:lstStyle/>
+          <a:p>
+            <a:pPr algn="l"/>
+            <a:r>
+              <a:rPr lang="en-GB" sz="2000" b="1" dirty="0"/>
+              <a:t>Resource Modules</a:t>
+            </a:r>
+          </a:p>
+          <a:p>
+            <a:pPr algn="l"/>
+            <a:r>
+              <a:rPr lang="en-GB" sz="1400" dirty="0"/>
+              <a:t>(Opinionated encapsulated wrapper with minimal variables and sensible defaults)</a:t>
+            </a:r>
+          </a:p>
+        </p:txBody>
+      </p:sp>
+      <p:sp>
+        <p:nvSpPr>
+          <p:cNvPr id="8" name="Rectangle: Rounded Corners 7">
+            <a:extLst>
+              <a:ext uri="{FF2B5EF4-FFF2-40B4-BE49-F238E27FC236}">
+                <a16:creationId xmlns:a16="http://schemas.microsoft.com/office/drawing/2014/main" id="{A5EE39F3-4748-4FD6-2D99-A43C22B46D9B}"/>
+              </a:ext>
+            </a:extLst>
+          </p:cNvPr>
+          <p:cNvSpPr/>
+          <p:nvPr/>
+        </p:nvSpPr>
+        <p:spPr bwMode="auto">
+          <a:xfrm>
+            <a:off x="1457661" y="3821870"/>
+            <a:ext cx="1764254" cy="553998"/>
+          </a:xfrm>
+          <a:prstGeom prst="roundRect">
+            <a:avLst/>
+          </a:prstGeom>
+          <a:solidFill>
+            <a:schemeClr val="accent1"/>
+          </a:solidFill>
+          <a:ln>
+            <a:noFill/>
+            <a:headEnd type="none" w="med" len="med"/>
+            <a:tailEnd type="none" w="med" len="med"/>
+          </a:ln>
+          <a:effectLst/>
+        </p:spPr>
+        <p:style>
+          <a:lnRef idx="1">
+            <a:schemeClr val="accent2"/>
+          </a:lnRef>
+          <a:fillRef idx="3">
+            <a:schemeClr val="accent2"/>
+          </a:fillRef>
+          <a:effectRef idx="2">
+            <a:schemeClr val="accent2"/>
+          </a:effectRef>
+          <a:fontRef idx="minor">
+            <a:schemeClr val="lt1"/>
+          </a:fontRef>
+        </p:style>
+        <p:txBody>
+          <a:bodyPr rot="0" spcFirstLastPara="0" vertOverflow="overflow" horzOverflow="overflow" vert="horz" wrap="square" lIns="182880" tIns="146304" rIns="182880" bIns="146304" numCol="1" spcCol="0" rtlCol="0" fromWordArt="0" anchor="ctr" anchorCtr="0" forceAA="0" compatLnSpc="1">
+            <a:prstTxWarp prst="textNoShape">
+              <a:avLst/>
+            </a:prstTxWarp>
+            <a:noAutofit/>
+          </a:bodyPr>
+          <a:lstStyle/>
+          <a:p>
+            <a:pPr algn="ctr" defTabSz="932472" fontAlgn="base">
+              <a:spcBef>
+                <a:spcPct val="0"/>
+              </a:spcBef>
+              <a:spcAft>
+                <a:spcPct val="0"/>
+              </a:spcAft>
+            </a:pPr>
+            <a:r>
+              <a:rPr lang="en-GB" sz="1200" dirty="0">
+                <a:solidFill>
+                  <a:srgbClr val="FFFFFF"/>
+                </a:solidFill>
+                <a:ea typeface="Segoe UI" pitchFamily="34" charset="0"/>
+                <a:cs typeface="Segoe UI" pitchFamily="34" charset="0"/>
+              </a:rPr>
+              <a:t>App Service Plan</a:t>
+            </a:r>
+          </a:p>
+        </p:txBody>
+      </p:sp>
+      <p:sp>
+        <p:nvSpPr>
+          <p:cNvPr id="9" name="Rectangle: Rounded Corners 8">
+            <a:extLst>
+              <a:ext uri="{FF2B5EF4-FFF2-40B4-BE49-F238E27FC236}">
+                <a16:creationId xmlns:a16="http://schemas.microsoft.com/office/drawing/2014/main" id="{070AA26C-2CFA-E290-EB5C-F3508F2FF4D2}"/>
+              </a:ext>
+            </a:extLst>
+          </p:cNvPr>
+          <p:cNvSpPr/>
+          <p:nvPr/>
+        </p:nvSpPr>
+        <p:spPr bwMode="auto">
+          <a:xfrm>
+            <a:off x="1459903" y="4570107"/>
+            <a:ext cx="1764254" cy="553998"/>
+          </a:xfrm>
+          <a:prstGeom prst="roundRect">
+            <a:avLst/>
+          </a:prstGeom>
+          <a:solidFill>
+            <a:schemeClr val="accent1"/>
+          </a:solidFill>
+          <a:ln>
+            <a:noFill/>
+            <a:headEnd type="none" w="med" len="med"/>
+            <a:tailEnd type="none" w="med" len="med"/>
+          </a:ln>
+          <a:effectLst/>
+        </p:spPr>
+        <p:style>
+          <a:lnRef idx="1">
+            <a:schemeClr val="accent2"/>
+          </a:lnRef>
+          <a:fillRef idx="3">
+            <a:schemeClr val="accent2"/>
+          </a:fillRef>
+          <a:effectRef idx="2">
+            <a:schemeClr val="accent2"/>
+          </a:effectRef>
+          <a:fontRef idx="minor">
+            <a:schemeClr val="lt1"/>
+          </a:fontRef>
+        </p:style>
+        <p:txBody>
+          <a:bodyPr rot="0" spcFirstLastPara="0" vertOverflow="overflow" horzOverflow="overflow" vert="horz" wrap="square" lIns="182880" tIns="146304" rIns="182880" bIns="146304" numCol="1" spcCol="0" rtlCol="0" fromWordArt="0" anchor="ctr" anchorCtr="0" forceAA="0" compatLnSpc="1">
+            <a:prstTxWarp prst="textNoShape">
+              <a:avLst/>
+            </a:prstTxWarp>
+            <a:noAutofit/>
+          </a:bodyPr>
+          <a:lstStyle/>
+          <a:p>
+            <a:pPr algn="ctr" defTabSz="932472" fontAlgn="base">
+              <a:spcBef>
+                <a:spcPct val="0"/>
+              </a:spcBef>
+              <a:spcAft>
+                <a:spcPct val="0"/>
+              </a:spcAft>
+            </a:pPr>
+            <a:r>
+              <a:rPr lang="en-GB" sz="1200" dirty="0">
+                <a:solidFill>
+                  <a:srgbClr val="FFFFFF"/>
+                </a:solidFill>
+                <a:ea typeface="Segoe UI" pitchFamily="34" charset="0"/>
+                <a:cs typeface="Segoe UI" pitchFamily="34" charset="0"/>
+              </a:rPr>
+              <a:t>SQL Database</a:t>
+            </a:r>
+          </a:p>
+        </p:txBody>
+      </p:sp>
+      <p:sp>
+        <p:nvSpPr>
+          <p:cNvPr id="12" name="Rectangle: Rounded Corners 11">
+            <a:extLst>
+              <a:ext uri="{FF2B5EF4-FFF2-40B4-BE49-F238E27FC236}">
+                <a16:creationId xmlns:a16="http://schemas.microsoft.com/office/drawing/2014/main" id="{B6EE099C-7D85-C47F-2102-7C4ABB4BD08D}"/>
+              </a:ext>
+            </a:extLst>
+          </p:cNvPr>
+          <p:cNvSpPr/>
+          <p:nvPr/>
+        </p:nvSpPr>
+        <p:spPr bwMode="auto">
+          <a:xfrm>
+            <a:off x="1457661" y="6066581"/>
+            <a:ext cx="1764254" cy="553998"/>
+          </a:xfrm>
+          <a:prstGeom prst="roundRect">
+            <a:avLst/>
+          </a:prstGeom>
+          <a:solidFill>
+            <a:schemeClr val="accent1"/>
+          </a:solidFill>
+          <a:ln>
+            <a:noFill/>
+            <a:headEnd type="none" w="med" len="med"/>
+            <a:tailEnd type="none" w="med" len="med"/>
+          </a:ln>
+          <a:effectLst/>
+        </p:spPr>
+        <p:style>
+          <a:lnRef idx="1">
+            <a:schemeClr val="accent2"/>
+          </a:lnRef>
+          <a:fillRef idx="3">
+            <a:schemeClr val="accent2"/>
+          </a:fillRef>
+          <a:effectRef idx="2">
+            <a:schemeClr val="accent2"/>
+          </a:effectRef>
+          <a:fontRef idx="minor">
+            <a:schemeClr val="lt1"/>
+          </a:fontRef>
+        </p:style>
+        <p:txBody>
+          <a:bodyPr rot="0" spcFirstLastPara="0" vertOverflow="overflow" horzOverflow="overflow" vert="horz" wrap="square" lIns="182880" tIns="146304" rIns="182880" bIns="146304" numCol="1" spcCol="0" rtlCol="0" fromWordArt="0" anchor="ctr" anchorCtr="0" forceAA="0" compatLnSpc="1">
+            <a:prstTxWarp prst="textNoShape">
+              <a:avLst/>
+            </a:prstTxWarp>
+            <a:noAutofit/>
+          </a:bodyPr>
+          <a:lstStyle/>
+          <a:p>
+            <a:pPr algn="ctr" defTabSz="932472" fontAlgn="base">
+              <a:spcBef>
+                <a:spcPct val="0"/>
+              </a:spcBef>
+              <a:spcAft>
+                <a:spcPct val="0"/>
+              </a:spcAft>
+            </a:pPr>
+            <a:r>
+              <a:rPr lang="en-GB" sz="1200" dirty="0">
+                <a:solidFill>
+                  <a:srgbClr val="FFFFFF"/>
+                </a:solidFill>
+                <a:ea typeface="Segoe UI" pitchFamily="34" charset="0"/>
+                <a:cs typeface="Segoe UI" pitchFamily="34" charset="0"/>
+              </a:rPr>
+              <a:t>Front Door</a:t>
+            </a:r>
+          </a:p>
+        </p:txBody>
+      </p:sp>
+      <p:sp>
+        <p:nvSpPr>
+          <p:cNvPr id="13" name="TextBox 12">
+            <a:extLst>
+              <a:ext uri="{FF2B5EF4-FFF2-40B4-BE49-F238E27FC236}">
+                <a16:creationId xmlns:a16="http://schemas.microsoft.com/office/drawing/2014/main" id="{5B2E9162-B9F9-ED85-40F3-CD08568A411C}"/>
+              </a:ext>
+            </a:extLst>
+          </p:cNvPr>
+          <p:cNvSpPr txBox="1"/>
+          <p:nvPr/>
+        </p:nvSpPr>
+        <p:spPr>
+          <a:xfrm>
+            <a:off x="7176247" y="1220391"/>
+            <a:ext cx="3129577" cy="523220"/>
+          </a:xfrm>
+          <a:prstGeom prst="rect">
+            <a:avLst/>
+          </a:prstGeom>
+          <a:noFill/>
+        </p:spPr>
+        <p:txBody>
+          <a:bodyPr wrap="square" lIns="0" tIns="0" rIns="0" bIns="0" rtlCol="0">
+            <a:spAutoFit/>
+          </a:bodyPr>
+          <a:lstStyle/>
+          <a:p>
+            <a:pPr algn="l"/>
+            <a:r>
+              <a:rPr lang="en-GB" sz="2000" b="1" dirty="0"/>
+              <a:t>Stack Modules</a:t>
+            </a:r>
+          </a:p>
+          <a:p>
+            <a:pPr algn="l"/>
+            <a:r>
+              <a:rPr lang="en-GB" sz="1400" dirty="0"/>
+              <a:t>(Composed of Resource Modules Only)</a:t>
+            </a:r>
+          </a:p>
+        </p:txBody>
+      </p:sp>
+      <p:sp>
+        <p:nvSpPr>
+          <p:cNvPr id="14" name="Rectangle: Rounded Corners 13">
+            <a:extLst>
+              <a:ext uri="{FF2B5EF4-FFF2-40B4-BE49-F238E27FC236}">
+                <a16:creationId xmlns:a16="http://schemas.microsoft.com/office/drawing/2014/main" id="{60BEF206-1987-E05A-392B-2CF3953D55E2}"/>
+              </a:ext>
+            </a:extLst>
+          </p:cNvPr>
+          <p:cNvSpPr/>
+          <p:nvPr/>
+        </p:nvSpPr>
+        <p:spPr bwMode="auto">
+          <a:xfrm>
+            <a:off x="7036399" y="2414802"/>
+            <a:ext cx="3602914" cy="1496474"/>
+          </a:xfrm>
+          <a:prstGeom prst="roundRect">
+            <a:avLst/>
+          </a:prstGeom>
+          <a:solidFill>
+            <a:schemeClr val="accent4"/>
+          </a:solidFill>
+          <a:ln>
+            <a:noFill/>
+          </a:ln>
+        </p:spPr>
+        <p:style>
+          <a:lnRef idx="0">
+            <a:scrgbClr r="0" g="0" b="0"/>
+          </a:lnRef>
+          <a:fillRef idx="0">
+            <a:scrgbClr r="0" g="0" b="0"/>
+          </a:fillRef>
+          <a:effectRef idx="0">
+            <a:scrgbClr r="0" g="0" b="0"/>
+          </a:effectRef>
+          <a:fontRef idx="minor">
+            <a:schemeClr val="lt1"/>
+          </a:fontRef>
+        </p:style>
+        <p:txBody>
+          <a:bodyPr rot="0" spcFirstLastPara="0" vertOverflow="overflow" horzOverflow="overflow" vert="horz" wrap="square" lIns="182880" tIns="146304" rIns="182880" bIns="146304" numCol="1" spcCol="0" rtlCol="0" fromWordArt="0" anchor="ctr" anchorCtr="0" forceAA="0" compatLnSpc="1">
+            <a:prstTxWarp prst="textNoShape">
+              <a:avLst/>
+            </a:prstTxWarp>
+            <a:noAutofit/>
+          </a:bodyPr>
+          <a:lstStyle/>
+          <a:p>
+            <a:pPr algn="ctr" defTabSz="932472" fontAlgn="base">
+              <a:spcBef>
+                <a:spcPct val="0"/>
+              </a:spcBef>
+              <a:spcAft>
+                <a:spcPct val="0"/>
+              </a:spcAft>
+            </a:pPr>
+            <a:r>
+              <a:rPr lang="en-GB" sz="2000" dirty="0">
+                <a:solidFill>
+                  <a:srgbClr val="FFFFFF"/>
+                </a:solidFill>
+                <a:ea typeface="Segoe UI" pitchFamily="34" charset="0"/>
+                <a:cs typeface="Segoe UI" pitchFamily="34" charset="0"/>
+              </a:rPr>
+              <a:t>1 Tier Web Application with SQL Database</a:t>
+            </a:r>
+          </a:p>
+        </p:txBody>
+      </p:sp>
+      <p:sp>
+        <p:nvSpPr>
+          <p:cNvPr id="15" name="Rectangle: Rounded Corners 14">
+            <a:extLst>
+              <a:ext uri="{FF2B5EF4-FFF2-40B4-BE49-F238E27FC236}">
+                <a16:creationId xmlns:a16="http://schemas.microsoft.com/office/drawing/2014/main" id="{ADF429B0-D0B7-F75A-7CFD-9FA9FC6E4F03}"/>
+              </a:ext>
+            </a:extLst>
+          </p:cNvPr>
+          <p:cNvSpPr/>
+          <p:nvPr/>
+        </p:nvSpPr>
+        <p:spPr bwMode="auto">
+          <a:xfrm>
+            <a:off x="7036399" y="4771328"/>
+            <a:ext cx="3602914" cy="1496474"/>
+          </a:xfrm>
+          <a:prstGeom prst="roundRect">
+            <a:avLst/>
+          </a:prstGeom>
+          <a:solidFill>
+            <a:schemeClr val="accent5"/>
+          </a:solidFill>
+          <a:ln>
+            <a:noFill/>
+          </a:ln>
+        </p:spPr>
+        <p:style>
+          <a:lnRef idx="0">
+            <a:scrgbClr r="0" g="0" b="0"/>
+          </a:lnRef>
+          <a:fillRef idx="0">
+            <a:scrgbClr r="0" g="0" b="0"/>
+          </a:fillRef>
+          <a:effectRef idx="0">
+            <a:scrgbClr r="0" g="0" b="0"/>
+          </a:effectRef>
+          <a:fontRef idx="minor">
+            <a:schemeClr val="lt1"/>
+          </a:fontRef>
+        </p:style>
+        <p:txBody>
+          <a:bodyPr rot="0" spcFirstLastPara="0" vertOverflow="overflow" horzOverflow="overflow" vert="horz" wrap="square" lIns="182880" tIns="146304" rIns="182880" bIns="146304" numCol="1" spcCol="0" rtlCol="0" fromWordArt="0" anchor="ctr" anchorCtr="0" forceAA="0" compatLnSpc="1">
+            <a:prstTxWarp prst="textNoShape">
+              <a:avLst/>
+            </a:prstTxWarp>
+            <a:noAutofit/>
+          </a:bodyPr>
+          <a:lstStyle/>
+          <a:p>
+            <a:pPr algn="ctr" defTabSz="932472" fontAlgn="base">
+              <a:spcBef>
+                <a:spcPct val="0"/>
+              </a:spcBef>
+              <a:spcAft>
+                <a:spcPct val="0"/>
+              </a:spcAft>
+            </a:pPr>
+            <a:r>
+              <a:rPr lang="en-GB" sz="2000" dirty="0">
+                <a:solidFill>
+                  <a:srgbClr val="FFFFFF"/>
+                </a:solidFill>
+                <a:ea typeface="Segoe UI" pitchFamily="34" charset="0"/>
+                <a:cs typeface="Segoe UI" pitchFamily="34" charset="0"/>
+              </a:rPr>
+              <a:t>2 Tier Web Application with SQL Database, Storage and Private Networking</a:t>
+            </a:r>
+          </a:p>
+        </p:txBody>
+      </p:sp>
+      <p:sp>
+        <p:nvSpPr>
+          <p:cNvPr id="11" name="Rectangle: Rounded Corners 10">
+            <a:extLst>
+              <a:ext uri="{FF2B5EF4-FFF2-40B4-BE49-F238E27FC236}">
+                <a16:creationId xmlns:a16="http://schemas.microsoft.com/office/drawing/2014/main" id="{5C69F14F-BC2B-F0DD-20F7-ADAE1EE257D6}"/>
+              </a:ext>
+            </a:extLst>
+          </p:cNvPr>
+          <p:cNvSpPr/>
+          <p:nvPr/>
+        </p:nvSpPr>
+        <p:spPr bwMode="auto">
+          <a:xfrm>
+            <a:off x="1457661" y="5318344"/>
+            <a:ext cx="1764254" cy="553998"/>
+          </a:xfrm>
+          <a:prstGeom prst="roundRect">
+            <a:avLst/>
+          </a:prstGeom>
+          <a:solidFill>
+            <a:schemeClr val="accent1"/>
+          </a:solidFill>
+          <a:ln>
+            <a:noFill/>
+            <a:headEnd type="none" w="med" len="med"/>
+            <a:tailEnd type="none" w="med" len="med"/>
+          </a:ln>
+          <a:effectLst/>
+        </p:spPr>
+        <p:style>
+          <a:lnRef idx="1">
+            <a:schemeClr val="accent2"/>
+          </a:lnRef>
+          <a:fillRef idx="3">
+            <a:schemeClr val="accent2"/>
+          </a:fillRef>
+          <a:effectRef idx="2">
+            <a:schemeClr val="accent2"/>
+          </a:effectRef>
+          <a:fontRef idx="minor">
+            <a:schemeClr val="lt1"/>
+          </a:fontRef>
+        </p:style>
+        <p:txBody>
+          <a:bodyPr rot="0" spcFirstLastPara="0" vertOverflow="overflow" horzOverflow="overflow" vert="horz" wrap="square" lIns="182880" tIns="146304" rIns="182880" bIns="146304" numCol="1" spcCol="0" rtlCol="0" fromWordArt="0" anchor="ctr" anchorCtr="0" forceAA="0" compatLnSpc="1">
+            <a:prstTxWarp prst="textNoShape">
+              <a:avLst/>
+            </a:prstTxWarp>
+            <a:noAutofit/>
+          </a:bodyPr>
+          <a:lstStyle/>
+          <a:p>
+            <a:pPr algn="ctr" defTabSz="932472" fontAlgn="base">
+              <a:spcBef>
+                <a:spcPct val="0"/>
+              </a:spcBef>
+              <a:spcAft>
+                <a:spcPct val="0"/>
+              </a:spcAft>
+            </a:pPr>
+            <a:r>
+              <a:rPr lang="en-GB" sz="1200" dirty="0">
+                <a:solidFill>
+                  <a:srgbClr val="FFFFFF"/>
+                </a:solidFill>
+                <a:ea typeface="Segoe UI" pitchFamily="34" charset="0"/>
+                <a:cs typeface="Segoe UI" pitchFamily="34" charset="0"/>
+              </a:rPr>
+              <a:t>App Service</a:t>
+            </a:r>
+          </a:p>
+        </p:txBody>
+      </p:sp>
+      <p:sp>
+        <p:nvSpPr>
+          <p:cNvPr id="10" name="Rectangle: Rounded Corners 9">
+            <a:extLst>
+              <a:ext uri="{FF2B5EF4-FFF2-40B4-BE49-F238E27FC236}">
+                <a16:creationId xmlns:a16="http://schemas.microsoft.com/office/drawing/2014/main" id="{0AA4B14B-9F8A-FCA9-B10A-093DE0FDCF6A}"/>
+              </a:ext>
+            </a:extLst>
+          </p:cNvPr>
+          <p:cNvSpPr/>
+          <p:nvPr/>
+        </p:nvSpPr>
+        <p:spPr bwMode="auto">
+          <a:xfrm>
+            <a:off x="1457661" y="3073633"/>
+            <a:ext cx="1764254" cy="553998"/>
+          </a:xfrm>
+          <a:prstGeom prst="roundRect">
+            <a:avLst/>
+          </a:prstGeom>
+          <a:solidFill>
+            <a:schemeClr val="accent1"/>
+          </a:solidFill>
+          <a:ln>
+            <a:noFill/>
+            <a:headEnd type="none" w="med" len="med"/>
+            <a:tailEnd type="none" w="med" len="med"/>
+          </a:ln>
+          <a:effectLst/>
+        </p:spPr>
+        <p:style>
+          <a:lnRef idx="1">
+            <a:schemeClr val="accent2"/>
+          </a:lnRef>
+          <a:fillRef idx="3">
+            <a:schemeClr val="accent2"/>
+          </a:fillRef>
+          <a:effectRef idx="2">
+            <a:schemeClr val="accent2"/>
+          </a:effectRef>
+          <a:fontRef idx="minor">
+            <a:schemeClr val="lt1"/>
+          </a:fontRef>
+        </p:style>
+        <p:txBody>
+          <a:bodyPr rot="0" spcFirstLastPara="0" vertOverflow="overflow" horzOverflow="overflow" vert="horz" wrap="square" lIns="182880" tIns="146304" rIns="182880" bIns="146304" numCol="1" spcCol="0" rtlCol="0" fromWordArt="0" anchor="ctr" anchorCtr="0" forceAA="0" compatLnSpc="1">
+            <a:prstTxWarp prst="textNoShape">
+              <a:avLst/>
+            </a:prstTxWarp>
+            <a:noAutofit/>
+          </a:bodyPr>
+          <a:lstStyle/>
+          <a:p>
+            <a:pPr algn="ctr" defTabSz="932472" fontAlgn="base">
+              <a:spcBef>
+                <a:spcPct val="0"/>
+              </a:spcBef>
+              <a:spcAft>
+                <a:spcPct val="0"/>
+              </a:spcAft>
+            </a:pPr>
+            <a:r>
+              <a:rPr lang="en-GB" sz="1200" dirty="0">
+                <a:solidFill>
+                  <a:srgbClr val="FFFFFF"/>
+                </a:solidFill>
+                <a:ea typeface="Segoe UI" pitchFamily="34" charset="0"/>
+                <a:cs typeface="Segoe UI" pitchFamily="34" charset="0"/>
+              </a:rPr>
+              <a:t>Storage Account</a:t>
+            </a:r>
+          </a:p>
+        </p:txBody>
+      </p:sp>
+      <p:cxnSp>
+        <p:nvCxnSpPr>
+          <p:cNvPr id="21" name="Straight Arrow Connector 20">
+            <a:extLst>
+              <a:ext uri="{FF2B5EF4-FFF2-40B4-BE49-F238E27FC236}">
+                <a16:creationId xmlns:a16="http://schemas.microsoft.com/office/drawing/2014/main" id="{4E0E7200-9818-CC1A-00C9-0705C8D484F7}"/>
+              </a:ext>
+            </a:extLst>
+          </p:cNvPr>
+          <p:cNvCxnSpPr>
+            <a:cxnSpLocks/>
+            <a:stCxn id="6" idx="3"/>
+          </p:cNvCxnSpPr>
+          <p:nvPr/>
+        </p:nvCxnSpPr>
+        <p:spPr>
+          <a:xfrm>
+            <a:off x="3221915" y="2602395"/>
+            <a:ext cx="3814484" cy="2428840"/>
+          </a:xfrm>
+          <a:prstGeom prst="straightConnector1">
+            <a:avLst/>
+          </a:prstGeom>
+          <a:ln w="28575">
+            <a:solidFill>
+              <a:srgbClr val="002060"/>
+            </a:solidFill>
+            <a:headEnd type="none" w="lg" len="med"/>
+            <a:tailEnd type="triangle"/>
+          </a:ln>
+        </p:spPr>
+        <p:style>
+          <a:lnRef idx="1">
+            <a:schemeClr val="accent1"/>
+          </a:lnRef>
+          <a:fillRef idx="0">
+            <a:schemeClr val="accent1"/>
+          </a:fillRef>
+          <a:effectRef idx="0">
+            <a:schemeClr val="accent1"/>
+          </a:effectRef>
+          <a:fontRef idx="minor">
+            <a:schemeClr val="tx1"/>
+          </a:fontRef>
+        </p:style>
+      </p:cxnSp>
+      <p:cxnSp>
+        <p:nvCxnSpPr>
+          <p:cNvPr id="24" name="Straight Arrow Connector 23">
+            <a:extLst>
+              <a:ext uri="{FF2B5EF4-FFF2-40B4-BE49-F238E27FC236}">
+                <a16:creationId xmlns:a16="http://schemas.microsoft.com/office/drawing/2014/main" id="{1C4079D4-BFC1-462D-52CB-D02B23AFF806}"/>
+              </a:ext>
+            </a:extLst>
+          </p:cNvPr>
+          <p:cNvCxnSpPr>
+            <a:stCxn id="10" idx="3"/>
+          </p:cNvCxnSpPr>
+          <p:nvPr/>
+        </p:nvCxnSpPr>
+        <p:spPr>
+          <a:xfrm>
+            <a:off x="3221915" y="3350632"/>
+            <a:ext cx="3814484" cy="1773473"/>
+          </a:xfrm>
+          <a:prstGeom prst="straightConnector1">
+            <a:avLst/>
+          </a:prstGeom>
+          <a:ln w="28575">
+            <a:solidFill>
+              <a:srgbClr val="002060"/>
+            </a:solidFill>
+            <a:headEnd type="none" w="lg" len="med"/>
+            <a:tailEnd type="triangle"/>
+          </a:ln>
+        </p:spPr>
+        <p:style>
+          <a:lnRef idx="1">
+            <a:schemeClr val="accent1"/>
+          </a:lnRef>
+          <a:fillRef idx="0">
+            <a:schemeClr val="accent1"/>
+          </a:fillRef>
+          <a:effectRef idx="0">
+            <a:schemeClr val="accent1"/>
+          </a:effectRef>
+          <a:fontRef idx="minor">
+            <a:schemeClr val="tx1"/>
+          </a:fontRef>
+        </p:style>
+      </p:cxnSp>
+      <p:cxnSp>
+        <p:nvCxnSpPr>
+          <p:cNvPr id="26" name="Straight Arrow Connector 25">
+            <a:extLst>
+              <a:ext uri="{FF2B5EF4-FFF2-40B4-BE49-F238E27FC236}">
+                <a16:creationId xmlns:a16="http://schemas.microsoft.com/office/drawing/2014/main" id="{F9834AD4-E2D4-CF70-44DB-6CC1DBAA873D}"/>
+              </a:ext>
+            </a:extLst>
+          </p:cNvPr>
+          <p:cNvCxnSpPr>
+            <a:stCxn id="8" idx="3"/>
+          </p:cNvCxnSpPr>
+          <p:nvPr/>
+        </p:nvCxnSpPr>
+        <p:spPr>
+          <a:xfrm>
+            <a:off x="3221915" y="4098869"/>
+            <a:ext cx="3814484" cy="1216011"/>
+          </a:xfrm>
+          <a:prstGeom prst="straightConnector1">
+            <a:avLst/>
+          </a:prstGeom>
+          <a:ln w="28575">
+            <a:solidFill>
+              <a:srgbClr val="002060"/>
+            </a:solidFill>
+            <a:headEnd type="none" w="lg" len="med"/>
+            <a:tailEnd type="triangle"/>
+          </a:ln>
+        </p:spPr>
+        <p:style>
+          <a:lnRef idx="1">
+            <a:schemeClr val="accent1"/>
+          </a:lnRef>
+          <a:fillRef idx="0">
+            <a:schemeClr val="accent1"/>
+          </a:fillRef>
+          <a:effectRef idx="0">
+            <a:schemeClr val="accent1"/>
+          </a:effectRef>
+          <a:fontRef idx="minor">
+            <a:schemeClr val="tx1"/>
+          </a:fontRef>
+        </p:style>
+      </p:cxnSp>
+      <p:cxnSp>
+        <p:nvCxnSpPr>
+          <p:cNvPr id="28" name="Straight Arrow Connector 27">
+            <a:extLst>
+              <a:ext uri="{FF2B5EF4-FFF2-40B4-BE49-F238E27FC236}">
+                <a16:creationId xmlns:a16="http://schemas.microsoft.com/office/drawing/2014/main" id="{599F0DA2-A262-E8F7-575C-06EA97FD4FAB}"/>
+              </a:ext>
+            </a:extLst>
+          </p:cNvPr>
+          <p:cNvCxnSpPr>
+            <a:stCxn id="9" idx="3"/>
+            <a:endCxn id="15" idx="1"/>
+          </p:cNvCxnSpPr>
+          <p:nvPr/>
+        </p:nvCxnSpPr>
+        <p:spPr>
+          <a:xfrm>
+            <a:off x="3224157" y="4847106"/>
+            <a:ext cx="3812242" cy="672459"/>
+          </a:xfrm>
+          <a:prstGeom prst="straightConnector1">
+            <a:avLst/>
+          </a:prstGeom>
+          <a:ln w="28575">
+            <a:solidFill>
+              <a:srgbClr val="002060"/>
+            </a:solidFill>
+            <a:headEnd type="none" w="lg" len="med"/>
+            <a:tailEnd type="triangle"/>
+          </a:ln>
+        </p:spPr>
+        <p:style>
+          <a:lnRef idx="1">
+            <a:schemeClr val="accent1"/>
+          </a:lnRef>
+          <a:fillRef idx="0">
+            <a:schemeClr val="accent1"/>
+          </a:fillRef>
+          <a:effectRef idx="0">
+            <a:schemeClr val="accent1"/>
+          </a:effectRef>
+          <a:fontRef idx="minor">
+            <a:schemeClr val="tx1"/>
+          </a:fontRef>
+        </p:style>
+      </p:cxnSp>
+      <p:cxnSp>
+        <p:nvCxnSpPr>
+          <p:cNvPr id="30" name="Straight Arrow Connector 29">
+            <a:extLst>
+              <a:ext uri="{FF2B5EF4-FFF2-40B4-BE49-F238E27FC236}">
+                <a16:creationId xmlns:a16="http://schemas.microsoft.com/office/drawing/2014/main" id="{F69EF91A-8C0B-FFB3-0BE1-39C30D6F83F0}"/>
+              </a:ext>
+            </a:extLst>
+          </p:cNvPr>
+          <p:cNvCxnSpPr>
+            <a:cxnSpLocks/>
+          </p:cNvCxnSpPr>
+          <p:nvPr/>
+        </p:nvCxnSpPr>
+        <p:spPr>
+          <a:xfrm>
+            <a:off x="3221915" y="5456844"/>
+            <a:ext cx="3814484" cy="279943"/>
+          </a:xfrm>
+          <a:prstGeom prst="straightConnector1">
+            <a:avLst/>
+          </a:prstGeom>
+          <a:ln w="28575">
+            <a:solidFill>
+              <a:srgbClr val="002060"/>
+            </a:solidFill>
+            <a:headEnd type="none" w="lg" len="med"/>
+            <a:tailEnd type="triangle"/>
+          </a:ln>
+        </p:spPr>
+        <p:style>
+          <a:lnRef idx="1">
+            <a:schemeClr val="accent1"/>
+          </a:lnRef>
+          <a:fillRef idx="0">
+            <a:schemeClr val="accent1"/>
+          </a:fillRef>
+          <a:effectRef idx="0">
+            <a:schemeClr val="accent1"/>
+          </a:effectRef>
+          <a:fontRef idx="minor">
+            <a:schemeClr val="tx1"/>
+          </a:fontRef>
+        </p:style>
+      </p:cxnSp>
+      <p:cxnSp>
+        <p:nvCxnSpPr>
+          <p:cNvPr id="32" name="Straight Arrow Connector 31">
+            <a:extLst>
+              <a:ext uri="{FF2B5EF4-FFF2-40B4-BE49-F238E27FC236}">
+                <a16:creationId xmlns:a16="http://schemas.microsoft.com/office/drawing/2014/main" id="{1E812EEE-815C-1CF3-359B-4A0D61CF9DE0}"/>
+              </a:ext>
+            </a:extLst>
+          </p:cNvPr>
+          <p:cNvCxnSpPr>
+            <a:stCxn id="12" idx="3"/>
+          </p:cNvCxnSpPr>
+          <p:nvPr/>
+        </p:nvCxnSpPr>
+        <p:spPr>
+          <a:xfrm flipV="1">
+            <a:off x="3221915" y="5990803"/>
+            <a:ext cx="3814484" cy="352777"/>
+          </a:xfrm>
+          <a:prstGeom prst="straightConnector1">
+            <a:avLst/>
+          </a:prstGeom>
+          <a:ln w="28575">
+            <a:solidFill>
+              <a:srgbClr val="002060"/>
+            </a:solidFill>
+            <a:headEnd type="none" w="lg" len="med"/>
+            <a:tailEnd type="triangle"/>
+          </a:ln>
+        </p:spPr>
+        <p:style>
+          <a:lnRef idx="1">
+            <a:schemeClr val="accent1"/>
+          </a:lnRef>
+          <a:fillRef idx="0">
+            <a:schemeClr val="accent1"/>
+          </a:fillRef>
+          <a:effectRef idx="0">
+            <a:schemeClr val="accent1"/>
+          </a:effectRef>
+          <a:fontRef idx="minor">
+            <a:schemeClr val="tx1"/>
+          </a:fontRef>
+        </p:style>
+      </p:cxnSp>
+      <p:cxnSp>
+        <p:nvCxnSpPr>
+          <p:cNvPr id="34" name="Straight Arrow Connector 33">
+            <a:extLst>
+              <a:ext uri="{FF2B5EF4-FFF2-40B4-BE49-F238E27FC236}">
+                <a16:creationId xmlns:a16="http://schemas.microsoft.com/office/drawing/2014/main" id="{F7CA496A-FBD5-511D-D142-E697351B0AC0}"/>
+              </a:ext>
+            </a:extLst>
+          </p:cNvPr>
+          <p:cNvCxnSpPr>
+            <a:stCxn id="8" idx="3"/>
+          </p:cNvCxnSpPr>
+          <p:nvPr/>
+        </p:nvCxnSpPr>
+        <p:spPr>
+          <a:xfrm flipV="1">
+            <a:off x="3221915" y="2710927"/>
+            <a:ext cx="3814484" cy="1387942"/>
+          </a:xfrm>
+          <a:prstGeom prst="straightConnector1">
+            <a:avLst/>
+          </a:prstGeom>
+          <a:ln w="28575">
+            <a:solidFill>
+              <a:srgbClr val="0070C0"/>
+            </a:solidFill>
+            <a:headEnd type="none" w="lg" len="med"/>
+            <a:tailEnd type="triangle"/>
+          </a:ln>
+        </p:spPr>
+        <p:style>
+          <a:lnRef idx="1">
+            <a:schemeClr val="accent1"/>
+          </a:lnRef>
+          <a:fillRef idx="0">
+            <a:schemeClr val="accent1"/>
+          </a:fillRef>
+          <a:effectRef idx="0">
+            <a:schemeClr val="accent1"/>
+          </a:effectRef>
+          <a:fontRef idx="minor">
+            <a:schemeClr val="tx1"/>
+          </a:fontRef>
+        </p:style>
+      </p:cxnSp>
+      <p:cxnSp>
+        <p:nvCxnSpPr>
+          <p:cNvPr id="36" name="Straight Arrow Connector 35">
+            <a:extLst>
+              <a:ext uri="{FF2B5EF4-FFF2-40B4-BE49-F238E27FC236}">
+                <a16:creationId xmlns:a16="http://schemas.microsoft.com/office/drawing/2014/main" id="{A9D7BFD1-27B7-B7B9-DCF3-E703AF853ADA}"/>
+              </a:ext>
+            </a:extLst>
+          </p:cNvPr>
+          <p:cNvCxnSpPr/>
+          <p:nvPr/>
+        </p:nvCxnSpPr>
+        <p:spPr>
+          <a:xfrm flipV="1">
+            <a:off x="3221915" y="3030292"/>
+            <a:ext cx="3814484" cy="1773473"/>
+          </a:xfrm>
+          <a:prstGeom prst="straightConnector1">
+            <a:avLst/>
+          </a:prstGeom>
+          <a:ln w="28575">
+            <a:solidFill>
+              <a:srgbClr val="0070C0"/>
+            </a:solidFill>
+            <a:headEnd type="none" w="lg" len="med"/>
+            <a:tailEnd type="triangle"/>
+          </a:ln>
+        </p:spPr>
+        <p:style>
+          <a:lnRef idx="1">
+            <a:schemeClr val="accent1"/>
+          </a:lnRef>
+          <a:fillRef idx="0">
+            <a:schemeClr val="accent1"/>
+          </a:fillRef>
+          <a:effectRef idx="0">
+            <a:schemeClr val="accent1"/>
+          </a:effectRef>
+          <a:fontRef idx="minor">
+            <a:schemeClr val="tx1"/>
+          </a:fontRef>
+        </p:style>
+      </p:cxnSp>
+      <p:cxnSp>
+        <p:nvCxnSpPr>
+          <p:cNvPr id="38" name="Straight Arrow Connector 37">
+            <a:extLst>
+              <a:ext uri="{FF2B5EF4-FFF2-40B4-BE49-F238E27FC236}">
+                <a16:creationId xmlns:a16="http://schemas.microsoft.com/office/drawing/2014/main" id="{6A82F560-8B3B-103F-1CAC-8F8C43C8F71B}"/>
+              </a:ext>
+            </a:extLst>
+          </p:cNvPr>
+          <p:cNvCxnSpPr>
+            <a:stCxn id="11" idx="3"/>
+          </p:cNvCxnSpPr>
+          <p:nvPr/>
+        </p:nvCxnSpPr>
+        <p:spPr>
+          <a:xfrm flipV="1">
+            <a:off x="3221915" y="3367167"/>
+            <a:ext cx="3814484" cy="2228176"/>
+          </a:xfrm>
+          <a:prstGeom prst="straightConnector1">
+            <a:avLst/>
+          </a:prstGeom>
+          <a:ln w="28575">
+            <a:solidFill>
+              <a:srgbClr val="0070C0"/>
+            </a:solidFill>
+            <a:headEnd type="none" w="lg" len="med"/>
+            <a:tailEnd type="triangle"/>
+          </a:ln>
+        </p:spPr>
+        <p:style>
+          <a:lnRef idx="1">
+            <a:schemeClr val="accent1"/>
+          </a:lnRef>
+          <a:fillRef idx="0">
+            <a:schemeClr val="accent1"/>
+          </a:fillRef>
+          <a:effectRef idx="0">
+            <a:schemeClr val="accent1"/>
+          </a:effectRef>
+          <a:fontRef idx="minor">
+            <a:schemeClr val="tx1"/>
+          </a:fontRef>
+        </p:style>
+      </p:cxnSp>
+      <p:cxnSp>
+        <p:nvCxnSpPr>
+          <p:cNvPr id="39" name="Straight Arrow Connector 38">
+            <a:extLst>
+              <a:ext uri="{FF2B5EF4-FFF2-40B4-BE49-F238E27FC236}">
+                <a16:creationId xmlns:a16="http://schemas.microsoft.com/office/drawing/2014/main" id="{BF2ADCE6-7688-CBB5-692D-BCB30C39C955}"/>
+              </a:ext>
+            </a:extLst>
+          </p:cNvPr>
+          <p:cNvCxnSpPr>
+            <a:cxnSpLocks/>
+          </p:cNvCxnSpPr>
+          <p:nvPr/>
+        </p:nvCxnSpPr>
+        <p:spPr>
+          <a:xfrm>
+            <a:off x="3221915" y="5761129"/>
+            <a:ext cx="3814484" cy="130158"/>
+          </a:xfrm>
+          <a:prstGeom prst="straightConnector1">
+            <a:avLst/>
+          </a:prstGeom>
+          <a:ln w="28575">
+            <a:solidFill>
+              <a:srgbClr val="002060"/>
+            </a:solidFill>
+            <a:headEnd type="none" w="lg" len="med"/>
+            <a:tailEnd type="triangle"/>
+          </a:ln>
+        </p:spPr>
+        <p:style>
+          <a:lnRef idx="1">
+            <a:schemeClr val="accent1"/>
+          </a:lnRef>
+          <a:fillRef idx="0">
+            <a:schemeClr val="accent1"/>
+          </a:fillRef>
+          <a:effectRef idx="0">
+            <a:schemeClr val="accent1"/>
+          </a:effectRef>
+          <a:fontRef idx="minor">
+            <a:schemeClr val="tx1"/>
+          </a:fontRef>
+        </p:style>
+      </p:cxnSp>
+    </p:spTree>
+    <p:extLst>
+      <p:ext uri="{BB962C8B-B14F-4D97-AF65-F5344CB8AC3E}">
+        <p14:creationId xmlns:p14="http://schemas.microsoft.com/office/powerpoint/2010/main" val="3531018320"/>
+      </p:ext>
+    </p:extLst>
+  </p:cSld>
+  <p:clrMapOvr>
+    <a:masterClrMapping/>
+  </p:clrMapOvr>
+  <p:transition>
+    <p:fade/>
+  </p:transition>
+</p:sld>
+</file>
+
+<file path=ppt/slides/slide13.xml><?xml version="1.0" encoding="utf-8"?>
 <p:sld xmlns:a="http://schemas.openxmlformats.org/drawingml/2006/main" xmlns:r="http://schemas.openxmlformats.org/officeDocument/2006/relationships" xmlns:p="http://schemas.openxmlformats.org/presentationml/2006/main">
   <p:cSld>
     <p:spTree>
@@ -19419,7 +20992,7 @@
           <a:p>
             <a:r>
               <a:rPr lang="en-GB" dirty="0"/>
-              <a:t>Terraform public Registry</a:t>
+              <a:t>Terraform public registry</a:t>
             </a:r>
           </a:p>
         </p:txBody>
@@ -19470,7 +21043,182 @@
 </p:sld>
 </file>
 
-<file path=ppt/slides/slide12.xml><?xml version="1.0" encoding="utf-8"?>
+<file path=ppt/slides/slide14.xml><?xml version="1.0" encoding="utf-8"?>
+<p:sld xmlns:a="http://schemas.openxmlformats.org/drawingml/2006/main" xmlns:r="http://schemas.openxmlformats.org/officeDocument/2006/relationships" xmlns:p="http://schemas.openxmlformats.org/presentationml/2006/main">
+  <p:cSld>
+    <p:spTree>
+      <p:nvGrpSpPr>
+        <p:cNvPr id="1" name=""/>
+        <p:cNvGrpSpPr/>
+        <p:nvPr/>
+      </p:nvGrpSpPr>
+      <p:grpSpPr>
+        <a:xfrm>
+          <a:off x="0" y="0"/>
+          <a:ext cx="0" cy="0"/>
+          <a:chOff x="0" y="0"/>
+          <a:chExt cx="0" cy="0"/>
+        </a:xfrm>
+      </p:grpSpPr>
+      <p:sp>
+        <p:nvSpPr>
+          <p:cNvPr id="2" name="Title 1">
+            <a:extLst>
+              <a:ext uri="{FF2B5EF4-FFF2-40B4-BE49-F238E27FC236}">
+                <a16:creationId xmlns:a16="http://schemas.microsoft.com/office/drawing/2014/main" id="{B142296C-0D08-8F19-722F-0118B7234BEC}"/>
+              </a:ext>
+            </a:extLst>
+          </p:cNvPr>
+          <p:cNvSpPr>
+            <a:spLocks noGrp="1"/>
+          </p:cNvSpPr>
+          <p:nvPr>
+            <p:ph type="title"/>
+          </p:nvPr>
+        </p:nvSpPr>
+        <p:spPr/>
+        <p:txBody>
+          <a:bodyPr/>
+          <a:lstStyle/>
+          <a:p>
+            <a:r>
+              <a:rPr lang="en-GB" dirty="0"/>
+              <a:t>Other ways to reference modules</a:t>
+            </a:r>
+          </a:p>
+        </p:txBody>
+      </p:sp>
+      <p:sp>
+        <p:nvSpPr>
+          <p:cNvPr id="5" name="Text Placeholder 4">
+            <a:extLst>
+              <a:ext uri="{FF2B5EF4-FFF2-40B4-BE49-F238E27FC236}">
+                <a16:creationId xmlns:a16="http://schemas.microsoft.com/office/drawing/2014/main" id="{43815E4F-6671-D3FE-E9F1-BC54119EB8C3}"/>
+              </a:ext>
+            </a:extLst>
+          </p:cNvPr>
+          <p:cNvSpPr>
+            <a:spLocks noGrp="1"/>
+          </p:cNvSpPr>
+          <p:nvPr>
+            <p:ph type="body" sz="quarter" idx="10"/>
+          </p:nvPr>
+        </p:nvSpPr>
+        <p:spPr>
+          <a:xfrm>
+            <a:off x="586390" y="1434370"/>
+            <a:ext cx="11018520" cy="3976473"/>
+          </a:xfrm>
+        </p:spPr>
+        <p:txBody>
+          <a:bodyPr/>
+          <a:lstStyle/>
+          <a:p>
+            <a:pPr marL="457200" indent="-457200">
+              <a:buFont typeface="Arial" panose="020B0604020202020204" pitchFamily="34" charset="0"/>
+              <a:buChar char="•"/>
+            </a:pPr>
+            <a:r>
+              <a:rPr lang="en-GB" dirty="0"/>
+              <a:t>Git repository</a:t>
+            </a:r>
+          </a:p>
+          <a:p>
+            <a:pPr marL="685800" lvl="1" indent="-457200">
+              <a:buFont typeface="Arial" panose="020B0604020202020204" pitchFamily="34" charset="0"/>
+              <a:buChar char="•"/>
+            </a:pPr>
+            <a:r>
+              <a:rPr lang="en-GB" dirty="0"/>
+              <a:t>Public</a:t>
+            </a:r>
+          </a:p>
+          <a:p>
+            <a:pPr marL="685800" lvl="1" indent="-457200">
+              <a:buFont typeface="Arial" panose="020B0604020202020204" pitchFamily="34" charset="0"/>
+              <a:buChar char="•"/>
+            </a:pPr>
+            <a:r>
+              <a:rPr lang="en-GB" dirty="0"/>
+              <a:t>Private (requires authentication token)</a:t>
+            </a:r>
+          </a:p>
+          <a:p>
+            <a:pPr marL="457200" indent="-457200">
+              <a:buFont typeface="Arial" panose="020B0604020202020204" pitchFamily="34" charset="0"/>
+              <a:buChar char="•"/>
+            </a:pPr>
+            <a:r>
+              <a:rPr lang="en-GB" dirty="0"/>
+              <a:t>HTTP Server</a:t>
+            </a:r>
+          </a:p>
+          <a:p>
+            <a:pPr marL="685800" lvl="1" indent="-457200">
+              <a:buFont typeface="Arial" panose="020B0604020202020204" pitchFamily="34" charset="0"/>
+              <a:buChar char="•"/>
+            </a:pPr>
+            <a:r>
+              <a:rPr lang="en-GB" dirty="0"/>
+              <a:t>Stored as zip  / tar</a:t>
+            </a:r>
+          </a:p>
+          <a:p>
+            <a:pPr marL="457200" indent="-457200">
+              <a:buFont typeface="Arial" panose="020B0604020202020204" pitchFamily="34" charset="0"/>
+              <a:buChar char="•"/>
+            </a:pPr>
+            <a:r>
+              <a:rPr lang="en-GB" dirty="0"/>
+              <a:t>Cloud blob storage</a:t>
+            </a:r>
+          </a:p>
+          <a:p>
+            <a:pPr marL="457200" indent="-457200">
+              <a:buFont typeface="Arial" panose="020B0604020202020204" pitchFamily="34" charset="0"/>
+              <a:buChar char="•"/>
+            </a:pPr>
+            <a:r>
+              <a:rPr lang="en-GB" dirty="0"/>
+              <a:t>Private registry in Terraform Cloud</a:t>
+            </a:r>
+          </a:p>
+          <a:p>
+            <a:pPr marL="685800" lvl="1" indent="-457200">
+              <a:buFont typeface="Arial" panose="020B0604020202020204" pitchFamily="34" charset="0"/>
+              <a:buChar char="•"/>
+            </a:pPr>
+            <a:r>
+              <a:rPr lang="en-GB" dirty="0"/>
+              <a:t>Supports built in versioning</a:t>
+            </a:r>
+          </a:p>
+          <a:p>
+            <a:pPr marL="457200" indent="-457200">
+              <a:buFont typeface="Arial" panose="020B0604020202020204" pitchFamily="34" charset="0"/>
+              <a:buChar char="•"/>
+            </a:pPr>
+            <a:endParaRPr lang="en-GB" dirty="0"/>
+          </a:p>
+        </p:txBody>
+      </p:sp>
+    </p:spTree>
+    <p:extLst>
+      <p:ext uri="{BB962C8B-B14F-4D97-AF65-F5344CB8AC3E}">
+        <p14:creationId xmlns:p14="http://schemas.microsoft.com/office/powerpoint/2010/main" val="1352831576"/>
+      </p:ext>
+    </p:extLst>
+  </p:cSld>
+  <p:clrMapOvr>
+    <a:masterClrMapping/>
+  </p:clrMapOvr>
+  <p:transition>
+    <p:fade/>
+  </p:transition>
+</p:sld>
+</file>
+
+<file path=ppt/slides/slide15.xml><?xml version="1.0" encoding="utf-8"?>
 <p:sld xmlns:a="http://schemas.openxmlformats.org/drawingml/2006/main" xmlns:r="http://schemas.openxmlformats.org/officeDocument/2006/relationships" xmlns:p="http://schemas.openxmlformats.org/presentationml/2006/main">
   <p:cSld>
     <p:spTree>
@@ -19568,7 +21316,7 @@
 </p:sld>
 </file>
 
-<file path=ppt/slides/slide13.xml><?xml version="1.0" encoding="utf-8"?>
+<file path=ppt/slides/slide16.xml><?xml version="1.0" encoding="utf-8"?>
 <p:sld xmlns:a="http://schemas.openxmlformats.org/drawingml/2006/main" xmlns:r="http://schemas.openxmlformats.org/officeDocument/2006/relationships" xmlns:p="http://schemas.openxmlformats.org/presentationml/2006/main">
   <p:cSld>
     <p:spTree>
@@ -19663,7 +21411,7 @@
 </p:sld>
 </file>
 
-<file path=ppt/slides/slide14.xml><?xml version="1.0" encoding="utf-8"?>
+<file path=ppt/slides/slide17.xml><?xml version="1.0" encoding="utf-8"?>
 <p:sld xmlns:a="http://schemas.openxmlformats.org/drawingml/2006/main" xmlns:r="http://schemas.openxmlformats.org/officeDocument/2006/relationships" xmlns:p="http://schemas.openxmlformats.org/presentationml/2006/main">
   <p:cSld>
     <p:spTree>
@@ -21235,7 +22983,7 @@
           <a:bodyPr/>
           <a:lstStyle/>
           <a:p>
-            <a:endParaRPr lang="en-GB"/>
+            <a:endParaRPr lang="en-GB" dirty="0"/>
           </a:p>
         </p:txBody>
       </p:sp>
@@ -21283,6 +23031,109 @@
       </p:grpSpPr>
       <p:sp>
         <p:nvSpPr>
+          <p:cNvPr id="6" name="Title 5">
+            <a:extLst>
+              <a:ext uri="{FF2B5EF4-FFF2-40B4-BE49-F238E27FC236}">
+                <a16:creationId xmlns:a16="http://schemas.microsoft.com/office/drawing/2014/main" id="{02FBA4CB-4CC9-279E-FC91-379C9D30B32E}"/>
+              </a:ext>
+            </a:extLst>
+          </p:cNvPr>
+          <p:cNvSpPr>
+            <a:spLocks noGrp="1"/>
+          </p:cNvSpPr>
+          <p:nvPr>
+            <p:ph type="title"/>
+          </p:nvPr>
+        </p:nvSpPr>
+        <p:spPr/>
+        <p:txBody>
+          <a:bodyPr/>
+          <a:lstStyle/>
+          <a:p>
+            <a:r>
+              <a:rPr lang="en-GB" dirty="0"/>
+              <a:t>Modules</a:t>
+            </a:r>
+          </a:p>
+        </p:txBody>
+      </p:sp>
+      <p:sp>
+        <p:nvSpPr>
+          <p:cNvPr id="7" name="Text Placeholder 6">
+            <a:extLst>
+              <a:ext uri="{FF2B5EF4-FFF2-40B4-BE49-F238E27FC236}">
+                <a16:creationId xmlns:a16="http://schemas.microsoft.com/office/drawing/2014/main" id="{19221CDE-291F-DE94-4A2E-28ACFF19FBE2}"/>
+              </a:ext>
+            </a:extLst>
+          </p:cNvPr>
+          <p:cNvSpPr>
+            <a:spLocks noGrp="1"/>
+          </p:cNvSpPr>
+          <p:nvPr>
+            <p:ph type="body" sz="quarter" idx="10"/>
+          </p:nvPr>
+        </p:nvSpPr>
+        <p:spPr>
+          <a:xfrm>
+            <a:off x="586740" y="3080290"/>
+            <a:ext cx="11018520" cy="430887"/>
+          </a:xfrm>
+        </p:spPr>
+        <p:txBody>
+          <a:bodyPr/>
+          <a:lstStyle/>
+          <a:p>
+            <a:pPr algn="ctr"/>
+            <a:r>
+              <a:rPr lang="en-GB" b="1" dirty="0"/>
+              <a:t>Root Module </a:t>
+            </a:r>
+            <a:r>
+              <a:rPr lang="en-GB" dirty="0"/>
+              <a:t>vs</a:t>
+            </a:r>
+            <a:r>
+              <a:rPr lang="en-GB" b="1" dirty="0"/>
+              <a:t> Sub Module</a:t>
+            </a:r>
+          </a:p>
+        </p:txBody>
+      </p:sp>
+    </p:spTree>
+    <p:extLst>
+      <p:ext uri="{BB962C8B-B14F-4D97-AF65-F5344CB8AC3E}">
+        <p14:creationId xmlns:p14="http://schemas.microsoft.com/office/powerpoint/2010/main" val="2460728397"/>
+      </p:ext>
+    </p:extLst>
+  </p:cSld>
+  <p:clrMapOvr>
+    <a:masterClrMapping/>
+  </p:clrMapOvr>
+  <p:transition>
+    <p:fade/>
+  </p:transition>
+</p:sld>
+</file>
+
+<file path=ppt/slides/slide9.xml><?xml version="1.0" encoding="utf-8"?>
+<p:sld xmlns:a="http://schemas.openxmlformats.org/drawingml/2006/main" xmlns:r="http://schemas.openxmlformats.org/officeDocument/2006/relationships" xmlns:p="http://schemas.openxmlformats.org/presentationml/2006/main">
+  <p:cSld>
+    <p:spTree>
+      <p:nvGrpSpPr>
+        <p:cNvPr id="1" name=""/>
+        <p:cNvGrpSpPr/>
+        <p:nvPr/>
+      </p:nvGrpSpPr>
+      <p:grpSpPr>
+        <a:xfrm>
+          <a:off x="0" y="0"/>
+          <a:ext cx="0" cy="0"/>
+          <a:chOff x="0" y="0"/>
+          <a:chExt cx="0" cy="0"/>
+        </a:xfrm>
+      </p:grpSpPr>
+      <p:sp>
+        <p:nvSpPr>
           <p:cNvPr id="4" name="Title 3">
             <a:extLst>
               <a:ext uri="{FF2B5EF4-FFF2-40B4-BE49-F238E27FC236}">
@@ -21382,214 +23233,6 @@
     <p:extLst>
       <p:ext uri="{BB962C8B-B14F-4D97-AF65-F5344CB8AC3E}">
         <p14:creationId xmlns:p14="http://schemas.microsoft.com/office/powerpoint/2010/main" val="1213830845"/>
-      </p:ext>
-    </p:extLst>
-  </p:cSld>
-  <p:clrMapOvr>
-    <a:masterClrMapping/>
-  </p:clrMapOvr>
-  <p:transition>
-    <p:fade/>
-  </p:transition>
-</p:sld>
-</file>
-
-<file path=ppt/slides/slide9.xml><?xml version="1.0" encoding="utf-8"?>
-<p:sld xmlns:a="http://schemas.openxmlformats.org/drawingml/2006/main" xmlns:r="http://schemas.openxmlformats.org/officeDocument/2006/relationships" xmlns:p="http://schemas.openxmlformats.org/presentationml/2006/main">
-  <p:cSld>
-    <p:spTree>
-      <p:nvGrpSpPr>
-        <p:cNvPr id="1" name=""/>
-        <p:cNvGrpSpPr/>
-        <p:nvPr/>
-      </p:nvGrpSpPr>
-      <p:grpSpPr>
-        <a:xfrm>
-          <a:off x="0" y="0"/>
-          <a:ext cx="0" cy="0"/>
-          <a:chOff x="0" y="0"/>
-          <a:chExt cx="0" cy="0"/>
-        </a:xfrm>
-      </p:grpSpPr>
-      <p:sp>
-        <p:nvSpPr>
-          <p:cNvPr id="2" name="Title 1">
-            <a:extLst>
-              <a:ext uri="{FF2B5EF4-FFF2-40B4-BE49-F238E27FC236}">
-                <a16:creationId xmlns:a16="http://schemas.microsoft.com/office/drawing/2014/main" id="{5302E113-2A91-47A0-9451-B30E7E8D4327}"/>
-              </a:ext>
-            </a:extLst>
-          </p:cNvPr>
-          <p:cNvSpPr>
-            <a:spLocks noGrp="1"/>
-          </p:cNvSpPr>
-          <p:nvPr>
-            <p:ph type="title"/>
-          </p:nvPr>
-        </p:nvSpPr>
-        <p:spPr>
-          <a:xfrm>
-            <a:off x="408522" y="6415621"/>
-            <a:ext cx="11018520" cy="738664"/>
-          </a:xfrm>
-        </p:spPr>
-        <p:txBody>
-          <a:bodyPr/>
-          <a:lstStyle/>
-          <a:p>
-            <a:r>
-              <a:rPr lang="en-GB" sz="2400" dirty="0">
-                <a:latin typeface="+mn-lt"/>
-              </a:rPr>
-              <a:t>Root Module is the only requirement and acts as the entry point.</a:t>
-            </a:r>
-            <a:br>
-              <a:rPr lang="en-GB" sz="2400" dirty="0">
-                <a:latin typeface="+mn-lt"/>
-              </a:rPr>
-            </a:br>
-            <a:endParaRPr lang="en-GB" sz="2400" dirty="0">
-              <a:latin typeface="+mn-lt"/>
-            </a:endParaRPr>
-          </a:p>
-        </p:txBody>
-      </p:sp>
-      <p:sp>
-        <p:nvSpPr>
-          <p:cNvPr id="7" name="Content Placeholder 6">
-            <a:extLst>
-              <a:ext uri="{FF2B5EF4-FFF2-40B4-BE49-F238E27FC236}">
-                <a16:creationId xmlns:a16="http://schemas.microsoft.com/office/drawing/2014/main" id="{8C9A2590-8421-4FF2-BF61-96B9174066DC}"/>
-              </a:ext>
-            </a:extLst>
-          </p:cNvPr>
-          <p:cNvSpPr>
-            <a:spLocks noGrp="1"/>
-          </p:cNvSpPr>
-          <p:nvPr>
-            <p:ph sz="quarter" idx="12"/>
-          </p:nvPr>
-        </p:nvSpPr>
-        <p:spPr>
-          <a:xfrm>
-            <a:off x="706019" y="328574"/>
-            <a:ext cx="5211763" cy="430887"/>
-          </a:xfrm>
-        </p:spPr>
-        <p:txBody>
-          <a:bodyPr/>
-          <a:lstStyle/>
-          <a:p>
-            <a:pPr marL="0" indent="0">
-              <a:buNone/>
-            </a:pPr>
-            <a:r>
-              <a:rPr lang="en-GB" dirty="0"/>
-              <a:t>Minimal Structure</a:t>
-            </a:r>
-          </a:p>
-        </p:txBody>
-      </p:sp>
-      <p:sp>
-        <p:nvSpPr>
-          <p:cNvPr id="8" name="Content Placeholder 7">
-            <a:extLst>
-              <a:ext uri="{FF2B5EF4-FFF2-40B4-BE49-F238E27FC236}">
-                <a16:creationId xmlns:a16="http://schemas.microsoft.com/office/drawing/2014/main" id="{302E91E7-4DA5-4C85-A46F-96FFE5031843}"/>
-              </a:ext>
-            </a:extLst>
-          </p:cNvPr>
-          <p:cNvSpPr>
-            <a:spLocks noGrp="1"/>
-          </p:cNvSpPr>
-          <p:nvPr>
-            <p:ph sz="quarter" idx="13"/>
-          </p:nvPr>
-        </p:nvSpPr>
-        <p:spPr>
-          <a:xfrm>
-            <a:off x="6274220" y="328574"/>
-            <a:ext cx="5219700" cy="430887"/>
-          </a:xfrm>
-        </p:spPr>
-        <p:txBody>
-          <a:bodyPr/>
-          <a:lstStyle/>
-          <a:p>
-            <a:pPr marL="0" indent="0">
-              <a:buNone/>
-            </a:pPr>
-            <a:r>
-              <a:rPr lang="en-GB" dirty="0"/>
-              <a:t>Nested Example</a:t>
-            </a:r>
-          </a:p>
-        </p:txBody>
-      </p:sp>
-      <p:pic>
-        <p:nvPicPr>
-          <p:cNvPr id="12" name="Picture 11">
-            <a:extLst>
-              <a:ext uri="{FF2B5EF4-FFF2-40B4-BE49-F238E27FC236}">
-                <a16:creationId xmlns:a16="http://schemas.microsoft.com/office/drawing/2014/main" id="{8FB7E95F-0A63-4B12-8368-53C56AE8D08E}"/>
-              </a:ext>
-            </a:extLst>
-          </p:cNvPr>
-          <p:cNvPicPr>
-            <a:picLocks noChangeAspect="1"/>
-          </p:cNvPicPr>
-          <p:nvPr/>
-        </p:nvPicPr>
-        <p:blipFill>
-          <a:blip r:embed="rId3"/>
-          <a:stretch>
-            <a:fillRect/>
-          </a:stretch>
-        </p:blipFill>
-        <p:spPr>
-          <a:xfrm>
-            <a:off x="706019" y="1009712"/>
-            <a:ext cx="3431264" cy="2487898"/>
-          </a:xfrm>
-          <a:prstGeom prst="rect">
-            <a:avLst/>
-          </a:prstGeom>
-        </p:spPr>
-      </p:pic>
-      <p:pic>
-        <p:nvPicPr>
-          <p:cNvPr id="13" name="Picture 12">
-            <a:extLst>
-              <a:ext uri="{FF2B5EF4-FFF2-40B4-BE49-F238E27FC236}">
-                <a16:creationId xmlns:a16="http://schemas.microsoft.com/office/drawing/2014/main" id="{AC51D5CB-01D3-4B53-AEE9-414886756381}"/>
-              </a:ext>
-            </a:extLst>
-          </p:cNvPr>
-          <p:cNvPicPr>
-            <a:picLocks noChangeAspect="1"/>
-          </p:cNvPicPr>
-          <p:nvPr/>
-        </p:nvPicPr>
-        <p:blipFill>
-          <a:blip r:embed="rId4"/>
-          <a:stretch>
-            <a:fillRect/>
-          </a:stretch>
-        </p:blipFill>
-        <p:spPr>
-          <a:xfrm>
-            <a:off x="6274220" y="1009712"/>
-            <a:ext cx="3320195" cy="5191872"/>
-          </a:xfrm>
-          <a:prstGeom prst="rect">
-            <a:avLst/>
-          </a:prstGeom>
-        </p:spPr>
-      </p:pic>
-    </p:spTree>
-    <p:extLst>
-      <p:ext uri="{BB962C8B-B14F-4D97-AF65-F5344CB8AC3E}">
-        <p14:creationId xmlns:p14="http://schemas.microsoft.com/office/powerpoint/2010/main" val="2016378426"/>
       </p:ext>
     </p:extLst>
   </p:cSld>
@@ -22442,6 +24085,21 @@
 </file>
 
 <file path=customXml/item1.xml><?xml version="1.0" encoding="utf-8"?>
+<p:properties xmlns:p="http://schemas.microsoft.com/office/2006/metadata/properties" xmlns:pc="http://schemas.microsoft.com/office/infopath/2007/PartnerControls" xmlns:xsi="http://www.w3.org/2001/XMLSchema-instance">
+  <documentManagement>
+    <SharedWithUsers xmlns="53207a91-4873-4278-88cd-3a5c1985bff7">
+      <UserInfo>
+        <DisplayName/>
+        <AccountId xsi:nil="true"/>
+        <AccountType/>
+      </UserInfo>
+    </SharedWithUsers>
+    <SharedWithDetails xmlns="53207a91-4873-4278-88cd-3a5c1985bff7" xsi:nil="true"/>
+  </documentManagement>
+</p:properties>
+</file>
+
+<file path=customXml/item2.xml><?xml version="1.0" encoding="utf-8"?>
 <ct:contentTypeSchema xmlns:ct="http://schemas.microsoft.com/office/2006/metadata/contentType" xmlns:ma="http://schemas.microsoft.com/office/2006/metadata/properties/metaAttributes" ct:_="" ma:_="" ma:contentTypeName="Document" ma:contentTypeID="0x010100581AC3C96BC25B49BAADFDD2709736A2" ma:contentTypeVersion="13" ma:contentTypeDescription="Create a new document." ma:contentTypeScope="" ma:versionID="46d05e5ad3e10e23d0d91d2c812a342c">
   <xsd:schema xmlns:xsd="http://www.w3.org/2001/XMLSchema" xmlns:xs="http://www.w3.org/2001/XMLSchema" xmlns:p="http://schemas.microsoft.com/office/2006/metadata/properties" xmlns:ns3="61d4b2b7-c11c-4679-a498-c69870ddf3ad" xmlns:ns4="53207a91-4873-4278-88cd-3a5c1985bff7" targetNamespace="http://schemas.microsoft.com/office/2006/metadata/properties" ma:root="true" ma:fieldsID="23414a13395756fa7b20173620af81aa" ns3:_="" ns4:_="">
     <xsd:import namespace="61d4b2b7-c11c-4679-a498-c69870ddf3ad"/>
@@ -22664,7 +24322,7 @@
 </ct:contentTypeSchema>
 </file>
 
-<file path=customXml/item2.xml><?xml version="1.0" encoding="utf-8"?>
+<file path=customXml/item3.xml><?xml version="1.0" encoding="utf-8"?>
 <?mso-contentType ?>
 <FormTemplates xmlns="http://schemas.microsoft.com/sharepoint/v3/contenttype/forms">
   <Display>DocumentLibraryForm</Display>
@@ -22673,22 +24331,24 @@
 </FormTemplates>
 </file>
 
-<file path=customXml/item3.xml><?xml version="1.0" encoding="utf-8"?>
-<p:properties xmlns:p="http://schemas.microsoft.com/office/2006/metadata/properties" xmlns:pc="http://schemas.microsoft.com/office/infopath/2007/PartnerControls" xmlns:xsi="http://www.w3.org/2001/XMLSchema-instance">
-  <documentManagement>
-    <SharedWithUsers xmlns="53207a91-4873-4278-88cd-3a5c1985bff7">
-      <UserInfo>
-        <DisplayName/>
-        <AccountId xsi:nil="true"/>
-        <AccountType/>
-      </UserInfo>
-    </SharedWithUsers>
-    <SharedWithDetails xmlns="53207a91-4873-4278-88cd-3a5c1985bff7" xsi:nil="true"/>
-  </documentManagement>
-</p:properties>
+<file path=customXml/itemProps1.xml><?xml version="1.0" encoding="utf-8"?>
+<ds:datastoreItem xmlns:ds="http://schemas.openxmlformats.org/officeDocument/2006/customXml" ds:itemID="{F990F116-B58F-4255-B05B-DA3808E0E5C6}">
+  <ds:schemaRefs>
+    <ds:schemaRef ds:uri="http://purl.org/dc/terms/"/>
+    <ds:schemaRef ds:uri="http://www.w3.org/XML/1998/namespace"/>
+    <ds:schemaRef ds:uri="http://schemas.microsoft.com/office/infopath/2007/PartnerControls"/>
+    <ds:schemaRef ds:uri="http://schemas.openxmlformats.org/package/2006/metadata/core-properties"/>
+    <ds:schemaRef ds:uri="http://schemas.microsoft.com/office/2006/documentManagement/types"/>
+    <ds:schemaRef ds:uri="http://purl.org/dc/dcmitype/"/>
+    <ds:schemaRef ds:uri="53207a91-4873-4278-88cd-3a5c1985bff7"/>
+    <ds:schemaRef ds:uri="61d4b2b7-c11c-4679-a498-c69870ddf3ad"/>
+    <ds:schemaRef ds:uri="http://schemas.microsoft.com/office/2006/metadata/properties"/>
+    <ds:schemaRef ds:uri="http://purl.org/dc/elements/1.1/"/>
+  </ds:schemaRefs>
+</ds:datastoreItem>
 </file>
 
-<file path=customXml/itemProps1.xml><?xml version="1.0" encoding="utf-8"?>
+<file path=customXml/itemProps2.xml><?xml version="1.0" encoding="utf-8"?>
 <ds:datastoreItem xmlns:ds="http://schemas.openxmlformats.org/officeDocument/2006/customXml" ds:itemID="{038AEBA6-4909-4FA6-B3B8-894B7F209BA0}">
   <ds:schemaRefs>
     <ds:schemaRef ds:uri="http://schemas.microsoft.com/office/2006/metadata/contentType"/>
@@ -22707,7 +24367,7 @@
 </ds:datastoreItem>
 </file>
 
-<file path=customXml/itemProps2.xml><?xml version="1.0" encoding="utf-8"?>
+<file path=customXml/itemProps3.xml><?xml version="1.0" encoding="utf-8"?>
 <ds:datastoreItem xmlns:ds="http://schemas.openxmlformats.org/officeDocument/2006/customXml" ds:itemID="{758FDAC0-319D-4A54-8D8E-1D42CB1F8004}">
   <ds:schemaRefs>
     <ds:schemaRef ds:uri="http://schemas.microsoft.com/sharepoint/v3/contenttype/forms"/>
@@ -22715,19 +24375,8 @@
 </ds:datastoreItem>
 </file>
 
-<file path=customXml/itemProps3.xml><?xml version="1.0" encoding="utf-8"?>
-<ds:datastoreItem xmlns:ds="http://schemas.openxmlformats.org/officeDocument/2006/customXml" ds:itemID="{F990F116-B58F-4255-B05B-DA3808E0E5C6}">
-  <ds:schemaRefs>
-    <ds:schemaRef ds:uri="http://purl.org/dc/terms/"/>
-    <ds:schemaRef ds:uri="http://www.w3.org/XML/1998/namespace"/>
-    <ds:schemaRef ds:uri="http://schemas.microsoft.com/office/infopath/2007/PartnerControls"/>
-    <ds:schemaRef ds:uri="http://schemas.openxmlformats.org/package/2006/metadata/core-properties"/>
-    <ds:schemaRef ds:uri="http://schemas.microsoft.com/office/2006/documentManagement/types"/>
-    <ds:schemaRef ds:uri="http://purl.org/dc/dcmitype/"/>
-    <ds:schemaRef ds:uri="53207a91-4873-4278-88cd-3a5c1985bff7"/>
-    <ds:schemaRef ds:uri="61d4b2b7-c11c-4679-a498-c69870ddf3ad"/>
-    <ds:schemaRef ds:uri="http://schemas.microsoft.com/office/2006/metadata/properties"/>
-    <ds:schemaRef ds:uri="http://purl.org/dc/elements/1.1/"/>
-  </ds:schemaRefs>
-</ds:datastoreItem>
+<file path=docMetadata/LabelInfo.xml><?xml version="1.0" encoding="utf-8"?>
+<clbl:labelList xmlns:clbl="http://schemas.microsoft.com/office/2020/mipLabelMetadata">
+  <clbl:label id="{f42aa342-8706-4288-bd11-ebb85995028c}" enabled="1" method="Standard" siteId="{72f988bf-86f1-41af-91ab-2d7cd011db47}" contentBits="0" removed="0"/>
+</clbl:labelList>
 </file>
--- a/PPTs/04_dependencies_and_modules.pptx
+++ b/PPTs/04_dependencies_and_modules.pptx
@@ -5,10 +5,10 @@
     <p:sldMasterId id="2147484229" r:id="rId4"/>
   </p:sldMasterIdLst>
   <p:notesMasterIdLst>
-    <p:notesMasterId r:id="rId22"/>
+    <p:notesMasterId r:id="rId28"/>
   </p:notesMasterIdLst>
   <p:handoutMasterIdLst>
-    <p:handoutMasterId r:id="rId23"/>
+    <p:handoutMasterId r:id="rId29"/>
   </p:handoutMasterIdLst>
   <p:sldIdLst>
     <p:sldId id="1663" r:id="rId5"/>
@@ -16,18 +16,24 @@
     <p:sldId id="2060" r:id="rId7"/>
     <p:sldId id="2066" r:id="rId8"/>
     <p:sldId id="2067" r:id="rId9"/>
-    <p:sldId id="2065" r:id="rId10"/>
-    <p:sldId id="2068" r:id="rId11"/>
-    <p:sldId id="2076" r:id="rId12"/>
-    <p:sldId id="2069" r:id="rId13"/>
-    <p:sldId id="2070" r:id="rId14"/>
-    <p:sldId id="2071" r:id="rId15"/>
-    <p:sldId id="2074" r:id="rId16"/>
-    <p:sldId id="2072" r:id="rId17"/>
-    <p:sldId id="2075" r:id="rId18"/>
-    <p:sldId id="2073" r:id="rId19"/>
-    <p:sldId id="1893" r:id="rId20"/>
-    <p:sldId id="1532" r:id="rId21"/>
+    <p:sldId id="2077" r:id="rId10"/>
+    <p:sldId id="2065" r:id="rId11"/>
+    <p:sldId id="2068" r:id="rId12"/>
+    <p:sldId id="2076" r:id="rId13"/>
+    <p:sldId id="2069" r:id="rId14"/>
+    <p:sldId id="2070" r:id="rId15"/>
+    <p:sldId id="2071" r:id="rId16"/>
+    <p:sldId id="2074" r:id="rId17"/>
+    <p:sldId id="2076138505" r:id="rId18"/>
+    <p:sldId id="2076138481" r:id="rId19"/>
+    <p:sldId id="2072" r:id="rId20"/>
+    <p:sldId id="2076138482" r:id="rId21"/>
+    <p:sldId id="2076138485" r:id="rId22"/>
+    <p:sldId id="2076138483" r:id="rId23"/>
+    <p:sldId id="2076138479" r:id="rId24"/>
+    <p:sldId id="2073" r:id="rId25"/>
+    <p:sldId id="1893" r:id="rId26"/>
+    <p:sldId id="1532" r:id="rId27"/>
   </p:sldIdLst>
   <p:sldSz cx="12192000" cy="6858000"/>
   <p:notesSz cx="6858000" cy="9144000"/>
@@ -140,6 +146,7 @@
             <p14:sldId id="2060"/>
             <p14:sldId id="2066"/>
             <p14:sldId id="2067"/>
+            <p14:sldId id="2077"/>
             <p14:sldId id="2065"/>
           </p14:sldIdLst>
         </p14:section>
@@ -151,8 +158,13 @@
             <p14:sldId id="2070"/>
             <p14:sldId id="2071"/>
             <p14:sldId id="2074"/>
+            <p14:sldId id="2076138505"/>
+            <p14:sldId id="2076138481"/>
             <p14:sldId id="2072"/>
-            <p14:sldId id="2075"/>
+            <p14:sldId id="2076138482"/>
+            <p14:sldId id="2076138485"/>
+            <p14:sldId id="2076138483"/>
+            <p14:sldId id="2076138479"/>
             <p14:sldId id="2073"/>
           </p14:sldIdLst>
         </p14:section>
@@ -5703,7 +5715,7 @@
               <a:rPr lang="en-US" smtClean="0">
                 <a:latin typeface="Segoe UI" pitchFamily="34" charset="0"/>
               </a:rPr>
-              <a:t>1/4/2023 9:00 AM</a:t>
+              <a:t>6/29/2023 12:47 PM</a:t>
             </a:fld>
             <a:endParaRPr lang="en-US" dirty="0">
               <a:latin typeface="Segoe UI" pitchFamily="34" charset="0"/>
@@ -5981,7 +5993,7 @@
           <a:p>
             <a:fld id="{386CE63F-9E7F-4C04-9D0D-FCA25A8E9E86}" type="datetime8">
               <a:rPr lang="en-US" smtClean="0"/>
-              <a:t>1/4/2023 8:45 AM</a:t>
+              <a:t>6/29/2023 12:46 PM</a:t>
             </a:fld>
             <a:endParaRPr lang="en-US" dirty="0"/>
           </a:p>
@@ -6348,7 +6360,7 @@
           <a:p>
             <a:fld id="{321E5A7B-BB8D-4368-A182-109669521632}" type="datetime8">
               <a:rPr lang="en-US" smtClean="0"/>
-              <a:t>1/4/2023 8:45 AM</a:t>
+              <a:t>6/29/2023 12:46 PM</a:t>
             </a:fld>
             <a:endParaRPr lang="en-US" dirty="0"/>
           </a:p>
@@ -6436,8 +6448,23 @@
           <a:lstStyle/>
           <a:p>
             <a:r>
+              <a:rPr lang="en-GB" dirty="0">
+                <a:hlinkClick r:id="rId3"/>
+              </a:rPr>
+              <a:t>https://learn.hashicorp.com/terraform/modules/creating-modules</a:t>
+            </a:r>
+            <a:endParaRPr lang="en-GB" dirty="0"/>
+          </a:p>
+          <a:p>
+            <a:endParaRPr lang="en-GB" dirty="0"/>
+          </a:p>
+          <a:p>
+            <a:endParaRPr lang="en-GB" dirty="0"/>
+          </a:p>
+          <a:p>
+            <a:r>
               <a:rPr lang="en-GB" dirty="0"/>
-              <a:t>Module sources can be remote git repos, private registries, etc.</a:t>
+              <a:t>There aren’t any .tfvars because we will be passing in the values. Placing data inside makes modules less reusable.</a:t>
             </a:r>
           </a:p>
         </p:txBody>
@@ -6532,7 +6559,7 @@
           <a:p>
             <a:fld id="{386CE63F-9E7F-4C04-9D0D-FCA25A8E9E86}" type="datetime8">
               <a:rPr lang="en-US" smtClean="0"/>
-              <a:t>1/4/2023 8:45 AM</a:t>
+              <a:t>6/29/2023 12:46 PM</a:t>
             </a:fld>
             <a:endParaRPr lang="en-US" dirty="0"/>
           </a:p>
@@ -6565,7 +6592,7 @@
     </p:spTree>
     <p:extLst>
       <p:ext uri="{BB962C8B-B14F-4D97-AF65-F5344CB8AC3E}">
-        <p14:creationId xmlns:p14="http://schemas.microsoft.com/office/powerpoint/2010/main" val="1647369797"/>
+        <p14:creationId xmlns:p14="http://schemas.microsoft.com/office/powerpoint/2010/main" val="2244993832"/>
       </p:ext>
     </p:extLst>
   </p:cSld>
@@ -6621,16 +6648,7 @@
           <a:p>
             <a:r>
               <a:rPr lang="en-GB" dirty="0"/>
-              <a:t>Don’t mutate the modules from official registry. If planning to do so, then make it custom and manage it separately in your own module source because version upgrades to original module will break changes if you accidentally update them. </a:t>
-            </a:r>
-          </a:p>
-          <a:p>
-            <a:endParaRPr lang="en-GB" dirty="0"/>
-          </a:p>
-          <a:p>
-            <a:r>
-              <a:rPr lang="en-GB" dirty="0"/>
-              <a:t>It’s best not to mutate community maintained / official modules.</a:t>
+              <a:t>Module sources can be remote git repos, private registries, etc.</a:t>
             </a:r>
           </a:p>
         </p:txBody>
@@ -6725,7 +6743,7 @@
           <a:p>
             <a:fld id="{386CE63F-9E7F-4C04-9D0D-FCA25A8E9E86}" type="datetime8">
               <a:rPr lang="en-US" smtClean="0"/>
-              <a:t>1/4/2023 8:45 AM</a:t>
+              <a:t>6/29/2023 12:46 PM</a:t>
             </a:fld>
             <a:endParaRPr lang="en-US" dirty="0"/>
           </a:p>
@@ -6749,7 +6767,7 @@
             <a:fld id="{B4008EB6-D09E-4580-8CD6-DDB14511944F}" type="slidenum">
               <a:rPr lang="en-US" smtClean="0"/>
               <a:pPr/>
-              <a:t>13</a:t>
+              <a:t>12</a:t>
             </a:fld>
             <a:endParaRPr lang="en-US" dirty="0"/>
           </a:p>
@@ -6758,7 +6776,7 @@
     </p:spTree>
     <p:extLst>
       <p:ext uri="{BB962C8B-B14F-4D97-AF65-F5344CB8AC3E}">
-        <p14:creationId xmlns:p14="http://schemas.microsoft.com/office/powerpoint/2010/main" val="4268719133"/>
+        <p14:creationId xmlns:p14="http://schemas.microsoft.com/office/powerpoint/2010/main" val="1647369797"/>
       </p:ext>
     </p:extLst>
   </p:cSld>
@@ -6814,21 +6832,17 @@
           <a:p>
             <a:r>
               <a:rPr lang="en-GB" dirty="0"/>
-              <a:t>Show both local and remote flow. (re </a:t>
-            </a:r>
-            <a:r>
-              <a:rPr lang="en-GB" dirty="0" err="1"/>
-              <a:t>init</a:t>
-            </a:r>
+              <a:t>Don’t mutate the modules from official registry. If planning to do so, then make it custom and manage it separately in your own module source because version upgrades to original module will break changes if you accidentally update them. </a:t>
+            </a:r>
+          </a:p>
+          <a:p>
+            <a:endParaRPr lang="en-GB" dirty="0"/>
+          </a:p>
+          <a:p>
             <a:r>
               <a:rPr lang="en-GB" dirty="0"/>
-              <a:t> </a:t>
-            </a:r>
-            <a:r>
-              <a:rPr lang="en-GB"/>
-              <a:t>as needed)</a:t>
-            </a:r>
-            <a:endParaRPr lang="en-GB" dirty="0"/>
+              <a:t>It’s best not to mutate community maintained / official modules.</a:t>
+            </a:r>
           </a:p>
         </p:txBody>
       </p:sp>
@@ -6922,7 +6936,7 @@
           <a:p>
             <a:fld id="{386CE63F-9E7F-4C04-9D0D-FCA25A8E9E86}" type="datetime8">
               <a:rPr lang="en-US" smtClean="0"/>
-              <a:t>1/4/2023 8:45 AM</a:t>
+              <a:t>6/29/2023 12:46 PM</a:t>
             </a:fld>
             <a:endParaRPr lang="en-US" dirty="0"/>
           </a:p>
@@ -6946,7 +6960,7 @@
             <a:fld id="{B4008EB6-D09E-4580-8CD6-DDB14511944F}" type="slidenum">
               <a:rPr lang="en-US" smtClean="0"/>
               <a:pPr/>
-              <a:t>15</a:t>
+              <a:t>16</a:t>
             </a:fld>
             <a:endParaRPr lang="en-US" dirty="0"/>
           </a:p>
@@ -6955,7 +6969,7 @@
     </p:spTree>
     <p:extLst>
       <p:ext uri="{BB962C8B-B14F-4D97-AF65-F5344CB8AC3E}">
-        <p14:creationId xmlns:p14="http://schemas.microsoft.com/office/powerpoint/2010/main" val="3228614431"/>
+        <p14:creationId xmlns:p14="http://schemas.microsoft.com/office/powerpoint/2010/main" val="4268719133"/>
       </p:ext>
     </p:extLst>
   </p:cSld>
@@ -7009,6 +7023,203 @@
           <a:bodyPr/>
           <a:lstStyle/>
           <a:p>
+            <a:r>
+              <a:rPr lang="en-GB" dirty="0"/>
+              <a:t>Show both local and remote flow. (re </a:t>
+            </a:r>
+            <a:r>
+              <a:rPr lang="en-GB" dirty="0" err="1"/>
+              <a:t>init</a:t>
+            </a:r>
+            <a:r>
+              <a:rPr lang="en-GB" dirty="0"/>
+              <a:t> </a:t>
+            </a:r>
+            <a:r>
+              <a:rPr lang="en-GB"/>
+              <a:t>as needed)</a:t>
+            </a:r>
+            <a:endParaRPr lang="en-GB" dirty="0"/>
+          </a:p>
+        </p:txBody>
+      </p:sp>
+      <p:sp>
+        <p:nvSpPr>
+          <p:cNvPr id="4" name="Header Placeholder 3"/>
+          <p:cNvSpPr>
+            <a:spLocks noGrp="1"/>
+          </p:cNvSpPr>
+          <p:nvPr>
+            <p:ph type="hdr" sz="quarter"/>
+          </p:nvPr>
+        </p:nvSpPr>
+        <p:spPr/>
+        <p:txBody>
+          <a:bodyPr/>
+          <a:lstStyle/>
+          <a:p>
+            <a:endParaRPr lang="en-US" dirty="0"/>
+          </a:p>
+        </p:txBody>
+      </p:sp>
+      <p:sp>
+        <p:nvSpPr>
+          <p:cNvPr id="5" name="Footer Placeholder 4"/>
+          <p:cNvSpPr>
+            <a:spLocks noGrp="1"/>
+          </p:cNvSpPr>
+          <p:nvPr>
+            <p:ph type="ftr" sz="quarter" idx="4"/>
+          </p:nvPr>
+        </p:nvSpPr>
+        <p:spPr/>
+        <p:txBody>
+          <a:bodyPr/>
+          <a:lstStyle/>
+          <a:p>
+            <a:pPr defTabSz="914099" eaLnBrk="0" hangingPunct="0"/>
+            <a:r>
+              <a:rPr lang="en-US" sz="400">
+                <a:gradFill>
+                  <a:gsLst>
+                    <a:gs pos="0">
+                      <a:prstClr val="black"/>
+                    </a:gs>
+                    <a:gs pos="100000">
+                      <a:prstClr val="black"/>
+                    </a:gs>
+                  </a:gsLst>
+                  <a:lin ang="5400000" scaled="0"/>
+                </a:gradFill>
+                <a:latin typeface="Segoe UI" pitchFamily="34" charset="0"/>
+                <a:ea typeface="Segoe UI" pitchFamily="34" charset="0"/>
+                <a:cs typeface="Segoe UI" pitchFamily="34" charset="0"/>
+              </a:rPr>
+              <a:t>© Microsoft Corporation. All rights reserved. MICROSOFT MAKES NO WARRANTIES, EXPRESS, IMPLIED OR STATUTORY, AS TO THE INFORMATION IN THIS PRESENTATION.</a:t>
+            </a:r>
+            <a:endParaRPr lang="en-US" sz="400" dirty="0">
+              <a:gradFill>
+                <a:gsLst>
+                  <a:gs pos="0">
+                    <a:prstClr val="black"/>
+                  </a:gs>
+                  <a:gs pos="100000">
+                    <a:prstClr val="black"/>
+                  </a:gs>
+                </a:gsLst>
+                <a:lin ang="5400000" scaled="0"/>
+              </a:gradFill>
+              <a:latin typeface="Segoe UI" pitchFamily="34" charset="0"/>
+              <a:ea typeface="Segoe UI" pitchFamily="34" charset="0"/>
+              <a:cs typeface="Segoe UI" pitchFamily="34" charset="0"/>
+            </a:endParaRPr>
+          </a:p>
+        </p:txBody>
+      </p:sp>
+      <p:sp>
+        <p:nvSpPr>
+          <p:cNvPr id="6" name="Date Placeholder 5"/>
+          <p:cNvSpPr>
+            <a:spLocks noGrp="1"/>
+          </p:cNvSpPr>
+          <p:nvPr>
+            <p:ph type="dt" idx="1"/>
+          </p:nvPr>
+        </p:nvSpPr>
+        <p:spPr/>
+        <p:txBody>
+          <a:bodyPr/>
+          <a:lstStyle/>
+          <a:p>
+            <a:fld id="{386CE63F-9E7F-4C04-9D0D-FCA25A8E9E86}" type="datetime8">
+              <a:rPr lang="en-US" smtClean="0"/>
+              <a:t>6/29/2023 12:46 PM</a:t>
+            </a:fld>
+            <a:endParaRPr lang="en-US" dirty="0"/>
+          </a:p>
+        </p:txBody>
+      </p:sp>
+      <p:sp>
+        <p:nvSpPr>
+          <p:cNvPr id="7" name="Slide Number Placeholder 6"/>
+          <p:cNvSpPr>
+            <a:spLocks noGrp="1"/>
+          </p:cNvSpPr>
+          <p:nvPr>
+            <p:ph type="sldNum" sz="quarter" idx="5"/>
+          </p:nvPr>
+        </p:nvSpPr>
+        <p:spPr/>
+        <p:txBody>
+          <a:bodyPr/>
+          <a:lstStyle/>
+          <a:p>
+            <a:fld id="{B4008EB6-D09E-4580-8CD6-DDB14511944F}" type="slidenum">
+              <a:rPr lang="en-US" smtClean="0"/>
+              <a:pPr/>
+              <a:t>21</a:t>
+            </a:fld>
+            <a:endParaRPr lang="en-US" dirty="0"/>
+          </a:p>
+        </p:txBody>
+      </p:sp>
+    </p:spTree>
+    <p:extLst>
+      <p:ext uri="{BB962C8B-B14F-4D97-AF65-F5344CB8AC3E}">
+        <p14:creationId xmlns:p14="http://schemas.microsoft.com/office/powerpoint/2010/main" val="3228614431"/>
+      </p:ext>
+    </p:extLst>
+  </p:cSld>
+  <p:clrMapOvr>
+    <a:masterClrMapping/>
+  </p:clrMapOvr>
+</p:notes>
+</file>
+
+<file path=ppt/notesSlides/notesSlide14.xml><?xml version="1.0" encoding="utf-8"?>
+<p:notes xmlns:a="http://schemas.openxmlformats.org/drawingml/2006/main" xmlns:r="http://schemas.openxmlformats.org/officeDocument/2006/relationships" xmlns:p="http://schemas.openxmlformats.org/presentationml/2006/main">
+  <p:cSld>
+    <p:spTree>
+      <p:nvGrpSpPr>
+        <p:cNvPr id="1" name=""/>
+        <p:cNvGrpSpPr/>
+        <p:nvPr/>
+      </p:nvGrpSpPr>
+      <p:grpSpPr>
+        <a:xfrm>
+          <a:off x="0" y="0"/>
+          <a:ext cx="0" cy="0"/>
+          <a:chOff x="0" y="0"/>
+          <a:chExt cx="0" cy="0"/>
+        </a:xfrm>
+      </p:grpSpPr>
+      <p:sp>
+        <p:nvSpPr>
+          <p:cNvPr id="2" name="Slide Image Placeholder 1"/>
+          <p:cNvSpPr>
+            <a:spLocks noGrp="1" noRot="1" noChangeAspect="1"/>
+          </p:cNvSpPr>
+          <p:nvPr>
+            <p:ph type="sldImg"/>
+          </p:nvPr>
+        </p:nvSpPr>
+        <p:spPr/>
+      </p:sp>
+      <p:sp>
+        <p:nvSpPr>
+          <p:cNvPr id="3" name="Notes Placeholder 2"/>
+          <p:cNvSpPr>
+            <a:spLocks noGrp="1"/>
+          </p:cNvSpPr>
+          <p:nvPr>
+            <p:ph type="body" idx="1"/>
+          </p:nvPr>
+        </p:nvSpPr>
+        <p:spPr/>
+        <p:txBody>
+          <a:bodyPr/>
+          <a:lstStyle/>
+          <a:p>
             <a:endParaRPr lang="en-US" dirty="0"/>
           </a:p>
         </p:txBody>
@@ -7087,7 +7298,7 @@
           <a:p>
             <a:fld id="{9427A7F7-BB1E-479D-AFAA-B52F4D0C99F2}" type="datetime8">
               <a:rPr lang="en-US" smtClean="0"/>
-              <a:t>1/4/2023 8:45 AM</a:t>
+              <a:t>6/29/2023 12:46 PM</a:t>
             </a:fld>
             <a:endParaRPr lang="en-US" dirty="0"/>
           </a:p>
@@ -7111,7 +7322,7 @@
             <a:fld id="{B4008EB6-D09E-4580-8CD6-DDB14511944F}" type="slidenum">
               <a:rPr lang="en-US" smtClean="0"/>
               <a:pPr/>
-              <a:t>16</a:t>
+              <a:t>22</a:t>
             </a:fld>
             <a:endParaRPr lang="en-US" dirty="0"/>
           </a:p>
@@ -7130,7 +7341,7 @@
 </p:notes>
 </file>
 
-<file path=ppt/notesSlides/notesSlide14.xml><?xml version="1.0" encoding="utf-8"?>
+<file path=ppt/notesSlides/notesSlide15.xml><?xml version="1.0" encoding="utf-8"?>
 <p:notes xmlns:a="http://schemas.openxmlformats.org/drawingml/2006/main" xmlns:r="http://schemas.openxmlformats.org/officeDocument/2006/relationships" xmlns:p="http://schemas.openxmlformats.org/presentationml/2006/main">
   <p:cSld>
     <p:spTree>
@@ -7237,7 +7448,7 @@
                   <a:prstClr val="black"/>
                 </a:solidFill>
               </a:rPr>
-              <a:t>1/4/2023 8:45 AM</a:t>
+              <a:t>6/29/2023 12:46 PM</a:t>
             </a:fld>
             <a:endParaRPr lang="en-US" dirty="0">
               <a:solidFill>
@@ -7269,7 +7480,7 @@
                 </a:solidFill>
               </a:rPr>
               <a:pPr/>
-              <a:t>17</a:t>
+              <a:t>23</a:t>
             </a:fld>
             <a:endParaRPr lang="en-US" dirty="0">
               <a:solidFill>
@@ -7529,7 +7740,7 @@
           <a:p>
             <a:fld id="{386CE63F-9E7F-4C04-9D0D-FCA25A8E9E86}" type="datetime8">
               <a:rPr lang="en-US" smtClean="0"/>
-              <a:t>1/4/2023 8:45 AM</a:t>
+              <a:t>6/29/2023 12:46 PM</a:t>
             </a:fld>
             <a:endParaRPr lang="en-US" dirty="0"/>
           </a:p>
@@ -7731,7 +7942,7 @@
           <a:p>
             <a:fld id="{386CE63F-9E7F-4C04-9D0D-FCA25A8E9E86}" type="datetime8">
               <a:rPr lang="en-US" smtClean="0"/>
-              <a:t>1/4/2023 8:45 AM</a:t>
+              <a:t>6/29/2023 12:46 PM</a:t>
             </a:fld>
             <a:endParaRPr lang="en-US" dirty="0"/>
           </a:p>
@@ -7927,7 +8138,7 @@
           <a:p>
             <a:fld id="{386CE63F-9E7F-4C04-9D0D-FCA25A8E9E86}" type="datetime8">
               <a:rPr lang="en-US" smtClean="0"/>
-              <a:t>1/4/2023 8:45 AM</a:t>
+              <a:t>6/29/2023 12:46 PM</a:t>
             </a:fld>
             <a:endParaRPr lang="en-US" dirty="0"/>
           </a:p>
@@ -8016,8 +8227,20 @@
           <a:p>
             <a:r>
               <a:rPr lang="en-GB" dirty="0"/>
-              <a:t>Create a vnet inside resource groups</a:t>
-            </a:r>
+              <a:t>Swap the blocks and it will still work..</a:t>
+            </a:r>
+          </a:p>
+          <a:p>
+            <a:endParaRPr lang="en-GB" dirty="0"/>
+          </a:p>
+          <a:p>
+            <a:r>
+              <a:rPr lang="en-GB" dirty="0">
+                <a:hlinkClick r:id="rId3"/>
+              </a:rPr>
+              <a:t>https://learn.hashicorp.com/terraform/azure/dependencies_az</a:t>
+            </a:r>
+            <a:endParaRPr lang="en-GB" dirty="0"/>
           </a:p>
         </p:txBody>
       </p:sp>
@@ -8111,7 +8334,7 @@
           <a:p>
             <a:fld id="{386CE63F-9E7F-4C04-9D0D-FCA25A8E9E86}" type="datetime8">
               <a:rPr lang="en-US" smtClean="0"/>
-              <a:t>1/4/2023 8:45 AM</a:t>
+              <a:t>6/29/2023 12:46 PM</a:t>
             </a:fld>
             <a:endParaRPr lang="en-US" dirty="0"/>
           </a:p>
@@ -8144,7 +8367,7 @@
     </p:spTree>
     <p:extLst>
       <p:ext uri="{BB962C8B-B14F-4D97-AF65-F5344CB8AC3E}">
-        <p14:creationId xmlns:p14="http://schemas.microsoft.com/office/powerpoint/2010/main" val="996539974"/>
+        <p14:creationId xmlns:p14="http://schemas.microsoft.com/office/powerpoint/2010/main" val="577874019"/>
       </p:ext>
     </p:extLst>
   </p:cSld>
@@ -8200,7 +8423,7 @@
           <a:p>
             <a:r>
               <a:rPr lang="en-GB" dirty="0"/>
-              <a:t>Explain the difference between a root module and a sub module for clarity moving forward.</a:t>
+              <a:t>Create a vnet inside resource groups</a:t>
             </a:r>
           </a:p>
         </p:txBody>
@@ -8295,7 +8518,7 @@
           <a:p>
             <a:fld id="{386CE63F-9E7F-4C04-9D0D-FCA25A8E9E86}" type="datetime8">
               <a:rPr lang="en-US" smtClean="0"/>
-              <a:t>1/4/2023 9:01 AM</a:t>
+              <a:t>6/29/2023 12:46 PM</a:t>
             </a:fld>
             <a:endParaRPr lang="en-US" dirty="0"/>
           </a:p>
@@ -8319,7 +8542,7 @@
             <a:fld id="{B4008EB6-D09E-4580-8CD6-DDB14511944F}" type="slidenum">
               <a:rPr lang="en-US" smtClean="0"/>
               <a:pPr/>
-              <a:t>8</a:t>
+              <a:t>7</a:t>
             </a:fld>
             <a:endParaRPr lang="en-US" dirty="0"/>
           </a:p>
@@ -8328,7 +8551,7 @@
     </p:spTree>
     <p:extLst>
       <p:ext uri="{BB962C8B-B14F-4D97-AF65-F5344CB8AC3E}">
-        <p14:creationId xmlns:p14="http://schemas.microsoft.com/office/powerpoint/2010/main" val="1658776564"/>
+        <p14:creationId xmlns:p14="http://schemas.microsoft.com/office/powerpoint/2010/main" val="996539974"/>
       </p:ext>
     </p:extLst>
   </p:cSld>
@@ -8383,62 +8606,9 @@
           <a:lstStyle/>
           <a:p>
             <a:r>
-              <a:rPr lang="en-GB" dirty="0">
-                <a:hlinkClick r:id="rId3"/>
-              </a:rPr>
-              <a:t>https://www.terraform.io/docs/modules/composition.html</a:t>
-            </a:r>
-            <a:endParaRPr lang="en-GB" dirty="0"/>
-          </a:p>
-          <a:p>
-            <a:endParaRPr lang="en-GB" dirty="0"/>
-          </a:p>
-          <a:p>
-            <a:r>
               <a:rPr lang="en-GB" dirty="0"/>
-              <a:t>Composition over deep-nesting</a:t>
-            </a:r>
-          </a:p>
-          <a:p>
-            <a:pPr marL="0" marR="0" lvl="0" indent="0" algn="l" defTabSz="914367" rtl="0" eaLnBrk="1" fontAlgn="auto" latinLnBrk="0" hangingPunct="1">
-              <a:lnSpc>
-                <a:spcPct val="90000"/>
-              </a:lnSpc>
-              <a:spcBef>
-                <a:spcPts val="0"/>
-              </a:spcBef>
-              <a:spcAft>
-                <a:spcPts val="333"/>
-              </a:spcAft>
-              <a:buClrTx/>
-              <a:buSzTx/>
-              <a:buFontTx/>
-              <a:buNone/>
-              <a:tabLst/>
-              <a:defRPr/>
-            </a:pPr>
-            <a:r>
-              <a:rPr lang="en-GB" dirty="0"/>
-              <a:t>Similar to a library or a package</a:t>
-            </a:r>
-          </a:p>
-          <a:p>
-            <a:endParaRPr lang="en-GB" dirty="0"/>
-          </a:p>
-          <a:p>
-            <a:r>
-              <a:rPr lang="en-GB" sz="882" b="0" i="0" kern="1200" dirty="0">
-                <a:solidFill>
-                  <a:schemeClr val="tx1"/>
-                </a:solidFill>
-                <a:effectLst/>
-                <a:latin typeface="Segoe UI" panose="020B0502040204020203" pitchFamily="34" charset="0"/>
-                <a:ea typeface="+mn-ea"/>
-                <a:cs typeface="+mn-cs"/>
-              </a:rPr>
-              <a:t>other benefit of using modules is to encapsulate configuration into distinct logical components</a:t>
-            </a:r>
-            <a:endParaRPr lang="en-GB" dirty="0"/>
+              <a:t>Explain the difference between a root module and a sub module for clarity moving forward.</a:t>
+            </a:r>
           </a:p>
         </p:txBody>
       </p:sp>
@@ -8532,7 +8702,7 @@
           <a:p>
             <a:fld id="{386CE63F-9E7F-4C04-9D0D-FCA25A8E9E86}" type="datetime8">
               <a:rPr lang="en-US" smtClean="0"/>
-              <a:t>1/4/2023 8:45 AM</a:t>
+              <a:t>6/29/2023 12:46 PM</a:t>
             </a:fld>
             <a:endParaRPr lang="en-US" dirty="0"/>
           </a:p>
@@ -8565,7 +8735,7 @@
     </p:spTree>
     <p:extLst>
       <p:ext uri="{BB962C8B-B14F-4D97-AF65-F5344CB8AC3E}">
-        <p14:creationId xmlns:p14="http://schemas.microsoft.com/office/powerpoint/2010/main" val="1518864970"/>
+        <p14:creationId xmlns:p14="http://schemas.microsoft.com/office/powerpoint/2010/main" val="1658776564"/>
       </p:ext>
     </p:extLst>
   </p:cSld>
@@ -8623,7 +8793,7 @@
               <a:rPr lang="en-GB" dirty="0">
                 <a:hlinkClick r:id="rId3"/>
               </a:rPr>
-              <a:t>https://learn.hashicorp.com/terraform/modules/creating-modules</a:t>
+              <a:t>https://www.terraform.io/docs/modules/composition.html</a:t>
             </a:r>
             <a:endParaRPr lang="en-GB" dirty="0"/>
           </a:p>
@@ -8631,13 +8801,51 @@
             <a:endParaRPr lang="en-GB" dirty="0"/>
           </a:p>
           <a:p>
+            <a:r>
+              <a:rPr lang="en-GB" dirty="0"/>
+              <a:t>Composition over deep-nesting</a:t>
+            </a:r>
+          </a:p>
+          <a:p>
+            <a:pPr marL="0" marR="0" lvl="0" indent="0" algn="l" defTabSz="914367" rtl="0" eaLnBrk="1" fontAlgn="auto" latinLnBrk="0" hangingPunct="1">
+              <a:lnSpc>
+                <a:spcPct val="90000"/>
+              </a:lnSpc>
+              <a:spcBef>
+                <a:spcPts val="0"/>
+              </a:spcBef>
+              <a:spcAft>
+                <a:spcPts val="333"/>
+              </a:spcAft>
+              <a:buClrTx/>
+              <a:buSzTx/>
+              <a:buFontTx/>
+              <a:buNone/>
+              <a:tabLst/>
+              <a:defRPr/>
+            </a:pPr>
+            <a:r>
+              <a:rPr lang="en-GB" dirty="0"/>
+              <a:t>Similar to a library or a package</a:t>
+            </a:r>
+          </a:p>
+          <a:p>
             <a:endParaRPr lang="en-GB" dirty="0"/>
           </a:p>
           <a:p>
             <a:r>
-              <a:rPr lang="en-GB" dirty="0"/>
-              <a:t>There aren’t any .tfvars because we will be passing in the values. Placing data inside makes modules less reusable.</a:t>
-            </a:r>
+              <a:rPr lang="en-GB" sz="882" b="0" i="0" kern="1200" dirty="0">
+                <a:solidFill>
+                  <a:schemeClr val="tx1"/>
+                </a:solidFill>
+                <a:effectLst/>
+                <a:latin typeface="Segoe UI" panose="020B0502040204020203" pitchFamily="34" charset="0"/>
+                <a:ea typeface="+mn-ea"/>
+                <a:cs typeface="+mn-cs"/>
+              </a:rPr>
+              <a:t>other benefit of using modules is to encapsulate configuration into distinct logical components</a:t>
+            </a:r>
+            <a:endParaRPr lang="en-GB" dirty="0"/>
           </a:p>
         </p:txBody>
       </p:sp>
@@ -8731,7 +8939,7 @@
           <a:p>
             <a:fld id="{386CE63F-9E7F-4C04-9D0D-FCA25A8E9E86}" type="datetime8">
               <a:rPr lang="en-US" smtClean="0"/>
-              <a:t>1/4/2023 8:45 AM</a:t>
+              <a:t>6/29/2023 12:46 PM</a:t>
             </a:fld>
             <a:endParaRPr lang="en-US" dirty="0"/>
           </a:p>
@@ -8764,7 +8972,7 @@
     </p:spTree>
     <p:extLst>
       <p:ext uri="{BB962C8B-B14F-4D97-AF65-F5344CB8AC3E}">
-        <p14:creationId xmlns:p14="http://schemas.microsoft.com/office/powerpoint/2010/main" val="2244993832"/>
+        <p14:creationId xmlns:p14="http://schemas.microsoft.com/office/powerpoint/2010/main" val="1518864970"/>
       </p:ext>
     </p:extLst>
   </p:cSld>
@@ -15119,6 +15327,1027 @@
   <p:clrMapOvr>
     <a:masterClrMapping/>
   </p:clrMapOvr>
+</p:sldLayout>
+</file>
+
+<file path=ppt/slideLayouts/slideLayout34.xml><?xml version="1.0" encoding="utf-8"?>
+<p:sldLayout xmlns:a="http://schemas.openxmlformats.org/drawingml/2006/main" xmlns:r="http://schemas.openxmlformats.org/officeDocument/2006/relationships" xmlns:p="http://schemas.openxmlformats.org/presentationml/2006/main" userDrawn="1">
+  <p:cSld name="Header Background Title and Content">
+    <p:spTree>
+      <p:nvGrpSpPr>
+        <p:cNvPr id="1" name=""/>
+        <p:cNvGrpSpPr/>
+        <p:nvPr/>
+      </p:nvGrpSpPr>
+      <p:grpSpPr>
+        <a:xfrm>
+          <a:off x="0" y="0"/>
+          <a:ext cx="0" cy="0"/>
+          <a:chOff x="0" y="0"/>
+          <a:chExt cx="0" cy="0"/>
+        </a:xfrm>
+      </p:grpSpPr>
+      <p:sp>
+        <p:nvSpPr>
+          <p:cNvPr id="8" name="Rectangle 7">
+            <a:extLst>
+              <a:ext uri="{FF2B5EF4-FFF2-40B4-BE49-F238E27FC236}">
+                <a16:creationId xmlns:a16="http://schemas.microsoft.com/office/drawing/2014/main" id="{01109616-29F5-2A48-AD26-C036688E660A}"/>
+              </a:ext>
+            </a:extLst>
+          </p:cNvPr>
+          <p:cNvSpPr/>
+          <p:nvPr userDrawn="1"/>
+        </p:nvSpPr>
+        <p:spPr bwMode="auto">
+          <a:xfrm>
+            <a:off x="1" y="0"/>
+            <a:ext cx="12192000" cy="1439693"/>
+          </a:xfrm>
+          <a:prstGeom prst="rect">
+            <a:avLst/>
+          </a:prstGeom>
+          <a:solidFill>
+            <a:schemeClr val="tx2"/>
+          </a:solidFill>
+          <a:ln>
+            <a:noFill/>
+            <a:headEnd type="none" w="med" len="med"/>
+            <a:tailEnd type="none" w="med" len="med"/>
+          </a:ln>
+          <a:effectLst/>
+        </p:spPr>
+        <p:style>
+          <a:lnRef idx="1">
+            <a:schemeClr val="accent2"/>
+          </a:lnRef>
+          <a:fillRef idx="3">
+            <a:schemeClr val="accent2"/>
+          </a:fillRef>
+          <a:effectRef idx="2">
+            <a:schemeClr val="accent2"/>
+          </a:effectRef>
+          <a:fontRef idx="minor">
+            <a:schemeClr val="lt1"/>
+          </a:fontRef>
+        </p:style>
+        <p:txBody>
+          <a:bodyPr rot="0" spcFirstLastPara="0" vertOverflow="overflow" horzOverflow="overflow" vert="horz" wrap="square" lIns="182880" tIns="146304" rIns="182880" bIns="146304" numCol="1" spcCol="0" rtlCol="0" fromWordArt="0" anchor="t" anchorCtr="0" forceAA="0" compatLnSpc="1">
+            <a:prstTxWarp prst="textNoShape">
+              <a:avLst/>
+            </a:prstTxWarp>
+            <a:noAutofit/>
+          </a:bodyPr>
+          <a:lstStyle/>
+          <a:p>
+            <a:pPr algn="l" defTabSz="932472" fontAlgn="base">
+              <a:spcBef>
+                <a:spcPct val="0"/>
+              </a:spcBef>
+              <a:spcAft>
+                <a:spcPct val="0"/>
+              </a:spcAft>
+            </a:pPr>
+            <a:endParaRPr lang="en-US" sz="2000" dirty="0" err="1">
+              <a:solidFill>
+                <a:srgbClr val="FFFFFF"/>
+              </a:solidFill>
+              <a:ea typeface="Segoe UI" pitchFamily="34" charset="0"/>
+              <a:cs typeface="Segoe UI" pitchFamily="34" charset="0"/>
+            </a:endParaRPr>
+          </a:p>
+        </p:txBody>
+      </p:sp>
+      <p:sp>
+        <p:nvSpPr>
+          <p:cNvPr id="2" name="Title 1">
+            <a:extLst>
+              <a:ext uri="{FF2B5EF4-FFF2-40B4-BE49-F238E27FC236}">
+                <a16:creationId xmlns:a16="http://schemas.microsoft.com/office/drawing/2014/main" id="{22FCFEFD-88E5-4869-B5C3-1611B0B50E15}"/>
+              </a:ext>
+            </a:extLst>
+          </p:cNvPr>
+          <p:cNvSpPr>
+            <a:spLocks noGrp="1"/>
+          </p:cNvSpPr>
+          <p:nvPr>
+            <p:ph type="title"/>
+          </p:nvPr>
+        </p:nvSpPr>
+        <p:spPr>
+          <a:xfrm>
+            <a:off x="588263" y="457200"/>
+            <a:ext cx="11018520" cy="553998"/>
+          </a:xfrm>
+        </p:spPr>
+        <p:txBody>
+          <a:bodyPr anchor="ctr"/>
+          <a:lstStyle>
+            <a:lvl1pPr>
+              <a:defRPr>
+                <a:solidFill>
+                  <a:schemeClr val="accent3"/>
+                </a:solidFill>
+              </a:defRPr>
+            </a:lvl1pPr>
+          </a:lstStyle>
+          <a:p>
+            <a:r>
+              <a:rPr lang="en-US"/>
+              <a:t>Click to edit Master title style</a:t>
+            </a:r>
+            <a:endParaRPr lang="en-US" dirty="0"/>
+          </a:p>
+        </p:txBody>
+      </p:sp>
+      <p:sp>
+        <p:nvSpPr>
+          <p:cNvPr id="4" name="Content Placeholder 3">
+            <a:extLst>
+              <a:ext uri="{FF2B5EF4-FFF2-40B4-BE49-F238E27FC236}">
+                <a16:creationId xmlns:a16="http://schemas.microsoft.com/office/drawing/2014/main" id="{58A212C2-8B30-4835-8711-AA981B6CFBE1}"/>
+              </a:ext>
+            </a:extLst>
+          </p:cNvPr>
+          <p:cNvSpPr>
+            <a:spLocks noGrp="1"/>
+          </p:cNvSpPr>
+          <p:nvPr>
+            <p:ph sz="quarter" idx="10"/>
+          </p:nvPr>
+        </p:nvSpPr>
+        <p:spPr>
+          <a:xfrm>
+            <a:off x="584200" y="1844675"/>
+            <a:ext cx="11018838" cy="4424363"/>
+          </a:xfrm>
+        </p:spPr>
+        <p:txBody>
+          <a:bodyPr/>
+          <a:lstStyle>
+            <a:lvl1pPr marL="0" indent="0">
+              <a:buNone/>
+              <a:defRPr>
+                <a:solidFill>
+                  <a:schemeClr val="tx1"/>
+                </a:solidFill>
+              </a:defRPr>
+            </a:lvl1pPr>
+            <a:lvl2pPr>
+              <a:defRPr>
+                <a:solidFill>
+                  <a:schemeClr val="tx1"/>
+                </a:solidFill>
+              </a:defRPr>
+            </a:lvl2pPr>
+            <a:lvl3pPr>
+              <a:defRPr>
+                <a:solidFill>
+                  <a:schemeClr val="tx1"/>
+                </a:solidFill>
+              </a:defRPr>
+            </a:lvl3pPr>
+            <a:lvl4pPr>
+              <a:defRPr>
+                <a:solidFill>
+                  <a:schemeClr val="tx1"/>
+                </a:solidFill>
+              </a:defRPr>
+            </a:lvl4pPr>
+            <a:lvl5pPr>
+              <a:defRPr>
+                <a:solidFill>
+                  <a:schemeClr val="tx1"/>
+                </a:solidFill>
+              </a:defRPr>
+            </a:lvl5pPr>
+          </a:lstStyle>
+          <a:p>
+            <a:pPr lvl="0"/>
+            <a:r>
+              <a:rPr lang="en-US"/>
+              <a:t>Click to edit Master text styles</a:t>
+            </a:r>
+          </a:p>
+          <a:p>
+            <a:pPr lvl="1"/>
+            <a:r>
+              <a:rPr lang="en-US"/>
+              <a:t>Second level</a:t>
+            </a:r>
+          </a:p>
+          <a:p>
+            <a:pPr lvl="2"/>
+            <a:r>
+              <a:rPr lang="en-US"/>
+              <a:t>Third level</a:t>
+            </a:r>
+          </a:p>
+          <a:p>
+            <a:pPr lvl="3"/>
+            <a:r>
+              <a:rPr lang="en-US"/>
+              <a:t>Fourth level</a:t>
+            </a:r>
+          </a:p>
+          <a:p>
+            <a:pPr lvl="4"/>
+            <a:r>
+              <a:rPr lang="en-US"/>
+              <a:t>Fifth level</a:t>
+            </a:r>
+            <a:endParaRPr lang="en-US" dirty="0"/>
+          </a:p>
+        </p:txBody>
+      </p:sp>
+      <p:sp>
+        <p:nvSpPr>
+          <p:cNvPr id="6" name="TextBox 5">
+            <a:extLst>
+              <a:ext uri="{FF2B5EF4-FFF2-40B4-BE49-F238E27FC236}">
+                <a16:creationId xmlns:a16="http://schemas.microsoft.com/office/drawing/2014/main" id="{4F9662A5-6E2F-47B0-9B6E-E87983D3753C}"/>
+              </a:ext>
+              <a:ext uri="{C183D7F6-B498-43B3-948B-1728B52AA6E4}">
+                <adec:decorative xmlns:adec="http://schemas.microsoft.com/office/drawing/2017/decorative" val="1"/>
+              </a:ext>
+            </a:extLst>
+          </p:cNvPr>
+          <p:cNvSpPr txBox="1"/>
+          <p:nvPr userDrawn="1"/>
+        </p:nvSpPr>
+        <p:spPr>
+          <a:xfrm>
+            <a:off x="12355721" y="-203944"/>
+            <a:ext cx="577081" cy="153888"/>
+          </a:xfrm>
+          <a:prstGeom prst="rect">
+            <a:avLst/>
+          </a:prstGeom>
+          <a:noFill/>
+        </p:spPr>
+        <p:txBody>
+          <a:bodyPr wrap="none" lIns="0" tIns="0" rIns="0" bIns="0" rtlCol="0">
+            <a:spAutoFit/>
+          </a:bodyPr>
+          <a:lstStyle/>
+          <a:p>
+            <a:pPr algn="l"/>
+            <a:r>
+              <a:rPr lang="en-US" sz="1000" dirty="0">
+                <a:solidFill>
+                  <a:srgbClr val="A3A3A3"/>
+                </a:solidFill>
+              </a:rPr>
+              <a:t>ELT layout</a:t>
+            </a:r>
+          </a:p>
+        </p:txBody>
+      </p:sp>
+    </p:spTree>
+    <p:extLst>
+      <p:ext uri="{BB962C8B-B14F-4D97-AF65-F5344CB8AC3E}">
+        <p14:creationId xmlns:p14="http://schemas.microsoft.com/office/powerpoint/2010/main" val="3924118012"/>
+      </p:ext>
+    </p:extLst>
+  </p:cSld>
+  <p:clrMapOvr>
+    <a:masterClrMapping/>
+  </p:clrMapOvr>
+  <p:transition>
+    <p:fade/>
+  </p:transition>
+  <p:extLst>
+    <p:ext uri="{DCECCB84-F9BA-43D5-87BE-67443E8EF086}">
+      <p15:sldGuideLst xmlns:p15="http://schemas.microsoft.com/office/powerpoint/2012/main">
+        <p15:guide id="2" orient="horz" pos="1162">
+          <p15:clr>
+            <a:srgbClr val="5ACBF0"/>
+          </p15:clr>
+        </p15:guide>
+        <p15:guide id="3" orient="horz" pos="288">
+          <p15:clr>
+            <a:srgbClr val="5ACBF0"/>
+          </p15:clr>
+        </p15:guide>
+        <p15:guide id="5" orient="horz" pos="904">
+          <p15:clr>
+            <a:srgbClr val="5ACBF0"/>
+          </p15:clr>
+        </p15:guide>
+      </p15:sldGuideLst>
+    </p:ext>
+  </p:extLst>
+</p:sldLayout>
+</file>
+
+<file path=ppt/slideLayouts/slideLayout35.xml><?xml version="1.0" encoding="utf-8"?>
+<p:sldLayout xmlns:a="http://schemas.openxmlformats.org/drawingml/2006/main" xmlns:r="http://schemas.openxmlformats.org/officeDocument/2006/relationships" xmlns:p="http://schemas.openxmlformats.org/presentationml/2006/main" userDrawn="1">
+  <p:cSld name="Header Background Four Column Bullet with Subtitles">
+    <p:spTree>
+      <p:nvGrpSpPr>
+        <p:cNvPr id="1" name=""/>
+        <p:cNvGrpSpPr/>
+        <p:nvPr/>
+      </p:nvGrpSpPr>
+      <p:grpSpPr>
+        <a:xfrm>
+          <a:off x="0" y="0"/>
+          <a:ext cx="0" cy="0"/>
+          <a:chOff x="0" y="0"/>
+          <a:chExt cx="0" cy="0"/>
+        </a:xfrm>
+      </p:grpSpPr>
+      <p:sp>
+        <p:nvSpPr>
+          <p:cNvPr id="11" name="Rectangle 10">
+            <a:extLst>
+              <a:ext uri="{FF2B5EF4-FFF2-40B4-BE49-F238E27FC236}">
+                <a16:creationId xmlns:a16="http://schemas.microsoft.com/office/drawing/2014/main" id="{57D56507-64E9-FD49-A968-94669A530F35}"/>
+              </a:ext>
+            </a:extLst>
+          </p:cNvPr>
+          <p:cNvSpPr/>
+          <p:nvPr userDrawn="1"/>
+        </p:nvSpPr>
+        <p:spPr bwMode="auto">
+          <a:xfrm>
+            <a:off x="1" y="0"/>
+            <a:ext cx="12192000" cy="1439693"/>
+          </a:xfrm>
+          <a:prstGeom prst="rect">
+            <a:avLst/>
+          </a:prstGeom>
+          <a:solidFill>
+            <a:schemeClr val="tx2"/>
+          </a:solidFill>
+          <a:ln>
+            <a:noFill/>
+            <a:headEnd type="none" w="med" len="med"/>
+            <a:tailEnd type="none" w="med" len="med"/>
+          </a:ln>
+          <a:effectLst/>
+        </p:spPr>
+        <p:style>
+          <a:lnRef idx="1">
+            <a:schemeClr val="accent2"/>
+          </a:lnRef>
+          <a:fillRef idx="3">
+            <a:schemeClr val="accent2"/>
+          </a:fillRef>
+          <a:effectRef idx="2">
+            <a:schemeClr val="accent2"/>
+          </a:effectRef>
+          <a:fontRef idx="minor">
+            <a:schemeClr val="lt1"/>
+          </a:fontRef>
+        </p:style>
+        <p:txBody>
+          <a:bodyPr rot="0" spcFirstLastPara="0" vertOverflow="overflow" horzOverflow="overflow" vert="horz" wrap="square" lIns="182880" tIns="146304" rIns="182880" bIns="146304" numCol="1" spcCol="0" rtlCol="0" fromWordArt="0" anchor="t" anchorCtr="0" forceAA="0" compatLnSpc="1">
+            <a:prstTxWarp prst="textNoShape">
+              <a:avLst/>
+            </a:prstTxWarp>
+            <a:noAutofit/>
+          </a:bodyPr>
+          <a:lstStyle/>
+          <a:p>
+            <a:pPr algn="l" defTabSz="932472" fontAlgn="base">
+              <a:spcBef>
+                <a:spcPct val="0"/>
+              </a:spcBef>
+              <a:spcAft>
+                <a:spcPct val="0"/>
+              </a:spcAft>
+            </a:pPr>
+            <a:endParaRPr lang="en-US" sz="2000" dirty="0" err="1">
+              <a:solidFill>
+                <a:srgbClr val="FFFFFF"/>
+              </a:solidFill>
+              <a:ea typeface="Segoe UI" pitchFamily="34" charset="0"/>
+              <a:cs typeface="Segoe UI" pitchFamily="34" charset="0"/>
+            </a:endParaRPr>
+          </a:p>
+        </p:txBody>
+      </p:sp>
+      <p:sp>
+        <p:nvSpPr>
+          <p:cNvPr id="3" name="Title 2">
+            <a:extLst>
+              <a:ext uri="{FF2B5EF4-FFF2-40B4-BE49-F238E27FC236}">
+                <a16:creationId xmlns:a16="http://schemas.microsoft.com/office/drawing/2014/main" id="{87A434B7-D4B9-4D45-A31C-F0CC4D227945}"/>
+              </a:ext>
+            </a:extLst>
+          </p:cNvPr>
+          <p:cNvSpPr>
+            <a:spLocks noGrp="1"/>
+          </p:cNvSpPr>
+          <p:nvPr>
+            <p:ph type="title"/>
+          </p:nvPr>
+        </p:nvSpPr>
+        <p:spPr>
+          <a:xfrm>
+            <a:off x="588263" y="457200"/>
+            <a:ext cx="11018520" cy="553998"/>
+          </a:xfrm>
+        </p:spPr>
+        <p:txBody>
+          <a:bodyPr anchor="ctr">
+            <a:spAutoFit/>
+          </a:bodyPr>
+          <a:lstStyle>
+            <a:lvl1pPr>
+              <a:defRPr>
+                <a:solidFill>
+                  <a:schemeClr val="accent3"/>
+                </a:solidFill>
+              </a:defRPr>
+            </a:lvl1pPr>
+          </a:lstStyle>
+          <a:p>
+            <a:r>
+              <a:rPr lang="en-US"/>
+              <a:t>Click to edit Master title style</a:t>
+            </a:r>
+            <a:endParaRPr lang="en-US" dirty="0"/>
+          </a:p>
+        </p:txBody>
+      </p:sp>
+      <p:sp>
+        <p:nvSpPr>
+          <p:cNvPr id="22" name="Text Placeholder 11">
+            <a:extLst>
+              <a:ext uri="{FF2B5EF4-FFF2-40B4-BE49-F238E27FC236}">
+                <a16:creationId xmlns:a16="http://schemas.microsoft.com/office/drawing/2014/main" id="{92783506-927E-48F7-8EFC-36257F3E2812}"/>
+              </a:ext>
+            </a:extLst>
+          </p:cNvPr>
+          <p:cNvSpPr>
+            <a:spLocks noGrp="1"/>
+          </p:cNvSpPr>
+          <p:nvPr>
+            <p:ph type="body" sz="quarter" idx="16"/>
+          </p:nvPr>
+        </p:nvSpPr>
+        <p:spPr>
+          <a:xfrm>
+            <a:off x="584200" y="1844675"/>
+            <a:ext cx="2532063" cy="615553"/>
+          </a:xfrm>
+        </p:spPr>
+        <p:txBody>
+          <a:bodyPr anchor="t"/>
+          <a:lstStyle>
+            <a:lvl1pPr marL="0" indent="0">
+              <a:spcBef>
+                <a:spcPts val="0"/>
+              </a:spcBef>
+              <a:buNone/>
+              <a:defRPr sz="2000">
+                <a:solidFill>
+                  <a:schemeClr val="tx1"/>
+                </a:solidFill>
+                <a:latin typeface="+mj-lt"/>
+              </a:defRPr>
+            </a:lvl1pPr>
+          </a:lstStyle>
+          <a:p>
+            <a:pPr lvl="0"/>
+            <a:r>
+              <a:rPr lang="en-US"/>
+              <a:t>Click to edit Master text styles</a:t>
+            </a:r>
+          </a:p>
+        </p:txBody>
+      </p:sp>
+      <p:sp>
+        <p:nvSpPr>
+          <p:cNvPr id="23" name="Text Placeholder 7">
+            <a:extLst>
+              <a:ext uri="{FF2B5EF4-FFF2-40B4-BE49-F238E27FC236}">
+                <a16:creationId xmlns:a16="http://schemas.microsoft.com/office/drawing/2014/main" id="{FB6093D3-3EDF-4A80-8450-C5EBB1990775}"/>
+              </a:ext>
+            </a:extLst>
+          </p:cNvPr>
+          <p:cNvSpPr>
+            <a:spLocks noGrp="1"/>
+          </p:cNvSpPr>
+          <p:nvPr>
+            <p:ph type="body" sz="quarter" idx="14"/>
+          </p:nvPr>
+        </p:nvSpPr>
+        <p:spPr>
+          <a:xfrm>
+            <a:off x="584200" y="2689515"/>
+            <a:ext cx="2532063" cy="1698927"/>
+          </a:xfrm>
+        </p:spPr>
+        <p:txBody>
+          <a:bodyPr wrap="square">
+            <a:spAutoFit/>
+          </a:bodyPr>
+          <a:lstStyle>
+            <a:lvl1pPr marL="141288" indent="-141288">
+              <a:defRPr lang="en-US" sz="1800" dirty="0"/>
+            </a:lvl1pPr>
+            <a:lvl2pPr marL="285750" indent="-125413">
+              <a:defRPr lang="en-US" sz="1600" dirty="0"/>
+            </a:lvl2pPr>
+            <a:lvl3pPr marL="438150" indent="-133350">
+              <a:defRPr lang="en-US" dirty="0"/>
+            </a:lvl3pPr>
+            <a:lvl4pPr marL="566738" indent="-114300">
+              <a:defRPr lang="en-US" dirty="0"/>
+            </a:lvl4pPr>
+            <a:lvl5pPr marL="685800" indent="-109538">
+              <a:defRPr lang="en-US" dirty="0"/>
+            </a:lvl5pPr>
+          </a:lstStyle>
+          <a:p>
+            <a:pPr lvl="0"/>
+            <a:r>
+              <a:rPr lang="en-US"/>
+              <a:t>Click to edit Master text styles</a:t>
+            </a:r>
+          </a:p>
+          <a:p>
+            <a:pPr lvl="1"/>
+            <a:r>
+              <a:rPr lang="en-US"/>
+              <a:t>Second level</a:t>
+            </a:r>
+          </a:p>
+          <a:p>
+            <a:pPr lvl="2"/>
+            <a:r>
+              <a:rPr lang="en-US"/>
+              <a:t>Third level</a:t>
+            </a:r>
+          </a:p>
+          <a:p>
+            <a:pPr lvl="3"/>
+            <a:r>
+              <a:rPr lang="en-US"/>
+              <a:t>Fourth level</a:t>
+            </a:r>
+          </a:p>
+          <a:p>
+            <a:pPr lvl="4"/>
+            <a:r>
+              <a:rPr lang="en-US"/>
+              <a:t>Fifth level</a:t>
+            </a:r>
+            <a:endParaRPr lang="en-US" dirty="0"/>
+          </a:p>
+        </p:txBody>
+      </p:sp>
+      <p:sp>
+        <p:nvSpPr>
+          <p:cNvPr id="24" name="Text Placeholder 11">
+            <a:extLst>
+              <a:ext uri="{FF2B5EF4-FFF2-40B4-BE49-F238E27FC236}">
+                <a16:creationId xmlns:a16="http://schemas.microsoft.com/office/drawing/2014/main" id="{438D2C80-6884-451D-8D7D-B69022CCC5C4}"/>
+              </a:ext>
+            </a:extLst>
+          </p:cNvPr>
+          <p:cNvSpPr>
+            <a:spLocks noGrp="1"/>
+          </p:cNvSpPr>
+          <p:nvPr>
+            <p:ph type="body" sz="quarter" idx="17"/>
+          </p:nvPr>
+        </p:nvSpPr>
+        <p:spPr>
+          <a:xfrm>
+            <a:off x="3413125" y="1844675"/>
+            <a:ext cx="2533650" cy="615553"/>
+          </a:xfrm>
+        </p:spPr>
+        <p:txBody>
+          <a:bodyPr anchor="t"/>
+          <a:lstStyle>
+            <a:lvl1pPr marL="0" indent="0">
+              <a:spcBef>
+                <a:spcPts val="0"/>
+              </a:spcBef>
+              <a:buNone/>
+              <a:defRPr sz="2000">
+                <a:solidFill>
+                  <a:schemeClr val="tx1"/>
+                </a:solidFill>
+                <a:latin typeface="+mj-lt"/>
+              </a:defRPr>
+            </a:lvl1pPr>
+          </a:lstStyle>
+          <a:p>
+            <a:pPr lvl="0"/>
+            <a:r>
+              <a:rPr lang="en-US"/>
+              <a:t>Click to edit Master text styles</a:t>
+            </a:r>
+          </a:p>
+        </p:txBody>
+      </p:sp>
+      <p:sp>
+        <p:nvSpPr>
+          <p:cNvPr id="25" name="Text Placeholder 9">
+            <a:extLst>
+              <a:ext uri="{FF2B5EF4-FFF2-40B4-BE49-F238E27FC236}">
+                <a16:creationId xmlns:a16="http://schemas.microsoft.com/office/drawing/2014/main" id="{7614A884-0AD6-4A85-A432-2B13E7464DA9}"/>
+              </a:ext>
+            </a:extLst>
+          </p:cNvPr>
+          <p:cNvSpPr>
+            <a:spLocks noGrp="1"/>
+          </p:cNvSpPr>
+          <p:nvPr>
+            <p:ph type="body" sz="quarter" idx="15"/>
+          </p:nvPr>
+        </p:nvSpPr>
+        <p:spPr>
+          <a:xfrm>
+            <a:off x="3413125" y="2682875"/>
+            <a:ext cx="2532063" cy="1698927"/>
+          </a:xfrm>
+        </p:spPr>
+        <p:txBody>
+          <a:bodyPr wrap="square">
+            <a:spAutoFit/>
+          </a:bodyPr>
+          <a:lstStyle>
+            <a:lvl1pPr marL="141288" indent="-141288">
+              <a:defRPr lang="en-US" sz="1800" dirty="0"/>
+            </a:lvl1pPr>
+            <a:lvl2pPr marL="285750" indent="-125413">
+              <a:defRPr lang="en-US" sz="1600" dirty="0"/>
+            </a:lvl2pPr>
+            <a:lvl3pPr marL="438150" indent="-133350">
+              <a:defRPr lang="en-US" dirty="0"/>
+            </a:lvl3pPr>
+            <a:lvl4pPr marL="566738" indent="-114300">
+              <a:defRPr lang="en-US" dirty="0"/>
+            </a:lvl4pPr>
+            <a:lvl5pPr marL="685800" indent="-109538">
+              <a:defRPr lang="en-US" dirty="0"/>
+            </a:lvl5pPr>
+          </a:lstStyle>
+          <a:p>
+            <a:pPr lvl="0"/>
+            <a:r>
+              <a:rPr lang="en-US"/>
+              <a:t>Click to edit Master text styles</a:t>
+            </a:r>
+          </a:p>
+          <a:p>
+            <a:pPr lvl="1"/>
+            <a:r>
+              <a:rPr lang="en-US"/>
+              <a:t>Second level</a:t>
+            </a:r>
+          </a:p>
+          <a:p>
+            <a:pPr lvl="2"/>
+            <a:r>
+              <a:rPr lang="en-US"/>
+              <a:t>Third level</a:t>
+            </a:r>
+          </a:p>
+          <a:p>
+            <a:pPr lvl="3"/>
+            <a:r>
+              <a:rPr lang="en-US"/>
+              <a:t>Fourth level</a:t>
+            </a:r>
+          </a:p>
+          <a:p>
+            <a:pPr lvl="4"/>
+            <a:r>
+              <a:rPr lang="en-US"/>
+              <a:t>Fifth level</a:t>
+            </a:r>
+            <a:endParaRPr lang="en-US" dirty="0"/>
+          </a:p>
+        </p:txBody>
+      </p:sp>
+      <p:sp>
+        <p:nvSpPr>
+          <p:cNvPr id="26" name="Text Placeholder 11">
+            <a:extLst>
+              <a:ext uri="{FF2B5EF4-FFF2-40B4-BE49-F238E27FC236}">
+                <a16:creationId xmlns:a16="http://schemas.microsoft.com/office/drawing/2014/main" id="{7D8FFDED-9FE5-4D94-8EB0-7D645C10FBFF}"/>
+              </a:ext>
+            </a:extLst>
+          </p:cNvPr>
+          <p:cNvSpPr>
+            <a:spLocks noGrp="1"/>
+          </p:cNvSpPr>
+          <p:nvPr>
+            <p:ph type="body" sz="quarter" idx="18"/>
+          </p:nvPr>
+        </p:nvSpPr>
+        <p:spPr>
+          <a:xfrm>
+            <a:off x="6244208" y="1844675"/>
+            <a:ext cx="2532063" cy="615553"/>
+          </a:xfrm>
+        </p:spPr>
+        <p:txBody>
+          <a:bodyPr anchor="t"/>
+          <a:lstStyle>
+            <a:lvl1pPr marL="0" indent="0">
+              <a:spcBef>
+                <a:spcPts val="0"/>
+              </a:spcBef>
+              <a:buNone/>
+              <a:defRPr sz="2000">
+                <a:solidFill>
+                  <a:schemeClr val="tx1"/>
+                </a:solidFill>
+                <a:latin typeface="+mj-lt"/>
+              </a:defRPr>
+            </a:lvl1pPr>
+          </a:lstStyle>
+          <a:p>
+            <a:pPr lvl="0"/>
+            <a:r>
+              <a:rPr lang="en-US"/>
+              <a:t>Click to edit Master text styles</a:t>
+            </a:r>
+          </a:p>
+        </p:txBody>
+      </p:sp>
+      <p:sp>
+        <p:nvSpPr>
+          <p:cNvPr id="27" name="Text Placeholder 7">
+            <a:extLst>
+              <a:ext uri="{FF2B5EF4-FFF2-40B4-BE49-F238E27FC236}">
+                <a16:creationId xmlns:a16="http://schemas.microsoft.com/office/drawing/2014/main" id="{D429D954-9297-44FA-B7BD-56586012419C}"/>
+              </a:ext>
+            </a:extLst>
+          </p:cNvPr>
+          <p:cNvSpPr>
+            <a:spLocks noGrp="1"/>
+          </p:cNvSpPr>
+          <p:nvPr>
+            <p:ph type="body" sz="quarter" idx="19"/>
+          </p:nvPr>
+        </p:nvSpPr>
+        <p:spPr>
+          <a:xfrm>
+            <a:off x="6244208" y="2689515"/>
+            <a:ext cx="2532063" cy="1698927"/>
+          </a:xfrm>
+        </p:spPr>
+        <p:txBody>
+          <a:bodyPr wrap="square">
+            <a:spAutoFit/>
+          </a:bodyPr>
+          <a:lstStyle>
+            <a:lvl1pPr marL="141288" indent="-141288">
+              <a:defRPr lang="en-US" sz="1800" dirty="0"/>
+            </a:lvl1pPr>
+            <a:lvl2pPr marL="285750" indent="-125413">
+              <a:defRPr lang="en-US" sz="1600" dirty="0"/>
+            </a:lvl2pPr>
+            <a:lvl3pPr marL="438150" indent="-133350">
+              <a:defRPr lang="en-US" dirty="0"/>
+            </a:lvl3pPr>
+            <a:lvl4pPr marL="566738" indent="-114300">
+              <a:defRPr lang="en-US" dirty="0"/>
+            </a:lvl4pPr>
+            <a:lvl5pPr marL="685800" indent="-109538">
+              <a:defRPr lang="en-US" dirty="0"/>
+            </a:lvl5pPr>
+          </a:lstStyle>
+          <a:p>
+            <a:pPr lvl="0"/>
+            <a:r>
+              <a:rPr lang="en-US"/>
+              <a:t>Click to edit Master text styles</a:t>
+            </a:r>
+          </a:p>
+          <a:p>
+            <a:pPr lvl="1"/>
+            <a:r>
+              <a:rPr lang="en-US"/>
+              <a:t>Second level</a:t>
+            </a:r>
+          </a:p>
+          <a:p>
+            <a:pPr lvl="2"/>
+            <a:r>
+              <a:rPr lang="en-US"/>
+              <a:t>Third level</a:t>
+            </a:r>
+          </a:p>
+          <a:p>
+            <a:pPr lvl="3"/>
+            <a:r>
+              <a:rPr lang="en-US"/>
+              <a:t>Fourth level</a:t>
+            </a:r>
+          </a:p>
+          <a:p>
+            <a:pPr lvl="4"/>
+            <a:r>
+              <a:rPr lang="en-US"/>
+              <a:t>Fifth level</a:t>
+            </a:r>
+            <a:endParaRPr lang="en-US" dirty="0"/>
+          </a:p>
+        </p:txBody>
+      </p:sp>
+      <p:sp>
+        <p:nvSpPr>
+          <p:cNvPr id="28" name="Text Placeholder 11">
+            <a:extLst>
+              <a:ext uri="{FF2B5EF4-FFF2-40B4-BE49-F238E27FC236}">
+                <a16:creationId xmlns:a16="http://schemas.microsoft.com/office/drawing/2014/main" id="{04D43B0D-50F8-4F63-AFA3-34A46F42E816}"/>
+              </a:ext>
+            </a:extLst>
+          </p:cNvPr>
+          <p:cNvSpPr>
+            <a:spLocks noGrp="1"/>
+          </p:cNvSpPr>
+          <p:nvPr>
+            <p:ph type="body" sz="quarter" idx="20"/>
+          </p:nvPr>
+        </p:nvSpPr>
+        <p:spPr>
+          <a:xfrm>
+            <a:off x="9073133" y="1844675"/>
+            <a:ext cx="2533650" cy="615553"/>
+          </a:xfrm>
+        </p:spPr>
+        <p:txBody>
+          <a:bodyPr anchor="t"/>
+          <a:lstStyle>
+            <a:lvl1pPr marL="0" indent="0">
+              <a:spcBef>
+                <a:spcPts val="0"/>
+              </a:spcBef>
+              <a:buNone/>
+              <a:defRPr sz="2000">
+                <a:solidFill>
+                  <a:schemeClr val="tx1"/>
+                </a:solidFill>
+                <a:latin typeface="+mj-lt"/>
+              </a:defRPr>
+            </a:lvl1pPr>
+          </a:lstStyle>
+          <a:p>
+            <a:pPr lvl="0"/>
+            <a:r>
+              <a:rPr lang="en-US"/>
+              <a:t>Click to edit Master text styles</a:t>
+            </a:r>
+          </a:p>
+        </p:txBody>
+      </p:sp>
+      <p:sp>
+        <p:nvSpPr>
+          <p:cNvPr id="29" name="Text Placeholder 9">
+            <a:extLst>
+              <a:ext uri="{FF2B5EF4-FFF2-40B4-BE49-F238E27FC236}">
+                <a16:creationId xmlns:a16="http://schemas.microsoft.com/office/drawing/2014/main" id="{804CEFDA-6A6F-42D3-B65C-4BE1054C905E}"/>
+              </a:ext>
+            </a:extLst>
+          </p:cNvPr>
+          <p:cNvSpPr>
+            <a:spLocks noGrp="1"/>
+          </p:cNvSpPr>
+          <p:nvPr>
+            <p:ph type="body" sz="quarter" idx="21"/>
+          </p:nvPr>
+        </p:nvSpPr>
+        <p:spPr>
+          <a:xfrm>
+            <a:off x="9073133" y="2682875"/>
+            <a:ext cx="2532063" cy="1698927"/>
+          </a:xfrm>
+        </p:spPr>
+        <p:txBody>
+          <a:bodyPr wrap="square">
+            <a:spAutoFit/>
+          </a:bodyPr>
+          <a:lstStyle>
+            <a:lvl1pPr marL="141288" indent="-141288">
+              <a:defRPr lang="en-US" sz="1800" dirty="0"/>
+            </a:lvl1pPr>
+            <a:lvl2pPr marL="285750" indent="-125413">
+              <a:defRPr lang="en-US" sz="1600" dirty="0"/>
+            </a:lvl2pPr>
+            <a:lvl3pPr marL="438150" indent="-133350">
+              <a:defRPr lang="en-US" dirty="0"/>
+            </a:lvl3pPr>
+            <a:lvl4pPr marL="566738" indent="-114300">
+              <a:defRPr lang="en-US" dirty="0"/>
+            </a:lvl4pPr>
+            <a:lvl5pPr marL="685800" indent="-109538">
+              <a:defRPr lang="en-US" dirty="0"/>
+            </a:lvl5pPr>
+          </a:lstStyle>
+          <a:p>
+            <a:pPr lvl="0"/>
+            <a:r>
+              <a:rPr lang="en-US"/>
+              <a:t>Click to edit Master text styles</a:t>
+            </a:r>
+          </a:p>
+          <a:p>
+            <a:pPr lvl="1"/>
+            <a:r>
+              <a:rPr lang="en-US"/>
+              <a:t>Second level</a:t>
+            </a:r>
+          </a:p>
+          <a:p>
+            <a:pPr lvl="2"/>
+            <a:r>
+              <a:rPr lang="en-US"/>
+              <a:t>Third level</a:t>
+            </a:r>
+          </a:p>
+          <a:p>
+            <a:pPr lvl="3"/>
+            <a:r>
+              <a:rPr lang="en-US"/>
+              <a:t>Fourth level</a:t>
+            </a:r>
+          </a:p>
+          <a:p>
+            <a:pPr lvl="4"/>
+            <a:r>
+              <a:rPr lang="en-US"/>
+              <a:t>Fifth level</a:t>
+            </a:r>
+            <a:endParaRPr lang="en-US" dirty="0"/>
+          </a:p>
+        </p:txBody>
+      </p:sp>
+    </p:spTree>
+    <p:extLst>
+      <p:ext uri="{BB962C8B-B14F-4D97-AF65-F5344CB8AC3E}">
+        <p14:creationId xmlns:p14="http://schemas.microsoft.com/office/powerpoint/2010/main" val="4017694495"/>
+      </p:ext>
+    </p:extLst>
+  </p:cSld>
+  <p:clrMapOvr>
+    <a:masterClrMapping/>
+  </p:clrMapOvr>
+  <p:transition>
+    <p:fade/>
+  </p:transition>
+  <p:extLst>
+    <p:ext uri="{DCECCB84-F9BA-43D5-87BE-67443E8EF086}">
+      <p15:sldGuideLst xmlns:p15="http://schemas.microsoft.com/office/powerpoint/2012/main">
+        <p15:guide id="4" orient="horz" pos="906">
+          <p15:clr>
+            <a:srgbClr val="5ACBF0"/>
+          </p15:clr>
+        </p15:guide>
+        <p15:guide id="5" orient="horz" pos="288">
+          <p15:clr>
+            <a:srgbClr val="5ACBF0"/>
+          </p15:clr>
+        </p15:guide>
+        <p15:guide id="6" pos="1963">
+          <p15:clr>
+            <a:srgbClr val="5ACBF0"/>
+          </p15:clr>
+        </p15:guide>
+        <p15:guide id="7" pos="2150">
+          <p15:clr>
+            <a:srgbClr val="5ACBF0"/>
+          </p15:clr>
+        </p15:guide>
+        <p15:guide id="8" pos="3746">
+          <p15:clr>
+            <a:srgbClr val="5ACBF0"/>
+          </p15:clr>
+        </p15:guide>
+        <p15:guide id="9" pos="3934">
+          <p15:clr>
+            <a:srgbClr val="5ACBF0"/>
+          </p15:clr>
+        </p15:guide>
+        <p15:guide id="10" pos="5530">
+          <p15:clr>
+            <a:srgbClr val="5ACBF0"/>
+          </p15:clr>
+        </p15:guide>
+        <p15:guide id="11" pos="5716">
+          <p15:clr>
+            <a:srgbClr val="5ACBF0"/>
+          </p15:clr>
+        </p15:guide>
+        <p15:guide id="12" orient="horz" pos="1162">
+          <p15:clr>
+            <a:srgbClr val="5ACBF0"/>
+          </p15:clr>
+        </p15:guide>
+      </p15:sldGuideLst>
+    </p:ext>
+  </p:extLst>
 </p:sldLayout>
 </file>
 
@@ -18294,7 +19523,7 @@
           <p:nvPr userDrawn="1"/>
         </p:nvPicPr>
         <p:blipFill rotWithShape="1">
-          <a:blip r:embed="rId35"/>
+          <a:blip r:embed="rId37"/>
           <a:srcRect l="762"/>
           <a:stretch/>
         </p:blipFill>
@@ -18350,6 +19579,8 @@
     <p:sldLayoutId id="2147484299" r:id="rId31"/>
     <p:sldLayoutId id="2147484263" r:id="rId32"/>
     <p:sldLayoutId id="2147484932" r:id="rId33"/>
+    <p:sldLayoutId id="2147484933" r:id="rId34"/>
+    <p:sldLayoutId id="2147484934" r:id="rId35"/>
   </p:sldLayoutIdLst>
   <p:transition>
     <p:fade/>
@@ -18804,6 +20035,136 @@
       </p:grpSpPr>
       <p:sp>
         <p:nvSpPr>
+          <p:cNvPr id="4" name="Title 3">
+            <a:extLst>
+              <a:ext uri="{FF2B5EF4-FFF2-40B4-BE49-F238E27FC236}">
+                <a16:creationId xmlns:a16="http://schemas.microsoft.com/office/drawing/2014/main" id="{ADF823EF-D5E6-4DFC-AE0F-B17E436055DA}"/>
+              </a:ext>
+            </a:extLst>
+          </p:cNvPr>
+          <p:cNvSpPr>
+            <a:spLocks noGrp="1"/>
+          </p:cNvSpPr>
+          <p:nvPr>
+            <p:ph type="title"/>
+          </p:nvPr>
+        </p:nvSpPr>
+        <p:spPr/>
+        <p:txBody>
+          <a:bodyPr/>
+          <a:lstStyle/>
+          <a:p>
+            <a:r>
+              <a:rPr lang="en-GB" dirty="0"/>
+              <a:t>Modules</a:t>
+            </a:r>
+          </a:p>
+        </p:txBody>
+      </p:sp>
+      <p:sp>
+        <p:nvSpPr>
+          <p:cNvPr id="5" name="Text Placeholder 4">
+            <a:extLst>
+              <a:ext uri="{FF2B5EF4-FFF2-40B4-BE49-F238E27FC236}">
+                <a16:creationId xmlns:a16="http://schemas.microsoft.com/office/drawing/2014/main" id="{39C8699E-0E8E-4EAD-BD03-35ECC3325FAE}"/>
+              </a:ext>
+            </a:extLst>
+          </p:cNvPr>
+          <p:cNvSpPr>
+            <a:spLocks noGrp="1"/>
+          </p:cNvSpPr>
+          <p:nvPr>
+            <p:ph type="body" sz="quarter" idx="10"/>
+          </p:nvPr>
+        </p:nvSpPr>
+        <p:spPr>
+          <a:xfrm>
+            <a:off x="586740" y="1162766"/>
+            <a:ext cx="11018520" cy="307777"/>
+          </a:xfrm>
+        </p:spPr>
+        <p:txBody>
+          <a:bodyPr/>
+          <a:lstStyle/>
+          <a:p>
+            <a:r>
+              <a:rPr lang="en-GB" sz="2000" dirty="0"/>
+              <a:t>A </a:t>
+            </a:r>
+            <a:r>
+              <a:rPr lang="en-GB" sz="2000" i="1" dirty="0"/>
+              <a:t>module</a:t>
+            </a:r>
+            <a:r>
+              <a:rPr lang="en-GB" sz="2000" dirty="0"/>
+              <a:t> is a container for multiple resources that are used together. </a:t>
+            </a:r>
+          </a:p>
+        </p:txBody>
+      </p:sp>
+      <p:graphicFrame>
+        <p:nvGraphicFramePr>
+          <p:cNvPr id="8" name="Diagram 7">
+            <a:extLst>
+              <a:ext uri="{FF2B5EF4-FFF2-40B4-BE49-F238E27FC236}">
+                <a16:creationId xmlns:a16="http://schemas.microsoft.com/office/drawing/2014/main" id="{C9F82125-6FF8-43CF-A72F-2B15CD5C3718}"/>
+              </a:ext>
+            </a:extLst>
+          </p:cNvPr>
+          <p:cNvGraphicFramePr/>
+          <p:nvPr>
+            <p:extLst>
+              <p:ext uri="{D42A27DB-BD31-4B8C-83A1-F6EECF244321}">
+                <p14:modId xmlns:p14="http://schemas.microsoft.com/office/powerpoint/2010/main" val="1017978048"/>
+              </p:ext>
+            </p:extLst>
+          </p:nvPr>
+        </p:nvGraphicFramePr>
+        <p:xfrm>
+          <a:off x="660903" y="1729211"/>
+          <a:ext cx="11018520" cy="4961299"/>
+        </p:xfrm>
+        <a:graphic>
+          <a:graphicData uri="http://schemas.openxmlformats.org/drawingml/2006/diagram">
+            <dgm:relIds xmlns:dgm="http://schemas.openxmlformats.org/drawingml/2006/diagram" xmlns:r="http://schemas.openxmlformats.org/officeDocument/2006/relationships" r:dm="rId3" r:lo="rId4" r:qs="rId5" r:cs="rId6"/>
+          </a:graphicData>
+        </a:graphic>
+      </p:graphicFrame>
+    </p:spTree>
+    <p:extLst>
+      <p:ext uri="{BB962C8B-B14F-4D97-AF65-F5344CB8AC3E}">
+        <p14:creationId xmlns:p14="http://schemas.microsoft.com/office/powerpoint/2010/main" val="1213830845"/>
+      </p:ext>
+    </p:extLst>
+  </p:cSld>
+  <p:clrMapOvr>
+    <a:masterClrMapping/>
+  </p:clrMapOvr>
+  <p:transition>
+    <p:fade/>
+  </p:transition>
+</p:sld>
+</file>
+
+<file path=ppt/slides/slide11.xml><?xml version="1.0" encoding="utf-8"?>
+<p:sld xmlns:a="http://schemas.openxmlformats.org/drawingml/2006/main" xmlns:r="http://schemas.openxmlformats.org/officeDocument/2006/relationships" xmlns:p="http://schemas.openxmlformats.org/presentationml/2006/main">
+  <p:cSld>
+    <p:spTree>
+      <p:nvGrpSpPr>
+        <p:cNvPr id="1" name=""/>
+        <p:cNvGrpSpPr/>
+        <p:nvPr/>
+      </p:nvGrpSpPr>
+      <p:grpSpPr>
+        <a:xfrm>
+          <a:off x="0" y="0"/>
+          <a:ext cx="0" cy="0"/>
+          <a:chOff x="0" y="0"/>
+          <a:chExt cx="0" cy="0"/>
+        </a:xfrm>
+      </p:grpSpPr>
+      <p:sp>
+        <p:nvSpPr>
           <p:cNvPr id="2" name="Title 1">
             <a:extLst>
               <a:ext uri="{FF2B5EF4-FFF2-40B4-BE49-F238E27FC236}">
@@ -18993,7 +20354,7 @@
 </p:sld>
 </file>
 
-<file path=ppt/slides/slide11.xml><?xml version="1.0" encoding="utf-8"?>
+<file path=ppt/slides/slide12.xml><?xml version="1.0" encoding="utf-8"?>
 <p:sld xmlns:a="http://schemas.openxmlformats.org/drawingml/2006/main" xmlns:r="http://schemas.openxmlformats.org/officeDocument/2006/relationships" xmlns:p="http://schemas.openxmlformats.org/presentationml/2006/main">
   <p:cSld>
     <p:spTree>
@@ -19764,7 +21125,7 @@
 </p:sld>
 </file>
 
-<file path=ppt/slides/slide12.xml><?xml version="1.0" encoding="utf-8"?>
+<file path=ppt/slides/slide13.xml><?xml version="1.0" encoding="utf-8"?>
 <p:sld xmlns:a="http://schemas.openxmlformats.org/drawingml/2006/main" xmlns:r="http://schemas.openxmlformats.org/officeDocument/2006/relationships" xmlns:p="http://schemas.openxmlformats.org/presentationml/2006/main">
   <p:cSld>
     <p:spTree>
@@ -20947,7 +22308,2643 @@
 </p:sld>
 </file>
 
-<file path=ppt/slides/slide13.xml><?xml version="1.0" encoding="utf-8"?>
+<file path=ppt/slides/slide14.xml><?xml version="1.0" encoding="utf-8"?>
+<p:sld xmlns:a="http://schemas.openxmlformats.org/drawingml/2006/main" xmlns:r="http://schemas.openxmlformats.org/officeDocument/2006/relationships" xmlns:p="http://schemas.openxmlformats.org/presentationml/2006/main">
+  <p:cSld>
+    <p:spTree>
+      <p:nvGrpSpPr>
+        <p:cNvPr id="1" name=""/>
+        <p:cNvGrpSpPr/>
+        <p:nvPr/>
+      </p:nvGrpSpPr>
+      <p:grpSpPr>
+        <a:xfrm>
+          <a:off x="0" y="0"/>
+          <a:ext cx="0" cy="0"/>
+          <a:chOff x="0" y="0"/>
+          <a:chExt cx="0" cy="0"/>
+        </a:xfrm>
+      </p:grpSpPr>
+      <p:sp>
+        <p:nvSpPr>
+          <p:cNvPr id="2" name="Title 1">
+            <a:extLst>
+              <a:ext uri="{FF2B5EF4-FFF2-40B4-BE49-F238E27FC236}">
+                <a16:creationId xmlns:a16="http://schemas.microsoft.com/office/drawing/2014/main" id="{CD52801C-DA25-7C19-6A99-74899589CD9B}"/>
+              </a:ext>
+            </a:extLst>
+          </p:cNvPr>
+          <p:cNvSpPr>
+            <a:spLocks noGrp="1"/>
+          </p:cNvSpPr>
+          <p:nvPr>
+            <p:ph type="title"/>
+          </p:nvPr>
+        </p:nvSpPr>
+        <p:spPr/>
+        <p:txBody>
+          <a:bodyPr/>
+          <a:lstStyle/>
+          <a:p>
+            <a:r>
+              <a:rPr lang="en-GB" dirty="0"/>
+              <a:t>Modules Structuring - Pattern and Policy</a:t>
+            </a:r>
+          </a:p>
+        </p:txBody>
+      </p:sp>
+      <p:sp>
+        <p:nvSpPr>
+          <p:cNvPr id="55" name="Rectangle: Rounded Corners 54">
+            <a:extLst>
+              <a:ext uri="{FF2B5EF4-FFF2-40B4-BE49-F238E27FC236}">
+                <a16:creationId xmlns:a16="http://schemas.microsoft.com/office/drawing/2014/main" id="{BC1082A9-D0E2-0661-FFAB-3664ACC0A4B8}"/>
+              </a:ext>
+            </a:extLst>
+          </p:cNvPr>
+          <p:cNvSpPr/>
+          <p:nvPr/>
+        </p:nvSpPr>
+        <p:spPr>
+          <a:xfrm>
+            <a:off x="362333" y="2139743"/>
+            <a:ext cx="2429915" cy="1826683"/>
+          </a:xfrm>
+          <a:prstGeom prst="roundRect">
+            <a:avLst>
+              <a:gd name="adj" fmla="val 1286"/>
+            </a:avLst>
+          </a:prstGeom>
+          <a:solidFill>
+            <a:srgbClr val="0E67ED">
+              <a:lumMod val="40000"/>
+              <a:lumOff val="60000"/>
+            </a:srgbClr>
+          </a:solidFill>
+          <a:ln w="25400" cap="flat" cmpd="sng" algn="ctr">
+            <a:noFill/>
+            <a:prstDash val="solid"/>
+          </a:ln>
+          <a:effectLst/>
+        </p:spPr>
+        <p:txBody>
+          <a:bodyPr rtlCol="0" anchor="ctr"/>
+          <a:lstStyle/>
+          <a:p>
+            <a:pPr algn="ctr" defTabSz="914400">
+              <a:defRPr/>
+            </a:pPr>
+            <a:endParaRPr lang="en-GB" sz="1800" kern="0">
+              <a:solidFill>
+                <a:srgbClr val="000000"/>
+              </a:solidFill>
+              <a:latin typeface="Arial"/>
+            </a:endParaRPr>
+          </a:p>
+        </p:txBody>
+      </p:sp>
+      <p:sp>
+        <p:nvSpPr>
+          <p:cNvPr id="56" name="TextBox 55">
+            <a:extLst>
+              <a:ext uri="{FF2B5EF4-FFF2-40B4-BE49-F238E27FC236}">
+                <a16:creationId xmlns:a16="http://schemas.microsoft.com/office/drawing/2014/main" id="{38DAC1E5-C900-2EA7-47C3-715E6E2340BC}"/>
+              </a:ext>
+            </a:extLst>
+          </p:cNvPr>
+          <p:cNvSpPr txBox="1"/>
+          <p:nvPr/>
+        </p:nvSpPr>
+        <p:spPr>
+          <a:xfrm>
+            <a:off x="362333" y="2185416"/>
+            <a:ext cx="2633232" cy="276999"/>
+          </a:xfrm>
+          <a:prstGeom prst="rect">
+            <a:avLst/>
+          </a:prstGeom>
+          <a:noFill/>
+        </p:spPr>
+        <p:txBody>
+          <a:bodyPr wrap="square" rtlCol="0">
+            <a:spAutoFit/>
+          </a:bodyPr>
+          <a:lstStyle/>
+          <a:p>
+            <a:pPr defTabSz="914400">
+              <a:defRPr/>
+            </a:pPr>
+            <a:r>
+              <a:rPr lang="en-GB" sz="1200" b="1" kern="0">
+                <a:solidFill>
+                  <a:srgbClr val="000000">
+                    <a:lumMod val="65000"/>
+                    <a:lumOff val="35000"/>
+                  </a:srgbClr>
+                </a:solidFill>
+                <a:latin typeface="Arial"/>
+              </a:rPr>
+              <a:t>Resource Module</a:t>
+            </a:r>
+          </a:p>
+        </p:txBody>
+      </p:sp>
+      <p:sp>
+        <p:nvSpPr>
+          <p:cNvPr id="57" name="Rectangle: Rounded Corners 56">
+            <a:extLst>
+              <a:ext uri="{FF2B5EF4-FFF2-40B4-BE49-F238E27FC236}">
+                <a16:creationId xmlns:a16="http://schemas.microsoft.com/office/drawing/2014/main" id="{96A70217-6C8C-8EE9-BD6C-3F3E455C7988}"/>
+              </a:ext>
+            </a:extLst>
+          </p:cNvPr>
+          <p:cNvSpPr/>
+          <p:nvPr/>
+        </p:nvSpPr>
+        <p:spPr>
+          <a:xfrm>
+            <a:off x="362333" y="4082843"/>
+            <a:ext cx="2429915" cy="1826683"/>
+          </a:xfrm>
+          <a:prstGeom prst="roundRect">
+            <a:avLst>
+              <a:gd name="adj" fmla="val 1286"/>
+            </a:avLst>
+          </a:prstGeom>
+          <a:solidFill>
+            <a:srgbClr val="0E67ED">
+              <a:lumMod val="40000"/>
+              <a:lumOff val="60000"/>
+            </a:srgbClr>
+          </a:solidFill>
+          <a:ln w="25400" cap="flat" cmpd="sng" algn="ctr">
+            <a:noFill/>
+            <a:prstDash val="solid"/>
+          </a:ln>
+          <a:effectLst/>
+        </p:spPr>
+        <p:txBody>
+          <a:bodyPr rtlCol="0" anchor="ctr"/>
+          <a:lstStyle/>
+          <a:p>
+            <a:pPr algn="ctr" defTabSz="914400">
+              <a:defRPr/>
+            </a:pPr>
+            <a:endParaRPr lang="en-GB" sz="1800" kern="0">
+              <a:solidFill>
+                <a:srgbClr val="000000"/>
+              </a:solidFill>
+              <a:latin typeface="Arial"/>
+            </a:endParaRPr>
+          </a:p>
+        </p:txBody>
+      </p:sp>
+      <p:sp>
+        <p:nvSpPr>
+          <p:cNvPr id="58" name="TextBox 57">
+            <a:extLst>
+              <a:ext uri="{FF2B5EF4-FFF2-40B4-BE49-F238E27FC236}">
+                <a16:creationId xmlns:a16="http://schemas.microsoft.com/office/drawing/2014/main" id="{3F47A793-F45C-0501-6A81-316B6669C690}"/>
+              </a:ext>
+            </a:extLst>
+          </p:cNvPr>
+          <p:cNvSpPr txBox="1"/>
+          <p:nvPr/>
+        </p:nvSpPr>
+        <p:spPr>
+          <a:xfrm>
+            <a:off x="362333" y="4128516"/>
+            <a:ext cx="2633232" cy="276999"/>
+          </a:xfrm>
+          <a:prstGeom prst="rect">
+            <a:avLst/>
+          </a:prstGeom>
+          <a:noFill/>
+        </p:spPr>
+        <p:txBody>
+          <a:bodyPr wrap="square" rtlCol="0">
+            <a:spAutoFit/>
+          </a:bodyPr>
+          <a:lstStyle/>
+          <a:p>
+            <a:pPr defTabSz="914400">
+              <a:defRPr/>
+            </a:pPr>
+            <a:r>
+              <a:rPr lang="en-GB" sz="1200" b="1" kern="0">
+                <a:solidFill>
+                  <a:srgbClr val="000000">
+                    <a:lumMod val="65000"/>
+                    <a:lumOff val="35000"/>
+                  </a:srgbClr>
+                </a:solidFill>
+                <a:latin typeface="Arial"/>
+              </a:rPr>
+              <a:t>Resource Module</a:t>
+            </a:r>
+          </a:p>
+        </p:txBody>
+      </p:sp>
+      <p:sp>
+        <p:nvSpPr>
+          <p:cNvPr id="59" name="Rectangle: Rounded Corners 58">
+            <a:extLst>
+              <a:ext uri="{FF2B5EF4-FFF2-40B4-BE49-F238E27FC236}">
+                <a16:creationId xmlns:a16="http://schemas.microsoft.com/office/drawing/2014/main" id="{F62B1561-C2CD-D5D6-268E-AF2F356D433F}"/>
+              </a:ext>
+            </a:extLst>
+          </p:cNvPr>
+          <p:cNvSpPr/>
+          <p:nvPr/>
+        </p:nvSpPr>
+        <p:spPr>
+          <a:xfrm>
+            <a:off x="4005210" y="2139743"/>
+            <a:ext cx="3611013" cy="3769783"/>
+          </a:xfrm>
+          <a:prstGeom prst="roundRect">
+            <a:avLst>
+              <a:gd name="adj" fmla="val 1286"/>
+            </a:avLst>
+          </a:prstGeom>
+          <a:solidFill>
+            <a:srgbClr val="14C6CB">
+              <a:lumMod val="20000"/>
+              <a:lumOff val="80000"/>
+            </a:srgbClr>
+          </a:solidFill>
+          <a:ln w="25400" cap="flat" cmpd="sng" algn="ctr">
+            <a:noFill/>
+            <a:prstDash val="solid"/>
+          </a:ln>
+          <a:effectLst/>
+        </p:spPr>
+        <p:txBody>
+          <a:bodyPr rtlCol="0" anchor="ctr"/>
+          <a:lstStyle/>
+          <a:p>
+            <a:pPr algn="ctr" defTabSz="914400">
+              <a:defRPr/>
+            </a:pPr>
+            <a:endParaRPr lang="en-GB" sz="1800" kern="0">
+              <a:solidFill>
+                <a:srgbClr val="000000"/>
+              </a:solidFill>
+              <a:latin typeface="Arial"/>
+            </a:endParaRPr>
+          </a:p>
+        </p:txBody>
+      </p:sp>
+      <p:sp>
+        <p:nvSpPr>
+          <p:cNvPr id="60" name="TextBox 59">
+            <a:extLst>
+              <a:ext uri="{FF2B5EF4-FFF2-40B4-BE49-F238E27FC236}">
+                <a16:creationId xmlns:a16="http://schemas.microsoft.com/office/drawing/2014/main" id="{B4B73F5B-62B5-19D2-ACA8-0DC7CE954484}"/>
+              </a:ext>
+            </a:extLst>
+          </p:cNvPr>
+          <p:cNvSpPr txBox="1"/>
+          <p:nvPr/>
+        </p:nvSpPr>
+        <p:spPr>
+          <a:xfrm>
+            <a:off x="4005210" y="2198110"/>
+            <a:ext cx="2633232" cy="276999"/>
+          </a:xfrm>
+          <a:prstGeom prst="rect">
+            <a:avLst/>
+          </a:prstGeom>
+          <a:noFill/>
+        </p:spPr>
+        <p:txBody>
+          <a:bodyPr wrap="square" rtlCol="0">
+            <a:spAutoFit/>
+          </a:bodyPr>
+          <a:lstStyle/>
+          <a:p>
+            <a:pPr defTabSz="914400">
+              <a:defRPr/>
+            </a:pPr>
+            <a:r>
+              <a:rPr lang="en-GB" sz="1200" b="1" kern="0">
+                <a:solidFill>
+                  <a:srgbClr val="000000">
+                    <a:lumMod val="65000"/>
+                    <a:lumOff val="35000"/>
+                  </a:srgbClr>
+                </a:solidFill>
+                <a:latin typeface="Arial"/>
+              </a:rPr>
+              <a:t>Stack Module</a:t>
+            </a:r>
+          </a:p>
+        </p:txBody>
+      </p:sp>
+      <p:pic>
+        <p:nvPicPr>
+          <p:cNvPr id="61" name="Graphic 60">
+            <a:extLst>
+              <a:ext uri="{FF2B5EF4-FFF2-40B4-BE49-F238E27FC236}">
+                <a16:creationId xmlns:a16="http://schemas.microsoft.com/office/drawing/2014/main" id="{8425F900-0354-92FE-A572-47F328CF82E3}"/>
+              </a:ext>
+            </a:extLst>
+          </p:cNvPr>
+          <p:cNvPicPr>
+            <a:picLocks noChangeAspect="1"/>
+          </p:cNvPicPr>
+          <p:nvPr/>
+        </p:nvPicPr>
+        <p:blipFill>
+          <a:blip r:embed="rId2">
+            <a:extLst>
+              <a:ext uri="{28A0092B-C50C-407E-A947-70E740481C1C}">
+                <a14:useLocalDpi xmlns:a14="http://schemas.microsoft.com/office/drawing/2010/main" val="0"/>
+              </a:ext>
+              <a:ext uri="{96DAC541-7B7A-43D3-8B79-37D633B846F1}">
+                <asvg:svgBlip xmlns:asvg="http://schemas.microsoft.com/office/drawing/2016/SVG/main" r:embed="rId3"/>
+              </a:ext>
+            </a:extLst>
+          </a:blip>
+          <a:stretch>
+            <a:fillRect/>
+          </a:stretch>
+        </p:blipFill>
+        <p:spPr>
+          <a:xfrm>
+            <a:off x="1982063" y="3249509"/>
+            <a:ext cx="408430" cy="408430"/>
+          </a:xfrm>
+          <a:prstGeom prst="rect">
+            <a:avLst/>
+          </a:prstGeom>
+        </p:spPr>
+      </p:pic>
+      <p:pic>
+        <p:nvPicPr>
+          <p:cNvPr id="62" name="Graphic 61">
+            <a:extLst>
+              <a:ext uri="{FF2B5EF4-FFF2-40B4-BE49-F238E27FC236}">
+                <a16:creationId xmlns:a16="http://schemas.microsoft.com/office/drawing/2014/main" id="{E35BB398-06A6-17F2-CE81-78707507A638}"/>
+              </a:ext>
+            </a:extLst>
+          </p:cNvPr>
+          <p:cNvPicPr>
+            <a:picLocks noChangeAspect="1"/>
+          </p:cNvPicPr>
+          <p:nvPr/>
+        </p:nvPicPr>
+        <p:blipFill>
+          <a:blip r:embed="rId4">
+            <a:extLst>
+              <a:ext uri="{28A0092B-C50C-407E-A947-70E740481C1C}">
+                <a14:useLocalDpi xmlns:a14="http://schemas.microsoft.com/office/drawing/2010/main" val="0"/>
+              </a:ext>
+              <a:ext uri="{96DAC541-7B7A-43D3-8B79-37D633B846F1}">
+                <asvg:svgBlip xmlns:asvg="http://schemas.microsoft.com/office/drawing/2016/SVG/main" r:embed="rId5"/>
+              </a:ext>
+            </a:extLst>
+          </a:blip>
+          <a:stretch>
+            <a:fillRect/>
+          </a:stretch>
+        </p:blipFill>
+        <p:spPr>
+          <a:xfrm>
+            <a:off x="695148" y="2728224"/>
+            <a:ext cx="763600" cy="763600"/>
+          </a:xfrm>
+          <a:prstGeom prst="rect">
+            <a:avLst/>
+          </a:prstGeom>
+        </p:spPr>
+      </p:pic>
+      <p:pic>
+        <p:nvPicPr>
+          <p:cNvPr id="63" name="Graphic 62">
+            <a:extLst>
+              <a:ext uri="{FF2B5EF4-FFF2-40B4-BE49-F238E27FC236}">
+                <a16:creationId xmlns:a16="http://schemas.microsoft.com/office/drawing/2014/main" id="{8A006576-DCD0-93F6-91F5-A12823687E3D}"/>
+              </a:ext>
+            </a:extLst>
+          </p:cNvPr>
+          <p:cNvPicPr>
+            <a:picLocks noChangeAspect="1"/>
+          </p:cNvPicPr>
+          <p:nvPr/>
+        </p:nvPicPr>
+        <p:blipFill>
+          <a:blip r:embed="rId6">
+            <a:extLst>
+              <a:ext uri="{28A0092B-C50C-407E-A947-70E740481C1C}">
+                <a14:useLocalDpi xmlns:a14="http://schemas.microsoft.com/office/drawing/2010/main" val="0"/>
+              </a:ext>
+              <a:ext uri="{96DAC541-7B7A-43D3-8B79-37D633B846F1}">
+                <asvg:svgBlip xmlns:asvg="http://schemas.microsoft.com/office/drawing/2016/SVG/main" r:embed="rId7"/>
+              </a:ext>
+            </a:extLst>
+          </a:blip>
+          <a:stretch>
+            <a:fillRect/>
+          </a:stretch>
+        </p:blipFill>
+        <p:spPr>
+          <a:xfrm>
+            <a:off x="1968908" y="2549404"/>
+            <a:ext cx="408430" cy="408430"/>
+          </a:xfrm>
+          <a:prstGeom prst="rect">
+            <a:avLst/>
+          </a:prstGeom>
+        </p:spPr>
+      </p:pic>
+      <p:sp>
+        <p:nvSpPr>
+          <p:cNvPr id="64" name="TextBox 63">
+            <a:extLst>
+              <a:ext uri="{FF2B5EF4-FFF2-40B4-BE49-F238E27FC236}">
+                <a16:creationId xmlns:a16="http://schemas.microsoft.com/office/drawing/2014/main" id="{DED171B5-FE4E-FC78-9CE3-C6B37F576C3A}"/>
+              </a:ext>
+            </a:extLst>
+          </p:cNvPr>
+          <p:cNvSpPr txBox="1"/>
+          <p:nvPr/>
+        </p:nvSpPr>
+        <p:spPr>
+          <a:xfrm>
+            <a:off x="613520" y="3460503"/>
+            <a:ext cx="966788" cy="415498"/>
+          </a:xfrm>
+          <a:prstGeom prst="rect">
+            <a:avLst/>
+          </a:prstGeom>
+          <a:noFill/>
+        </p:spPr>
+        <p:txBody>
+          <a:bodyPr wrap="square" rtlCol="0">
+            <a:spAutoFit/>
+          </a:bodyPr>
+          <a:lstStyle/>
+          <a:p>
+            <a:pPr algn="ctr" defTabSz="914400">
+              <a:defRPr/>
+            </a:pPr>
+            <a:r>
+              <a:rPr lang="en-GB" sz="1050" kern="0">
+                <a:solidFill>
+                  <a:srgbClr val="000000"/>
+                </a:solidFill>
+                <a:latin typeface="Arial"/>
+              </a:rPr>
+              <a:t>SQL Database</a:t>
+            </a:r>
+          </a:p>
+        </p:txBody>
+      </p:sp>
+      <p:sp>
+        <p:nvSpPr>
+          <p:cNvPr id="65" name="TextBox 64">
+            <a:extLst>
+              <a:ext uri="{FF2B5EF4-FFF2-40B4-BE49-F238E27FC236}">
+                <a16:creationId xmlns:a16="http://schemas.microsoft.com/office/drawing/2014/main" id="{FA0F9418-92AF-C589-0C69-C41FC1BCE471}"/>
+              </a:ext>
+            </a:extLst>
+          </p:cNvPr>
+          <p:cNvSpPr txBox="1"/>
+          <p:nvPr/>
+        </p:nvSpPr>
+        <p:spPr>
+          <a:xfrm>
+            <a:off x="1629363" y="3633653"/>
+            <a:ext cx="1054810" cy="215444"/>
+          </a:xfrm>
+          <a:prstGeom prst="rect">
+            <a:avLst/>
+          </a:prstGeom>
+          <a:noFill/>
+        </p:spPr>
+        <p:txBody>
+          <a:bodyPr wrap="square" rtlCol="0">
+            <a:spAutoFit/>
+          </a:bodyPr>
+          <a:lstStyle/>
+          <a:p>
+            <a:pPr algn="ctr" defTabSz="914400">
+              <a:defRPr/>
+            </a:pPr>
+            <a:r>
+              <a:rPr lang="en-GB" sz="800" kern="0">
+                <a:solidFill>
+                  <a:srgbClr val="000000"/>
+                </a:solidFill>
+                <a:latin typeface="Arial"/>
+              </a:rPr>
+              <a:t>Private Endpoint</a:t>
+            </a:r>
+          </a:p>
+        </p:txBody>
+      </p:sp>
+      <p:sp>
+        <p:nvSpPr>
+          <p:cNvPr id="66" name="TextBox 65">
+            <a:extLst>
+              <a:ext uri="{FF2B5EF4-FFF2-40B4-BE49-F238E27FC236}">
+                <a16:creationId xmlns:a16="http://schemas.microsoft.com/office/drawing/2014/main" id="{E3D35764-298A-D80B-56E2-A5F9EFB491E3}"/>
+              </a:ext>
+            </a:extLst>
+          </p:cNvPr>
+          <p:cNvSpPr txBox="1"/>
+          <p:nvPr/>
+        </p:nvSpPr>
+        <p:spPr>
+          <a:xfrm>
+            <a:off x="1629363" y="2930707"/>
+            <a:ext cx="1054810" cy="215444"/>
+          </a:xfrm>
+          <a:prstGeom prst="rect">
+            <a:avLst/>
+          </a:prstGeom>
+          <a:noFill/>
+        </p:spPr>
+        <p:txBody>
+          <a:bodyPr wrap="square" rtlCol="0">
+            <a:spAutoFit/>
+          </a:bodyPr>
+          <a:lstStyle/>
+          <a:p>
+            <a:pPr algn="ctr" defTabSz="914400">
+              <a:defRPr/>
+            </a:pPr>
+            <a:r>
+              <a:rPr lang="en-GB" sz="800" kern="0">
+                <a:solidFill>
+                  <a:srgbClr val="000000"/>
+                </a:solidFill>
+                <a:latin typeface="Arial"/>
+              </a:rPr>
+              <a:t>Managed Identity</a:t>
+            </a:r>
+          </a:p>
+        </p:txBody>
+      </p:sp>
+      <p:pic>
+        <p:nvPicPr>
+          <p:cNvPr id="67" name="Graphic 66">
+            <a:extLst>
+              <a:ext uri="{FF2B5EF4-FFF2-40B4-BE49-F238E27FC236}">
+                <a16:creationId xmlns:a16="http://schemas.microsoft.com/office/drawing/2014/main" id="{86C37787-99DF-07D3-5590-10E3061FD1C6}"/>
+              </a:ext>
+            </a:extLst>
+          </p:cNvPr>
+          <p:cNvPicPr>
+            <a:picLocks noChangeAspect="1"/>
+          </p:cNvPicPr>
+          <p:nvPr/>
+        </p:nvPicPr>
+        <p:blipFill>
+          <a:blip r:embed="rId2">
+            <a:extLst>
+              <a:ext uri="{28A0092B-C50C-407E-A947-70E740481C1C}">
+                <a14:useLocalDpi xmlns:a14="http://schemas.microsoft.com/office/drawing/2010/main" val="0"/>
+              </a:ext>
+              <a:ext uri="{96DAC541-7B7A-43D3-8B79-37D633B846F1}">
+                <asvg:svgBlip xmlns:asvg="http://schemas.microsoft.com/office/drawing/2016/SVG/main" r:embed="rId3"/>
+              </a:ext>
+            </a:extLst>
+          </a:blip>
+          <a:stretch>
+            <a:fillRect/>
+          </a:stretch>
+        </p:blipFill>
+        <p:spPr>
+          <a:xfrm>
+            <a:off x="1982063" y="5198463"/>
+            <a:ext cx="408430" cy="408430"/>
+          </a:xfrm>
+          <a:prstGeom prst="rect">
+            <a:avLst/>
+          </a:prstGeom>
+        </p:spPr>
+      </p:pic>
+      <p:pic>
+        <p:nvPicPr>
+          <p:cNvPr id="68" name="Graphic 67">
+            <a:extLst>
+              <a:ext uri="{FF2B5EF4-FFF2-40B4-BE49-F238E27FC236}">
+                <a16:creationId xmlns:a16="http://schemas.microsoft.com/office/drawing/2014/main" id="{C68A7EC6-11AC-305D-01DF-7A14A166E57C}"/>
+              </a:ext>
+            </a:extLst>
+          </p:cNvPr>
+          <p:cNvPicPr>
+            <a:picLocks noChangeAspect="1"/>
+          </p:cNvPicPr>
+          <p:nvPr/>
+        </p:nvPicPr>
+        <p:blipFill>
+          <a:blip r:embed="rId6">
+            <a:extLst>
+              <a:ext uri="{28A0092B-C50C-407E-A947-70E740481C1C}">
+                <a14:useLocalDpi xmlns:a14="http://schemas.microsoft.com/office/drawing/2010/main" val="0"/>
+              </a:ext>
+              <a:ext uri="{96DAC541-7B7A-43D3-8B79-37D633B846F1}">
+                <asvg:svgBlip xmlns:asvg="http://schemas.microsoft.com/office/drawing/2016/SVG/main" r:embed="rId7"/>
+              </a:ext>
+            </a:extLst>
+          </a:blip>
+          <a:stretch>
+            <a:fillRect/>
+          </a:stretch>
+        </p:blipFill>
+        <p:spPr>
+          <a:xfrm>
+            <a:off x="1968908" y="4498358"/>
+            <a:ext cx="408430" cy="408430"/>
+          </a:xfrm>
+          <a:prstGeom prst="rect">
+            <a:avLst/>
+          </a:prstGeom>
+        </p:spPr>
+      </p:pic>
+      <p:sp>
+        <p:nvSpPr>
+          <p:cNvPr id="69" name="TextBox 68">
+            <a:extLst>
+              <a:ext uri="{FF2B5EF4-FFF2-40B4-BE49-F238E27FC236}">
+                <a16:creationId xmlns:a16="http://schemas.microsoft.com/office/drawing/2014/main" id="{BDD1FD85-12A3-415F-8916-C22C22B72208}"/>
+              </a:ext>
+            </a:extLst>
+          </p:cNvPr>
+          <p:cNvSpPr txBox="1"/>
+          <p:nvPr/>
+        </p:nvSpPr>
+        <p:spPr>
+          <a:xfrm>
+            <a:off x="613520" y="5371314"/>
+            <a:ext cx="966788" cy="415498"/>
+          </a:xfrm>
+          <a:prstGeom prst="rect">
+            <a:avLst/>
+          </a:prstGeom>
+          <a:noFill/>
+        </p:spPr>
+        <p:txBody>
+          <a:bodyPr wrap="square" rtlCol="0">
+            <a:spAutoFit/>
+          </a:bodyPr>
+          <a:lstStyle/>
+          <a:p>
+            <a:pPr algn="ctr" defTabSz="914400">
+              <a:defRPr/>
+            </a:pPr>
+            <a:r>
+              <a:rPr lang="en-GB" sz="1050" kern="0">
+                <a:solidFill>
+                  <a:srgbClr val="000000"/>
+                </a:solidFill>
+                <a:latin typeface="Arial"/>
+              </a:rPr>
+              <a:t>Storage Account</a:t>
+            </a:r>
+          </a:p>
+        </p:txBody>
+      </p:sp>
+      <p:sp>
+        <p:nvSpPr>
+          <p:cNvPr id="70" name="TextBox 69">
+            <a:extLst>
+              <a:ext uri="{FF2B5EF4-FFF2-40B4-BE49-F238E27FC236}">
+                <a16:creationId xmlns:a16="http://schemas.microsoft.com/office/drawing/2014/main" id="{BD2607D3-B5A5-9B90-CA3A-EDE2244A6245}"/>
+              </a:ext>
+            </a:extLst>
+          </p:cNvPr>
+          <p:cNvSpPr txBox="1"/>
+          <p:nvPr/>
+        </p:nvSpPr>
+        <p:spPr>
+          <a:xfrm>
+            <a:off x="1629363" y="5582607"/>
+            <a:ext cx="1054810" cy="215444"/>
+          </a:xfrm>
+          <a:prstGeom prst="rect">
+            <a:avLst/>
+          </a:prstGeom>
+          <a:noFill/>
+        </p:spPr>
+        <p:txBody>
+          <a:bodyPr wrap="square" rtlCol="0">
+            <a:spAutoFit/>
+          </a:bodyPr>
+          <a:lstStyle/>
+          <a:p>
+            <a:pPr algn="ctr" defTabSz="914400">
+              <a:defRPr/>
+            </a:pPr>
+            <a:r>
+              <a:rPr lang="en-GB" sz="800" kern="0">
+                <a:solidFill>
+                  <a:srgbClr val="000000"/>
+                </a:solidFill>
+                <a:latin typeface="Arial"/>
+              </a:rPr>
+              <a:t>Private Endpoint</a:t>
+            </a:r>
+          </a:p>
+        </p:txBody>
+      </p:sp>
+      <p:sp>
+        <p:nvSpPr>
+          <p:cNvPr id="71" name="TextBox 70">
+            <a:extLst>
+              <a:ext uri="{FF2B5EF4-FFF2-40B4-BE49-F238E27FC236}">
+                <a16:creationId xmlns:a16="http://schemas.microsoft.com/office/drawing/2014/main" id="{385870D1-AD8D-CFFE-05EF-4CE988A8AB17}"/>
+              </a:ext>
+            </a:extLst>
+          </p:cNvPr>
+          <p:cNvSpPr txBox="1"/>
+          <p:nvPr/>
+        </p:nvSpPr>
+        <p:spPr>
+          <a:xfrm>
+            <a:off x="1629363" y="4879661"/>
+            <a:ext cx="1054810" cy="215444"/>
+          </a:xfrm>
+          <a:prstGeom prst="rect">
+            <a:avLst/>
+          </a:prstGeom>
+          <a:noFill/>
+        </p:spPr>
+        <p:txBody>
+          <a:bodyPr wrap="square" rtlCol="0">
+            <a:spAutoFit/>
+          </a:bodyPr>
+          <a:lstStyle/>
+          <a:p>
+            <a:pPr algn="ctr" defTabSz="914400">
+              <a:defRPr/>
+            </a:pPr>
+            <a:r>
+              <a:rPr lang="en-GB" sz="800" kern="0">
+                <a:solidFill>
+                  <a:srgbClr val="000000"/>
+                </a:solidFill>
+                <a:latin typeface="Arial"/>
+              </a:rPr>
+              <a:t>Managed Identity</a:t>
+            </a:r>
+          </a:p>
+        </p:txBody>
+      </p:sp>
+      <p:pic>
+        <p:nvPicPr>
+          <p:cNvPr id="72" name="Graphic 71">
+            <a:extLst>
+              <a:ext uri="{FF2B5EF4-FFF2-40B4-BE49-F238E27FC236}">
+                <a16:creationId xmlns:a16="http://schemas.microsoft.com/office/drawing/2014/main" id="{EEFC8D64-C457-1854-B41A-70E970252ED4}"/>
+              </a:ext>
+            </a:extLst>
+          </p:cNvPr>
+          <p:cNvPicPr>
+            <a:picLocks noChangeAspect="1"/>
+          </p:cNvPicPr>
+          <p:nvPr/>
+        </p:nvPicPr>
+        <p:blipFill>
+          <a:blip r:embed="rId8">
+            <a:extLst>
+              <a:ext uri="{28A0092B-C50C-407E-A947-70E740481C1C}">
+                <a14:useLocalDpi xmlns:a14="http://schemas.microsoft.com/office/drawing/2010/main" val="0"/>
+              </a:ext>
+              <a:ext uri="{96DAC541-7B7A-43D3-8B79-37D633B846F1}">
+                <asvg:svgBlip xmlns:asvg="http://schemas.microsoft.com/office/drawing/2016/SVG/main" r:embed="rId9"/>
+              </a:ext>
+            </a:extLst>
+          </a:blip>
+          <a:stretch>
+            <a:fillRect/>
+          </a:stretch>
+        </p:blipFill>
+        <p:spPr>
+          <a:xfrm>
+            <a:off x="715114" y="4645857"/>
+            <a:ext cx="763600" cy="763600"/>
+          </a:xfrm>
+          <a:prstGeom prst="rect">
+            <a:avLst/>
+          </a:prstGeom>
+        </p:spPr>
+      </p:pic>
+      <p:sp>
+        <p:nvSpPr>
+          <p:cNvPr id="73" name="Rectangle: Rounded Corners 72">
+            <a:extLst>
+              <a:ext uri="{FF2B5EF4-FFF2-40B4-BE49-F238E27FC236}">
+                <a16:creationId xmlns:a16="http://schemas.microsoft.com/office/drawing/2014/main" id="{96220B03-E380-8DD5-E1BF-E3697563A464}"/>
+              </a:ext>
+            </a:extLst>
+          </p:cNvPr>
+          <p:cNvSpPr/>
+          <p:nvPr/>
+        </p:nvSpPr>
+        <p:spPr>
+          <a:xfrm>
+            <a:off x="6437902" y="4289653"/>
+            <a:ext cx="988434" cy="859050"/>
+          </a:xfrm>
+          <a:prstGeom prst="roundRect">
+            <a:avLst>
+              <a:gd name="adj" fmla="val 1286"/>
+            </a:avLst>
+          </a:prstGeom>
+          <a:solidFill>
+            <a:srgbClr val="0E67ED">
+              <a:lumMod val="40000"/>
+              <a:lumOff val="60000"/>
+            </a:srgbClr>
+          </a:solidFill>
+          <a:ln w="25400" cap="flat" cmpd="sng" algn="ctr">
+            <a:noFill/>
+            <a:prstDash val="solid"/>
+          </a:ln>
+          <a:effectLst/>
+        </p:spPr>
+        <p:txBody>
+          <a:bodyPr rtlCol="0" anchor="ctr"/>
+          <a:lstStyle/>
+          <a:p>
+            <a:pPr algn="ctr" defTabSz="914400">
+              <a:defRPr/>
+            </a:pPr>
+            <a:endParaRPr lang="en-GB" sz="1800" kern="0">
+              <a:solidFill>
+                <a:srgbClr val="000000"/>
+              </a:solidFill>
+              <a:latin typeface="Arial"/>
+            </a:endParaRPr>
+          </a:p>
+        </p:txBody>
+      </p:sp>
+      <p:sp>
+        <p:nvSpPr>
+          <p:cNvPr id="74" name="Rectangle: Rounded Corners 73">
+            <a:extLst>
+              <a:ext uri="{FF2B5EF4-FFF2-40B4-BE49-F238E27FC236}">
+                <a16:creationId xmlns:a16="http://schemas.microsoft.com/office/drawing/2014/main" id="{380D986F-4E15-C4AA-26A5-1D71227F755A}"/>
+              </a:ext>
+            </a:extLst>
+          </p:cNvPr>
+          <p:cNvSpPr/>
+          <p:nvPr/>
+        </p:nvSpPr>
+        <p:spPr>
+          <a:xfrm>
+            <a:off x="4167668" y="4287884"/>
+            <a:ext cx="988434" cy="859050"/>
+          </a:xfrm>
+          <a:prstGeom prst="roundRect">
+            <a:avLst>
+              <a:gd name="adj" fmla="val 1286"/>
+            </a:avLst>
+          </a:prstGeom>
+          <a:solidFill>
+            <a:srgbClr val="0E67ED">
+              <a:lumMod val="40000"/>
+              <a:lumOff val="60000"/>
+            </a:srgbClr>
+          </a:solidFill>
+          <a:ln w="25400" cap="flat" cmpd="sng" algn="ctr">
+            <a:noFill/>
+            <a:prstDash val="solid"/>
+          </a:ln>
+          <a:effectLst/>
+        </p:spPr>
+        <p:txBody>
+          <a:bodyPr rtlCol="0" anchor="ctr"/>
+          <a:lstStyle/>
+          <a:p>
+            <a:pPr algn="ctr" defTabSz="914400">
+              <a:defRPr/>
+            </a:pPr>
+            <a:endParaRPr lang="en-GB" sz="1800" kern="0">
+              <a:solidFill>
+                <a:srgbClr val="000000"/>
+              </a:solidFill>
+              <a:latin typeface="Arial"/>
+            </a:endParaRPr>
+          </a:p>
+        </p:txBody>
+      </p:sp>
+      <p:pic>
+        <p:nvPicPr>
+          <p:cNvPr id="75" name="Graphic 74">
+            <a:extLst>
+              <a:ext uri="{FF2B5EF4-FFF2-40B4-BE49-F238E27FC236}">
+                <a16:creationId xmlns:a16="http://schemas.microsoft.com/office/drawing/2014/main" id="{A59E6DCA-05FA-873E-EF9B-7A7C4168DAA0}"/>
+              </a:ext>
+            </a:extLst>
+          </p:cNvPr>
+          <p:cNvPicPr>
+            <a:picLocks noChangeAspect="1"/>
+          </p:cNvPicPr>
+          <p:nvPr/>
+        </p:nvPicPr>
+        <p:blipFill>
+          <a:blip r:embed="rId4">
+            <a:extLst>
+              <a:ext uri="{28A0092B-C50C-407E-A947-70E740481C1C}">
+                <a14:useLocalDpi xmlns:a14="http://schemas.microsoft.com/office/drawing/2010/main" val="0"/>
+              </a:ext>
+              <a:ext uri="{96DAC541-7B7A-43D3-8B79-37D633B846F1}">
+                <asvg:svgBlip xmlns:asvg="http://schemas.microsoft.com/office/drawing/2016/SVG/main" r:embed="rId5"/>
+              </a:ext>
+            </a:extLst>
+          </a:blip>
+          <a:stretch>
+            <a:fillRect/>
+          </a:stretch>
+        </p:blipFill>
+        <p:spPr>
+          <a:xfrm>
+            <a:off x="4291135" y="4318468"/>
+            <a:ext cx="763600" cy="763600"/>
+          </a:xfrm>
+          <a:prstGeom prst="rect">
+            <a:avLst/>
+          </a:prstGeom>
+        </p:spPr>
+      </p:pic>
+      <p:pic>
+        <p:nvPicPr>
+          <p:cNvPr id="76" name="Graphic 75">
+            <a:extLst>
+              <a:ext uri="{FF2B5EF4-FFF2-40B4-BE49-F238E27FC236}">
+                <a16:creationId xmlns:a16="http://schemas.microsoft.com/office/drawing/2014/main" id="{8B5577B6-3B7B-E531-6D62-25E9D6455D29}"/>
+              </a:ext>
+            </a:extLst>
+          </p:cNvPr>
+          <p:cNvPicPr>
+            <a:picLocks noChangeAspect="1"/>
+          </p:cNvPicPr>
+          <p:nvPr/>
+        </p:nvPicPr>
+        <p:blipFill>
+          <a:blip r:embed="rId8">
+            <a:extLst>
+              <a:ext uri="{28A0092B-C50C-407E-A947-70E740481C1C}">
+                <a14:useLocalDpi xmlns:a14="http://schemas.microsoft.com/office/drawing/2010/main" val="0"/>
+              </a:ext>
+              <a:ext uri="{96DAC541-7B7A-43D3-8B79-37D633B846F1}">
+                <asvg:svgBlip xmlns:asvg="http://schemas.microsoft.com/office/drawing/2016/SVG/main" r:embed="rId9"/>
+              </a:ext>
+            </a:extLst>
+          </a:blip>
+          <a:stretch>
+            <a:fillRect/>
+          </a:stretch>
+        </p:blipFill>
+        <p:spPr>
+          <a:xfrm>
+            <a:off x="6545009" y="4320237"/>
+            <a:ext cx="763600" cy="763600"/>
+          </a:xfrm>
+          <a:prstGeom prst="rect">
+            <a:avLst/>
+          </a:prstGeom>
+        </p:spPr>
+      </p:pic>
+      <p:sp>
+        <p:nvSpPr>
+          <p:cNvPr id="77" name="Rectangle: Rounded Corners 76">
+            <a:extLst>
+              <a:ext uri="{FF2B5EF4-FFF2-40B4-BE49-F238E27FC236}">
+                <a16:creationId xmlns:a16="http://schemas.microsoft.com/office/drawing/2014/main" id="{D3B47D32-6454-4AED-881E-149D1E45DC45}"/>
+              </a:ext>
+            </a:extLst>
+          </p:cNvPr>
+          <p:cNvSpPr/>
+          <p:nvPr/>
+        </p:nvSpPr>
+        <p:spPr>
+          <a:xfrm>
+            <a:off x="5306752" y="3476972"/>
+            <a:ext cx="988434" cy="859050"/>
+          </a:xfrm>
+          <a:prstGeom prst="roundRect">
+            <a:avLst>
+              <a:gd name="adj" fmla="val 1286"/>
+            </a:avLst>
+          </a:prstGeom>
+          <a:solidFill>
+            <a:srgbClr val="0E67ED">
+              <a:lumMod val="40000"/>
+              <a:lumOff val="60000"/>
+            </a:srgbClr>
+          </a:solidFill>
+          <a:ln w="25400" cap="flat" cmpd="sng" algn="ctr">
+            <a:noFill/>
+            <a:prstDash val="solid"/>
+          </a:ln>
+          <a:effectLst/>
+        </p:spPr>
+        <p:txBody>
+          <a:bodyPr rtlCol="0" anchor="ctr"/>
+          <a:lstStyle/>
+          <a:p>
+            <a:pPr algn="ctr" defTabSz="914400">
+              <a:defRPr/>
+            </a:pPr>
+            <a:endParaRPr lang="en-GB" sz="1800" kern="0">
+              <a:solidFill>
+                <a:srgbClr val="000000"/>
+              </a:solidFill>
+              <a:latin typeface="Arial"/>
+            </a:endParaRPr>
+          </a:p>
+        </p:txBody>
+      </p:sp>
+      <p:pic>
+        <p:nvPicPr>
+          <p:cNvPr id="78" name="Graphic 77">
+            <a:extLst>
+              <a:ext uri="{FF2B5EF4-FFF2-40B4-BE49-F238E27FC236}">
+                <a16:creationId xmlns:a16="http://schemas.microsoft.com/office/drawing/2014/main" id="{5E32183E-71D8-F1FE-8788-4AC70F35B1B9}"/>
+              </a:ext>
+            </a:extLst>
+          </p:cNvPr>
+          <p:cNvPicPr>
+            <a:picLocks noChangeAspect="1"/>
+          </p:cNvPicPr>
+          <p:nvPr/>
+        </p:nvPicPr>
+        <p:blipFill>
+          <a:blip r:embed="rId10">
+            <a:extLst>
+              <a:ext uri="{28A0092B-C50C-407E-A947-70E740481C1C}">
+                <a14:useLocalDpi xmlns:a14="http://schemas.microsoft.com/office/drawing/2010/main" val="0"/>
+              </a:ext>
+              <a:ext uri="{96DAC541-7B7A-43D3-8B79-37D633B846F1}">
+                <asvg:svgBlip xmlns:asvg="http://schemas.microsoft.com/office/drawing/2016/SVG/main" r:embed="rId11"/>
+              </a:ext>
+            </a:extLst>
+          </a:blip>
+          <a:stretch>
+            <a:fillRect/>
+          </a:stretch>
+        </p:blipFill>
+        <p:spPr>
+          <a:xfrm>
+            <a:off x="5467594" y="3593389"/>
+            <a:ext cx="666750" cy="666750"/>
+          </a:xfrm>
+          <a:prstGeom prst="rect">
+            <a:avLst/>
+          </a:prstGeom>
+        </p:spPr>
+      </p:pic>
+      <p:sp>
+        <p:nvSpPr>
+          <p:cNvPr id="79" name="Rectangle: Rounded Corners 78">
+            <a:extLst>
+              <a:ext uri="{FF2B5EF4-FFF2-40B4-BE49-F238E27FC236}">
+                <a16:creationId xmlns:a16="http://schemas.microsoft.com/office/drawing/2014/main" id="{B36C3F6A-DDB8-B8EA-1C9E-0B5A7F14211A}"/>
+              </a:ext>
+            </a:extLst>
+          </p:cNvPr>
+          <p:cNvSpPr/>
+          <p:nvPr/>
+        </p:nvSpPr>
+        <p:spPr>
+          <a:xfrm>
+            <a:off x="5342868" y="2442434"/>
+            <a:ext cx="988434" cy="859050"/>
+          </a:xfrm>
+          <a:prstGeom prst="roundRect">
+            <a:avLst>
+              <a:gd name="adj" fmla="val 1286"/>
+            </a:avLst>
+          </a:prstGeom>
+          <a:solidFill>
+            <a:srgbClr val="0E67ED">
+              <a:lumMod val="40000"/>
+              <a:lumOff val="60000"/>
+            </a:srgbClr>
+          </a:solidFill>
+          <a:ln w="25400" cap="flat" cmpd="sng" algn="ctr">
+            <a:noFill/>
+            <a:prstDash val="solid"/>
+          </a:ln>
+          <a:effectLst/>
+        </p:spPr>
+        <p:txBody>
+          <a:bodyPr rtlCol="0" anchor="ctr"/>
+          <a:lstStyle/>
+          <a:p>
+            <a:pPr algn="ctr" defTabSz="914400">
+              <a:defRPr/>
+            </a:pPr>
+            <a:endParaRPr lang="en-GB" sz="1800" kern="0">
+              <a:solidFill>
+                <a:srgbClr val="000000"/>
+              </a:solidFill>
+              <a:latin typeface="Arial"/>
+            </a:endParaRPr>
+          </a:p>
+        </p:txBody>
+      </p:sp>
+      <p:pic>
+        <p:nvPicPr>
+          <p:cNvPr id="80" name="Graphic 79">
+            <a:extLst>
+              <a:ext uri="{FF2B5EF4-FFF2-40B4-BE49-F238E27FC236}">
+                <a16:creationId xmlns:a16="http://schemas.microsoft.com/office/drawing/2014/main" id="{B2753BC9-8BA2-62D5-E282-DBCB848B6EBD}"/>
+              </a:ext>
+            </a:extLst>
+          </p:cNvPr>
+          <p:cNvPicPr>
+            <a:picLocks noChangeAspect="1"/>
+          </p:cNvPicPr>
+          <p:nvPr/>
+        </p:nvPicPr>
+        <p:blipFill>
+          <a:blip r:embed="rId12">
+            <a:extLst>
+              <a:ext uri="{28A0092B-C50C-407E-A947-70E740481C1C}">
+                <a14:useLocalDpi xmlns:a14="http://schemas.microsoft.com/office/drawing/2010/main" val="0"/>
+              </a:ext>
+              <a:ext uri="{96DAC541-7B7A-43D3-8B79-37D633B846F1}">
+                <asvg:svgBlip xmlns:asvg="http://schemas.microsoft.com/office/drawing/2016/SVG/main" r:embed="rId13"/>
+              </a:ext>
+            </a:extLst>
+          </a:blip>
+          <a:stretch>
+            <a:fillRect/>
+          </a:stretch>
+        </p:blipFill>
+        <p:spPr>
+          <a:xfrm>
+            <a:off x="5497572" y="2554660"/>
+            <a:ext cx="657852" cy="657852"/>
+          </a:xfrm>
+          <a:prstGeom prst="rect">
+            <a:avLst/>
+          </a:prstGeom>
+        </p:spPr>
+      </p:pic>
+      <p:sp>
+        <p:nvSpPr>
+          <p:cNvPr id="81" name="Rectangle: Rounded Corners 80">
+            <a:extLst>
+              <a:ext uri="{FF2B5EF4-FFF2-40B4-BE49-F238E27FC236}">
+                <a16:creationId xmlns:a16="http://schemas.microsoft.com/office/drawing/2014/main" id="{BCAFE7A3-2DF9-ECF5-6D79-5E1F4F1F7BB6}"/>
+              </a:ext>
+            </a:extLst>
+          </p:cNvPr>
+          <p:cNvSpPr/>
+          <p:nvPr/>
+        </p:nvSpPr>
+        <p:spPr>
+          <a:xfrm>
+            <a:off x="5298818" y="4967306"/>
+            <a:ext cx="988434" cy="859050"/>
+          </a:xfrm>
+          <a:prstGeom prst="roundRect">
+            <a:avLst>
+              <a:gd name="adj" fmla="val 1286"/>
+            </a:avLst>
+          </a:prstGeom>
+          <a:solidFill>
+            <a:srgbClr val="0E67ED">
+              <a:lumMod val="40000"/>
+              <a:lumOff val="60000"/>
+            </a:srgbClr>
+          </a:solidFill>
+          <a:ln w="25400" cap="flat" cmpd="sng" algn="ctr">
+            <a:noFill/>
+            <a:prstDash val="solid"/>
+          </a:ln>
+          <a:effectLst/>
+        </p:spPr>
+        <p:txBody>
+          <a:bodyPr rtlCol="0" anchor="ctr"/>
+          <a:lstStyle/>
+          <a:p>
+            <a:pPr algn="ctr" defTabSz="914400">
+              <a:defRPr/>
+            </a:pPr>
+            <a:endParaRPr lang="en-GB" sz="1800" kern="0">
+              <a:solidFill>
+                <a:srgbClr val="000000"/>
+              </a:solidFill>
+              <a:latin typeface="Arial"/>
+            </a:endParaRPr>
+          </a:p>
+        </p:txBody>
+      </p:sp>
+      <p:pic>
+        <p:nvPicPr>
+          <p:cNvPr id="82" name="Graphic 81">
+            <a:extLst>
+              <a:ext uri="{FF2B5EF4-FFF2-40B4-BE49-F238E27FC236}">
+                <a16:creationId xmlns:a16="http://schemas.microsoft.com/office/drawing/2014/main" id="{235FE2A7-89B3-0062-B265-8E181D95901D}"/>
+              </a:ext>
+            </a:extLst>
+          </p:cNvPr>
+          <p:cNvPicPr>
+            <a:picLocks noChangeAspect="1"/>
+          </p:cNvPicPr>
+          <p:nvPr/>
+        </p:nvPicPr>
+        <p:blipFill>
+          <a:blip r:embed="rId14">
+            <a:extLst>
+              <a:ext uri="{28A0092B-C50C-407E-A947-70E740481C1C}">
+                <a14:useLocalDpi xmlns:a14="http://schemas.microsoft.com/office/drawing/2010/main" val="0"/>
+              </a:ext>
+              <a:ext uri="{96DAC541-7B7A-43D3-8B79-37D633B846F1}">
+                <asvg:svgBlip xmlns:asvg="http://schemas.microsoft.com/office/drawing/2016/SVG/main" r:embed="rId15"/>
+              </a:ext>
+            </a:extLst>
+          </a:blip>
+          <a:stretch>
+            <a:fillRect/>
+          </a:stretch>
+        </p:blipFill>
+        <p:spPr>
+          <a:xfrm>
+            <a:off x="5405397" y="4998843"/>
+            <a:ext cx="789535" cy="789535"/>
+          </a:xfrm>
+          <a:prstGeom prst="rect">
+            <a:avLst/>
+          </a:prstGeom>
+        </p:spPr>
+      </p:pic>
+      <p:cxnSp>
+        <p:nvCxnSpPr>
+          <p:cNvPr id="83" name="Straight Arrow Connector 82">
+            <a:extLst>
+              <a:ext uri="{FF2B5EF4-FFF2-40B4-BE49-F238E27FC236}">
+                <a16:creationId xmlns:a16="http://schemas.microsoft.com/office/drawing/2014/main" id="{B8042F5F-B917-14D3-E789-5A6B171353BC}"/>
+              </a:ext>
+            </a:extLst>
+          </p:cNvPr>
+          <p:cNvCxnSpPr>
+            <a:stCxn id="73" idx="0"/>
+            <a:endCxn id="77" idx="3"/>
+          </p:cNvCxnSpPr>
+          <p:nvPr/>
+        </p:nvCxnSpPr>
+        <p:spPr>
+          <a:xfrm flipH="1" flipV="1">
+            <a:off x="6295186" y="3906497"/>
+            <a:ext cx="636933" cy="383156"/>
+          </a:xfrm>
+          <a:prstGeom prst="straightConnector1">
+            <a:avLst/>
+          </a:prstGeom>
+          <a:noFill/>
+          <a:ln w="9525" cap="flat" cmpd="sng" algn="ctr">
+            <a:solidFill>
+              <a:srgbClr val="0E67ED">
+                <a:lumMod val="60000"/>
+                <a:lumOff val="40000"/>
+              </a:srgbClr>
+            </a:solidFill>
+            <a:prstDash val="solid"/>
+            <a:tailEnd type="triangle"/>
+          </a:ln>
+          <a:effectLst/>
+        </p:spPr>
+      </p:cxnSp>
+      <p:cxnSp>
+        <p:nvCxnSpPr>
+          <p:cNvPr id="84" name="Straight Arrow Connector 83">
+            <a:extLst>
+              <a:ext uri="{FF2B5EF4-FFF2-40B4-BE49-F238E27FC236}">
+                <a16:creationId xmlns:a16="http://schemas.microsoft.com/office/drawing/2014/main" id="{4A5A4319-D9D8-8C14-2310-D0E471553D4C}"/>
+              </a:ext>
+            </a:extLst>
+          </p:cNvPr>
+          <p:cNvCxnSpPr>
+            <a:stCxn id="74" idx="0"/>
+            <a:endCxn id="77" idx="1"/>
+          </p:cNvCxnSpPr>
+          <p:nvPr/>
+        </p:nvCxnSpPr>
+        <p:spPr>
+          <a:xfrm flipV="1">
+            <a:off x="4661885" y="3906497"/>
+            <a:ext cx="644867" cy="381387"/>
+          </a:xfrm>
+          <a:prstGeom prst="straightConnector1">
+            <a:avLst/>
+          </a:prstGeom>
+          <a:noFill/>
+          <a:ln w="9525" cap="flat" cmpd="sng" algn="ctr">
+            <a:solidFill>
+              <a:srgbClr val="0E67ED">
+                <a:lumMod val="60000"/>
+                <a:lumOff val="40000"/>
+              </a:srgbClr>
+            </a:solidFill>
+            <a:prstDash val="solid"/>
+            <a:tailEnd type="triangle"/>
+          </a:ln>
+          <a:effectLst/>
+        </p:spPr>
+      </p:cxnSp>
+      <p:cxnSp>
+        <p:nvCxnSpPr>
+          <p:cNvPr id="85" name="Straight Arrow Connector 84">
+            <a:extLst>
+              <a:ext uri="{FF2B5EF4-FFF2-40B4-BE49-F238E27FC236}">
+                <a16:creationId xmlns:a16="http://schemas.microsoft.com/office/drawing/2014/main" id="{4AB161C4-93A2-A006-4CC9-BFE78FEFF7B2}"/>
+              </a:ext>
+            </a:extLst>
+          </p:cNvPr>
+          <p:cNvCxnSpPr>
+            <a:stCxn id="77" idx="0"/>
+          </p:cNvCxnSpPr>
+          <p:nvPr/>
+        </p:nvCxnSpPr>
+        <p:spPr>
+          <a:xfrm flipV="1">
+            <a:off x="5800969" y="3319218"/>
+            <a:ext cx="0" cy="157754"/>
+          </a:xfrm>
+          <a:prstGeom prst="straightConnector1">
+            <a:avLst/>
+          </a:prstGeom>
+          <a:noFill/>
+          <a:ln w="9525" cap="flat" cmpd="sng" algn="ctr">
+            <a:solidFill>
+              <a:srgbClr val="0E67ED">
+                <a:lumMod val="60000"/>
+                <a:lumOff val="40000"/>
+              </a:srgbClr>
+            </a:solidFill>
+            <a:prstDash val="solid"/>
+            <a:tailEnd type="triangle"/>
+          </a:ln>
+          <a:effectLst/>
+        </p:spPr>
+      </p:cxnSp>
+      <p:sp>
+        <p:nvSpPr>
+          <p:cNvPr id="86" name="Arrow: Right 85">
+            <a:extLst>
+              <a:ext uri="{FF2B5EF4-FFF2-40B4-BE49-F238E27FC236}">
+                <a16:creationId xmlns:a16="http://schemas.microsoft.com/office/drawing/2014/main" id="{692C9F8D-73A2-8720-2B5D-FF9608F13159}"/>
+              </a:ext>
+            </a:extLst>
+          </p:cNvPr>
+          <p:cNvSpPr/>
+          <p:nvPr/>
+        </p:nvSpPr>
+        <p:spPr>
+          <a:xfrm>
+            <a:off x="2868449" y="2960189"/>
+            <a:ext cx="1060560" cy="239629"/>
+          </a:xfrm>
+          <a:prstGeom prst="rightArrow">
+            <a:avLst/>
+          </a:prstGeom>
+          <a:solidFill>
+            <a:srgbClr val="0E67ED">
+              <a:lumMod val="40000"/>
+              <a:lumOff val="60000"/>
+            </a:srgbClr>
+          </a:solidFill>
+          <a:ln w="25400" cap="flat" cmpd="sng" algn="ctr">
+            <a:noFill/>
+            <a:prstDash val="solid"/>
+          </a:ln>
+          <a:effectLst/>
+        </p:spPr>
+        <p:txBody>
+          <a:bodyPr rtlCol="0" anchor="ctr"/>
+          <a:lstStyle/>
+          <a:p>
+            <a:pPr algn="ctr" defTabSz="914400">
+              <a:defRPr/>
+            </a:pPr>
+            <a:endParaRPr lang="en-GB" sz="1800" kern="0">
+              <a:solidFill>
+                <a:srgbClr val="000000"/>
+              </a:solidFill>
+              <a:latin typeface="Arial"/>
+            </a:endParaRPr>
+          </a:p>
+        </p:txBody>
+      </p:sp>
+      <p:sp>
+        <p:nvSpPr>
+          <p:cNvPr id="87" name="Arrow: Right 86">
+            <a:extLst>
+              <a:ext uri="{FF2B5EF4-FFF2-40B4-BE49-F238E27FC236}">
+                <a16:creationId xmlns:a16="http://schemas.microsoft.com/office/drawing/2014/main" id="{6A677BB3-CEE2-CAFE-D1E0-42003CDDB2C0}"/>
+              </a:ext>
+            </a:extLst>
+          </p:cNvPr>
+          <p:cNvSpPr/>
+          <p:nvPr/>
+        </p:nvSpPr>
+        <p:spPr>
+          <a:xfrm>
+            <a:off x="2868449" y="4846956"/>
+            <a:ext cx="1060560" cy="239629"/>
+          </a:xfrm>
+          <a:prstGeom prst="rightArrow">
+            <a:avLst/>
+          </a:prstGeom>
+          <a:solidFill>
+            <a:srgbClr val="0E67ED">
+              <a:lumMod val="40000"/>
+              <a:lumOff val="60000"/>
+            </a:srgbClr>
+          </a:solidFill>
+          <a:ln w="25400" cap="flat" cmpd="sng" algn="ctr">
+            <a:noFill/>
+            <a:prstDash val="solid"/>
+          </a:ln>
+          <a:effectLst/>
+        </p:spPr>
+        <p:txBody>
+          <a:bodyPr rtlCol="0" anchor="ctr"/>
+          <a:lstStyle/>
+          <a:p>
+            <a:pPr algn="ctr" defTabSz="914400">
+              <a:defRPr/>
+            </a:pPr>
+            <a:endParaRPr lang="en-GB" sz="1800" kern="0">
+              <a:solidFill>
+                <a:srgbClr val="000000"/>
+              </a:solidFill>
+              <a:latin typeface="Arial"/>
+            </a:endParaRPr>
+          </a:p>
+        </p:txBody>
+      </p:sp>
+      <p:sp>
+        <p:nvSpPr>
+          <p:cNvPr id="88" name="Rectangle: Rounded Corners 87">
+            <a:extLst>
+              <a:ext uri="{FF2B5EF4-FFF2-40B4-BE49-F238E27FC236}">
+                <a16:creationId xmlns:a16="http://schemas.microsoft.com/office/drawing/2014/main" id="{C04C8B19-166C-3B8B-B3C8-D76AAB000552}"/>
+              </a:ext>
+            </a:extLst>
+          </p:cNvPr>
+          <p:cNvSpPr/>
+          <p:nvPr/>
+        </p:nvSpPr>
+        <p:spPr>
+          <a:xfrm>
+            <a:off x="8213919" y="2151543"/>
+            <a:ext cx="3611013" cy="3769783"/>
+          </a:xfrm>
+          <a:prstGeom prst="roundRect">
+            <a:avLst>
+              <a:gd name="adj" fmla="val 1286"/>
+            </a:avLst>
+          </a:prstGeom>
+          <a:solidFill>
+            <a:srgbClr val="02A8EF">
+              <a:lumMod val="20000"/>
+              <a:lumOff val="80000"/>
+            </a:srgbClr>
+          </a:solidFill>
+          <a:ln w="25400" cap="flat" cmpd="sng" algn="ctr">
+            <a:noFill/>
+            <a:prstDash val="solid"/>
+          </a:ln>
+          <a:effectLst/>
+        </p:spPr>
+        <p:txBody>
+          <a:bodyPr rtlCol="0" anchor="ctr"/>
+          <a:lstStyle/>
+          <a:p>
+            <a:pPr algn="ctr" defTabSz="914400">
+              <a:defRPr/>
+            </a:pPr>
+            <a:endParaRPr lang="en-GB" sz="1800" kern="0">
+              <a:solidFill>
+                <a:srgbClr val="000000"/>
+              </a:solidFill>
+              <a:latin typeface="Arial"/>
+            </a:endParaRPr>
+          </a:p>
+        </p:txBody>
+      </p:sp>
+      <p:sp>
+        <p:nvSpPr>
+          <p:cNvPr id="89" name="TextBox 88">
+            <a:extLst>
+              <a:ext uri="{FF2B5EF4-FFF2-40B4-BE49-F238E27FC236}">
+                <a16:creationId xmlns:a16="http://schemas.microsoft.com/office/drawing/2014/main" id="{EF71AA38-A4E2-8C9C-11CC-85ADCC09B141}"/>
+              </a:ext>
+            </a:extLst>
+          </p:cNvPr>
+          <p:cNvSpPr txBox="1"/>
+          <p:nvPr/>
+        </p:nvSpPr>
+        <p:spPr>
+          <a:xfrm>
+            <a:off x="8216276" y="2204335"/>
+            <a:ext cx="2633232" cy="276999"/>
+          </a:xfrm>
+          <a:prstGeom prst="rect">
+            <a:avLst/>
+          </a:prstGeom>
+          <a:noFill/>
+        </p:spPr>
+        <p:txBody>
+          <a:bodyPr wrap="square" rtlCol="0">
+            <a:spAutoFit/>
+          </a:bodyPr>
+          <a:lstStyle/>
+          <a:p>
+            <a:pPr defTabSz="914400">
+              <a:defRPr/>
+            </a:pPr>
+            <a:r>
+              <a:rPr lang="en-GB" sz="1200" b="1" kern="0">
+                <a:solidFill>
+                  <a:srgbClr val="000000">
+                    <a:lumMod val="65000"/>
+                    <a:lumOff val="35000"/>
+                  </a:srgbClr>
+                </a:solidFill>
+                <a:latin typeface="Arial"/>
+              </a:rPr>
+              <a:t>Root Module</a:t>
+            </a:r>
+          </a:p>
+        </p:txBody>
+      </p:sp>
+      <p:sp>
+        <p:nvSpPr>
+          <p:cNvPr id="90" name="Rectangle: Rounded Corners 89">
+            <a:extLst>
+              <a:ext uri="{FF2B5EF4-FFF2-40B4-BE49-F238E27FC236}">
+                <a16:creationId xmlns:a16="http://schemas.microsoft.com/office/drawing/2014/main" id="{4745467A-6959-0C3C-15A5-A6ADC8F49529}"/>
+              </a:ext>
+            </a:extLst>
+          </p:cNvPr>
+          <p:cNvSpPr/>
+          <p:nvPr/>
+        </p:nvSpPr>
+        <p:spPr>
+          <a:xfrm>
+            <a:off x="9320667" y="2834404"/>
+            <a:ext cx="1429693" cy="1132022"/>
+          </a:xfrm>
+          <a:prstGeom prst="roundRect">
+            <a:avLst>
+              <a:gd name="adj" fmla="val 1286"/>
+            </a:avLst>
+          </a:prstGeom>
+          <a:solidFill>
+            <a:srgbClr val="14C6CB">
+              <a:lumMod val="20000"/>
+              <a:lumOff val="80000"/>
+            </a:srgbClr>
+          </a:solidFill>
+          <a:ln w="25400" cap="flat" cmpd="sng" algn="ctr">
+            <a:noFill/>
+            <a:prstDash val="solid"/>
+          </a:ln>
+          <a:effectLst/>
+        </p:spPr>
+        <p:txBody>
+          <a:bodyPr rtlCol="0" anchor="ctr"/>
+          <a:lstStyle/>
+          <a:p>
+            <a:pPr algn="ctr" defTabSz="914400">
+              <a:defRPr/>
+            </a:pPr>
+            <a:endParaRPr lang="en-GB" sz="1800" kern="0">
+              <a:solidFill>
+                <a:srgbClr val="000000"/>
+              </a:solidFill>
+              <a:latin typeface="Arial"/>
+            </a:endParaRPr>
+          </a:p>
+        </p:txBody>
+      </p:sp>
+      <p:pic>
+        <p:nvPicPr>
+          <p:cNvPr id="91" name="Graphic 90">
+            <a:extLst>
+              <a:ext uri="{FF2B5EF4-FFF2-40B4-BE49-F238E27FC236}">
+                <a16:creationId xmlns:a16="http://schemas.microsoft.com/office/drawing/2014/main" id="{9F2E3CBD-6E38-1D51-97E8-996FBC72F1A6}"/>
+              </a:ext>
+            </a:extLst>
+          </p:cNvPr>
+          <p:cNvPicPr>
+            <a:picLocks noChangeAspect="1"/>
+          </p:cNvPicPr>
+          <p:nvPr/>
+        </p:nvPicPr>
+        <p:blipFill>
+          <a:blip r:embed="rId8">
+            <a:extLst>
+              <a:ext uri="{28A0092B-C50C-407E-A947-70E740481C1C}">
+                <a14:useLocalDpi xmlns:a14="http://schemas.microsoft.com/office/drawing/2010/main" val="0"/>
+              </a:ext>
+              <a:ext uri="{96DAC541-7B7A-43D3-8B79-37D633B846F1}">
+                <asvg:svgBlip xmlns:asvg="http://schemas.microsoft.com/office/drawing/2016/SVG/main" r:embed="rId9"/>
+              </a:ext>
+            </a:extLst>
+          </a:blip>
+          <a:stretch>
+            <a:fillRect/>
+          </a:stretch>
+        </p:blipFill>
+        <p:spPr>
+          <a:xfrm>
+            <a:off x="10615838" y="4630312"/>
+            <a:ext cx="763600" cy="763600"/>
+          </a:xfrm>
+          <a:prstGeom prst="rect">
+            <a:avLst/>
+          </a:prstGeom>
+        </p:spPr>
+      </p:pic>
+      <p:pic>
+        <p:nvPicPr>
+          <p:cNvPr id="92" name="Graphic 91">
+            <a:extLst>
+              <a:ext uri="{FF2B5EF4-FFF2-40B4-BE49-F238E27FC236}">
+                <a16:creationId xmlns:a16="http://schemas.microsoft.com/office/drawing/2014/main" id="{FCCC4FC1-A652-0C6F-6275-72543AAC5760}"/>
+              </a:ext>
+            </a:extLst>
+          </p:cNvPr>
+          <p:cNvPicPr>
+            <a:picLocks noChangeAspect="1"/>
+          </p:cNvPicPr>
+          <p:nvPr/>
+        </p:nvPicPr>
+        <p:blipFill>
+          <a:blip r:embed="rId12">
+            <a:extLst>
+              <a:ext uri="{28A0092B-C50C-407E-A947-70E740481C1C}">
+                <a14:useLocalDpi xmlns:a14="http://schemas.microsoft.com/office/drawing/2010/main" val="0"/>
+              </a:ext>
+              <a:ext uri="{96DAC541-7B7A-43D3-8B79-37D633B846F1}">
+                <asvg:svgBlip xmlns:asvg="http://schemas.microsoft.com/office/drawing/2016/SVG/main" r:embed="rId13"/>
+              </a:ext>
+            </a:extLst>
+          </a:blip>
+          <a:stretch>
+            <a:fillRect/>
+          </a:stretch>
+        </p:blipFill>
+        <p:spPr>
+          <a:xfrm>
+            <a:off x="9931152" y="2887548"/>
+            <a:ext cx="220419" cy="220419"/>
+          </a:xfrm>
+          <a:prstGeom prst="rect">
+            <a:avLst/>
+          </a:prstGeom>
+        </p:spPr>
+      </p:pic>
+      <p:pic>
+        <p:nvPicPr>
+          <p:cNvPr id="93" name="Graphic 92">
+            <a:extLst>
+              <a:ext uri="{FF2B5EF4-FFF2-40B4-BE49-F238E27FC236}">
+                <a16:creationId xmlns:a16="http://schemas.microsoft.com/office/drawing/2014/main" id="{EE45723A-D151-1253-89F5-1803F56B2004}"/>
+              </a:ext>
+            </a:extLst>
+          </p:cNvPr>
+          <p:cNvPicPr>
+            <a:picLocks noChangeAspect="1"/>
+          </p:cNvPicPr>
+          <p:nvPr/>
+        </p:nvPicPr>
+        <p:blipFill>
+          <a:blip r:embed="rId10">
+            <a:extLst>
+              <a:ext uri="{28A0092B-C50C-407E-A947-70E740481C1C}">
+                <a14:useLocalDpi xmlns:a14="http://schemas.microsoft.com/office/drawing/2010/main" val="0"/>
+              </a:ext>
+              <a:ext uri="{96DAC541-7B7A-43D3-8B79-37D633B846F1}">
+                <asvg:svgBlip xmlns:asvg="http://schemas.microsoft.com/office/drawing/2016/SVG/main" r:embed="rId11"/>
+              </a:ext>
+            </a:extLst>
+          </a:blip>
+          <a:stretch>
+            <a:fillRect/>
+          </a:stretch>
+        </p:blipFill>
+        <p:spPr>
+          <a:xfrm>
+            <a:off x="9931151" y="3163587"/>
+            <a:ext cx="220420" cy="220420"/>
+          </a:xfrm>
+          <a:prstGeom prst="rect">
+            <a:avLst/>
+          </a:prstGeom>
+        </p:spPr>
+      </p:pic>
+      <p:pic>
+        <p:nvPicPr>
+          <p:cNvPr id="94" name="Graphic 93">
+            <a:extLst>
+              <a:ext uri="{FF2B5EF4-FFF2-40B4-BE49-F238E27FC236}">
+                <a16:creationId xmlns:a16="http://schemas.microsoft.com/office/drawing/2014/main" id="{BACB065D-2F17-AB9B-3438-C202C563A40A}"/>
+              </a:ext>
+            </a:extLst>
+          </p:cNvPr>
+          <p:cNvPicPr>
+            <a:picLocks noChangeAspect="1"/>
+          </p:cNvPicPr>
+          <p:nvPr/>
+        </p:nvPicPr>
+        <p:blipFill>
+          <a:blip r:embed="rId8">
+            <a:extLst>
+              <a:ext uri="{28A0092B-C50C-407E-A947-70E740481C1C}">
+                <a14:useLocalDpi xmlns:a14="http://schemas.microsoft.com/office/drawing/2010/main" val="0"/>
+              </a:ext>
+              <a:ext uri="{96DAC541-7B7A-43D3-8B79-37D633B846F1}">
+                <asvg:svgBlip xmlns:asvg="http://schemas.microsoft.com/office/drawing/2016/SVG/main" r:embed="rId9"/>
+              </a:ext>
+            </a:extLst>
+          </a:blip>
+          <a:stretch>
+            <a:fillRect/>
+          </a:stretch>
+        </p:blipFill>
+        <p:spPr>
+          <a:xfrm>
+            <a:off x="10303507" y="3413282"/>
+            <a:ext cx="232673" cy="232673"/>
+          </a:xfrm>
+          <a:prstGeom prst="rect">
+            <a:avLst/>
+          </a:prstGeom>
+        </p:spPr>
+      </p:pic>
+      <p:pic>
+        <p:nvPicPr>
+          <p:cNvPr id="95" name="Graphic 94">
+            <a:extLst>
+              <a:ext uri="{FF2B5EF4-FFF2-40B4-BE49-F238E27FC236}">
+                <a16:creationId xmlns:a16="http://schemas.microsoft.com/office/drawing/2014/main" id="{978C51D2-8598-2D02-065D-35233C51D215}"/>
+              </a:ext>
+            </a:extLst>
+          </p:cNvPr>
+          <p:cNvPicPr>
+            <a:picLocks noChangeAspect="1"/>
+          </p:cNvPicPr>
+          <p:nvPr/>
+        </p:nvPicPr>
+        <p:blipFill>
+          <a:blip r:embed="rId4">
+            <a:extLst>
+              <a:ext uri="{28A0092B-C50C-407E-A947-70E740481C1C}">
+                <a14:useLocalDpi xmlns:a14="http://schemas.microsoft.com/office/drawing/2010/main" val="0"/>
+              </a:ext>
+              <a:ext uri="{96DAC541-7B7A-43D3-8B79-37D633B846F1}">
+                <asvg:svgBlip xmlns:asvg="http://schemas.microsoft.com/office/drawing/2016/SVG/main" r:embed="rId5"/>
+              </a:ext>
+            </a:extLst>
+          </a:blip>
+          <a:stretch>
+            <a:fillRect/>
+          </a:stretch>
+        </p:blipFill>
+        <p:spPr>
+          <a:xfrm>
+            <a:off x="9562151" y="3425535"/>
+            <a:ext cx="220420" cy="220420"/>
+          </a:xfrm>
+          <a:prstGeom prst="rect">
+            <a:avLst/>
+          </a:prstGeom>
+        </p:spPr>
+      </p:pic>
+      <p:pic>
+        <p:nvPicPr>
+          <p:cNvPr id="96" name="Graphic 95">
+            <a:extLst>
+              <a:ext uri="{FF2B5EF4-FFF2-40B4-BE49-F238E27FC236}">
+                <a16:creationId xmlns:a16="http://schemas.microsoft.com/office/drawing/2014/main" id="{CEA481CB-7B1B-010E-E8E4-9B28226CDDD4}"/>
+              </a:ext>
+            </a:extLst>
+          </p:cNvPr>
+          <p:cNvPicPr>
+            <a:picLocks noChangeAspect="1"/>
+          </p:cNvPicPr>
+          <p:nvPr/>
+        </p:nvPicPr>
+        <p:blipFill>
+          <a:blip r:embed="rId14">
+            <a:extLst>
+              <a:ext uri="{28A0092B-C50C-407E-A947-70E740481C1C}">
+                <a14:useLocalDpi xmlns:a14="http://schemas.microsoft.com/office/drawing/2010/main" val="0"/>
+              </a:ext>
+              <a:ext uri="{96DAC541-7B7A-43D3-8B79-37D633B846F1}">
+                <asvg:svgBlip xmlns:asvg="http://schemas.microsoft.com/office/drawing/2016/SVG/main" r:embed="rId15"/>
+              </a:ext>
+            </a:extLst>
+          </a:blip>
+          <a:stretch>
+            <a:fillRect/>
+          </a:stretch>
+        </p:blipFill>
+        <p:spPr>
+          <a:xfrm>
+            <a:off x="9918832" y="3710061"/>
+            <a:ext cx="245057" cy="245057"/>
+          </a:xfrm>
+          <a:prstGeom prst="rect">
+            <a:avLst/>
+          </a:prstGeom>
+        </p:spPr>
+      </p:pic>
+      <p:pic>
+        <p:nvPicPr>
+          <p:cNvPr id="97" name="Graphic 96" descr="Close with solid fill">
+            <a:extLst>
+              <a:ext uri="{FF2B5EF4-FFF2-40B4-BE49-F238E27FC236}">
+                <a16:creationId xmlns:a16="http://schemas.microsoft.com/office/drawing/2014/main" id="{0F22E573-86CF-8B59-5333-840AC0A52252}"/>
+              </a:ext>
+            </a:extLst>
+          </p:cNvPr>
+          <p:cNvPicPr>
+            <a:picLocks noChangeAspect="1"/>
+          </p:cNvPicPr>
+          <p:nvPr/>
+        </p:nvPicPr>
+        <p:blipFill>
+          <a:blip r:embed="rId16">
+            <a:extLst>
+              <a:ext uri="{28A0092B-C50C-407E-A947-70E740481C1C}">
+                <a14:useLocalDpi xmlns:a14="http://schemas.microsoft.com/office/drawing/2010/main" val="0"/>
+              </a:ext>
+              <a:ext uri="{96DAC541-7B7A-43D3-8B79-37D633B846F1}">
+                <asvg:svgBlip xmlns:asvg="http://schemas.microsoft.com/office/drawing/2016/SVG/main" r:embed="rId17"/>
+              </a:ext>
+            </a:extLst>
+          </a:blip>
+          <a:stretch>
+            <a:fillRect/>
+          </a:stretch>
+        </p:blipFill>
+        <p:spPr>
+          <a:xfrm>
+            <a:off x="10476406" y="4506067"/>
+            <a:ext cx="1042463" cy="1042463"/>
+          </a:xfrm>
+          <a:prstGeom prst="rect">
+            <a:avLst/>
+          </a:prstGeom>
+        </p:spPr>
+      </p:pic>
+      <p:pic>
+        <p:nvPicPr>
+          <p:cNvPr id="98" name="Graphic 97" descr="Checkmark with solid fill">
+            <a:extLst>
+              <a:ext uri="{FF2B5EF4-FFF2-40B4-BE49-F238E27FC236}">
+                <a16:creationId xmlns:a16="http://schemas.microsoft.com/office/drawing/2014/main" id="{5D47653C-F03C-8B97-0D51-F00E9DBDEF0E}"/>
+              </a:ext>
+            </a:extLst>
+          </p:cNvPr>
+          <p:cNvPicPr>
+            <a:picLocks noChangeAspect="1"/>
+          </p:cNvPicPr>
+          <p:nvPr/>
+        </p:nvPicPr>
+        <p:blipFill>
+          <a:blip r:embed="rId18">
+            <a:extLst>
+              <a:ext uri="{28A0092B-C50C-407E-A947-70E740481C1C}">
+                <a14:useLocalDpi xmlns:a14="http://schemas.microsoft.com/office/drawing/2010/main" val="0"/>
+              </a:ext>
+              <a:ext uri="{96DAC541-7B7A-43D3-8B79-37D633B846F1}">
+                <asvg:svgBlip xmlns:asvg="http://schemas.microsoft.com/office/drawing/2016/SVG/main" r:embed="rId19"/>
+              </a:ext>
+            </a:extLst>
+          </a:blip>
+          <a:stretch>
+            <a:fillRect/>
+          </a:stretch>
+        </p:blipFill>
+        <p:spPr>
+          <a:xfrm>
+            <a:off x="9627547" y="2968183"/>
+            <a:ext cx="880479" cy="880479"/>
+          </a:xfrm>
+          <a:prstGeom prst="rect">
+            <a:avLst/>
+          </a:prstGeom>
+        </p:spPr>
+      </p:pic>
+      <p:sp>
+        <p:nvSpPr>
+          <p:cNvPr id="99" name="Arrow: Right 98">
+            <a:extLst>
+              <a:ext uri="{FF2B5EF4-FFF2-40B4-BE49-F238E27FC236}">
+                <a16:creationId xmlns:a16="http://schemas.microsoft.com/office/drawing/2014/main" id="{3C6C491D-B7C0-2549-5262-3674000191AA}"/>
+              </a:ext>
+            </a:extLst>
+          </p:cNvPr>
+          <p:cNvSpPr/>
+          <p:nvPr/>
+        </p:nvSpPr>
+        <p:spPr>
+          <a:xfrm>
+            <a:off x="7691259" y="3823818"/>
+            <a:ext cx="428706" cy="239629"/>
+          </a:xfrm>
+          <a:prstGeom prst="rightArrow">
+            <a:avLst/>
+          </a:prstGeom>
+          <a:solidFill>
+            <a:srgbClr val="00CA8E">
+              <a:lumMod val="20000"/>
+              <a:lumOff val="80000"/>
+            </a:srgbClr>
+          </a:solidFill>
+          <a:ln w="25400" cap="flat" cmpd="sng" algn="ctr">
+            <a:noFill/>
+            <a:prstDash val="solid"/>
+          </a:ln>
+          <a:effectLst/>
+        </p:spPr>
+        <p:txBody>
+          <a:bodyPr rtlCol="0" anchor="ctr"/>
+          <a:lstStyle/>
+          <a:p>
+            <a:pPr algn="ctr" defTabSz="914400">
+              <a:defRPr/>
+            </a:pPr>
+            <a:endParaRPr lang="en-GB" sz="1800" kern="0">
+              <a:solidFill>
+                <a:srgbClr val="000000"/>
+              </a:solidFill>
+              <a:latin typeface="Arial"/>
+            </a:endParaRPr>
+          </a:p>
+        </p:txBody>
+      </p:sp>
+      <p:sp>
+        <p:nvSpPr>
+          <p:cNvPr id="100" name="Rectangle: Rounded Corners 99">
+            <a:extLst>
+              <a:ext uri="{FF2B5EF4-FFF2-40B4-BE49-F238E27FC236}">
+                <a16:creationId xmlns:a16="http://schemas.microsoft.com/office/drawing/2014/main" id="{7A59365A-CB35-4E16-7D15-9653BE24F813}"/>
+              </a:ext>
+            </a:extLst>
+          </p:cNvPr>
+          <p:cNvSpPr/>
+          <p:nvPr/>
+        </p:nvSpPr>
+        <p:spPr>
+          <a:xfrm>
+            <a:off x="8781839" y="4634542"/>
+            <a:ext cx="988434" cy="859050"/>
+          </a:xfrm>
+          <a:prstGeom prst="roundRect">
+            <a:avLst>
+              <a:gd name="adj" fmla="val 1286"/>
+            </a:avLst>
+          </a:prstGeom>
+          <a:solidFill>
+            <a:srgbClr val="0E67ED">
+              <a:lumMod val="40000"/>
+              <a:lumOff val="60000"/>
+            </a:srgbClr>
+          </a:solidFill>
+          <a:ln w="25400" cap="flat" cmpd="sng" algn="ctr">
+            <a:noFill/>
+            <a:prstDash val="solid"/>
+          </a:ln>
+          <a:effectLst/>
+        </p:spPr>
+        <p:txBody>
+          <a:bodyPr rtlCol="0" anchor="ctr"/>
+          <a:lstStyle/>
+          <a:p>
+            <a:pPr algn="ctr" defTabSz="914400">
+              <a:defRPr/>
+            </a:pPr>
+            <a:endParaRPr lang="en-GB" sz="1800" kern="0">
+              <a:solidFill>
+                <a:srgbClr val="000000"/>
+              </a:solidFill>
+              <a:latin typeface="Arial"/>
+            </a:endParaRPr>
+          </a:p>
+        </p:txBody>
+      </p:sp>
+      <p:pic>
+        <p:nvPicPr>
+          <p:cNvPr id="101" name="Graphic 100">
+            <a:extLst>
+              <a:ext uri="{FF2B5EF4-FFF2-40B4-BE49-F238E27FC236}">
+                <a16:creationId xmlns:a16="http://schemas.microsoft.com/office/drawing/2014/main" id="{31BBAD2C-016C-0A57-3B1D-C2FE2F99E425}"/>
+              </a:ext>
+            </a:extLst>
+          </p:cNvPr>
+          <p:cNvPicPr>
+            <a:picLocks noChangeAspect="1"/>
+          </p:cNvPicPr>
+          <p:nvPr/>
+        </p:nvPicPr>
+        <p:blipFill>
+          <a:blip r:embed="rId8">
+            <a:extLst>
+              <a:ext uri="{28A0092B-C50C-407E-A947-70E740481C1C}">
+                <a14:useLocalDpi xmlns:a14="http://schemas.microsoft.com/office/drawing/2010/main" val="0"/>
+              </a:ext>
+              <a:ext uri="{96DAC541-7B7A-43D3-8B79-37D633B846F1}">
+                <asvg:svgBlip xmlns:asvg="http://schemas.microsoft.com/office/drawing/2016/SVG/main" r:embed="rId9"/>
+              </a:ext>
+            </a:extLst>
+          </a:blip>
+          <a:stretch>
+            <a:fillRect/>
+          </a:stretch>
+        </p:blipFill>
+        <p:spPr>
+          <a:xfrm>
+            <a:off x="8888946" y="4665126"/>
+            <a:ext cx="763600" cy="763600"/>
+          </a:xfrm>
+          <a:prstGeom prst="rect">
+            <a:avLst/>
+          </a:prstGeom>
+        </p:spPr>
+      </p:pic>
+      <p:pic>
+        <p:nvPicPr>
+          <p:cNvPr id="102" name="Graphic 101" descr="Close with solid fill">
+            <a:extLst>
+              <a:ext uri="{FF2B5EF4-FFF2-40B4-BE49-F238E27FC236}">
+                <a16:creationId xmlns:a16="http://schemas.microsoft.com/office/drawing/2014/main" id="{FB4C60E2-5F4C-F069-B291-2FD9E060D905}"/>
+              </a:ext>
+            </a:extLst>
+          </p:cNvPr>
+          <p:cNvPicPr>
+            <a:picLocks noChangeAspect="1"/>
+          </p:cNvPicPr>
+          <p:nvPr/>
+        </p:nvPicPr>
+        <p:blipFill>
+          <a:blip r:embed="rId16">
+            <a:extLst>
+              <a:ext uri="{28A0092B-C50C-407E-A947-70E740481C1C}">
+                <a14:useLocalDpi xmlns:a14="http://schemas.microsoft.com/office/drawing/2010/main" val="0"/>
+              </a:ext>
+              <a:ext uri="{96DAC541-7B7A-43D3-8B79-37D633B846F1}">
+                <asvg:svgBlip xmlns:asvg="http://schemas.microsoft.com/office/drawing/2016/SVG/main" r:embed="rId17"/>
+              </a:ext>
+            </a:extLst>
+          </a:blip>
+          <a:stretch>
+            <a:fillRect/>
+          </a:stretch>
+        </p:blipFill>
+        <p:spPr>
+          <a:xfrm>
+            <a:off x="8740108" y="4542835"/>
+            <a:ext cx="1042463" cy="1042463"/>
+          </a:xfrm>
+          <a:prstGeom prst="rect">
+            <a:avLst/>
+          </a:prstGeom>
+        </p:spPr>
+      </p:pic>
+      <p:sp>
+        <p:nvSpPr>
+          <p:cNvPr id="103" name="TextBox 102">
+            <a:extLst>
+              <a:ext uri="{FF2B5EF4-FFF2-40B4-BE49-F238E27FC236}">
+                <a16:creationId xmlns:a16="http://schemas.microsoft.com/office/drawing/2014/main" id="{8537AF17-DFA4-E544-813A-14F049259E4C}"/>
+              </a:ext>
+            </a:extLst>
+          </p:cNvPr>
+          <p:cNvSpPr txBox="1"/>
+          <p:nvPr/>
+        </p:nvSpPr>
+        <p:spPr>
+          <a:xfrm>
+            <a:off x="8538076" y="5510963"/>
+            <a:ext cx="1465339" cy="215444"/>
+          </a:xfrm>
+          <a:prstGeom prst="rect">
+            <a:avLst/>
+          </a:prstGeom>
+          <a:noFill/>
+        </p:spPr>
+        <p:txBody>
+          <a:bodyPr wrap="square" rtlCol="0">
+            <a:spAutoFit/>
+          </a:bodyPr>
+          <a:lstStyle/>
+          <a:p>
+            <a:pPr algn="ctr" defTabSz="914400">
+              <a:defRPr/>
+            </a:pPr>
+            <a:r>
+              <a:rPr lang="en-GB" sz="800" kern="0">
+                <a:solidFill>
+                  <a:srgbClr val="000000"/>
+                </a:solidFill>
+                <a:latin typeface="Arial"/>
+              </a:rPr>
+              <a:t>Resource Module</a:t>
+            </a:r>
+          </a:p>
+        </p:txBody>
+      </p:sp>
+      <p:sp>
+        <p:nvSpPr>
+          <p:cNvPr id="104" name="TextBox 103">
+            <a:extLst>
+              <a:ext uri="{FF2B5EF4-FFF2-40B4-BE49-F238E27FC236}">
+                <a16:creationId xmlns:a16="http://schemas.microsoft.com/office/drawing/2014/main" id="{90442E3D-CC80-24E2-CA3D-8F0A505321EA}"/>
+              </a:ext>
+            </a:extLst>
+          </p:cNvPr>
+          <p:cNvSpPr txBox="1"/>
+          <p:nvPr/>
+        </p:nvSpPr>
+        <p:spPr>
+          <a:xfrm>
+            <a:off x="10250800" y="5499171"/>
+            <a:ext cx="1465339" cy="215444"/>
+          </a:xfrm>
+          <a:prstGeom prst="rect">
+            <a:avLst/>
+          </a:prstGeom>
+          <a:noFill/>
+        </p:spPr>
+        <p:txBody>
+          <a:bodyPr wrap="square" rtlCol="0">
+            <a:spAutoFit/>
+          </a:bodyPr>
+          <a:lstStyle/>
+          <a:p>
+            <a:pPr algn="ctr" defTabSz="914400">
+              <a:defRPr/>
+            </a:pPr>
+            <a:r>
+              <a:rPr lang="en-GB" sz="800" kern="0">
+                <a:solidFill>
+                  <a:srgbClr val="000000"/>
+                </a:solidFill>
+                <a:latin typeface="Arial"/>
+              </a:rPr>
+              <a:t>Provider Resource</a:t>
+            </a:r>
+          </a:p>
+        </p:txBody>
+      </p:sp>
+      <p:sp>
+        <p:nvSpPr>
+          <p:cNvPr id="105" name="TextBox 104">
+            <a:extLst>
+              <a:ext uri="{FF2B5EF4-FFF2-40B4-BE49-F238E27FC236}">
+                <a16:creationId xmlns:a16="http://schemas.microsoft.com/office/drawing/2014/main" id="{9F3B7129-7FCC-7466-9C71-61EA066F67EC}"/>
+              </a:ext>
+            </a:extLst>
+          </p:cNvPr>
+          <p:cNvSpPr txBox="1"/>
+          <p:nvPr/>
+        </p:nvSpPr>
+        <p:spPr>
+          <a:xfrm>
+            <a:off x="9335116" y="4002419"/>
+            <a:ext cx="1465339" cy="215444"/>
+          </a:xfrm>
+          <a:prstGeom prst="rect">
+            <a:avLst/>
+          </a:prstGeom>
+          <a:noFill/>
+        </p:spPr>
+        <p:txBody>
+          <a:bodyPr wrap="square" rtlCol="0">
+            <a:spAutoFit/>
+          </a:bodyPr>
+          <a:lstStyle/>
+          <a:p>
+            <a:pPr algn="ctr" defTabSz="914400">
+              <a:defRPr/>
+            </a:pPr>
+            <a:r>
+              <a:rPr lang="en-GB" sz="800" kern="0">
+                <a:solidFill>
+                  <a:srgbClr val="000000"/>
+                </a:solidFill>
+                <a:latin typeface="Arial"/>
+              </a:rPr>
+              <a:t>Stack Module</a:t>
+            </a:r>
+          </a:p>
+        </p:txBody>
+      </p:sp>
+    </p:spTree>
+    <p:extLst>
+      <p:ext uri="{BB962C8B-B14F-4D97-AF65-F5344CB8AC3E}">
+        <p14:creationId xmlns:p14="http://schemas.microsoft.com/office/powerpoint/2010/main" val="318817899"/>
+      </p:ext>
+    </p:extLst>
+  </p:cSld>
+  <p:clrMapOvr>
+    <a:masterClrMapping/>
+  </p:clrMapOvr>
+  <p:transition>
+    <p:fade/>
+  </p:transition>
+</p:sld>
+</file>
+
+<file path=ppt/slides/slide15.xml><?xml version="1.0" encoding="utf-8"?>
+<p:sld xmlns:a="http://schemas.openxmlformats.org/drawingml/2006/main" xmlns:r="http://schemas.openxmlformats.org/officeDocument/2006/relationships" xmlns:p="http://schemas.openxmlformats.org/presentationml/2006/main">
+  <p:cSld>
+    <p:spTree>
+      <p:nvGrpSpPr>
+        <p:cNvPr id="1" name=""/>
+        <p:cNvGrpSpPr/>
+        <p:nvPr/>
+      </p:nvGrpSpPr>
+      <p:grpSpPr>
+        <a:xfrm>
+          <a:off x="0" y="0"/>
+          <a:ext cx="0" cy="0"/>
+          <a:chOff x="0" y="0"/>
+          <a:chExt cx="0" cy="0"/>
+        </a:xfrm>
+      </p:grpSpPr>
+      <p:sp>
+        <p:nvSpPr>
+          <p:cNvPr id="2" name="Title 1">
+            <a:extLst>
+              <a:ext uri="{FF2B5EF4-FFF2-40B4-BE49-F238E27FC236}">
+                <a16:creationId xmlns:a16="http://schemas.microsoft.com/office/drawing/2014/main" id="{FA9756A9-B3AC-137A-EBA0-2486C5847336}"/>
+              </a:ext>
+            </a:extLst>
+          </p:cNvPr>
+          <p:cNvSpPr>
+            <a:spLocks noGrp="1"/>
+          </p:cNvSpPr>
+          <p:nvPr>
+            <p:ph type="title"/>
+          </p:nvPr>
+        </p:nvSpPr>
+        <p:spPr/>
+        <p:txBody>
+          <a:bodyPr/>
+          <a:lstStyle/>
+          <a:p>
+            <a:r>
+              <a:rPr lang="en-GB" dirty="0"/>
+              <a:t>Private Module Sharing Options</a:t>
+            </a:r>
+          </a:p>
+        </p:txBody>
+      </p:sp>
+      <p:sp>
+        <p:nvSpPr>
+          <p:cNvPr id="3" name="Text Placeholder 2">
+            <a:extLst>
+              <a:ext uri="{FF2B5EF4-FFF2-40B4-BE49-F238E27FC236}">
+                <a16:creationId xmlns:a16="http://schemas.microsoft.com/office/drawing/2014/main" id="{AF191084-8203-D029-31A1-08F18BCF267E}"/>
+              </a:ext>
+            </a:extLst>
+          </p:cNvPr>
+          <p:cNvSpPr>
+            <a:spLocks noGrp="1"/>
+          </p:cNvSpPr>
+          <p:nvPr>
+            <p:ph type="body" sz="quarter" idx="16"/>
+          </p:nvPr>
+        </p:nvSpPr>
+        <p:spPr/>
+        <p:txBody>
+          <a:bodyPr/>
+          <a:lstStyle/>
+          <a:p>
+            <a:r>
+              <a:rPr lang="en-GB" dirty="0"/>
+              <a:t>git repository </a:t>
+            </a:r>
+          </a:p>
+        </p:txBody>
+      </p:sp>
+      <p:sp>
+        <p:nvSpPr>
+          <p:cNvPr id="6" name="Text Placeholder 5">
+            <a:extLst>
+              <a:ext uri="{FF2B5EF4-FFF2-40B4-BE49-F238E27FC236}">
+                <a16:creationId xmlns:a16="http://schemas.microsoft.com/office/drawing/2014/main" id="{FFFBFCDD-98AF-F654-04B7-70D921FF34B5}"/>
+              </a:ext>
+            </a:extLst>
+          </p:cNvPr>
+          <p:cNvSpPr>
+            <a:spLocks noGrp="1"/>
+          </p:cNvSpPr>
+          <p:nvPr>
+            <p:ph type="body" sz="quarter" idx="15"/>
+          </p:nvPr>
+        </p:nvSpPr>
+        <p:spPr/>
+        <p:txBody>
+          <a:bodyPr/>
+          <a:lstStyle/>
+          <a:p>
+            <a:r>
+              <a:rPr lang="en-GB" dirty="0"/>
+              <a:t>Serve a zip or tar</a:t>
+            </a:r>
+          </a:p>
+          <a:p>
+            <a:r>
+              <a:rPr lang="en-GB" dirty="0"/>
+              <a:t>Versioning would require custom coding</a:t>
+            </a:r>
+          </a:p>
+          <a:p>
+            <a:r>
+              <a:rPr lang="en-GB" dirty="0"/>
+              <a:t>Authentication would be custom and basic</a:t>
+            </a:r>
+          </a:p>
+          <a:p>
+            <a:r>
+              <a:rPr lang="en-GB" dirty="0"/>
+              <a:t>Documentation separate</a:t>
+            </a:r>
+          </a:p>
+        </p:txBody>
+      </p:sp>
+      <p:sp>
+        <p:nvSpPr>
+          <p:cNvPr id="4" name="Text Placeholder 3">
+            <a:extLst>
+              <a:ext uri="{FF2B5EF4-FFF2-40B4-BE49-F238E27FC236}">
+                <a16:creationId xmlns:a16="http://schemas.microsoft.com/office/drawing/2014/main" id="{3345E8A2-7CB4-5233-9364-D47684BEBA91}"/>
+              </a:ext>
+            </a:extLst>
+          </p:cNvPr>
+          <p:cNvSpPr>
+            <a:spLocks noGrp="1"/>
+          </p:cNvSpPr>
+          <p:nvPr>
+            <p:ph type="body" sz="quarter" idx="14"/>
+          </p:nvPr>
+        </p:nvSpPr>
+        <p:spPr/>
+        <p:txBody>
+          <a:bodyPr/>
+          <a:lstStyle/>
+          <a:p>
+            <a:r>
+              <a:rPr lang="en-GB" dirty="0"/>
+              <a:t>Can be public or private</a:t>
+            </a:r>
+          </a:p>
+          <a:p>
+            <a:r>
+              <a:rPr lang="en-GB" dirty="0"/>
+              <a:t>Private requires an access token</a:t>
+            </a:r>
+          </a:p>
+          <a:p>
+            <a:r>
+              <a:rPr lang="en-GB" dirty="0"/>
+              <a:t>Versioning is static via `ref` on </a:t>
+            </a:r>
+            <a:r>
+              <a:rPr lang="en-GB" dirty="0" err="1"/>
+              <a:t>url</a:t>
+            </a:r>
+            <a:endParaRPr lang="en-GB" dirty="0"/>
+          </a:p>
+          <a:p>
+            <a:r>
+              <a:rPr lang="en-GB" dirty="0"/>
+              <a:t>Documentation in read me</a:t>
+            </a:r>
+          </a:p>
+        </p:txBody>
+      </p:sp>
+      <p:sp>
+        <p:nvSpPr>
+          <p:cNvPr id="7" name="Text Placeholder 6">
+            <a:extLst>
+              <a:ext uri="{FF2B5EF4-FFF2-40B4-BE49-F238E27FC236}">
+                <a16:creationId xmlns:a16="http://schemas.microsoft.com/office/drawing/2014/main" id="{E55CB605-CAF6-A9E5-6E1C-6960AC62BB2F}"/>
+              </a:ext>
+            </a:extLst>
+          </p:cNvPr>
+          <p:cNvSpPr>
+            <a:spLocks noGrp="1"/>
+          </p:cNvSpPr>
+          <p:nvPr>
+            <p:ph type="body" sz="quarter" idx="18"/>
+          </p:nvPr>
+        </p:nvSpPr>
+        <p:spPr/>
+        <p:txBody>
+          <a:bodyPr/>
+          <a:lstStyle/>
+          <a:p>
+            <a:r>
+              <a:rPr lang="en-GB" dirty="0"/>
+              <a:t>cloud blob storage</a:t>
+            </a:r>
+          </a:p>
+        </p:txBody>
+      </p:sp>
+      <p:sp>
+        <p:nvSpPr>
+          <p:cNvPr id="5" name="Text Placeholder 4">
+            <a:extLst>
+              <a:ext uri="{FF2B5EF4-FFF2-40B4-BE49-F238E27FC236}">
+                <a16:creationId xmlns:a16="http://schemas.microsoft.com/office/drawing/2014/main" id="{0F4A8B61-1745-5A1A-17E3-60E8B52E6028}"/>
+              </a:ext>
+            </a:extLst>
+          </p:cNvPr>
+          <p:cNvSpPr>
+            <a:spLocks noGrp="1"/>
+          </p:cNvSpPr>
+          <p:nvPr>
+            <p:ph type="body" sz="quarter" idx="17"/>
+          </p:nvPr>
+        </p:nvSpPr>
+        <p:spPr/>
+        <p:txBody>
+          <a:bodyPr/>
+          <a:lstStyle/>
+          <a:p>
+            <a:r>
+              <a:rPr lang="en-GB" dirty="0"/>
+              <a:t>http server</a:t>
+            </a:r>
+          </a:p>
+        </p:txBody>
+      </p:sp>
+      <p:sp>
+        <p:nvSpPr>
+          <p:cNvPr id="8" name="Text Placeholder 7">
+            <a:extLst>
+              <a:ext uri="{FF2B5EF4-FFF2-40B4-BE49-F238E27FC236}">
+                <a16:creationId xmlns:a16="http://schemas.microsoft.com/office/drawing/2014/main" id="{032CD120-132A-1091-86AD-A2A7C036B618}"/>
+              </a:ext>
+            </a:extLst>
+          </p:cNvPr>
+          <p:cNvSpPr>
+            <a:spLocks noGrp="1"/>
+          </p:cNvSpPr>
+          <p:nvPr>
+            <p:ph type="body" sz="quarter" idx="19"/>
+          </p:nvPr>
+        </p:nvSpPr>
+        <p:spPr/>
+        <p:txBody>
+          <a:bodyPr/>
+          <a:lstStyle/>
+          <a:p>
+            <a:r>
+              <a:rPr lang="en-GB" dirty="0"/>
+              <a:t>Only supports AWS and GCP</a:t>
+            </a:r>
+          </a:p>
+          <a:p>
+            <a:r>
+              <a:rPr lang="en-GB" dirty="0"/>
+              <a:t>Versioning static via </a:t>
+            </a:r>
+            <a:r>
+              <a:rPr lang="en-GB" dirty="0" err="1"/>
+              <a:t>url</a:t>
+            </a:r>
+            <a:endParaRPr lang="en-GB" dirty="0"/>
+          </a:p>
+          <a:p>
+            <a:r>
+              <a:rPr lang="en-GB" dirty="0"/>
+              <a:t>Token / credentials required</a:t>
+            </a:r>
+          </a:p>
+          <a:p>
+            <a:r>
+              <a:rPr lang="en-GB" dirty="0"/>
+              <a:t>Documentation separate</a:t>
+            </a:r>
+          </a:p>
+        </p:txBody>
+      </p:sp>
+      <p:sp>
+        <p:nvSpPr>
+          <p:cNvPr id="9" name="Text Placeholder 8">
+            <a:extLst>
+              <a:ext uri="{FF2B5EF4-FFF2-40B4-BE49-F238E27FC236}">
+                <a16:creationId xmlns:a16="http://schemas.microsoft.com/office/drawing/2014/main" id="{2E017770-1B1D-B7E3-0EE8-F085A0DF1D3D}"/>
+              </a:ext>
+            </a:extLst>
+          </p:cNvPr>
+          <p:cNvSpPr>
+            <a:spLocks noGrp="1"/>
+          </p:cNvSpPr>
+          <p:nvPr>
+            <p:ph type="body" sz="quarter" idx="20"/>
+          </p:nvPr>
+        </p:nvSpPr>
+        <p:spPr/>
+        <p:txBody>
+          <a:bodyPr/>
+          <a:lstStyle/>
+          <a:p>
+            <a:r>
+              <a:rPr lang="en-GB" dirty="0"/>
+              <a:t>private registry in Terraform Cloud / Ent</a:t>
+            </a:r>
+          </a:p>
+        </p:txBody>
+      </p:sp>
+      <p:sp>
+        <p:nvSpPr>
+          <p:cNvPr id="10" name="Text Placeholder 9">
+            <a:extLst>
+              <a:ext uri="{FF2B5EF4-FFF2-40B4-BE49-F238E27FC236}">
+                <a16:creationId xmlns:a16="http://schemas.microsoft.com/office/drawing/2014/main" id="{32F7FFF1-306D-F9C3-2763-A8B85C95903B}"/>
+              </a:ext>
+            </a:extLst>
+          </p:cNvPr>
+          <p:cNvSpPr>
+            <a:spLocks noGrp="1"/>
+          </p:cNvSpPr>
+          <p:nvPr>
+            <p:ph type="body" sz="quarter" idx="21"/>
+          </p:nvPr>
+        </p:nvSpPr>
+        <p:spPr/>
+        <p:txBody>
+          <a:bodyPr/>
+          <a:lstStyle/>
+          <a:p>
+            <a:r>
+              <a:rPr lang="en-GB" dirty="0"/>
+              <a:t>Authentication built in</a:t>
+            </a:r>
+          </a:p>
+          <a:p>
+            <a:r>
+              <a:rPr lang="en-GB" dirty="0"/>
+              <a:t>Dynamic versioning via `version` attribute</a:t>
+            </a:r>
+          </a:p>
+          <a:p>
+            <a:r>
+              <a:rPr lang="en-GB" dirty="0"/>
+              <a:t>Documentation in registry</a:t>
+            </a:r>
+          </a:p>
+          <a:p>
+            <a:r>
+              <a:rPr lang="en-GB" dirty="0"/>
+              <a:t>Supports providers</a:t>
+            </a:r>
+          </a:p>
+          <a:p>
+            <a:r>
+              <a:rPr lang="en-GB" dirty="0"/>
+              <a:t>Supports </a:t>
+            </a:r>
+            <a:r>
+              <a:rPr lang="en-GB" dirty="0" err="1"/>
+              <a:t>authz</a:t>
+            </a:r>
+            <a:r>
+              <a:rPr lang="en-GB" dirty="0"/>
+              <a:t> for admins</a:t>
+            </a:r>
+          </a:p>
+        </p:txBody>
+      </p:sp>
+    </p:spTree>
+    <p:extLst>
+      <p:ext uri="{BB962C8B-B14F-4D97-AF65-F5344CB8AC3E}">
+        <p14:creationId xmlns:p14="http://schemas.microsoft.com/office/powerpoint/2010/main" val="748233185"/>
+      </p:ext>
+    </p:extLst>
+  </p:cSld>
+  <p:clrMapOvr>
+    <a:masterClrMapping/>
+  </p:clrMapOvr>
+  <p:transition>
+    <p:fade/>
+  </p:transition>
+</p:sld>
+</file>
+
+<file path=ppt/slides/slide16.xml><?xml version="1.0" encoding="utf-8"?>
 <p:sld xmlns:a="http://schemas.openxmlformats.org/drawingml/2006/main" xmlns:r="http://schemas.openxmlformats.org/officeDocument/2006/relationships" xmlns:p="http://schemas.openxmlformats.org/presentationml/2006/main">
   <p:cSld>
     <p:spTree>
@@ -21043,7 +25040,7 @@
 </p:sld>
 </file>
 
-<file path=ppt/slides/slide14.xml><?xml version="1.0" encoding="utf-8"?>
+<file path=ppt/slides/slide17.xml><?xml version="1.0" encoding="utf-8"?>
 <p:sld xmlns:a="http://schemas.openxmlformats.org/drawingml/2006/main" xmlns:r="http://schemas.openxmlformats.org/officeDocument/2006/relationships" xmlns:p="http://schemas.openxmlformats.org/presentationml/2006/main">
   <p:cSld>
     <p:spTree>
@@ -21065,7 +25062,7 @@
           <p:cNvPr id="2" name="Title 1">
             <a:extLst>
               <a:ext uri="{FF2B5EF4-FFF2-40B4-BE49-F238E27FC236}">
-                <a16:creationId xmlns:a16="http://schemas.microsoft.com/office/drawing/2014/main" id="{B142296C-0D08-8F19-722F-0118B7234BEC}"/>
+                <a16:creationId xmlns:a16="http://schemas.microsoft.com/office/drawing/2014/main" id="{FA9756A9-B3AC-137A-EBA0-2486C5847336}"/>
               </a:ext>
             </a:extLst>
           </p:cNvPr>
@@ -21083,17 +25080,17 @@
           <a:p>
             <a:r>
               <a:rPr lang="en-GB" dirty="0"/>
-              <a:t>Other ways to reference modules</a:t>
+              <a:t>Public Modules and Providers</a:t>
             </a:r>
           </a:p>
         </p:txBody>
       </p:sp>
       <p:sp>
         <p:nvSpPr>
-          <p:cNvPr id="5" name="Text Placeholder 4">
+          <p:cNvPr id="4" name="Text Placeholder 3">
             <a:extLst>
               <a:ext uri="{FF2B5EF4-FFF2-40B4-BE49-F238E27FC236}">
-                <a16:creationId xmlns:a16="http://schemas.microsoft.com/office/drawing/2014/main" id="{43815E4F-6671-D3FE-E9F1-BC54119EB8C3}"/>
+                <a16:creationId xmlns:a16="http://schemas.microsoft.com/office/drawing/2014/main" id="{3345E8A2-7CB4-5233-9364-D47684BEBA91}"/>
               </a:ext>
             </a:extLst>
           </p:cNvPr>
@@ -21101,46 +25098,35 @@
             <a:spLocks noGrp="1"/>
           </p:cNvSpPr>
           <p:nvPr>
-            <p:ph type="body" sz="quarter" idx="10"/>
+            <p:ph sz="quarter" idx="10"/>
           </p:nvPr>
         </p:nvSpPr>
         <p:spPr>
           <a:xfrm>
-            <a:off x="586390" y="1434370"/>
-            <a:ext cx="11018520" cy="3976473"/>
+            <a:off x="584200" y="1435100"/>
+            <a:ext cx="11018838" cy="1982081"/>
           </a:xfrm>
         </p:spPr>
         <p:txBody>
           <a:bodyPr/>
           <a:lstStyle/>
           <a:p>
+            <a:pPr marL="0" indent="0">
+              <a:buNone/>
+            </a:pPr>
+            <a:r>
+              <a:rPr lang="en-GB" dirty="0"/>
+              <a:t>Terraform public registry</a:t>
+            </a:r>
+          </a:p>
+          <a:p>
             <a:pPr marL="457200" indent="-457200">
               <a:buFont typeface="Arial" panose="020B0604020202020204" pitchFamily="34" charset="0"/>
               <a:buChar char="•"/>
             </a:pPr>
             <a:r>
               <a:rPr lang="en-GB" dirty="0"/>
-              <a:t>Git repository</a:t>
-            </a:r>
-          </a:p>
-          <a:p>
-            <a:pPr marL="685800" lvl="1" indent="-457200">
-              <a:buFont typeface="Arial" panose="020B0604020202020204" pitchFamily="34" charset="0"/>
-              <a:buChar char="•"/>
-            </a:pPr>
-            <a:r>
-              <a:rPr lang="en-GB" dirty="0"/>
-              <a:t>Public</a:t>
-            </a:r>
-          </a:p>
-          <a:p>
-            <a:pPr marL="685800" lvl="1" indent="-457200">
-              <a:buFont typeface="Arial" panose="020B0604020202020204" pitchFamily="34" charset="0"/>
-              <a:buChar char="•"/>
-            </a:pPr>
-            <a:r>
-              <a:rPr lang="en-GB" dirty="0"/>
-              <a:t>Private (requires authentication token)</a:t>
+              <a:t>Curated by Microsoft</a:t>
             </a:r>
           </a:p>
           <a:p>
@@ -21150,17 +25136,7 @@
             </a:pPr>
             <a:r>
               <a:rPr lang="en-GB" dirty="0"/>
-              <a:t>HTTP Server</a:t>
-            </a:r>
-          </a:p>
-          <a:p>
-            <a:pPr marL="685800" lvl="1" indent="-457200">
-              <a:buFont typeface="Arial" panose="020B0604020202020204" pitchFamily="34" charset="0"/>
-              <a:buChar char="•"/>
-            </a:pPr>
-            <a:r>
-              <a:rPr lang="en-GB" dirty="0"/>
-              <a:t>Stored as zip  / tar</a:t>
+              <a:t>Reusable best practice</a:t>
             </a:r>
           </a:p>
           <a:p>
@@ -21170,42 +25146,150 @@
             </a:pPr>
             <a:r>
               <a:rPr lang="en-GB" dirty="0"/>
-              <a:t>Cloud blob storage</a:t>
-            </a:r>
-          </a:p>
-          <a:p>
-            <a:pPr marL="457200" indent="-457200">
-              <a:buFont typeface="Arial" panose="020B0604020202020204" pitchFamily="34" charset="0"/>
-              <a:buChar char="•"/>
+              <a:t>Landing zones</a:t>
+            </a:r>
+          </a:p>
+        </p:txBody>
+      </p:sp>
+      <p:pic>
+        <p:nvPicPr>
+          <p:cNvPr id="12" name="Picture 11">
+            <a:extLst>
+              <a:ext uri="{FF2B5EF4-FFF2-40B4-BE49-F238E27FC236}">
+                <a16:creationId xmlns:a16="http://schemas.microsoft.com/office/drawing/2014/main" id="{31EB77D3-53BC-C941-8A41-BF36CD7C6DC2}"/>
+              </a:ext>
+            </a:extLst>
+          </p:cNvPr>
+          <p:cNvPicPr>
+            <a:picLocks noChangeAspect="1"/>
+          </p:cNvPicPr>
+          <p:nvPr/>
+        </p:nvPicPr>
+        <p:blipFill>
+          <a:blip r:embed="rId2"/>
+          <a:stretch>
+            <a:fillRect/>
+          </a:stretch>
+        </p:blipFill>
+        <p:spPr>
+          <a:xfrm>
+            <a:off x="5024485" y="1776998"/>
+            <a:ext cx="6388633" cy="4812338"/>
+          </a:xfrm>
+          <a:prstGeom prst="rect">
+            <a:avLst/>
+          </a:prstGeom>
+        </p:spPr>
+      </p:pic>
+      <p:pic>
+        <p:nvPicPr>
+          <p:cNvPr id="14" name="Picture 13">
+            <a:extLst>
+              <a:ext uri="{FF2B5EF4-FFF2-40B4-BE49-F238E27FC236}">
+                <a16:creationId xmlns:a16="http://schemas.microsoft.com/office/drawing/2014/main" id="{E29E8F98-C2B3-0807-AF76-E18EF29698C8}"/>
+              </a:ext>
+            </a:extLst>
+          </p:cNvPr>
+          <p:cNvPicPr>
+            <a:picLocks noChangeAspect="1"/>
+          </p:cNvPicPr>
+          <p:nvPr/>
+        </p:nvPicPr>
+        <p:blipFill>
+          <a:blip r:embed="rId3"/>
+          <a:stretch>
+            <a:fillRect/>
+          </a:stretch>
+        </p:blipFill>
+        <p:spPr>
+          <a:xfrm>
+            <a:off x="6691726" y="3209927"/>
+            <a:ext cx="4652549" cy="885980"/>
+          </a:xfrm>
+          <a:prstGeom prst="rect">
+            <a:avLst/>
+          </a:prstGeom>
+        </p:spPr>
+      </p:pic>
+      <p:sp>
+        <p:nvSpPr>
+          <p:cNvPr id="3" name="Rectangle: Rounded Corners 2">
+            <a:extLst>
+              <a:ext uri="{FF2B5EF4-FFF2-40B4-BE49-F238E27FC236}">
+                <a16:creationId xmlns:a16="http://schemas.microsoft.com/office/drawing/2014/main" id="{FED78895-D695-5D71-272E-19256FEF525D}"/>
+              </a:ext>
+            </a:extLst>
+          </p:cNvPr>
+          <p:cNvSpPr/>
+          <p:nvPr/>
+        </p:nvSpPr>
+        <p:spPr bwMode="auto">
+          <a:xfrm>
+            <a:off x="6607534" y="3209927"/>
+            <a:ext cx="4866198" cy="933241"/>
+          </a:xfrm>
+          <a:prstGeom prst="roundRect">
+            <a:avLst>
+              <a:gd name="adj" fmla="val 7295"/>
+            </a:avLst>
+          </a:prstGeom>
+          <a:noFill/>
+          <a:ln w="19050">
+            <a:solidFill>
+              <a:schemeClr val="accent1">
+                <a:lumMod val="75000"/>
+              </a:schemeClr>
+            </a:solidFill>
+            <a:headEnd type="none" w="med" len="med"/>
+            <a:tailEnd type="none" w="med" len="med"/>
+          </a:ln>
+          <a:effectLst/>
+        </p:spPr>
+        <p:style>
+          <a:lnRef idx="1">
+            <a:schemeClr val="accent2"/>
+          </a:lnRef>
+          <a:fillRef idx="3">
+            <a:schemeClr val="accent2"/>
+          </a:fillRef>
+          <a:effectRef idx="2">
+            <a:schemeClr val="accent2"/>
+          </a:effectRef>
+          <a:fontRef idx="minor">
+            <a:schemeClr val="lt1"/>
+          </a:fontRef>
+        </p:style>
+        <p:txBody>
+          <a:bodyPr rot="0" spcFirstLastPara="0" vertOverflow="overflow" horzOverflow="overflow" vert="horz" wrap="square" lIns="182880" tIns="146304" rIns="182880" bIns="146304" numCol="1" spcCol="0" rtlCol="0" fromWordArt="0" anchor="t" anchorCtr="0" forceAA="0" compatLnSpc="1">
+            <a:prstTxWarp prst="textNoShape">
+              <a:avLst/>
+            </a:prstTxWarp>
+            <a:noAutofit/>
+          </a:bodyPr>
+          <a:lstStyle/>
+          <a:p>
+            <a:pPr algn="l" defTabSz="932472" fontAlgn="base">
+              <a:spcBef>
+                <a:spcPct val="0"/>
+              </a:spcBef>
+              <a:spcAft>
+                <a:spcPct val="0"/>
+              </a:spcAft>
             </a:pPr>
-            <a:r>
-              <a:rPr lang="en-GB" dirty="0"/>
-              <a:t>Private registry in Terraform Cloud</a:t>
-            </a:r>
-          </a:p>
-          <a:p>
-            <a:pPr marL="685800" lvl="1" indent="-457200">
-              <a:buFont typeface="Arial" panose="020B0604020202020204" pitchFamily="34" charset="0"/>
-              <a:buChar char="•"/>
-            </a:pPr>
-            <a:r>
-              <a:rPr lang="en-GB" dirty="0"/>
-              <a:t>Supports built in versioning</a:t>
-            </a:r>
-          </a:p>
-          <a:p>
-            <a:pPr marL="457200" indent="-457200">
-              <a:buFont typeface="Arial" panose="020B0604020202020204" pitchFamily="34" charset="0"/>
-              <a:buChar char="•"/>
-            </a:pPr>
-            <a:endParaRPr lang="en-GB" dirty="0"/>
+            <a:endParaRPr lang="en-GB" sz="2000" dirty="0" err="1">
+              <a:solidFill>
+                <a:srgbClr val="FFFFFF"/>
+              </a:solidFill>
+              <a:ea typeface="Segoe UI" pitchFamily="34" charset="0"/>
+              <a:cs typeface="Segoe UI" pitchFamily="34" charset="0"/>
+            </a:endParaRPr>
           </a:p>
         </p:txBody>
       </p:sp>
     </p:spTree>
     <p:extLst>
       <p:ext uri="{BB962C8B-B14F-4D97-AF65-F5344CB8AC3E}">
-        <p14:creationId xmlns:p14="http://schemas.microsoft.com/office/powerpoint/2010/main" val="1352831576"/>
+        <p14:creationId xmlns:p14="http://schemas.microsoft.com/office/powerpoint/2010/main" val="1708069766"/>
       </p:ext>
     </p:extLst>
   </p:cSld>
@@ -21218,7 +25302,664 @@
 </p:sld>
 </file>
 
-<file path=ppt/slides/slide15.xml><?xml version="1.0" encoding="utf-8"?>
+<file path=ppt/slides/slide18.xml><?xml version="1.0" encoding="utf-8"?>
+<p:sld xmlns:a="http://schemas.openxmlformats.org/drawingml/2006/main" xmlns:r="http://schemas.openxmlformats.org/officeDocument/2006/relationships" xmlns:p="http://schemas.openxmlformats.org/presentationml/2006/main">
+  <p:cSld>
+    <p:spTree>
+      <p:nvGrpSpPr>
+        <p:cNvPr id="1" name=""/>
+        <p:cNvGrpSpPr/>
+        <p:nvPr/>
+      </p:nvGrpSpPr>
+      <p:grpSpPr>
+        <a:xfrm>
+          <a:off x="0" y="0"/>
+          <a:ext cx="0" cy="0"/>
+          <a:chOff x="0" y="0"/>
+          <a:chExt cx="0" cy="0"/>
+        </a:xfrm>
+      </p:grpSpPr>
+      <p:sp>
+        <p:nvSpPr>
+          <p:cNvPr id="2" name="Title 1">
+            <a:extLst>
+              <a:ext uri="{FF2B5EF4-FFF2-40B4-BE49-F238E27FC236}">
+                <a16:creationId xmlns:a16="http://schemas.microsoft.com/office/drawing/2014/main" id="{995DF5FE-9093-C8C4-F0CB-AFB247F8BE38}"/>
+              </a:ext>
+            </a:extLst>
+          </p:cNvPr>
+          <p:cNvSpPr>
+            <a:spLocks noGrp="1"/>
+          </p:cNvSpPr>
+          <p:nvPr>
+            <p:ph type="title"/>
+          </p:nvPr>
+        </p:nvSpPr>
+        <p:spPr/>
+        <p:txBody>
+          <a:bodyPr/>
+          <a:lstStyle/>
+          <a:p>
+            <a:r>
+              <a:rPr lang="en-GB" dirty="0"/>
+              <a:t>Module and Provider Versioning</a:t>
+            </a:r>
+          </a:p>
+        </p:txBody>
+      </p:sp>
+      <p:sp>
+        <p:nvSpPr>
+          <p:cNvPr id="3" name="Content Placeholder 2">
+            <a:extLst>
+              <a:ext uri="{FF2B5EF4-FFF2-40B4-BE49-F238E27FC236}">
+                <a16:creationId xmlns:a16="http://schemas.microsoft.com/office/drawing/2014/main" id="{66596558-C9DD-BBA4-1CDC-34240A2F582F}"/>
+              </a:ext>
+            </a:extLst>
+          </p:cNvPr>
+          <p:cNvSpPr>
+            <a:spLocks noGrp="1"/>
+          </p:cNvSpPr>
+          <p:nvPr>
+            <p:ph sz="quarter" idx="10"/>
+          </p:nvPr>
+        </p:nvSpPr>
+        <p:spPr/>
+        <p:txBody>
+          <a:bodyPr/>
+          <a:lstStyle/>
+          <a:p>
+            <a:pPr marL="457200" indent="-457200">
+              <a:buFont typeface="Arial" panose="020B0604020202020204" pitchFamily="34" charset="0"/>
+              <a:buChar char="•"/>
+            </a:pPr>
+            <a:r>
+              <a:rPr lang="en-GB" dirty="0"/>
+              <a:t>Module and Provider version pinning allows teams to work with confidence</a:t>
+            </a:r>
+          </a:p>
+          <a:p>
+            <a:pPr marL="457200" indent="-457200">
+              <a:buFont typeface="Arial" panose="020B0604020202020204" pitchFamily="34" charset="0"/>
+              <a:buChar char="•"/>
+            </a:pPr>
+            <a:r>
+              <a:rPr lang="en-GB" dirty="0"/>
+              <a:t>Follow </a:t>
+            </a:r>
+            <a:r>
+              <a:rPr lang="en-GB" dirty="0" err="1"/>
+              <a:t>SemVer</a:t>
+            </a:r>
+            <a:endParaRPr lang="en-GB" dirty="0"/>
+          </a:p>
+          <a:p>
+            <a:pPr marL="914400" lvl="1" indent="-457200">
+              <a:buFont typeface="Arial" panose="020B0604020202020204" pitchFamily="34" charset="0"/>
+              <a:buChar char="•"/>
+            </a:pPr>
+            <a:r>
+              <a:rPr lang="en-GB" dirty="0"/>
+              <a:t>Major: Incompatible API changes</a:t>
+            </a:r>
+          </a:p>
+          <a:p>
+            <a:pPr marL="914400" lvl="1" indent="-457200">
+              <a:buFont typeface="Arial" panose="020B0604020202020204" pitchFamily="34" charset="0"/>
+              <a:buChar char="•"/>
+            </a:pPr>
+            <a:r>
+              <a:rPr lang="en-GB" dirty="0"/>
+              <a:t>Minor: New functionality added in a backwards compatible manner</a:t>
+            </a:r>
+          </a:p>
+          <a:p>
+            <a:pPr marL="914400" lvl="1" indent="-457200">
+              <a:buFont typeface="Arial" panose="020B0604020202020204" pitchFamily="34" charset="0"/>
+              <a:buChar char="•"/>
+            </a:pPr>
+            <a:r>
+              <a:rPr lang="en-GB" dirty="0"/>
+              <a:t>Patch: Backward compatible bug fixes</a:t>
+            </a:r>
+          </a:p>
+          <a:p>
+            <a:pPr marL="457200" indent="-457200">
+              <a:buFont typeface="Arial" panose="020B0604020202020204" pitchFamily="34" charset="0"/>
+              <a:buChar char="•"/>
+            </a:pPr>
+            <a:r>
+              <a:rPr lang="en-GB" dirty="0"/>
+              <a:t>Use version patterns to accept patch or minor releases</a:t>
+            </a:r>
+          </a:p>
+          <a:p>
+            <a:pPr marL="914400" lvl="1" indent="-457200">
+              <a:buFont typeface="Arial" panose="020B0604020202020204" pitchFamily="34" charset="0"/>
+              <a:buChar char="•"/>
+            </a:pPr>
+            <a:r>
+              <a:rPr lang="en-GB" dirty="0">
+                <a:latin typeface="Cascadia Code" panose="020B0609020000020004" pitchFamily="49" charset="0"/>
+                <a:cs typeface="Cascadia Code" panose="020B0609020000020004" pitchFamily="49" charset="0"/>
+              </a:rPr>
+              <a:t>~&gt; 1.1.3</a:t>
+            </a:r>
+          </a:p>
+          <a:p>
+            <a:pPr marL="1114425" lvl="2" indent="-457200">
+              <a:buFont typeface="Arial" panose="020B0604020202020204" pitchFamily="34" charset="0"/>
+              <a:buChar char="•"/>
+            </a:pPr>
+            <a:r>
+              <a:rPr lang="en-GB" dirty="0"/>
+              <a:t>Allows all 1.1.* &gt;=1.1.3</a:t>
+            </a:r>
+          </a:p>
+          <a:p>
+            <a:pPr marL="1114425" lvl="2" indent="-457200">
+              <a:buFont typeface="Arial" panose="020B0604020202020204" pitchFamily="34" charset="0"/>
+              <a:buChar char="•"/>
+            </a:pPr>
+            <a:r>
+              <a:rPr lang="en-GB" dirty="0"/>
+              <a:t>Does not allow &gt;=1.2.0</a:t>
+            </a:r>
+          </a:p>
+          <a:p>
+            <a:pPr marL="914400" lvl="1" indent="-457200">
+              <a:buFont typeface="Arial" panose="020B0604020202020204" pitchFamily="34" charset="0"/>
+              <a:buChar char="•"/>
+            </a:pPr>
+            <a:r>
+              <a:rPr lang="en-GB" dirty="0">
+                <a:latin typeface="Cascadia Code" panose="020B0609020000020004" pitchFamily="49" charset="0"/>
+                <a:cs typeface="Cascadia Code" panose="020B0609020000020004" pitchFamily="49" charset="0"/>
+              </a:rPr>
+              <a:t>&gt;= 1.1.3, &lt;2.0.0</a:t>
+            </a:r>
+          </a:p>
+          <a:p>
+            <a:pPr marL="1114425" lvl="2" indent="-457200">
+              <a:buFont typeface="Arial" panose="020B0604020202020204" pitchFamily="34" charset="0"/>
+              <a:buChar char="•"/>
+            </a:pPr>
+            <a:r>
+              <a:rPr lang="en-GB" dirty="0"/>
+              <a:t>Allows all 1.*.* versions &gt;=1.1.3</a:t>
+            </a:r>
+          </a:p>
+          <a:p>
+            <a:pPr marL="1114425" lvl="2" indent="-457200">
+              <a:buFont typeface="Arial" panose="020B0604020202020204" pitchFamily="34" charset="0"/>
+              <a:buChar char="•"/>
+            </a:pPr>
+            <a:r>
+              <a:rPr lang="en-GB" dirty="0"/>
+              <a:t>does not allow &gt;=2.00</a:t>
+            </a:r>
+          </a:p>
+        </p:txBody>
+      </p:sp>
+    </p:spTree>
+    <p:extLst>
+      <p:ext uri="{BB962C8B-B14F-4D97-AF65-F5344CB8AC3E}">
+        <p14:creationId xmlns:p14="http://schemas.microsoft.com/office/powerpoint/2010/main" val="3607217318"/>
+      </p:ext>
+    </p:extLst>
+  </p:cSld>
+  <p:clrMapOvr>
+    <a:masterClrMapping/>
+  </p:clrMapOvr>
+  <p:transition>
+    <p:fade/>
+  </p:transition>
+</p:sld>
+</file>
+
+<file path=ppt/slides/slide19.xml><?xml version="1.0" encoding="utf-8"?>
+<p:sld xmlns:a="http://schemas.openxmlformats.org/drawingml/2006/main" xmlns:r="http://schemas.openxmlformats.org/officeDocument/2006/relationships" xmlns:p="http://schemas.openxmlformats.org/presentationml/2006/main">
+  <p:cSld>
+    <p:spTree>
+      <p:nvGrpSpPr>
+        <p:cNvPr id="1" name=""/>
+        <p:cNvGrpSpPr/>
+        <p:nvPr/>
+      </p:nvGrpSpPr>
+      <p:grpSpPr>
+        <a:xfrm>
+          <a:off x="0" y="0"/>
+          <a:ext cx="0" cy="0"/>
+          <a:chOff x="0" y="0"/>
+          <a:chExt cx="0" cy="0"/>
+        </a:xfrm>
+      </p:grpSpPr>
+      <p:sp>
+        <p:nvSpPr>
+          <p:cNvPr id="2" name="Title 1">
+            <a:extLst>
+              <a:ext uri="{FF2B5EF4-FFF2-40B4-BE49-F238E27FC236}">
+                <a16:creationId xmlns:a16="http://schemas.microsoft.com/office/drawing/2014/main" id="{38C58640-D923-15D0-0495-3333B404A264}"/>
+              </a:ext>
+            </a:extLst>
+          </p:cNvPr>
+          <p:cNvSpPr>
+            <a:spLocks noGrp="1"/>
+          </p:cNvSpPr>
+          <p:nvPr>
+            <p:ph type="title"/>
+          </p:nvPr>
+        </p:nvSpPr>
+        <p:spPr/>
+        <p:txBody>
+          <a:bodyPr/>
+          <a:lstStyle/>
+          <a:p>
+            <a:r>
+              <a:rPr lang="en-GB" dirty="0"/>
+              <a:t>Modules - What and Why of Inner Source?</a:t>
+            </a:r>
+          </a:p>
+        </p:txBody>
+      </p:sp>
+      <p:sp>
+        <p:nvSpPr>
+          <p:cNvPr id="3" name="Content Placeholder 2">
+            <a:extLst>
+              <a:ext uri="{FF2B5EF4-FFF2-40B4-BE49-F238E27FC236}">
+                <a16:creationId xmlns:a16="http://schemas.microsoft.com/office/drawing/2014/main" id="{3D959901-9966-45FD-588E-5F3ED18A1CBD}"/>
+              </a:ext>
+            </a:extLst>
+          </p:cNvPr>
+          <p:cNvSpPr>
+            <a:spLocks noGrp="1"/>
+          </p:cNvSpPr>
+          <p:nvPr>
+            <p:ph sz="quarter" idx="10"/>
+          </p:nvPr>
+        </p:nvSpPr>
+        <p:spPr/>
+        <p:txBody>
+          <a:bodyPr/>
+          <a:lstStyle/>
+          <a:p>
+            <a:pPr marL="457200" indent="-457200">
+              <a:buFont typeface="Arial" panose="020B0604020202020204" pitchFamily="34" charset="0"/>
+              <a:buChar char="•"/>
+            </a:pPr>
+            <a:r>
+              <a:rPr lang="en-GB" dirty="0"/>
+              <a:t>Exactly the same as open source, but private to your organisation</a:t>
+            </a:r>
+          </a:p>
+          <a:p>
+            <a:pPr marL="457200" indent="-457200">
+              <a:buFont typeface="Arial" panose="020B0604020202020204" pitchFamily="34" charset="0"/>
+              <a:buChar char="•"/>
+            </a:pPr>
+            <a:r>
+              <a:rPr lang="en-GB" dirty="0"/>
+              <a:t>Anyone can branch or fork and raise a pull request</a:t>
+            </a:r>
+          </a:p>
+          <a:p>
+            <a:pPr marL="457200" indent="-457200">
+              <a:buFont typeface="Arial" panose="020B0604020202020204" pitchFamily="34" charset="0"/>
+              <a:buChar char="•"/>
+            </a:pPr>
+            <a:r>
+              <a:rPr lang="en-GB" dirty="0"/>
+              <a:t>Platform team provides:</a:t>
+            </a:r>
+          </a:p>
+          <a:p>
+            <a:pPr marL="914400" lvl="1" indent="-457200">
+              <a:buFont typeface="Arial" panose="020B0604020202020204" pitchFamily="34" charset="0"/>
+              <a:buChar char="•"/>
+            </a:pPr>
+            <a:r>
+              <a:rPr lang="en-GB" dirty="0"/>
+              <a:t>Guidance (documentation, training and pairing)</a:t>
+            </a:r>
+          </a:p>
+          <a:p>
+            <a:pPr marL="914400" lvl="1" indent="-457200">
+              <a:buFont typeface="Arial" panose="020B0604020202020204" pitchFamily="34" charset="0"/>
+              <a:buChar char="•"/>
+            </a:pPr>
+            <a:r>
+              <a:rPr lang="en-GB" dirty="0"/>
+              <a:t>Validation (automated checks when a pull request is raised)</a:t>
+            </a:r>
+          </a:p>
+          <a:p>
+            <a:pPr marL="914400" lvl="1" indent="-457200">
+              <a:buFont typeface="Arial" panose="020B0604020202020204" pitchFamily="34" charset="0"/>
+              <a:buChar char="•"/>
+            </a:pPr>
+            <a:r>
+              <a:rPr lang="en-GB" dirty="0"/>
+              <a:t>Approval (peer review and merging of pull requests)</a:t>
+            </a:r>
+          </a:p>
+          <a:p>
+            <a:pPr marL="457200" indent="-457200">
+              <a:buFont typeface="Arial" panose="020B0604020202020204" pitchFamily="34" charset="0"/>
+              <a:buChar char="•"/>
+            </a:pPr>
+            <a:r>
+              <a:rPr lang="en-GB" dirty="0"/>
+              <a:t>Optimised for fast flow and sharing:</a:t>
+            </a:r>
+          </a:p>
+          <a:p>
+            <a:pPr marL="914400" lvl="1" indent="-457200">
+              <a:buFont typeface="Arial" panose="020B0604020202020204" pitchFamily="34" charset="0"/>
+              <a:buChar char="•"/>
+            </a:pPr>
+            <a:r>
+              <a:rPr lang="en-GB" dirty="0"/>
+              <a:t>Do not hold up teams that need a new module</a:t>
+            </a:r>
+          </a:p>
+          <a:p>
+            <a:pPr marL="914400" lvl="1" indent="-457200">
+              <a:buFont typeface="Arial" panose="020B0604020202020204" pitchFamily="34" charset="0"/>
+              <a:buChar char="•"/>
+            </a:pPr>
+            <a:r>
+              <a:rPr lang="en-GB" dirty="0"/>
+              <a:t>Easy discovery to promote the use and re-use of modules</a:t>
+            </a:r>
+          </a:p>
+          <a:p>
+            <a:pPr marL="914400" lvl="1" indent="-457200">
+              <a:buFont typeface="Arial" panose="020B0604020202020204" pitchFamily="34" charset="0"/>
+              <a:buChar char="•"/>
+            </a:pPr>
+            <a:r>
+              <a:rPr lang="en-GB" dirty="0"/>
+              <a:t>No need for a huge central backlog</a:t>
+            </a:r>
+          </a:p>
+          <a:p>
+            <a:pPr marL="914400" lvl="1" indent="-457200">
+              <a:buFont typeface="Arial" panose="020B0604020202020204" pitchFamily="34" charset="0"/>
+              <a:buChar char="•"/>
+            </a:pPr>
+            <a:r>
+              <a:rPr lang="en-GB" dirty="0"/>
+              <a:t>No need for a cumbersome pre-approval / planning process</a:t>
+            </a:r>
+          </a:p>
+          <a:p>
+            <a:pPr marL="914400" lvl="1" indent="-457200">
+              <a:buFont typeface="Arial" panose="020B0604020202020204" pitchFamily="34" charset="0"/>
+              <a:buChar char="•"/>
+            </a:pPr>
+            <a:endParaRPr lang="en-GB" dirty="0"/>
+          </a:p>
+          <a:p>
+            <a:pPr marL="914400" lvl="1" indent="-457200">
+              <a:buFont typeface="Arial" panose="020B0604020202020204" pitchFamily="34" charset="0"/>
+              <a:buChar char="•"/>
+            </a:pPr>
+            <a:endParaRPr lang="en-GB" dirty="0"/>
+          </a:p>
+        </p:txBody>
+      </p:sp>
+    </p:spTree>
+    <p:extLst>
+      <p:ext uri="{BB962C8B-B14F-4D97-AF65-F5344CB8AC3E}">
+        <p14:creationId xmlns:p14="http://schemas.microsoft.com/office/powerpoint/2010/main" val="1562502191"/>
+      </p:ext>
+    </p:extLst>
+  </p:cSld>
+  <p:clrMapOvr>
+    <a:masterClrMapping/>
+  </p:clrMapOvr>
+  <p:transition>
+    <p:fade/>
+  </p:transition>
+</p:sld>
+</file>
+
+<file path=ppt/slides/slide2.xml><?xml version="1.0" encoding="utf-8"?>
+<p:sld xmlns:a="http://schemas.openxmlformats.org/drawingml/2006/main" xmlns:r="http://schemas.openxmlformats.org/officeDocument/2006/relationships" xmlns:p="http://schemas.openxmlformats.org/presentationml/2006/main">
+  <p:cSld>
+    <p:spTree>
+      <p:nvGrpSpPr>
+        <p:cNvPr id="1" name=""/>
+        <p:cNvGrpSpPr/>
+        <p:nvPr/>
+      </p:nvGrpSpPr>
+      <p:grpSpPr>
+        <a:xfrm>
+          <a:off x="0" y="0"/>
+          <a:ext cx="0" cy="0"/>
+          <a:chOff x="0" y="0"/>
+          <a:chExt cx="0" cy="0"/>
+        </a:xfrm>
+      </p:grpSpPr>
+    </p:spTree>
+    <p:extLst>
+      <p:ext uri="{BB962C8B-B14F-4D97-AF65-F5344CB8AC3E}">
+        <p14:creationId xmlns:p14="http://schemas.microsoft.com/office/powerpoint/2010/main" val="1076368552"/>
+      </p:ext>
+    </p:extLst>
+  </p:cSld>
+  <p:clrMapOvr>
+    <a:masterClrMapping/>
+  </p:clrMapOvr>
+  <p:transition>
+    <p:fade/>
+  </p:transition>
+</p:sld>
+</file>
+
+<file path=ppt/slides/slide20.xml><?xml version="1.0" encoding="utf-8"?>
+<p:sld xmlns:a="http://schemas.openxmlformats.org/drawingml/2006/main" xmlns:r="http://schemas.openxmlformats.org/officeDocument/2006/relationships" xmlns:p="http://schemas.openxmlformats.org/presentationml/2006/main">
+  <p:cSld>
+    <p:spTree>
+      <p:nvGrpSpPr>
+        <p:cNvPr id="1" name=""/>
+        <p:cNvGrpSpPr/>
+        <p:nvPr/>
+      </p:nvGrpSpPr>
+      <p:grpSpPr>
+        <a:xfrm>
+          <a:off x="0" y="0"/>
+          <a:ext cx="0" cy="0"/>
+          <a:chOff x="0" y="0"/>
+          <a:chExt cx="0" cy="0"/>
+        </a:xfrm>
+      </p:grpSpPr>
+      <p:sp>
+        <p:nvSpPr>
+          <p:cNvPr id="2" name="Title 1">
+            <a:extLst>
+              <a:ext uri="{FF2B5EF4-FFF2-40B4-BE49-F238E27FC236}">
+                <a16:creationId xmlns:a16="http://schemas.microsoft.com/office/drawing/2014/main" id="{06FDA3BF-BCD4-B26B-00C5-AE560590A246}"/>
+              </a:ext>
+            </a:extLst>
+          </p:cNvPr>
+          <p:cNvSpPr>
+            <a:spLocks noGrp="1"/>
+          </p:cNvSpPr>
+          <p:nvPr>
+            <p:ph type="title"/>
+          </p:nvPr>
+        </p:nvSpPr>
+        <p:spPr/>
+        <p:txBody>
+          <a:bodyPr/>
+          <a:lstStyle/>
+          <a:p>
+            <a:r>
+              <a:rPr lang="en-GB" dirty="0"/>
+              <a:t>Root Module Sizing</a:t>
+            </a:r>
+          </a:p>
+        </p:txBody>
+      </p:sp>
+      <p:sp>
+        <p:nvSpPr>
+          <p:cNvPr id="4" name="Content Placeholder 3">
+            <a:extLst>
+              <a:ext uri="{FF2B5EF4-FFF2-40B4-BE49-F238E27FC236}">
+                <a16:creationId xmlns:a16="http://schemas.microsoft.com/office/drawing/2014/main" id="{C48FD80B-BDD2-4448-8337-F5882B9347BE}"/>
+              </a:ext>
+            </a:extLst>
+          </p:cNvPr>
+          <p:cNvSpPr>
+            <a:spLocks noGrp="1"/>
+          </p:cNvSpPr>
+          <p:nvPr>
+            <p:ph sz="quarter" idx="10"/>
+          </p:nvPr>
+        </p:nvSpPr>
+        <p:spPr/>
+        <p:txBody>
+          <a:bodyPr/>
+          <a:lstStyle/>
+          <a:p>
+            <a:pPr marL="457200" indent="-457200">
+              <a:buFont typeface="Arial" panose="020B0604020202020204" pitchFamily="34" charset="0"/>
+              <a:buChar char="•"/>
+            </a:pPr>
+            <a:r>
+              <a:rPr lang="en-GB" sz="2400" dirty="0"/>
+              <a:t>Number of resources managed</a:t>
+            </a:r>
+          </a:p>
+          <a:p>
+            <a:pPr marL="914400" lvl="1" indent="-457200">
+              <a:buFont typeface="Arial" panose="020B0604020202020204" pitchFamily="34" charset="0"/>
+              <a:buChar char="•"/>
+            </a:pPr>
+            <a:r>
+              <a:rPr lang="en-GB" sz="1800" dirty="0"/>
+              <a:t>Refresh time grows linearly</a:t>
+            </a:r>
+          </a:p>
+          <a:p>
+            <a:pPr marL="914400" lvl="1" indent="-457200">
+              <a:buFont typeface="Arial" panose="020B0604020202020204" pitchFamily="34" charset="0"/>
+              <a:buChar char="•"/>
+            </a:pPr>
+            <a:r>
+              <a:rPr lang="en-GB" sz="1800" dirty="0"/>
+              <a:t>Blast radius</a:t>
+            </a:r>
+          </a:p>
+          <a:p>
+            <a:pPr marL="914400" lvl="1" indent="-457200">
+              <a:buFont typeface="Arial" panose="020B0604020202020204" pitchFamily="34" charset="0"/>
+              <a:buChar char="•"/>
+            </a:pPr>
+            <a:r>
+              <a:rPr lang="en-GB" sz="1800" dirty="0"/>
+              <a:t>Maintainability</a:t>
+            </a:r>
+          </a:p>
+          <a:p>
+            <a:pPr marL="914400" lvl="1" indent="-457200">
+              <a:buFont typeface="Arial" panose="020B0604020202020204" pitchFamily="34" charset="0"/>
+              <a:buChar char="•"/>
+            </a:pPr>
+            <a:r>
+              <a:rPr lang="en-GB" sz="1800" dirty="0"/>
+              <a:t>Size of state file</a:t>
+            </a:r>
+          </a:p>
+          <a:p>
+            <a:pPr marL="457200" indent="-457200">
+              <a:buFont typeface="Arial" panose="020B0604020202020204" pitchFamily="34" charset="0"/>
+              <a:buChar char="•"/>
+            </a:pPr>
+            <a:r>
+              <a:rPr lang="en-GB" sz="2400" dirty="0"/>
+              <a:t>Memory usage</a:t>
+            </a:r>
+          </a:p>
+          <a:p>
+            <a:pPr marL="914400" lvl="1" indent="-457200">
+              <a:buFont typeface="Arial" panose="020B0604020202020204" pitchFamily="34" charset="0"/>
+              <a:buChar char="•"/>
+            </a:pPr>
+            <a:r>
+              <a:rPr lang="en-GB" sz="1800" dirty="0"/>
+              <a:t>Graph generation</a:t>
+            </a:r>
+          </a:p>
+          <a:p>
+            <a:pPr marL="914400" lvl="1" indent="-457200">
+              <a:buFont typeface="Arial" panose="020B0604020202020204" pitchFamily="34" charset="0"/>
+              <a:buChar char="•"/>
+            </a:pPr>
+            <a:r>
+              <a:rPr lang="en-GB" sz="1800" dirty="0"/>
+              <a:t>Agent sizing</a:t>
+            </a:r>
+          </a:p>
+          <a:p>
+            <a:pPr marL="457200" indent="-457200">
+              <a:buFont typeface="Arial" panose="020B0604020202020204" pitchFamily="34" charset="0"/>
+              <a:buChar char="•"/>
+            </a:pPr>
+            <a:r>
+              <a:rPr lang="en-GB" sz="2400" dirty="0"/>
+              <a:t>Plan Time</a:t>
+            </a:r>
+          </a:p>
+          <a:p>
+            <a:pPr marL="457200" indent="-457200">
+              <a:buFont typeface="Arial" panose="020B0604020202020204" pitchFamily="34" charset="0"/>
+              <a:buChar char="•"/>
+            </a:pPr>
+            <a:r>
+              <a:rPr lang="en-GB" sz="2400" dirty="0"/>
+              <a:t>Plan ahead or refactor later</a:t>
+            </a:r>
+          </a:p>
+          <a:p>
+            <a:pPr marL="914400" lvl="1" indent="-457200">
+              <a:buFont typeface="Arial" panose="020B0604020202020204" pitchFamily="34" charset="0"/>
+              <a:buChar char="•"/>
+            </a:pPr>
+            <a:r>
+              <a:rPr lang="en-GB" sz="1800" dirty="0"/>
+              <a:t>Split vertical or horizontal</a:t>
+            </a:r>
+          </a:p>
+          <a:p>
+            <a:pPr marL="457200" indent="-457200">
+              <a:buFont typeface="Arial" panose="020B0604020202020204" pitchFamily="34" charset="0"/>
+              <a:buChar char="•"/>
+            </a:pPr>
+            <a:r>
+              <a:rPr lang="en-GB" sz="2400" dirty="0"/>
+              <a:t>Share outputs or use data sources</a:t>
+            </a:r>
+          </a:p>
+        </p:txBody>
+      </p:sp>
+    </p:spTree>
+    <p:extLst>
+      <p:ext uri="{BB962C8B-B14F-4D97-AF65-F5344CB8AC3E}">
+        <p14:creationId xmlns:p14="http://schemas.microsoft.com/office/powerpoint/2010/main" val="2989114738"/>
+      </p:ext>
+    </p:extLst>
+  </p:cSld>
+  <p:clrMapOvr>
+    <a:masterClrMapping/>
+  </p:clrMapOvr>
+  <p:transition>
+    <p:fade/>
+  </p:transition>
+</p:sld>
+</file>
+
+<file path=ppt/slides/slide21.xml><?xml version="1.0" encoding="utf-8"?>
 <p:sld xmlns:a="http://schemas.openxmlformats.org/drawingml/2006/main" xmlns:r="http://schemas.openxmlformats.org/officeDocument/2006/relationships" xmlns:p="http://schemas.openxmlformats.org/presentationml/2006/main">
   <p:cSld>
     <p:spTree>
@@ -21316,7 +26057,7 @@
 </p:sld>
 </file>
 
-<file path=ppt/slides/slide16.xml><?xml version="1.0" encoding="utf-8"?>
+<file path=ppt/slides/slide22.xml><?xml version="1.0" encoding="utf-8"?>
 <p:sld xmlns:a="http://schemas.openxmlformats.org/drawingml/2006/main" xmlns:r="http://schemas.openxmlformats.org/officeDocument/2006/relationships" xmlns:p="http://schemas.openxmlformats.org/presentationml/2006/main">
   <p:cSld>
     <p:spTree>
@@ -21411,7 +26152,7 @@
 </p:sld>
 </file>
 
-<file path=ppt/slides/slide17.xml><?xml version="1.0" encoding="utf-8"?>
+<file path=ppt/slides/slide23.xml><?xml version="1.0" encoding="utf-8"?>
 <p:sld xmlns:a="http://schemas.openxmlformats.org/drawingml/2006/main" xmlns:r="http://schemas.openxmlformats.org/officeDocument/2006/relationships" xmlns:p="http://schemas.openxmlformats.org/presentationml/2006/main">
   <p:cSld>
     <p:spTree>
@@ -21432,39 +26173,6 @@
     <p:extLst>
       <p:ext uri="{BB962C8B-B14F-4D97-AF65-F5344CB8AC3E}">
         <p14:creationId xmlns:p14="http://schemas.microsoft.com/office/powerpoint/2010/main" val="2402828649"/>
-      </p:ext>
-    </p:extLst>
-  </p:cSld>
-  <p:clrMapOvr>
-    <a:masterClrMapping/>
-  </p:clrMapOvr>
-  <p:transition>
-    <p:fade/>
-  </p:transition>
-</p:sld>
-</file>
-
-<file path=ppt/slides/slide2.xml><?xml version="1.0" encoding="utf-8"?>
-<p:sld xmlns:a="http://schemas.openxmlformats.org/drawingml/2006/main" xmlns:r="http://schemas.openxmlformats.org/officeDocument/2006/relationships" xmlns:p="http://schemas.openxmlformats.org/presentationml/2006/main">
-  <p:cSld>
-    <p:spTree>
-      <p:nvGrpSpPr>
-        <p:cNvPr id="1" name=""/>
-        <p:cNvGrpSpPr/>
-        <p:nvPr/>
-      </p:nvGrpSpPr>
-      <p:grpSpPr>
-        <a:xfrm>
-          <a:off x="0" y="0"/>
-          <a:ext cx="0" cy="0"/>
-          <a:chOff x="0" y="0"/>
-          <a:chExt cx="0" cy="0"/>
-        </a:xfrm>
-      </p:grpSpPr>
-    </p:spTree>
-    <p:extLst>
-      <p:ext uri="{BB962C8B-B14F-4D97-AF65-F5344CB8AC3E}">
-        <p14:creationId xmlns:p14="http://schemas.microsoft.com/office/powerpoint/2010/main" val="1076368552"/>
       </p:ext>
     </p:extLst>
   </p:cSld>
@@ -22838,6 +27546,1247 @@
       </p:grpSpPr>
       <p:sp>
         <p:nvSpPr>
+          <p:cNvPr id="3" name="Title 2">
+            <a:extLst>
+              <a:ext uri="{FF2B5EF4-FFF2-40B4-BE49-F238E27FC236}">
+                <a16:creationId xmlns:a16="http://schemas.microsoft.com/office/drawing/2014/main" id="{3D0331F7-18B9-4AF7-9606-EDAC3C58365D}"/>
+              </a:ext>
+            </a:extLst>
+          </p:cNvPr>
+          <p:cNvSpPr>
+            <a:spLocks noGrp="1"/>
+          </p:cNvSpPr>
+          <p:nvPr>
+            <p:ph type="title"/>
+          </p:nvPr>
+        </p:nvSpPr>
+        <p:spPr/>
+        <p:txBody>
+          <a:bodyPr/>
+          <a:lstStyle/>
+          <a:p>
+            <a:r>
+              <a:rPr lang="en-GB" dirty="0"/>
+              <a:t>Explicit Dependency example</a:t>
+            </a:r>
+          </a:p>
+        </p:txBody>
+      </p:sp>
+      <p:sp>
+        <p:nvSpPr>
+          <p:cNvPr id="6" name="Rectangle 5">
+            <a:extLst>
+              <a:ext uri="{FF2B5EF4-FFF2-40B4-BE49-F238E27FC236}">
+                <a16:creationId xmlns:a16="http://schemas.microsoft.com/office/drawing/2014/main" id="{F7E4CD47-5846-44FD-A737-3A8DDA0289FE}"/>
+              </a:ext>
+            </a:extLst>
+          </p:cNvPr>
+          <p:cNvSpPr/>
+          <p:nvPr/>
+        </p:nvSpPr>
+        <p:spPr>
+          <a:xfrm>
+            <a:off x="588263" y="1759208"/>
+            <a:ext cx="9617798" cy="4278094"/>
+          </a:xfrm>
+          <a:prstGeom prst="rect">
+            <a:avLst/>
+          </a:prstGeom>
+        </p:spPr>
+        <p:txBody>
+          <a:bodyPr wrap="square">
+            <a:spAutoFit/>
+          </a:bodyPr>
+          <a:lstStyle/>
+          <a:p>
+            <a:r>
+              <a:rPr lang="en-GB" sz="1600" dirty="0">
+                <a:solidFill>
+                  <a:srgbClr val="FA8D3E"/>
+                </a:solidFill>
+                <a:latin typeface="Consolas" panose="020B0609020204030204" pitchFamily="49" charset="0"/>
+              </a:rPr>
+              <a:t>resource</a:t>
+            </a:r>
+            <a:r>
+              <a:rPr lang="en-GB" sz="1600" dirty="0">
+                <a:solidFill>
+                  <a:srgbClr val="6C7680"/>
+                </a:solidFill>
+                <a:latin typeface="Consolas" panose="020B0609020204030204" pitchFamily="49" charset="0"/>
+              </a:rPr>
+              <a:t> </a:t>
+            </a:r>
+            <a:r>
+              <a:rPr lang="en-GB" sz="1600" dirty="0">
+                <a:solidFill>
+                  <a:srgbClr val="86B300"/>
+                </a:solidFill>
+                <a:latin typeface="Consolas" panose="020B0609020204030204" pitchFamily="49" charset="0"/>
+              </a:rPr>
+              <a:t>"azurerm_resource_group"</a:t>
+            </a:r>
+            <a:r>
+              <a:rPr lang="en-GB" sz="1600" dirty="0">
+                <a:solidFill>
+                  <a:srgbClr val="6C7680"/>
+                </a:solidFill>
+                <a:latin typeface="Consolas" panose="020B0609020204030204" pitchFamily="49" charset="0"/>
+              </a:rPr>
+              <a:t> </a:t>
+            </a:r>
+            <a:r>
+              <a:rPr lang="en-GB" sz="1600" dirty="0">
+                <a:solidFill>
+                  <a:srgbClr val="86B300"/>
+                </a:solidFill>
+                <a:latin typeface="Consolas" panose="020B0609020204030204" pitchFamily="49" charset="0"/>
+              </a:rPr>
+              <a:t>"rgs"</a:t>
+            </a:r>
+            <a:r>
+              <a:rPr lang="en-GB" sz="1600" dirty="0">
+                <a:solidFill>
+                  <a:srgbClr val="6C7680"/>
+                </a:solidFill>
+                <a:latin typeface="Consolas" panose="020B0609020204030204" pitchFamily="49" charset="0"/>
+              </a:rPr>
+              <a:t> </a:t>
+            </a:r>
+            <a:r>
+              <a:rPr lang="en-GB" sz="1600" dirty="0">
+                <a:solidFill>
+                  <a:srgbClr val="55B4D4"/>
+                </a:solidFill>
+                <a:latin typeface="Consolas" panose="020B0609020204030204" pitchFamily="49" charset="0"/>
+              </a:rPr>
+              <a:t>{</a:t>
+            </a:r>
+            <a:r>
+              <a:rPr lang="en-GB" sz="1600" dirty="0">
+                <a:solidFill>
+                  <a:srgbClr val="6C7680"/>
+                </a:solidFill>
+                <a:latin typeface="Consolas" panose="020B0609020204030204" pitchFamily="49" charset="0"/>
+              </a:rPr>
+              <a:t>  </a:t>
+            </a:r>
+          </a:p>
+          <a:p>
+            <a:r>
+              <a:rPr lang="en-GB" sz="1600" dirty="0">
+                <a:solidFill>
+                  <a:srgbClr val="6C7680"/>
+                </a:solidFill>
+                <a:latin typeface="Consolas" panose="020B0609020204030204" pitchFamily="49" charset="0"/>
+              </a:rPr>
+              <a:t>    count </a:t>
+            </a:r>
+            <a:r>
+              <a:rPr lang="en-GB" sz="1600" dirty="0">
+                <a:solidFill>
+                  <a:srgbClr val="ED9366"/>
+                </a:solidFill>
+                <a:latin typeface="Consolas" panose="020B0609020204030204" pitchFamily="49" charset="0"/>
+              </a:rPr>
+              <a:t>=</a:t>
+            </a:r>
+            <a:r>
+              <a:rPr lang="en-GB" sz="1600" dirty="0">
+                <a:solidFill>
+                  <a:srgbClr val="6C7680"/>
+                </a:solidFill>
+                <a:latin typeface="Consolas" panose="020B0609020204030204" pitchFamily="49" charset="0"/>
+              </a:rPr>
+              <a:t> </a:t>
+            </a:r>
+            <a:r>
+              <a:rPr lang="en-GB" sz="1600" dirty="0">
+                <a:solidFill>
+                  <a:srgbClr val="F2AE49"/>
+                </a:solidFill>
+                <a:latin typeface="Consolas" panose="020B0609020204030204" pitchFamily="49" charset="0"/>
+              </a:rPr>
+              <a:t>length(</a:t>
+            </a:r>
+            <a:r>
+              <a:rPr lang="en-GB" sz="1600" dirty="0">
+                <a:solidFill>
+                  <a:srgbClr val="6C7680"/>
+                </a:solidFill>
+                <a:latin typeface="Consolas" panose="020B0609020204030204" pitchFamily="49" charset="0"/>
+              </a:rPr>
+              <a:t>var.rg_names)</a:t>
+            </a:r>
+          </a:p>
+          <a:p>
+            <a:r>
+              <a:rPr lang="en-GB" sz="1600" dirty="0">
+                <a:solidFill>
+                  <a:srgbClr val="6C7680"/>
+                </a:solidFill>
+                <a:latin typeface="Consolas" panose="020B0609020204030204" pitchFamily="49" charset="0"/>
+              </a:rPr>
+              <a:t>    name </a:t>
+            </a:r>
+            <a:r>
+              <a:rPr lang="en-GB" sz="1600" dirty="0">
+                <a:solidFill>
+                  <a:srgbClr val="ED9366"/>
+                </a:solidFill>
+                <a:latin typeface="Consolas" panose="020B0609020204030204" pitchFamily="49" charset="0"/>
+              </a:rPr>
+              <a:t>=</a:t>
+            </a:r>
+            <a:r>
+              <a:rPr lang="en-GB" sz="1600" dirty="0">
+                <a:solidFill>
+                  <a:srgbClr val="6C7680"/>
+                </a:solidFill>
+                <a:latin typeface="Consolas" panose="020B0609020204030204" pitchFamily="49" charset="0"/>
+              </a:rPr>
+              <a:t> </a:t>
+            </a:r>
+            <a:r>
+              <a:rPr lang="en-GB" sz="1600" dirty="0">
+                <a:solidFill>
+                  <a:srgbClr val="86B300"/>
+                </a:solidFill>
+                <a:latin typeface="Consolas" panose="020B0609020204030204" pitchFamily="49" charset="0"/>
+              </a:rPr>
+              <a:t>"</a:t>
+            </a:r>
+            <a:r>
+              <a:rPr lang="en-GB" sz="1600" dirty="0">
+                <a:solidFill>
+                  <a:srgbClr val="6C7680"/>
+                </a:solidFill>
+                <a:latin typeface="Consolas" panose="020B0609020204030204" pitchFamily="49" charset="0"/>
+              </a:rPr>
+              <a:t>${var</a:t>
+            </a:r>
+            <a:r>
+              <a:rPr lang="en-GB" sz="1600" dirty="0">
+                <a:solidFill>
+                  <a:srgbClr val="FA8D3E"/>
+                </a:solidFill>
+                <a:latin typeface="Consolas" panose="020B0609020204030204" pitchFamily="49" charset="0"/>
+              </a:rPr>
+              <a:t>.</a:t>
+            </a:r>
+            <a:r>
+              <a:rPr lang="en-GB" sz="1600" dirty="0">
+                <a:solidFill>
+                  <a:srgbClr val="6C7680"/>
+                </a:solidFill>
+                <a:latin typeface="Consolas" panose="020B0609020204030204" pitchFamily="49" charset="0"/>
+              </a:rPr>
+              <a:t>prefix}</a:t>
+            </a:r>
+            <a:r>
+              <a:rPr lang="en-GB" sz="1600" dirty="0">
+                <a:solidFill>
+                  <a:srgbClr val="86B300"/>
+                </a:solidFill>
+                <a:latin typeface="Consolas" panose="020B0609020204030204" pitchFamily="49" charset="0"/>
+              </a:rPr>
+              <a:t>_</a:t>
+            </a:r>
+            <a:r>
+              <a:rPr lang="en-GB" sz="1600" dirty="0">
+                <a:solidFill>
+                  <a:srgbClr val="6C7680"/>
+                </a:solidFill>
+                <a:latin typeface="Consolas" panose="020B0609020204030204" pitchFamily="49" charset="0"/>
+              </a:rPr>
+              <a:t>${var</a:t>
+            </a:r>
+            <a:r>
+              <a:rPr lang="en-GB" sz="1600" dirty="0">
+                <a:solidFill>
+                  <a:srgbClr val="FA8D3E"/>
+                </a:solidFill>
+                <a:latin typeface="Consolas" panose="020B0609020204030204" pitchFamily="49" charset="0"/>
+              </a:rPr>
+              <a:t>.</a:t>
+            </a:r>
+            <a:r>
+              <a:rPr lang="en-GB" sz="1600" dirty="0">
+                <a:solidFill>
+                  <a:srgbClr val="6C7680"/>
+                </a:solidFill>
+                <a:latin typeface="Consolas" panose="020B0609020204030204" pitchFamily="49" charset="0"/>
+              </a:rPr>
+              <a:t>rg_names[count</a:t>
+            </a:r>
+            <a:r>
+              <a:rPr lang="en-GB" sz="1600" dirty="0">
+                <a:solidFill>
+                  <a:srgbClr val="FA8D3E"/>
+                </a:solidFill>
+                <a:latin typeface="Consolas" panose="020B0609020204030204" pitchFamily="49" charset="0"/>
+              </a:rPr>
+              <a:t>.</a:t>
+            </a:r>
+            <a:r>
+              <a:rPr lang="en-GB" sz="1600" dirty="0">
+                <a:solidFill>
+                  <a:srgbClr val="6C7680"/>
+                </a:solidFill>
+                <a:latin typeface="Consolas" panose="020B0609020204030204" pitchFamily="49" charset="0"/>
+              </a:rPr>
+              <a:t>index]}</a:t>
+            </a:r>
+            <a:r>
+              <a:rPr lang="en-GB" sz="1600" dirty="0">
+                <a:solidFill>
+                  <a:srgbClr val="86B300"/>
+                </a:solidFill>
+                <a:latin typeface="Consolas" panose="020B0609020204030204" pitchFamily="49" charset="0"/>
+              </a:rPr>
+              <a:t>"</a:t>
+            </a:r>
+            <a:endParaRPr lang="en-GB" sz="1600" dirty="0">
+              <a:solidFill>
+                <a:srgbClr val="6C7680"/>
+              </a:solidFill>
+              <a:latin typeface="Consolas" panose="020B0609020204030204" pitchFamily="49" charset="0"/>
+            </a:endParaRPr>
+          </a:p>
+          <a:p>
+            <a:r>
+              <a:rPr lang="en-GB" sz="1600" dirty="0">
+                <a:solidFill>
+                  <a:srgbClr val="6C7680"/>
+                </a:solidFill>
+                <a:latin typeface="Consolas" panose="020B0609020204030204" pitchFamily="49" charset="0"/>
+              </a:rPr>
+              <a:t>    location </a:t>
+            </a:r>
+            <a:r>
+              <a:rPr lang="en-GB" sz="1600" dirty="0">
+                <a:solidFill>
+                  <a:srgbClr val="ED9366"/>
+                </a:solidFill>
+                <a:latin typeface="Consolas" panose="020B0609020204030204" pitchFamily="49" charset="0"/>
+              </a:rPr>
+              <a:t>=</a:t>
+            </a:r>
+            <a:r>
+              <a:rPr lang="en-GB" sz="1600" dirty="0">
+                <a:solidFill>
+                  <a:srgbClr val="6C7680"/>
+                </a:solidFill>
+                <a:latin typeface="Consolas" panose="020B0609020204030204" pitchFamily="49" charset="0"/>
+              </a:rPr>
+              <a:t> var.region</a:t>
+            </a:r>
+          </a:p>
+          <a:p>
+            <a:r>
+              <a:rPr lang="en-GB" sz="1600" dirty="0">
+                <a:solidFill>
+                  <a:srgbClr val="6C7680"/>
+                </a:solidFill>
+                <a:latin typeface="Consolas" panose="020B0609020204030204" pitchFamily="49" charset="0"/>
+              </a:rPr>
+              <a:t>    tags </a:t>
+            </a:r>
+            <a:r>
+              <a:rPr lang="en-GB" sz="1600" dirty="0">
+                <a:solidFill>
+                  <a:srgbClr val="ED9366"/>
+                </a:solidFill>
+                <a:latin typeface="Consolas" panose="020B0609020204030204" pitchFamily="49" charset="0"/>
+              </a:rPr>
+              <a:t>=</a:t>
+            </a:r>
+            <a:r>
+              <a:rPr lang="en-GB" sz="1600" dirty="0">
+                <a:solidFill>
+                  <a:srgbClr val="6C7680"/>
+                </a:solidFill>
+                <a:latin typeface="Consolas" panose="020B0609020204030204" pitchFamily="49" charset="0"/>
+              </a:rPr>
+              <a:t> var.tags</a:t>
+            </a:r>
+          </a:p>
+          <a:p>
+            <a:r>
+              <a:rPr lang="en-GB" sz="1600" dirty="0">
+                <a:solidFill>
+                  <a:srgbClr val="55B4D4"/>
+                </a:solidFill>
+                <a:latin typeface="Consolas" panose="020B0609020204030204" pitchFamily="49" charset="0"/>
+              </a:rPr>
+              <a:t>}</a:t>
+            </a:r>
+            <a:endParaRPr lang="en-GB" sz="1600" dirty="0">
+              <a:solidFill>
+                <a:srgbClr val="6C7680"/>
+              </a:solidFill>
+              <a:latin typeface="Consolas" panose="020B0609020204030204" pitchFamily="49" charset="0"/>
+            </a:endParaRPr>
+          </a:p>
+          <a:p>
+            <a:br>
+              <a:rPr lang="en-GB" sz="1600" dirty="0">
+                <a:solidFill>
+                  <a:srgbClr val="6C7680"/>
+                </a:solidFill>
+                <a:latin typeface="Consolas" panose="020B0609020204030204" pitchFamily="49" charset="0"/>
+              </a:rPr>
+            </a:br>
+            <a:r>
+              <a:rPr lang="en-GB" sz="1600" dirty="0">
+                <a:solidFill>
+                  <a:srgbClr val="FA8D3E"/>
+                </a:solidFill>
+                <a:latin typeface="Consolas" panose="020B0609020204030204" pitchFamily="49" charset="0"/>
+              </a:rPr>
+              <a:t>resource</a:t>
+            </a:r>
+            <a:r>
+              <a:rPr lang="en-GB" sz="1600" dirty="0">
+                <a:solidFill>
+                  <a:srgbClr val="6C7680"/>
+                </a:solidFill>
+                <a:latin typeface="Consolas" panose="020B0609020204030204" pitchFamily="49" charset="0"/>
+              </a:rPr>
+              <a:t> </a:t>
+            </a:r>
+            <a:r>
+              <a:rPr lang="en-GB" sz="1600" dirty="0">
+                <a:solidFill>
+                  <a:srgbClr val="86B300"/>
+                </a:solidFill>
+                <a:latin typeface="Consolas" panose="020B0609020204030204" pitchFamily="49" charset="0"/>
+              </a:rPr>
+              <a:t>"</a:t>
+            </a:r>
+            <a:r>
+              <a:rPr lang="en-GB" sz="1600" dirty="0" err="1">
+                <a:solidFill>
+                  <a:srgbClr val="86B300"/>
+                </a:solidFill>
+                <a:latin typeface="Consolas" panose="020B0609020204030204" pitchFamily="49" charset="0"/>
+              </a:rPr>
+              <a:t>azurerm_virtual_network</a:t>
+            </a:r>
+            <a:r>
+              <a:rPr lang="en-GB" sz="1600" dirty="0">
+                <a:solidFill>
+                  <a:srgbClr val="86B300"/>
+                </a:solidFill>
+                <a:latin typeface="Consolas" panose="020B0609020204030204" pitchFamily="49" charset="0"/>
+              </a:rPr>
+              <a:t>"</a:t>
+            </a:r>
+            <a:r>
+              <a:rPr lang="en-GB" sz="1600" dirty="0">
+                <a:solidFill>
+                  <a:srgbClr val="6C7680"/>
+                </a:solidFill>
+                <a:latin typeface="Consolas" panose="020B0609020204030204" pitchFamily="49" charset="0"/>
+              </a:rPr>
+              <a:t> </a:t>
+            </a:r>
+            <a:r>
+              <a:rPr lang="en-GB" sz="1600" dirty="0">
+                <a:solidFill>
+                  <a:srgbClr val="86B300"/>
+                </a:solidFill>
+                <a:latin typeface="Consolas" panose="020B0609020204030204" pitchFamily="49" charset="0"/>
+              </a:rPr>
+              <a:t>"vnet"</a:t>
+            </a:r>
+            <a:r>
+              <a:rPr lang="en-GB" sz="1600" dirty="0">
+                <a:solidFill>
+                  <a:srgbClr val="6C7680"/>
+                </a:solidFill>
+                <a:latin typeface="Consolas" panose="020B0609020204030204" pitchFamily="49" charset="0"/>
+              </a:rPr>
+              <a:t> </a:t>
+            </a:r>
+            <a:r>
+              <a:rPr lang="en-GB" sz="1600" dirty="0">
+                <a:solidFill>
+                  <a:srgbClr val="55B4D4"/>
+                </a:solidFill>
+                <a:latin typeface="Consolas" panose="020B0609020204030204" pitchFamily="49" charset="0"/>
+              </a:rPr>
+              <a:t>{</a:t>
+            </a:r>
+            <a:endParaRPr lang="en-GB" sz="1600" dirty="0">
+              <a:solidFill>
+                <a:srgbClr val="6C7680"/>
+              </a:solidFill>
+              <a:latin typeface="Consolas" panose="020B0609020204030204" pitchFamily="49" charset="0"/>
+            </a:endParaRPr>
+          </a:p>
+          <a:p>
+            <a:r>
+              <a:rPr lang="en-GB" sz="1600" dirty="0">
+                <a:solidFill>
+                  <a:srgbClr val="6C7680"/>
+                </a:solidFill>
+                <a:latin typeface="Consolas" panose="020B0609020204030204" pitchFamily="49" charset="0"/>
+              </a:rPr>
+              <a:t>    count               </a:t>
+            </a:r>
+            <a:r>
+              <a:rPr lang="en-GB" sz="1600" dirty="0">
+                <a:solidFill>
+                  <a:srgbClr val="ED9366"/>
+                </a:solidFill>
+                <a:latin typeface="Consolas" panose="020B0609020204030204" pitchFamily="49" charset="0"/>
+              </a:rPr>
+              <a:t>=</a:t>
+            </a:r>
+            <a:r>
+              <a:rPr lang="en-GB" sz="1600" dirty="0">
+                <a:solidFill>
+                  <a:srgbClr val="6C7680"/>
+                </a:solidFill>
+                <a:latin typeface="Consolas" panose="020B0609020204030204" pitchFamily="49" charset="0"/>
+              </a:rPr>
+              <a:t> </a:t>
+            </a:r>
+            <a:r>
+              <a:rPr lang="en-GB" sz="1600" dirty="0">
+                <a:solidFill>
+                  <a:srgbClr val="F2AE49"/>
+                </a:solidFill>
+                <a:latin typeface="Consolas" panose="020B0609020204030204" pitchFamily="49" charset="0"/>
+              </a:rPr>
+              <a:t>length(</a:t>
+            </a:r>
+            <a:r>
+              <a:rPr lang="en-GB" sz="1600" dirty="0">
+                <a:solidFill>
+                  <a:srgbClr val="6C7680"/>
+                </a:solidFill>
+                <a:latin typeface="Consolas" panose="020B0609020204030204" pitchFamily="49" charset="0"/>
+              </a:rPr>
+              <a:t>var.rg_names)</a:t>
+            </a:r>
+          </a:p>
+          <a:p>
+            <a:r>
+              <a:rPr lang="en-GB" sz="1600" dirty="0">
+                <a:solidFill>
+                  <a:srgbClr val="6C7680"/>
+                </a:solidFill>
+                <a:latin typeface="Consolas" panose="020B0609020204030204" pitchFamily="49" charset="0"/>
+              </a:rPr>
+              <a:t>    name                </a:t>
+            </a:r>
+            <a:r>
+              <a:rPr lang="en-GB" sz="1600" dirty="0">
+                <a:solidFill>
+                  <a:srgbClr val="ED9366"/>
+                </a:solidFill>
+                <a:latin typeface="Consolas" panose="020B0609020204030204" pitchFamily="49" charset="0"/>
+              </a:rPr>
+              <a:t>=</a:t>
+            </a:r>
+            <a:r>
+              <a:rPr lang="en-GB" sz="1600" dirty="0">
+                <a:solidFill>
+                  <a:srgbClr val="6C7680"/>
+                </a:solidFill>
+                <a:latin typeface="Consolas" panose="020B0609020204030204" pitchFamily="49" charset="0"/>
+              </a:rPr>
+              <a:t> </a:t>
+            </a:r>
+            <a:r>
+              <a:rPr lang="en-GB" sz="1600" dirty="0">
+                <a:solidFill>
+                  <a:srgbClr val="F2AE49"/>
+                </a:solidFill>
+                <a:latin typeface="Consolas" panose="020B0609020204030204" pitchFamily="49" charset="0"/>
+              </a:rPr>
+              <a:t>lookup(</a:t>
+            </a:r>
+            <a:r>
+              <a:rPr lang="en-GB" sz="1600" dirty="0">
+                <a:solidFill>
+                  <a:srgbClr val="6C7680"/>
+                </a:solidFill>
+                <a:latin typeface="Consolas" panose="020B0609020204030204" pitchFamily="49" charset="0"/>
+              </a:rPr>
+              <a:t>var.vnets[count.index], </a:t>
+            </a:r>
+            <a:r>
+              <a:rPr lang="en-GB" sz="1600" dirty="0">
+                <a:solidFill>
+                  <a:srgbClr val="86B300"/>
+                </a:solidFill>
+                <a:latin typeface="Consolas" panose="020B0609020204030204" pitchFamily="49" charset="0"/>
+              </a:rPr>
+              <a:t>"name"</a:t>
+            </a:r>
+            <a:r>
+              <a:rPr lang="en-GB" sz="1600" dirty="0">
+                <a:solidFill>
+                  <a:srgbClr val="6C7680"/>
+                </a:solidFill>
+                <a:latin typeface="Consolas" panose="020B0609020204030204" pitchFamily="49" charset="0"/>
+              </a:rPr>
+              <a:t>)</a:t>
+            </a:r>
+          </a:p>
+          <a:p>
+            <a:r>
+              <a:rPr lang="en-GB" sz="1600" dirty="0">
+                <a:solidFill>
+                  <a:srgbClr val="6C7680"/>
+                </a:solidFill>
+                <a:latin typeface="Consolas" panose="020B0609020204030204" pitchFamily="49" charset="0"/>
+              </a:rPr>
+              <a:t>    address_space       </a:t>
+            </a:r>
+            <a:r>
+              <a:rPr lang="en-GB" sz="1600" dirty="0">
+                <a:solidFill>
+                  <a:srgbClr val="ED9366"/>
+                </a:solidFill>
+                <a:latin typeface="Consolas" panose="020B0609020204030204" pitchFamily="49" charset="0"/>
+              </a:rPr>
+              <a:t>=</a:t>
+            </a:r>
+            <a:r>
+              <a:rPr lang="en-GB" sz="1600" dirty="0">
+                <a:solidFill>
+                  <a:srgbClr val="6C7680"/>
+                </a:solidFill>
+                <a:latin typeface="Consolas" panose="020B0609020204030204" pitchFamily="49" charset="0"/>
+              </a:rPr>
+              <a:t> [</a:t>
+            </a:r>
+            <a:r>
+              <a:rPr lang="en-GB" sz="1600" dirty="0">
+                <a:solidFill>
+                  <a:srgbClr val="F2AE49"/>
+                </a:solidFill>
+                <a:latin typeface="Consolas" panose="020B0609020204030204" pitchFamily="49" charset="0"/>
+              </a:rPr>
+              <a:t>lookup(</a:t>
+            </a:r>
+            <a:r>
+              <a:rPr lang="en-GB" sz="1600" dirty="0">
+                <a:solidFill>
+                  <a:srgbClr val="6C7680"/>
+                </a:solidFill>
+                <a:latin typeface="Consolas" panose="020B0609020204030204" pitchFamily="49" charset="0"/>
+              </a:rPr>
+              <a:t>var.vnets[count.index], </a:t>
+            </a:r>
+            <a:r>
+              <a:rPr lang="en-GB" sz="1600" dirty="0">
+                <a:solidFill>
+                  <a:srgbClr val="86B300"/>
+                </a:solidFill>
+                <a:latin typeface="Consolas" panose="020B0609020204030204" pitchFamily="49" charset="0"/>
+              </a:rPr>
+              <a:t>"address"</a:t>
+            </a:r>
+            <a:r>
+              <a:rPr lang="en-GB" sz="1600" dirty="0">
+                <a:solidFill>
+                  <a:srgbClr val="6C7680"/>
+                </a:solidFill>
+                <a:latin typeface="Consolas" panose="020B0609020204030204" pitchFamily="49" charset="0"/>
+              </a:rPr>
+              <a:t>)]</a:t>
+            </a:r>
+          </a:p>
+          <a:p>
+            <a:r>
+              <a:rPr lang="en-GB" sz="1600" dirty="0">
+                <a:solidFill>
+                  <a:srgbClr val="6C7680"/>
+                </a:solidFill>
+                <a:latin typeface="Consolas" panose="020B0609020204030204" pitchFamily="49" charset="0"/>
+              </a:rPr>
+              <a:t>    location            </a:t>
+            </a:r>
+            <a:r>
+              <a:rPr lang="en-GB" sz="1600" dirty="0">
+                <a:solidFill>
+                  <a:srgbClr val="ED9366"/>
+                </a:solidFill>
+                <a:latin typeface="Consolas" panose="020B0609020204030204" pitchFamily="49" charset="0"/>
+              </a:rPr>
+              <a:t>=</a:t>
+            </a:r>
+            <a:r>
+              <a:rPr lang="en-GB" sz="1600" dirty="0">
+                <a:solidFill>
+                  <a:srgbClr val="6C7680"/>
+                </a:solidFill>
+                <a:latin typeface="Consolas" panose="020B0609020204030204" pitchFamily="49" charset="0"/>
+              </a:rPr>
+              <a:t> var.region</a:t>
+            </a:r>
+          </a:p>
+          <a:p>
+            <a:r>
+              <a:rPr lang="en-GB" sz="1600" dirty="0">
+                <a:solidFill>
+                  <a:srgbClr val="6C7680"/>
+                </a:solidFill>
+                <a:latin typeface="Consolas" panose="020B0609020204030204" pitchFamily="49" charset="0"/>
+              </a:rPr>
+              <a:t>    </a:t>
+            </a:r>
+            <a:r>
+              <a:rPr lang="en-GB" sz="1600" dirty="0" err="1">
+                <a:solidFill>
+                  <a:srgbClr val="6C7680"/>
+                </a:solidFill>
+                <a:latin typeface="Consolas" panose="020B0609020204030204" pitchFamily="49" charset="0"/>
+              </a:rPr>
+              <a:t>resource_group_name</a:t>
+            </a:r>
+            <a:r>
+              <a:rPr lang="en-GB" sz="1600" dirty="0">
+                <a:solidFill>
+                  <a:srgbClr val="6C7680"/>
+                </a:solidFill>
+                <a:latin typeface="Consolas" panose="020B0609020204030204" pitchFamily="49" charset="0"/>
+              </a:rPr>
+              <a:t> </a:t>
+            </a:r>
+            <a:r>
+              <a:rPr lang="en-GB" sz="1600" dirty="0">
+                <a:solidFill>
+                  <a:srgbClr val="ED9366"/>
+                </a:solidFill>
+                <a:latin typeface="Consolas" panose="020B0609020204030204" pitchFamily="49" charset="0"/>
+              </a:rPr>
+              <a:t>=</a:t>
+            </a:r>
+            <a:r>
+              <a:rPr lang="en-GB" sz="1600" dirty="0">
+                <a:solidFill>
+                  <a:srgbClr val="6C7680"/>
+                </a:solidFill>
+                <a:latin typeface="Consolas" panose="020B0609020204030204" pitchFamily="49" charset="0"/>
+              </a:rPr>
+              <a:t> </a:t>
+            </a:r>
+            <a:r>
+              <a:rPr lang="en-GB" sz="1600" dirty="0">
+                <a:solidFill>
+                  <a:srgbClr val="86B300"/>
+                </a:solidFill>
+                <a:latin typeface="Consolas" panose="020B0609020204030204" pitchFamily="49" charset="0"/>
+              </a:rPr>
+              <a:t>"</a:t>
+            </a:r>
+            <a:r>
+              <a:rPr lang="en-GB" sz="1600" dirty="0">
+                <a:solidFill>
+                  <a:srgbClr val="6C7680"/>
+                </a:solidFill>
+                <a:latin typeface="Consolas" panose="020B0609020204030204" pitchFamily="49" charset="0"/>
+              </a:rPr>
+              <a:t>${</a:t>
+            </a:r>
+            <a:r>
+              <a:rPr lang="en-GB" sz="1600" dirty="0" err="1">
+                <a:solidFill>
+                  <a:srgbClr val="6C7680"/>
+                </a:solidFill>
+                <a:latin typeface="Consolas" panose="020B0609020204030204" pitchFamily="49" charset="0"/>
+              </a:rPr>
+              <a:t>var</a:t>
+            </a:r>
+            <a:r>
+              <a:rPr lang="en-GB" sz="1600" dirty="0" err="1">
+                <a:solidFill>
+                  <a:srgbClr val="FA8D3E"/>
+                </a:solidFill>
+                <a:latin typeface="Consolas" panose="020B0609020204030204" pitchFamily="49" charset="0"/>
+              </a:rPr>
+              <a:t>.</a:t>
+            </a:r>
+            <a:r>
+              <a:rPr lang="en-GB" sz="1600" dirty="0" err="1">
+                <a:solidFill>
+                  <a:srgbClr val="6C7680"/>
+                </a:solidFill>
+                <a:latin typeface="Consolas" panose="020B0609020204030204" pitchFamily="49" charset="0"/>
+              </a:rPr>
+              <a:t>prefix</a:t>
+            </a:r>
+            <a:r>
+              <a:rPr lang="en-GB" sz="1600" dirty="0">
+                <a:solidFill>
+                  <a:srgbClr val="6C7680"/>
+                </a:solidFill>
+                <a:latin typeface="Consolas" panose="020B0609020204030204" pitchFamily="49" charset="0"/>
+              </a:rPr>
+              <a:t>}</a:t>
+            </a:r>
+            <a:r>
+              <a:rPr lang="en-GB" sz="1600" dirty="0">
+                <a:solidFill>
+                  <a:srgbClr val="86B300"/>
+                </a:solidFill>
+                <a:latin typeface="Consolas" panose="020B0609020204030204" pitchFamily="49" charset="0"/>
+              </a:rPr>
+              <a:t>_</a:t>
+            </a:r>
+            <a:r>
+              <a:rPr lang="en-GB" sz="1600" dirty="0">
+                <a:solidFill>
+                  <a:srgbClr val="6C7680"/>
+                </a:solidFill>
+                <a:latin typeface="Consolas" panose="020B0609020204030204" pitchFamily="49" charset="0"/>
+              </a:rPr>
+              <a:t>${</a:t>
+            </a:r>
+            <a:r>
+              <a:rPr lang="en-GB" sz="1600" dirty="0" err="1">
+                <a:solidFill>
+                  <a:srgbClr val="6C7680"/>
+                </a:solidFill>
+                <a:latin typeface="Consolas" panose="020B0609020204030204" pitchFamily="49" charset="0"/>
+              </a:rPr>
+              <a:t>var</a:t>
+            </a:r>
+            <a:r>
+              <a:rPr lang="en-GB" sz="1600" dirty="0" err="1">
+                <a:solidFill>
+                  <a:srgbClr val="FA8D3E"/>
+                </a:solidFill>
+                <a:latin typeface="Consolas" panose="020B0609020204030204" pitchFamily="49" charset="0"/>
+              </a:rPr>
+              <a:t>.</a:t>
+            </a:r>
+            <a:r>
+              <a:rPr lang="en-GB" sz="1600" dirty="0" err="1">
+                <a:solidFill>
+                  <a:srgbClr val="6C7680"/>
+                </a:solidFill>
+                <a:latin typeface="Consolas" panose="020B0609020204030204" pitchFamily="49" charset="0"/>
+              </a:rPr>
+              <a:t>rg_names</a:t>
+            </a:r>
+            <a:r>
+              <a:rPr lang="en-GB" sz="1600" dirty="0">
+                <a:solidFill>
+                  <a:srgbClr val="6C7680"/>
+                </a:solidFill>
+                <a:latin typeface="Consolas" panose="020B0609020204030204" pitchFamily="49" charset="0"/>
+              </a:rPr>
+              <a:t>[</a:t>
+            </a:r>
+            <a:r>
+              <a:rPr lang="en-GB" sz="1600" dirty="0" err="1">
+                <a:solidFill>
+                  <a:srgbClr val="6C7680"/>
+                </a:solidFill>
+                <a:latin typeface="Consolas" panose="020B0609020204030204" pitchFamily="49" charset="0"/>
+              </a:rPr>
+              <a:t>count</a:t>
+            </a:r>
+            <a:r>
+              <a:rPr lang="en-GB" sz="1600" dirty="0" err="1">
+                <a:solidFill>
+                  <a:srgbClr val="FA8D3E"/>
+                </a:solidFill>
+                <a:latin typeface="Consolas" panose="020B0609020204030204" pitchFamily="49" charset="0"/>
+              </a:rPr>
+              <a:t>.</a:t>
+            </a:r>
+            <a:r>
+              <a:rPr lang="en-GB" sz="1600" dirty="0" err="1">
+                <a:solidFill>
+                  <a:srgbClr val="6C7680"/>
+                </a:solidFill>
+                <a:latin typeface="Consolas" panose="020B0609020204030204" pitchFamily="49" charset="0"/>
+              </a:rPr>
+              <a:t>index</a:t>
+            </a:r>
+            <a:r>
+              <a:rPr lang="en-GB" sz="1600" dirty="0">
+                <a:solidFill>
+                  <a:srgbClr val="6C7680"/>
+                </a:solidFill>
+                <a:latin typeface="Consolas" panose="020B0609020204030204" pitchFamily="49" charset="0"/>
+              </a:rPr>
+              <a:t>]}</a:t>
+            </a:r>
+            <a:r>
+              <a:rPr lang="en-GB" sz="1600" dirty="0">
+                <a:solidFill>
+                  <a:srgbClr val="86B300"/>
+                </a:solidFill>
+                <a:latin typeface="Consolas" panose="020B0609020204030204" pitchFamily="49" charset="0"/>
+              </a:rPr>
+              <a:t>"</a:t>
+            </a:r>
+          </a:p>
+          <a:p>
+            <a:r>
+              <a:rPr lang="en-GB" sz="1600" dirty="0">
+                <a:solidFill>
+                  <a:srgbClr val="86B300"/>
+                </a:solidFill>
+                <a:latin typeface="Consolas" panose="020B0609020204030204" pitchFamily="49" charset="0"/>
+              </a:rPr>
+              <a:t>    </a:t>
+            </a:r>
+            <a:r>
+              <a:rPr lang="en-GB" sz="1600" dirty="0" err="1">
+                <a:solidFill>
+                  <a:srgbClr val="6C7680"/>
+                </a:solidFill>
+                <a:latin typeface="Consolas" panose="020B0609020204030204" pitchFamily="49" charset="0"/>
+              </a:rPr>
+              <a:t>depends_on</a:t>
+            </a:r>
+            <a:r>
+              <a:rPr lang="en-GB" sz="1600" dirty="0">
+                <a:solidFill>
+                  <a:srgbClr val="6C7680"/>
+                </a:solidFill>
+                <a:latin typeface="Consolas" panose="020B0609020204030204" pitchFamily="49" charset="0"/>
+              </a:rPr>
+              <a:t>          </a:t>
+            </a:r>
+            <a:r>
+              <a:rPr lang="en-GB" sz="1600" dirty="0">
+                <a:solidFill>
+                  <a:srgbClr val="ED9366"/>
+                </a:solidFill>
+                <a:latin typeface="Consolas" panose="020B0609020204030204" pitchFamily="49" charset="0"/>
+              </a:rPr>
+              <a:t>=</a:t>
+            </a:r>
+            <a:r>
+              <a:rPr lang="en-GB" sz="1600" dirty="0">
+                <a:solidFill>
+                  <a:srgbClr val="86B300"/>
+                </a:solidFill>
+                <a:latin typeface="Consolas" panose="020B0609020204030204" pitchFamily="49" charset="0"/>
+              </a:rPr>
+              <a:t> </a:t>
+            </a:r>
+            <a:r>
+              <a:rPr lang="en-GB" sz="1600" dirty="0">
+                <a:solidFill>
+                  <a:srgbClr val="6C7680"/>
+                </a:solidFill>
+                <a:latin typeface="Consolas" panose="020B0609020204030204" pitchFamily="49" charset="0"/>
+              </a:rPr>
+              <a:t>[ </a:t>
+            </a:r>
+            <a:r>
+              <a:rPr lang="en-GB" sz="1600" dirty="0" err="1">
+                <a:solidFill>
+                  <a:srgbClr val="6C7680"/>
+                </a:solidFill>
+                <a:latin typeface="Consolas" panose="020B0609020204030204" pitchFamily="49" charset="0"/>
+              </a:rPr>
+              <a:t>azurerm_resource_group.rgs</a:t>
+            </a:r>
+            <a:r>
+              <a:rPr lang="en-GB" sz="1600" dirty="0">
+                <a:solidFill>
+                  <a:srgbClr val="6C7680"/>
+                </a:solidFill>
+                <a:latin typeface="Consolas" panose="020B0609020204030204" pitchFamily="49" charset="0"/>
+              </a:rPr>
+              <a:t> ] </a:t>
+            </a:r>
+          </a:p>
+          <a:p>
+            <a:r>
+              <a:rPr lang="en-GB" sz="1600" dirty="0">
+                <a:solidFill>
+                  <a:srgbClr val="55B4D4"/>
+                </a:solidFill>
+                <a:latin typeface="Consolas" panose="020B0609020204030204" pitchFamily="49" charset="0"/>
+              </a:rPr>
+              <a:t>}</a:t>
+            </a:r>
+            <a:endParaRPr lang="en-GB" sz="1600" dirty="0">
+              <a:solidFill>
+                <a:srgbClr val="6C7680"/>
+              </a:solidFill>
+              <a:latin typeface="Consolas" panose="020B0609020204030204" pitchFamily="49" charset="0"/>
+            </a:endParaRPr>
+          </a:p>
+          <a:p>
+            <a:br>
+              <a:rPr lang="en-GB" sz="1600" dirty="0">
+                <a:solidFill>
+                  <a:srgbClr val="6C7680"/>
+                </a:solidFill>
+                <a:latin typeface="Consolas" panose="020B0609020204030204" pitchFamily="49" charset="0"/>
+              </a:rPr>
+            </a:br>
+            <a:endParaRPr lang="en-GB" sz="1600" b="0" dirty="0">
+              <a:solidFill>
+                <a:srgbClr val="6C7680"/>
+              </a:solidFill>
+              <a:effectLst/>
+              <a:latin typeface="Consolas" panose="020B0609020204030204" pitchFamily="49" charset="0"/>
+            </a:endParaRPr>
+          </a:p>
+        </p:txBody>
+      </p:sp>
+      <p:sp>
+        <p:nvSpPr>
+          <p:cNvPr id="10" name="Arrow: Left 9">
+            <a:extLst>
+              <a:ext uri="{FF2B5EF4-FFF2-40B4-BE49-F238E27FC236}">
+                <a16:creationId xmlns:a16="http://schemas.microsoft.com/office/drawing/2014/main" id="{F625804D-1ED1-4488-B0FD-F0E0679DD949}"/>
+              </a:ext>
+            </a:extLst>
+          </p:cNvPr>
+          <p:cNvSpPr/>
+          <p:nvPr/>
+        </p:nvSpPr>
+        <p:spPr bwMode="auto">
+          <a:xfrm>
+            <a:off x="8569326" y="4948026"/>
+            <a:ext cx="2652665" cy="262551"/>
+          </a:xfrm>
+          <a:prstGeom prst="leftArrow">
+            <a:avLst/>
+          </a:prstGeom>
+          <a:solidFill>
+            <a:schemeClr val="accent1"/>
+          </a:solidFill>
+          <a:ln>
+            <a:noFill/>
+            <a:headEnd type="none" w="med" len="med"/>
+            <a:tailEnd type="none" w="med" len="med"/>
+          </a:ln>
+          <a:effectLst/>
+        </p:spPr>
+        <p:style>
+          <a:lnRef idx="1">
+            <a:schemeClr val="accent2"/>
+          </a:lnRef>
+          <a:fillRef idx="3">
+            <a:schemeClr val="accent2"/>
+          </a:fillRef>
+          <a:effectRef idx="2">
+            <a:schemeClr val="accent2"/>
+          </a:effectRef>
+          <a:fontRef idx="minor">
+            <a:schemeClr val="lt1"/>
+          </a:fontRef>
+        </p:style>
+        <p:txBody>
+          <a:bodyPr rot="0" spcFirstLastPara="0" vertOverflow="overflow" horzOverflow="overflow" vert="horz" wrap="square" lIns="182880" tIns="146304" rIns="182880" bIns="146304" numCol="1" spcCol="0" rtlCol="0" fromWordArt="0" anchor="t" anchorCtr="0" forceAA="0" compatLnSpc="1">
+            <a:prstTxWarp prst="textNoShape">
+              <a:avLst/>
+            </a:prstTxWarp>
+            <a:noAutofit/>
+          </a:bodyPr>
+          <a:lstStyle/>
+          <a:p>
+            <a:pPr algn="l" defTabSz="932472" fontAlgn="base">
+              <a:spcBef>
+                <a:spcPct val="0"/>
+              </a:spcBef>
+              <a:spcAft>
+                <a:spcPct val="0"/>
+              </a:spcAft>
+            </a:pPr>
+            <a:endParaRPr lang="en-GB" sz="2000" dirty="0" err="1">
+              <a:solidFill>
+                <a:srgbClr val="FFFFFF"/>
+              </a:solidFill>
+              <a:ea typeface="Segoe UI" pitchFamily="34" charset="0"/>
+              <a:cs typeface="Segoe UI" pitchFamily="34" charset="0"/>
+            </a:endParaRPr>
+          </a:p>
+        </p:txBody>
+      </p:sp>
+    </p:spTree>
+    <p:extLst>
+      <p:ext uri="{BB962C8B-B14F-4D97-AF65-F5344CB8AC3E}">
+        <p14:creationId xmlns:p14="http://schemas.microsoft.com/office/powerpoint/2010/main" val="938793267"/>
+      </p:ext>
+    </p:extLst>
+  </p:cSld>
+  <p:clrMapOvr>
+    <a:masterClrMapping/>
+  </p:clrMapOvr>
+  <p:transition>
+    <p:fade/>
+  </p:transition>
+  <p:timing>
+    <p:tnLst>
+      <p:par>
+        <p:cTn id="1" dur="indefinite" restart="never" nodeType="tmRoot">
+          <p:childTnLst>
+            <p:seq concurrent="1" nextAc="seek">
+              <p:cTn id="2" dur="indefinite" nodeType="mainSeq">
+                <p:childTnLst>
+                  <p:par>
+                    <p:cTn id="3" fill="hold">
+                      <p:stCondLst>
+                        <p:cond delay="indefinite"/>
+                      </p:stCondLst>
+                      <p:childTnLst>
+                        <p:par>
+                          <p:cTn id="4" fill="hold">
+                            <p:stCondLst>
+                              <p:cond delay="0"/>
+                            </p:stCondLst>
+                            <p:childTnLst>
+                              <p:par>
+                                <p:cTn id="5" presetID="22" presetClass="entr" presetSubtype="8" fill="hold" grpId="0" nodeType="clickEffect">
+                                  <p:stCondLst>
+                                    <p:cond delay="0"/>
+                                  </p:stCondLst>
+                                  <p:childTnLst>
+                                    <p:set>
+                                      <p:cBhvr>
+                                        <p:cTn id="6" dur="1" fill="hold">
+                                          <p:stCondLst>
+                                            <p:cond delay="0"/>
+                                          </p:stCondLst>
+                                        </p:cTn>
+                                        <p:tgtEl>
+                                          <p:spTgt spid="6"/>
+                                        </p:tgtEl>
+                                        <p:attrNameLst>
+                                          <p:attrName>style.visibility</p:attrName>
+                                        </p:attrNameLst>
+                                      </p:cBhvr>
+                                      <p:to>
+                                        <p:strVal val="visible"/>
+                                      </p:to>
+                                    </p:set>
+                                    <p:animEffect transition="in" filter="wipe(left)">
+                                      <p:cBhvr>
+                                        <p:cTn id="7" dur="500"/>
+                                        <p:tgtEl>
+                                          <p:spTgt spid="6"/>
+                                        </p:tgtEl>
+                                      </p:cBhvr>
+                                    </p:animEffect>
+                                  </p:childTnLst>
+                                </p:cTn>
+                              </p:par>
+                            </p:childTnLst>
+                          </p:cTn>
+                        </p:par>
+                      </p:childTnLst>
+                    </p:cTn>
+                  </p:par>
+                  <p:par>
+                    <p:cTn id="8" fill="hold">
+                      <p:stCondLst>
+                        <p:cond delay="indefinite"/>
+                      </p:stCondLst>
+                      <p:childTnLst>
+                        <p:par>
+                          <p:cTn id="9" fill="hold">
+                            <p:stCondLst>
+                              <p:cond delay="0"/>
+                            </p:stCondLst>
+                            <p:childTnLst>
+                              <p:par>
+                                <p:cTn id="10" presetID="22" presetClass="entr" presetSubtype="2" fill="hold" grpId="0" nodeType="clickEffect">
+                                  <p:stCondLst>
+                                    <p:cond delay="0"/>
+                                  </p:stCondLst>
+                                  <p:childTnLst>
+                                    <p:set>
+                                      <p:cBhvr>
+                                        <p:cTn id="11" dur="1" fill="hold">
+                                          <p:stCondLst>
+                                            <p:cond delay="0"/>
+                                          </p:stCondLst>
+                                        </p:cTn>
+                                        <p:tgtEl>
+                                          <p:spTgt spid="10"/>
+                                        </p:tgtEl>
+                                        <p:attrNameLst>
+                                          <p:attrName>style.visibility</p:attrName>
+                                        </p:attrNameLst>
+                                      </p:cBhvr>
+                                      <p:to>
+                                        <p:strVal val="visible"/>
+                                      </p:to>
+                                    </p:set>
+                                    <p:animEffect transition="in" filter="wipe(right)">
+                                      <p:cBhvr>
+                                        <p:cTn id="12" dur="500"/>
+                                        <p:tgtEl>
+                                          <p:spTgt spid="10"/>
+                                        </p:tgtEl>
+                                      </p:cBhvr>
+                                    </p:animEffect>
+                                  </p:childTnLst>
+                                </p:cTn>
+                              </p:par>
+                            </p:childTnLst>
+                          </p:cTn>
+                        </p:par>
+                      </p:childTnLst>
+                    </p:cTn>
+                  </p:par>
+                </p:childTnLst>
+              </p:cTn>
+              <p:prevCondLst>
+                <p:cond evt="onPrev" delay="0">
+                  <p:tgtEl>
+                    <p:sldTgt/>
+                  </p:tgtEl>
+                </p:cond>
+              </p:prevCondLst>
+              <p:nextCondLst>
+                <p:cond evt="onNext" delay="0">
+                  <p:tgtEl>
+                    <p:sldTgt/>
+                  </p:tgtEl>
+                </p:cond>
+              </p:nextCondLst>
+            </p:seq>
+          </p:childTnLst>
+        </p:cTn>
+      </p:par>
+    </p:tnLst>
+    <p:bldLst>
+      <p:bldP spid="6" grpId="0"/>
+      <p:bldP spid="10" grpId="0" animBg="1"/>
+    </p:bldLst>
+  </p:timing>
+</p:sld>
+</file>
+
+<file path=ppt/slides/slide7.xml><?xml version="1.0" encoding="utf-8"?>
+<p:sld xmlns:a="http://schemas.openxmlformats.org/drawingml/2006/main" xmlns:r="http://schemas.openxmlformats.org/officeDocument/2006/relationships" xmlns:p="http://schemas.openxmlformats.org/presentationml/2006/main">
+  <p:cSld>
+    <p:spTree>
+      <p:nvGrpSpPr>
+        <p:cNvPr id="1" name=""/>
+        <p:cNvGrpSpPr/>
+        <p:nvPr/>
+      </p:nvGrpSpPr>
+      <p:grpSpPr>
+        <a:xfrm>
+          <a:off x="0" y="0"/>
+          <a:ext cx="0" cy="0"/>
+          <a:chOff x="0" y="0"/>
+          <a:chExt cx="0" cy="0"/>
+        </a:xfrm>
+      </p:grpSpPr>
+      <p:sp>
+        <p:nvSpPr>
           <p:cNvPr id="4" name="Title 3">
             <a:extLst>
               <a:ext uri="{FF2B5EF4-FFF2-40B4-BE49-F238E27FC236}">
@@ -22896,101 +28845,6 @@
     <p:extLst>
       <p:ext uri="{BB962C8B-B14F-4D97-AF65-F5344CB8AC3E}">
         <p14:creationId xmlns:p14="http://schemas.microsoft.com/office/powerpoint/2010/main" val="2946333283"/>
-      </p:ext>
-    </p:extLst>
-  </p:cSld>
-  <p:clrMapOvr>
-    <a:masterClrMapping/>
-  </p:clrMapOvr>
-  <mc:AlternateContent xmlns:mc="http://schemas.openxmlformats.org/markup-compatibility/2006" xmlns:p14="http://schemas.microsoft.com/office/powerpoint/2010/main">
-    <mc:Choice Requires="p14">
-      <p:transition spd="med" p14:dur="700">
-        <p:fade/>
-      </p:transition>
-    </mc:Choice>
-    <mc:Fallback xmlns="">
-      <p:transition spd="med">
-        <p:fade/>
-      </p:transition>
-    </mc:Fallback>
-  </mc:AlternateContent>
-</p:sld>
-</file>
-
-<file path=ppt/slides/slide7.xml><?xml version="1.0" encoding="utf-8"?>
-<p:sld xmlns:a="http://schemas.openxmlformats.org/drawingml/2006/main" xmlns:r="http://schemas.openxmlformats.org/officeDocument/2006/relationships" xmlns:p="http://schemas.openxmlformats.org/presentationml/2006/main">
-  <p:cSld>
-    <p:spTree>
-      <p:nvGrpSpPr>
-        <p:cNvPr id="1" name=""/>
-        <p:cNvGrpSpPr/>
-        <p:nvPr/>
-      </p:nvGrpSpPr>
-      <p:grpSpPr>
-        <a:xfrm>
-          <a:off x="0" y="0"/>
-          <a:ext cx="0" cy="0"/>
-          <a:chOff x="0" y="0"/>
-          <a:chExt cx="0" cy="0"/>
-        </a:xfrm>
-      </p:grpSpPr>
-      <p:sp>
-        <p:nvSpPr>
-          <p:cNvPr id="2" name="Title 1">
-            <a:extLst>
-              <a:ext uri="{FF2B5EF4-FFF2-40B4-BE49-F238E27FC236}">
-                <a16:creationId xmlns:a16="http://schemas.microsoft.com/office/drawing/2014/main" id="{338F2D69-BE9F-4363-B177-8B4569FCF0B8}"/>
-              </a:ext>
-            </a:extLst>
-          </p:cNvPr>
-          <p:cNvSpPr>
-            <a:spLocks noGrp="1"/>
-          </p:cNvSpPr>
-          <p:nvPr>
-            <p:ph type="title"/>
-          </p:nvPr>
-        </p:nvSpPr>
-        <p:spPr/>
-        <p:txBody>
-          <a:bodyPr/>
-          <a:lstStyle/>
-          <a:p>
-            <a:r>
-              <a:rPr lang="en-GB" dirty="0"/>
-              <a:t>Modules</a:t>
-            </a:r>
-          </a:p>
-        </p:txBody>
-      </p:sp>
-      <p:sp>
-        <p:nvSpPr>
-          <p:cNvPr id="3" name="Text Placeholder 2">
-            <a:extLst>
-              <a:ext uri="{FF2B5EF4-FFF2-40B4-BE49-F238E27FC236}">
-                <a16:creationId xmlns:a16="http://schemas.microsoft.com/office/drawing/2014/main" id="{DB8D9E8D-30B7-4D33-A1A7-F77A7C8F09E2}"/>
-              </a:ext>
-            </a:extLst>
-          </p:cNvPr>
-          <p:cNvSpPr>
-            <a:spLocks noGrp="1"/>
-          </p:cNvSpPr>
-          <p:nvPr>
-            <p:ph type="body" sz="quarter" idx="12"/>
-          </p:nvPr>
-        </p:nvSpPr>
-        <p:spPr/>
-        <p:txBody>
-          <a:bodyPr/>
-          <a:lstStyle/>
-          <a:p>
-            <a:endParaRPr lang="en-GB" dirty="0"/>
-          </a:p>
-        </p:txBody>
-      </p:sp>
-    </p:spTree>
-    <p:extLst>
-      <p:ext uri="{BB962C8B-B14F-4D97-AF65-F5344CB8AC3E}">
-        <p14:creationId xmlns:p14="http://schemas.microsoft.com/office/powerpoint/2010/main" val="3904090727"/>
       </p:ext>
     </p:extLst>
   </p:cSld>
@@ -23031,6 +28885,101 @@
       </p:grpSpPr>
       <p:sp>
         <p:nvSpPr>
+          <p:cNvPr id="2" name="Title 1">
+            <a:extLst>
+              <a:ext uri="{FF2B5EF4-FFF2-40B4-BE49-F238E27FC236}">
+                <a16:creationId xmlns:a16="http://schemas.microsoft.com/office/drawing/2014/main" id="{338F2D69-BE9F-4363-B177-8B4569FCF0B8}"/>
+              </a:ext>
+            </a:extLst>
+          </p:cNvPr>
+          <p:cNvSpPr>
+            <a:spLocks noGrp="1"/>
+          </p:cNvSpPr>
+          <p:nvPr>
+            <p:ph type="title"/>
+          </p:nvPr>
+        </p:nvSpPr>
+        <p:spPr/>
+        <p:txBody>
+          <a:bodyPr/>
+          <a:lstStyle/>
+          <a:p>
+            <a:r>
+              <a:rPr lang="en-GB" dirty="0"/>
+              <a:t>Modules</a:t>
+            </a:r>
+          </a:p>
+        </p:txBody>
+      </p:sp>
+      <p:sp>
+        <p:nvSpPr>
+          <p:cNvPr id="3" name="Text Placeholder 2">
+            <a:extLst>
+              <a:ext uri="{FF2B5EF4-FFF2-40B4-BE49-F238E27FC236}">
+                <a16:creationId xmlns:a16="http://schemas.microsoft.com/office/drawing/2014/main" id="{DB8D9E8D-30B7-4D33-A1A7-F77A7C8F09E2}"/>
+              </a:ext>
+            </a:extLst>
+          </p:cNvPr>
+          <p:cNvSpPr>
+            <a:spLocks noGrp="1"/>
+          </p:cNvSpPr>
+          <p:nvPr>
+            <p:ph type="body" sz="quarter" idx="12"/>
+          </p:nvPr>
+        </p:nvSpPr>
+        <p:spPr/>
+        <p:txBody>
+          <a:bodyPr/>
+          <a:lstStyle/>
+          <a:p>
+            <a:endParaRPr lang="en-GB" dirty="0"/>
+          </a:p>
+        </p:txBody>
+      </p:sp>
+    </p:spTree>
+    <p:extLst>
+      <p:ext uri="{BB962C8B-B14F-4D97-AF65-F5344CB8AC3E}">
+        <p14:creationId xmlns:p14="http://schemas.microsoft.com/office/powerpoint/2010/main" val="3904090727"/>
+      </p:ext>
+    </p:extLst>
+  </p:cSld>
+  <p:clrMapOvr>
+    <a:masterClrMapping/>
+  </p:clrMapOvr>
+  <mc:AlternateContent xmlns:mc="http://schemas.openxmlformats.org/markup-compatibility/2006" xmlns:p14="http://schemas.microsoft.com/office/powerpoint/2010/main">
+    <mc:Choice Requires="p14">
+      <p:transition spd="med" p14:dur="700">
+        <p:fade/>
+      </p:transition>
+    </mc:Choice>
+    <mc:Fallback xmlns="">
+      <p:transition spd="med">
+        <p:fade/>
+      </p:transition>
+    </mc:Fallback>
+  </mc:AlternateContent>
+</p:sld>
+</file>
+
+<file path=ppt/slides/slide9.xml><?xml version="1.0" encoding="utf-8"?>
+<p:sld xmlns:a="http://schemas.openxmlformats.org/drawingml/2006/main" xmlns:r="http://schemas.openxmlformats.org/officeDocument/2006/relationships" xmlns:p="http://schemas.openxmlformats.org/presentationml/2006/main">
+  <p:cSld>
+    <p:spTree>
+      <p:nvGrpSpPr>
+        <p:cNvPr id="1" name=""/>
+        <p:cNvGrpSpPr/>
+        <p:nvPr/>
+      </p:nvGrpSpPr>
+      <p:grpSpPr>
+        <a:xfrm>
+          <a:off x="0" y="0"/>
+          <a:ext cx="0" cy="0"/>
+          <a:chOff x="0" y="0"/>
+          <a:chExt cx="0" cy="0"/>
+        </a:xfrm>
+      </p:grpSpPr>
+      <p:sp>
+        <p:nvSpPr>
           <p:cNvPr id="6" name="Title 5">
             <a:extLst>
               <a:ext uri="{FF2B5EF4-FFF2-40B4-BE49-F238E27FC236}">
@@ -23103,136 +29052,6 @@
     <p:extLst>
       <p:ext uri="{BB962C8B-B14F-4D97-AF65-F5344CB8AC3E}">
         <p14:creationId xmlns:p14="http://schemas.microsoft.com/office/powerpoint/2010/main" val="2460728397"/>
-      </p:ext>
-    </p:extLst>
-  </p:cSld>
-  <p:clrMapOvr>
-    <a:masterClrMapping/>
-  </p:clrMapOvr>
-  <p:transition>
-    <p:fade/>
-  </p:transition>
-</p:sld>
-</file>
-
-<file path=ppt/slides/slide9.xml><?xml version="1.0" encoding="utf-8"?>
-<p:sld xmlns:a="http://schemas.openxmlformats.org/drawingml/2006/main" xmlns:r="http://schemas.openxmlformats.org/officeDocument/2006/relationships" xmlns:p="http://schemas.openxmlformats.org/presentationml/2006/main">
-  <p:cSld>
-    <p:spTree>
-      <p:nvGrpSpPr>
-        <p:cNvPr id="1" name=""/>
-        <p:cNvGrpSpPr/>
-        <p:nvPr/>
-      </p:nvGrpSpPr>
-      <p:grpSpPr>
-        <a:xfrm>
-          <a:off x="0" y="0"/>
-          <a:ext cx="0" cy="0"/>
-          <a:chOff x="0" y="0"/>
-          <a:chExt cx="0" cy="0"/>
-        </a:xfrm>
-      </p:grpSpPr>
-      <p:sp>
-        <p:nvSpPr>
-          <p:cNvPr id="4" name="Title 3">
-            <a:extLst>
-              <a:ext uri="{FF2B5EF4-FFF2-40B4-BE49-F238E27FC236}">
-                <a16:creationId xmlns:a16="http://schemas.microsoft.com/office/drawing/2014/main" id="{ADF823EF-D5E6-4DFC-AE0F-B17E436055DA}"/>
-              </a:ext>
-            </a:extLst>
-          </p:cNvPr>
-          <p:cNvSpPr>
-            <a:spLocks noGrp="1"/>
-          </p:cNvSpPr>
-          <p:nvPr>
-            <p:ph type="title"/>
-          </p:nvPr>
-        </p:nvSpPr>
-        <p:spPr/>
-        <p:txBody>
-          <a:bodyPr/>
-          <a:lstStyle/>
-          <a:p>
-            <a:r>
-              <a:rPr lang="en-GB" dirty="0"/>
-              <a:t>Modules</a:t>
-            </a:r>
-          </a:p>
-        </p:txBody>
-      </p:sp>
-      <p:sp>
-        <p:nvSpPr>
-          <p:cNvPr id="5" name="Text Placeholder 4">
-            <a:extLst>
-              <a:ext uri="{FF2B5EF4-FFF2-40B4-BE49-F238E27FC236}">
-                <a16:creationId xmlns:a16="http://schemas.microsoft.com/office/drawing/2014/main" id="{39C8699E-0E8E-4EAD-BD03-35ECC3325FAE}"/>
-              </a:ext>
-            </a:extLst>
-          </p:cNvPr>
-          <p:cNvSpPr>
-            <a:spLocks noGrp="1"/>
-          </p:cNvSpPr>
-          <p:nvPr>
-            <p:ph type="body" sz="quarter" idx="10"/>
-          </p:nvPr>
-        </p:nvSpPr>
-        <p:spPr>
-          <a:xfrm>
-            <a:off x="586740" y="1162766"/>
-            <a:ext cx="11018520" cy="307777"/>
-          </a:xfrm>
-        </p:spPr>
-        <p:txBody>
-          <a:bodyPr/>
-          <a:lstStyle/>
-          <a:p>
-            <a:r>
-              <a:rPr lang="en-GB" sz="2000" dirty="0"/>
-              <a:t>A </a:t>
-            </a:r>
-            <a:r>
-              <a:rPr lang="en-GB" sz="2000" i="1" dirty="0"/>
-              <a:t>module</a:t>
-            </a:r>
-            <a:r>
-              <a:rPr lang="en-GB" sz="2000" dirty="0"/>
-              <a:t> is a container for multiple resources that are used together. </a:t>
-            </a:r>
-          </a:p>
-        </p:txBody>
-      </p:sp>
-      <p:graphicFrame>
-        <p:nvGraphicFramePr>
-          <p:cNvPr id="8" name="Diagram 7">
-            <a:extLst>
-              <a:ext uri="{FF2B5EF4-FFF2-40B4-BE49-F238E27FC236}">
-                <a16:creationId xmlns:a16="http://schemas.microsoft.com/office/drawing/2014/main" id="{C9F82125-6FF8-43CF-A72F-2B15CD5C3718}"/>
-              </a:ext>
-            </a:extLst>
-          </p:cNvPr>
-          <p:cNvGraphicFramePr/>
-          <p:nvPr>
-            <p:extLst>
-              <p:ext uri="{D42A27DB-BD31-4B8C-83A1-F6EECF244321}">
-                <p14:modId xmlns:p14="http://schemas.microsoft.com/office/powerpoint/2010/main" val="1017978048"/>
-              </p:ext>
-            </p:extLst>
-          </p:nvPr>
-        </p:nvGraphicFramePr>
-        <p:xfrm>
-          <a:off x="660903" y="1729211"/>
-          <a:ext cx="11018520" cy="4961299"/>
-        </p:xfrm>
-        <a:graphic>
-          <a:graphicData uri="http://schemas.openxmlformats.org/drawingml/2006/diagram">
-            <dgm:relIds xmlns:dgm="http://schemas.openxmlformats.org/drawingml/2006/diagram" xmlns:r="http://schemas.openxmlformats.org/officeDocument/2006/relationships" r:dm="rId3" r:lo="rId4" r:qs="rId5" r:cs="rId6"/>
-          </a:graphicData>
-        </a:graphic>
-      </p:graphicFrame>
-    </p:spTree>
-    <p:extLst>
-      <p:ext uri="{BB962C8B-B14F-4D97-AF65-F5344CB8AC3E}">
-        <p14:creationId xmlns:p14="http://schemas.microsoft.com/office/powerpoint/2010/main" val="1213830845"/>
       </p:ext>
     </p:extLst>
   </p:cSld>
@@ -24085,6 +29904,15 @@
 </file>
 
 <file path=customXml/item1.xml><?xml version="1.0" encoding="utf-8"?>
+<?mso-contentType ?>
+<FormTemplates xmlns="http://schemas.microsoft.com/sharepoint/v3/contenttype/forms">
+  <Display>DocumentLibraryForm</Display>
+  <Edit>DocumentLibraryForm</Edit>
+  <New>DocumentLibraryForm</New>
+</FormTemplates>
+</file>
+
+<file path=customXml/item2.xml><?xml version="1.0" encoding="utf-8"?>
 <p:properties xmlns:p="http://schemas.microsoft.com/office/2006/metadata/properties" xmlns:pc="http://schemas.microsoft.com/office/infopath/2007/PartnerControls" xmlns:xsi="http://www.w3.org/2001/XMLSchema-instance">
   <documentManagement>
     <SharedWithUsers xmlns="53207a91-4873-4278-88cd-3a5c1985bff7">
@@ -24099,7 +29927,7 @@
 </p:properties>
 </file>
 
-<file path=customXml/item2.xml><?xml version="1.0" encoding="utf-8"?>
+<file path=customXml/item3.xml><?xml version="1.0" encoding="utf-8"?>
 <ct:contentTypeSchema xmlns:ct="http://schemas.microsoft.com/office/2006/metadata/contentType" xmlns:ma="http://schemas.microsoft.com/office/2006/metadata/properties/metaAttributes" ct:_="" ma:_="" ma:contentTypeName="Document" ma:contentTypeID="0x010100581AC3C96BC25B49BAADFDD2709736A2" ma:contentTypeVersion="13" ma:contentTypeDescription="Create a new document." ma:contentTypeScope="" ma:versionID="46d05e5ad3e10e23d0d91d2c812a342c">
   <xsd:schema xmlns:xsd="http://www.w3.org/2001/XMLSchema" xmlns:xs="http://www.w3.org/2001/XMLSchema" xmlns:p="http://schemas.microsoft.com/office/2006/metadata/properties" xmlns:ns3="61d4b2b7-c11c-4679-a498-c69870ddf3ad" xmlns:ns4="53207a91-4873-4278-88cd-3a5c1985bff7" targetNamespace="http://schemas.microsoft.com/office/2006/metadata/properties" ma:root="true" ma:fieldsID="23414a13395756fa7b20173620af81aa" ns3:_="" ns4:_="">
     <xsd:import namespace="61d4b2b7-c11c-4679-a498-c69870ddf3ad"/>
@@ -24322,16 +30150,15 @@
 </ct:contentTypeSchema>
 </file>
 
-<file path=customXml/item3.xml><?xml version="1.0" encoding="utf-8"?>
-<?mso-contentType ?>
-<FormTemplates xmlns="http://schemas.microsoft.com/sharepoint/v3/contenttype/forms">
-  <Display>DocumentLibraryForm</Display>
-  <Edit>DocumentLibraryForm</Edit>
-  <New>DocumentLibraryForm</New>
-</FormTemplates>
+<file path=customXml/itemProps1.xml><?xml version="1.0" encoding="utf-8"?>
+<ds:datastoreItem xmlns:ds="http://schemas.openxmlformats.org/officeDocument/2006/customXml" ds:itemID="{758FDAC0-319D-4A54-8D8E-1D42CB1F8004}">
+  <ds:schemaRefs>
+    <ds:schemaRef ds:uri="http://schemas.microsoft.com/sharepoint/v3/contenttype/forms"/>
+  </ds:schemaRefs>
+</ds:datastoreItem>
 </file>
 
-<file path=customXml/itemProps1.xml><?xml version="1.0" encoding="utf-8"?>
+<file path=customXml/itemProps2.xml><?xml version="1.0" encoding="utf-8"?>
 <ds:datastoreItem xmlns:ds="http://schemas.openxmlformats.org/officeDocument/2006/customXml" ds:itemID="{F990F116-B58F-4255-B05B-DA3808E0E5C6}">
   <ds:schemaRefs>
     <ds:schemaRef ds:uri="http://purl.org/dc/terms/"/>
@@ -24348,7 +30175,7 @@
 </ds:datastoreItem>
 </file>
 
-<file path=customXml/itemProps2.xml><?xml version="1.0" encoding="utf-8"?>
+<file path=customXml/itemProps3.xml><?xml version="1.0" encoding="utf-8"?>
 <ds:datastoreItem xmlns:ds="http://schemas.openxmlformats.org/officeDocument/2006/customXml" ds:itemID="{038AEBA6-4909-4FA6-B3B8-894B7F209BA0}">
   <ds:schemaRefs>
     <ds:schemaRef ds:uri="http://schemas.microsoft.com/office/2006/metadata/contentType"/>
@@ -24367,14 +30194,6 @@
 </ds:datastoreItem>
 </file>
 
-<file path=customXml/itemProps3.xml><?xml version="1.0" encoding="utf-8"?>
-<ds:datastoreItem xmlns:ds="http://schemas.openxmlformats.org/officeDocument/2006/customXml" ds:itemID="{758FDAC0-319D-4A54-8D8E-1D42CB1F8004}">
-  <ds:schemaRefs>
-    <ds:schemaRef ds:uri="http://schemas.microsoft.com/sharepoint/v3/contenttype/forms"/>
-  </ds:schemaRefs>
-</ds:datastoreItem>
-</file>
-
 <file path=docMetadata/LabelInfo.xml><?xml version="1.0" encoding="utf-8"?>
 <clbl:labelList xmlns:clbl="http://schemas.microsoft.com/office/2020/mipLabelMetadata">
   <clbl:label id="{f42aa342-8706-4288-bd11-ebb85995028c}" enabled="1" method="Standard" siteId="{72f988bf-86f1-41af-91ab-2d7cd011db47}" contentBits="0" removed="0"/>

--- a/PPTs/04_dependencies_and_modules.pptx
+++ b/PPTs/04_dependencies_and_modules.pptx
@@ -5715,7 +5715,7 @@
               <a:rPr lang="en-US" smtClean="0">
                 <a:latin typeface="Segoe UI" pitchFamily="34" charset="0"/>
               </a:rPr>
-              <a:t>6/29/2023 12:47 PM</a:t>
+              <a:t>7/31/2023 10:32 AM</a:t>
             </a:fld>
             <a:endParaRPr lang="en-US" dirty="0">
               <a:latin typeface="Segoe UI" pitchFamily="34" charset="0"/>
@@ -5993,7 +5993,7 @@
           <a:p>
             <a:fld id="{386CE63F-9E7F-4C04-9D0D-FCA25A8E9E86}" type="datetime8">
               <a:rPr lang="en-US" smtClean="0"/>
-              <a:t>6/29/2023 12:46 PM</a:t>
+              <a:t>7/31/2023 10:32 AM</a:t>
             </a:fld>
             <a:endParaRPr lang="en-US" dirty="0"/>
           </a:p>
@@ -6360,7 +6360,7 @@
           <a:p>
             <a:fld id="{321E5A7B-BB8D-4368-A182-109669521632}" type="datetime8">
               <a:rPr lang="en-US" smtClean="0"/>
-              <a:t>6/29/2023 12:46 PM</a:t>
+              <a:t>7/31/2023 10:32 AM</a:t>
             </a:fld>
             <a:endParaRPr lang="en-US" dirty="0"/>
           </a:p>
@@ -6559,7 +6559,7 @@
           <a:p>
             <a:fld id="{386CE63F-9E7F-4C04-9D0D-FCA25A8E9E86}" type="datetime8">
               <a:rPr lang="en-US" smtClean="0"/>
-              <a:t>6/29/2023 12:46 PM</a:t>
+              <a:t>7/31/2023 10:32 AM</a:t>
             </a:fld>
             <a:endParaRPr lang="en-US" dirty="0"/>
           </a:p>
@@ -6743,7 +6743,7 @@
           <a:p>
             <a:fld id="{386CE63F-9E7F-4C04-9D0D-FCA25A8E9E86}" type="datetime8">
               <a:rPr lang="en-US" smtClean="0"/>
-              <a:t>6/29/2023 12:46 PM</a:t>
+              <a:t>7/31/2023 10:32 AM</a:t>
             </a:fld>
             <a:endParaRPr lang="en-US" dirty="0"/>
           </a:p>
@@ -6936,7 +6936,7 @@
           <a:p>
             <a:fld id="{386CE63F-9E7F-4C04-9D0D-FCA25A8E9E86}" type="datetime8">
               <a:rPr lang="en-US" smtClean="0"/>
-              <a:t>6/29/2023 12:46 PM</a:t>
+              <a:t>7/31/2023 10:32 AM</a:t>
             </a:fld>
             <a:endParaRPr lang="en-US" dirty="0"/>
           </a:p>
@@ -7133,7 +7133,7 @@
           <a:p>
             <a:fld id="{386CE63F-9E7F-4C04-9D0D-FCA25A8E9E86}" type="datetime8">
               <a:rPr lang="en-US" smtClean="0"/>
-              <a:t>6/29/2023 12:46 PM</a:t>
+              <a:t>7/31/2023 10:32 AM</a:t>
             </a:fld>
             <a:endParaRPr lang="en-US" dirty="0"/>
           </a:p>
@@ -7298,7 +7298,7 @@
           <a:p>
             <a:fld id="{9427A7F7-BB1E-479D-AFAA-B52F4D0C99F2}" type="datetime8">
               <a:rPr lang="en-US" smtClean="0"/>
-              <a:t>6/29/2023 12:46 PM</a:t>
+              <a:t>7/31/2023 10:32 AM</a:t>
             </a:fld>
             <a:endParaRPr lang="en-US" dirty="0"/>
           </a:p>
@@ -7448,7 +7448,7 @@
                   <a:prstClr val="black"/>
                 </a:solidFill>
               </a:rPr>
-              <a:t>6/29/2023 12:46 PM</a:t>
+              <a:t>7/31/2023 10:32 AM</a:t>
             </a:fld>
             <a:endParaRPr lang="en-US" dirty="0">
               <a:solidFill>
@@ -7740,7 +7740,7 @@
           <a:p>
             <a:fld id="{386CE63F-9E7F-4C04-9D0D-FCA25A8E9E86}" type="datetime8">
               <a:rPr lang="en-US" smtClean="0"/>
-              <a:t>6/29/2023 12:46 PM</a:t>
+              <a:t>7/31/2023 10:32 AM</a:t>
             </a:fld>
             <a:endParaRPr lang="en-US" dirty="0"/>
           </a:p>
@@ -7942,7 +7942,7 @@
           <a:p>
             <a:fld id="{386CE63F-9E7F-4C04-9D0D-FCA25A8E9E86}" type="datetime8">
               <a:rPr lang="en-US" smtClean="0"/>
-              <a:t>6/29/2023 12:46 PM</a:t>
+              <a:t>7/31/2023 10:32 AM</a:t>
             </a:fld>
             <a:endParaRPr lang="en-US" dirty="0"/>
           </a:p>
@@ -8138,7 +8138,7 @@
           <a:p>
             <a:fld id="{386CE63F-9E7F-4C04-9D0D-FCA25A8E9E86}" type="datetime8">
               <a:rPr lang="en-US" smtClean="0"/>
-              <a:t>6/29/2023 12:46 PM</a:t>
+              <a:t>7/31/2023 10:32 AM</a:t>
             </a:fld>
             <a:endParaRPr lang="en-US" dirty="0"/>
           </a:p>
@@ -8334,7 +8334,7 @@
           <a:p>
             <a:fld id="{386CE63F-9E7F-4C04-9D0D-FCA25A8E9E86}" type="datetime8">
               <a:rPr lang="en-US" smtClean="0"/>
-              <a:t>6/29/2023 12:46 PM</a:t>
+              <a:t>7/31/2023 10:32 AM</a:t>
             </a:fld>
             <a:endParaRPr lang="en-US" dirty="0"/>
           </a:p>
@@ -8518,7 +8518,7 @@
           <a:p>
             <a:fld id="{386CE63F-9E7F-4C04-9D0D-FCA25A8E9E86}" type="datetime8">
               <a:rPr lang="en-US" smtClean="0"/>
-              <a:t>6/29/2023 12:46 PM</a:t>
+              <a:t>7/31/2023 10:32 AM</a:t>
             </a:fld>
             <a:endParaRPr lang="en-US" dirty="0"/>
           </a:p>
@@ -8702,7 +8702,7 @@
           <a:p>
             <a:fld id="{386CE63F-9E7F-4C04-9D0D-FCA25A8E9E86}" type="datetime8">
               <a:rPr lang="en-US" smtClean="0"/>
-              <a:t>6/29/2023 12:46 PM</a:t>
+              <a:t>7/31/2023 10:32 AM</a:t>
             </a:fld>
             <a:endParaRPr lang="en-US" dirty="0"/>
           </a:p>
@@ -8939,7 +8939,7 @@
           <a:p>
             <a:fld id="{386CE63F-9E7F-4C04-9D0D-FCA25A8E9E86}" type="datetime8">
               <a:rPr lang="en-US" smtClean="0"/>
-              <a:t>6/29/2023 12:46 PM</a:t>
+              <a:t>7/31/2023 10:32 AM</a:t>
             </a:fld>
             <a:endParaRPr lang="en-US" dirty="0"/>
           </a:p>
@@ -19996,7 +19996,10 @@
           <a:bodyPr/>
           <a:lstStyle/>
           <a:p>
-            <a:endParaRPr lang="en-US" dirty="0"/>
+            <a:r>
+              <a:rPr lang="en-US" dirty="0"/>
+              <a:t>Ryan Russell-Yates</a:t>
+            </a:r>
           </a:p>
         </p:txBody>
       </p:sp>
@@ -29913,21 +29916,6 @@
 </file>
 
 <file path=customXml/item2.xml><?xml version="1.0" encoding="utf-8"?>
-<p:properties xmlns:p="http://schemas.microsoft.com/office/2006/metadata/properties" xmlns:pc="http://schemas.microsoft.com/office/infopath/2007/PartnerControls" xmlns:xsi="http://www.w3.org/2001/XMLSchema-instance">
-  <documentManagement>
-    <SharedWithUsers xmlns="53207a91-4873-4278-88cd-3a5c1985bff7">
-      <UserInfo>
-        <DisplayName/>
-        <AccountId xsi:nil="true"/>
-        <AccountType/>
-      </UserInfo>
-    </SharedWithUsers>
-    <SharedWithDetails xmlns="53207a91-4873-4278-88cd-3a5c1985bff7" xsi:nil="true"/>
-  </documentManagement>
-</p:properties>
-</file>
-
-<file path=customXml/item3.xml><?xml version="1.0" encoding="utf-8"?>
 <ct:contentTypeSchema xmlns:ct="http://schemas.microsoft.com/office/2006/metadata/contentType" xmlns:ma="http://schemas.microsoft.com/office/2006/metadata/properties/metaAttributes" ct:_="" ma:_="" ma:contentTypeName="Document" ma:contentTypeID="0x010100581AC3C96BC25B49BAADFDD2709736A2" ma:contentTypeVersion="13" ma:contentTypeDescription="Create a new document." ma:contentTypeScope="" ma:versionID="46d05e5ad3e10e23d0d91d2c812a342c">
   <xsd:schema xmlns:xsd="http://www.w3.org/2001/XMLSchema" xmlns:xs="http://www.w3.org/2001/XMLSchema" xmlns:p="http://schemas.microsoft.com/office/2006/metadata/properties" xmlns:ns3="61d4b2b7-c11c-4679-a498-c69870ddf3ad" xmlns:ns4="53207a91-4873-4278-88cd-3a5c1985bff7" targetNamespace="http://schemas.microsoft.com/office/2006/metadata/properties" ma:root="true" ma:fieldsID="23414a13395756fa7b20173620af81aa" ns3:_="" ns4:_="">
     <xsd:import namespace="61d4b2b7-c11c-4679-a498-c69870ddf3ad"/>
@@ -30150,6 +30138,21 @@
 </ct:contentTypeSchema>
 </file>
 
+<file path=customXml/item3.xml><?xml version="1.0" encoding="utf-8"?>
+<p:properties xmlns:p="http://schemas.microsoft.com/office/2006/metadata/properties" xmlns:pc="http://schemas.microsoft.com/office/infopath/2007/PartnerControls" xmlns:xsi="http://www.w3.org/2001/XMLSchema-instance">
+  <documentManagement>
+    <SharedWithUsers xmlns="53207a91-4873-4278-88cd-3a5c1985bff7">
+      <UserInfo>
+        <DisplayName/>
+        <AccountId xsi:nil="true"/>
+        <AccountType/>
+      </UserInfo>
+    </SharedWithUsers>
+    <SharedWithDetails xmlns="53207a91-4873-4278-88cd-3a5c1985bff7" xsi:nil="true"/>
+  </documentManagement>
+</p:properties>
+</file>
+
 <file path=customXml/itemProps1.xml><?xml version="1.0" encoding="utf-8"?>
 <ds:datastoreItem xmlns:ds="http://schemas.openxmlformats.org/officeDocument/2006/customXml" ds:itemID="{758FDAC0-319D-4A54-8D8E-1D42CB1F8004}">
   <ds:schemaRefs>
@@ -30159,23 +30162,6 @@
 </file>
 
 <file path=customXml/itemProps2.xml><?xml version="1.0" encoding="utf-8"?>
-<ds:datastoreItem xmlns:ds="http://schemas.openxmlformats.org/officeDocument/2006/customXml" ds:itemID="{F990F116-B58F-4255-B05B-DA3808E0E5C6}">
-  <ds:schemaRefs>
-    <ds:schemaRef ds:uri="http://purl.org/dc/terms/"/>
-    <ds:schemaRef ds:uri="http://www.w3.org/XML/1998/namespace"/>
-    <ds:schemaRef ds:uri="http://schemas.microsoft.com/office/infopath/2007/PartnerControls"/>
-    <ds:schemaRef ds:uri="http://schemas.openxmlformats.org/package/2006/metadata/core-properties"/>
-    <ds:schemaRef ds:uri="http://schemas.microsoft.com/office/2006/documentManagement/types"/>
-    <ds:schemaRef ds:uri="http://purl.org/dc/dcmitype/"/>
-    <ds:schemaRef ds:uri="53207a91-4873-4278-88cd-3a5c1985bff7"/>
-    <ds:schemaRef ds:uri="61d4b2b7-c11c-4679-a498-c69870ddf3ad"/>
-    <ds:schemaRef ds:uri="http://schemas.microsoft.com/office/2006/metadata/properties"/>
-    <ds:schemaRef ds:uri="http://purl.org/dc/elements/1.1/"/>
-  </ds:schemaRefs>
-</ds:datastoreItem>
-</file>
-
-<file path=customXml/itemProps3.xml><?xml version="1.0" encoding="utf-8"?>
 <ds:datastoreItem xmlns:ds="http://schemas.openxmlformats.org/officeDocument/2006/customXml" ds:itemID="{038AEBA6-4909-4FA6-B3B8-894B7F209BA0}">
   <ds:schemaRefs>
     <ds:schemaRef ds:uri="http://schemas.microsoft.com/office/2006/metadata/contentType"/>
@@ -30194,6 +30180,23 @@
 </ds:datastoreItem>
 </file>
 
+<file path=customXml/itemProps3.xml><?xml version="1.0" encoding="utf-8"?>
+<ds:datastoreItem xmlns:ds="http://schemas.openxmlformats.org/officeDocument/2006/customXml" ds:itemID="{F990F116-B58F-4255-B05B-DA3808E0E5C6}">
+  <ds:schemaRefs>
+    <ds:schemaRef ds:uri="http://purl.org/dc/terms/"/>
+    <ds:schemaRef ds:uri="http://www.w3.org/XML/1998/namespace"/>
+    <ds:schemaRef ds:uri="http://schemas.microsoft.com/office/infopath/2007/PartnerControls"/>
+    <ds:schemaRef ds:uri="http://schemas.openxmlformats.org/package/2006/metadata/core-properties"/>
+    <ds:schemaRef ds:uri="http://schemas.microsoft.com/office/2006/documentManagement/types"/>
+    <ds:schemaRef ds:uri="http://purl.org/dc/dcmitype/"/>
+    <ds:schemaRef ds:uri="53207a91-4873-4278-88cd-3a5c1985bff7"/>
+    <ds:schemaRef ds:uri="61d4b2b7-c11c-4679-a498-c69870ddf3ad"/>
+    <ds:schemaRef ds:uri="http://schemas.microsoft.com/office/2006/metadata/properties"/>
+    <ds:schemaRef ds:uri="http://purl.org/dc/elements/1.1/"/>
+  </ds:schemaRefs>
+</ds:datastoreItem>
+</file>
+
 <file path=docMetadata/LabelInfo.xml><?xml version="1.0" encoding="utf-8"?>
 <clbl:labelList xmlns:clbl="http://schemas.microsoft.com/office/2020/mipLabelMetadata">
   <clbl:label id="{f42aa342-8706-4288-bd11-ebb85995028c}" enabled="1" method="Standard" siteId="{72f988bf-86f1-41af-91ab-2d7cd011db47}" contentBits="0" removed="0"/>
